--- a/Presentaciones/Swell - Optimización de estrategias - R5 (19-03-2021).pptx
+++ b/Presentaciones/Swell - Optimización de estrategias - R5 (19-03-2021).pptx
@@ -5,10 +5,10 @@
     <p:sldMasterId id="2147483676" r:id="rId1"/>
   </p:sldMasterIdLst>
   <p:notesMasterIdLst>
-    <p:notesMasterId r:id="rId15"/>
+    <p:notesMasterId r:id="rId29"/>
   </p:notesMasterIdLst>
   <p:handoutMasterIdLst>
-    <p:handoutMasterId r:id="rId16"/>
+    <p:handoutMasterId r:id="rId30"/>
   </p:handoutMasterIdLst>
   <p:sldIdLst>
     <p:sldId id="401" r:id="rId2"/>
@@ -19,35 +19,49 @@
     <p:sldId id="361" r:id="rId7"/>
     <p:sldId id="422" r:id="rId8"/>
     <p:sldId id="417" r:id="rId9"/>
-    <p:sldId id="406" r:id="rId10"/>
-    <p:sldId id="410" r:id="rId11"/>
-    <p:sldId id="400" r:id="rId12"/>
-    <p:sldId id="404" r:id="rId13"/>
-    <p:sldId id="371" r:id="rId14"/>
+    <p:sldId id="437" r:id="rId10"/>
+    <p:sldId id="429" r:id="rId11"/>
+    <p:sldId id="430" r:id="rId12"/>
+    <p:sldId id="413" r:id="rId13"/>
+    <p:sldId id="435" r:id="rId14"/>
+    <p:sldId id="426" r:id="rId15"/>
+    <p:sldId id="434" r:id="rId16"/>
+    <p:sldId id="427" r:id="rId17"/>
+    <p:sldId id="433" r:id="rId18"/>
+    <p:sldId id="428" r:id="rId19"/>
+    <p:sldId id="431" r:id="rId20"/>
+    <p:sldId id="423" r:id="rId21"/>
+    <p:sldId id="432" r:id="rId22"/>
+    <p:sldId id="424" r:id="rId23"/>
+    <p:sldId id="436" r:id="rId24"/>
+    <p:sldId id="425" r:id="rId25"/>
+    <p:sldId id="400" r:id="rId26"/>
+    <p:sldId id="404" r:id="rId27"/>
+    <p:sldId id="371" r:id="rId28"/>
   </p:sldIdLst>
   <p:sldSz cx="9144000" cy="5143500" type="screen16x9"/>
   <p:notesSz cx="6858000" cy="9144000"/>
   <p:embeddedFontLst>
     <p:embeddedFont>
       <p:font typeface="Montserrat" panose="020B0604020202020204" charset="0"/>
-      <p:regular r:id="rId17"/>
-      <p:bold r:id="rId18"/>
-      <p:italic r:id="rId19"/>
-      <p:boldItalic r:id="rId20"/>
+      <p:regular r:id="rId31"/>
+      <p:bold r:id="rId32"/>
+      <p:italic r:id="rId33"/>
+      <p:boldItalic r:id="rId34"/>
     </p:embeddedFont>
     <p:embeddedFont>
       <p:font typeface="Montserrat Medium" panose="020B0604020202020204" charset="0"/>
-      <p:regular r:id="rId21"/>
-      <p:bold r:id="rId22"/>
-      <p:italic r:id="rId23"/>
-      <p:boldItalic r:id="rId24"/>
+      <p:regular r:id="rId35"/>
+      <p:bold r:id="rId36"/>
+      <p:italic r:id="rId37"/>
+      <p:boldItalic r:id="rId38"/>
     </p:embeddedFont>
     <p:embeddedFont>
       <p:font typeface="Open Sans" panose="020B0604020202020204" charset="0"/>
-      <p:regular r:id="rId25"/>
-      <p:bold r:id="rId26"/>
-      <p:italic r:id="rId27"/>
-      <p:boldItalic r:id="rId28"/>
+      <p:regular r:id="rId39"/>
+      <p:bold r:id="rId40"/>
+      <p:italic r:id="rId41"/>
+      <p:boldItalic r:id="rId42"/>
     </p:embeddedFont>
   </p:embeddedFontLst>
   <p:defaultTextStyle>
@@ -407,7 +421,7 @@
           <a:p>
             <a:fld id="{58996DD2-7C55-401B-B490-511405823B84}" type="datetimeFigureOut">
               <a:rPr lang="en-US" smtClean="0"/>
-              <a:t>3/16/2021</a:t>
+              <a:t>3/18/2021</a:t>
             </a:fld>
             <a:endParaRPr lang="en-US"/>
           </a:p>
@@ -1199,6 +1213,36 @@
         </a:xfrm>
       </p:grpSpPr>
     </p:spTree>
+  </p:cSld>
+  <p:clrMapOvr>
+    <a:masterClrMapping/>
+  </p:clrMapOvr>
+</p:notes>
+</file>
+
+<file path=ppt/notesSlides/notesSlide5.xml><?xml version="1.0" encoding="utf-8"?>
+<p:notes xmlns:a="http://schemas.openxmlformats.org/drawingml/2006/main" xmlns:r="http://schemas.openxmlformats.org/officeDocument/2006/relationships" xmlns:p="http://schemas.openxmlformats.org/presentationml/2006/main">
+  <p:cSld>
+    <p:spTree>
+      <p:nvGrpSpPr>
+        <p:cNvPr id="1" name=""/>
+        <p:cNvGrpSpPr/>
+        <p:nvPr/>
+      </p:nvGrpSpPr>
+      <p:grpSpPr>
+        <a:xfrm>
+          <a:off x="0" y="0"/>
+          <a:ext cx="0" cy="0"/>
+          <a:chOff x="0" y="0"/>
+          <a:chExt cx="0" cy="0"/>
+        </a:xfrm>
+      </p:grpSpPr>
+    </p:spTree>
+    <p:extLst>
+      <p:ext uri="{BB962C8B-B14F-4D97-AF65-F5344CB8AC3E}">
+        <p14:creationId xmlns:p14="http://schemas.microsoft.com/office/powerpoint/2010/main" val="77918062"/>
+      </p:ext>
+    </p:extLst>
   </p:cSld>
   <p:clrMapOvr>
     <a:masterClrMapping/>
@@ -7177,10 +7221,10 @@
       </p:grpSpPr>
       <p:sp>
         <p:nvSpPr>
-          <p:cNvPr id="4" name="Marcador de texto 3">
+          <p:cNvPr id="2" name="Título 1">
             <a:extLst>
               <a:ext uri="{FF2B5EF4-FFF2-40B4-BE49-F238E27FC236}">
-                <a16:creationId xmlns:a16="http://schemas.microsoft.com/office/drawing/2014/main" id="{55E779F4-73C4-435D-8652-207FBED77C1B}"/>
+                <a16:creationId xmlns:a16="http://schemas.microsoft.com/office/drawing/2014/main" id="{EC13EAE9-3A3A-4699-9106-F701E4EAB889}"/>
               </a:ext>
             </a:extLst>
           </p:cNvPr>
@@ -7188,1223 +7232,55 @@
             <a:spLocks noGrp="1"/>
           </p:cNvSpPr>
           <p:nvPr>
-            <p:ph type="body" idx="4294967295"/>
+            <p:ph type="title"/>
           </p:nvPr>
         </p:nvSpPr>
-        <p:spPr>
-          <a:xfrm>
-            <a:off x="319686" y="903288"/>
-            <a:ext cx="8824314" cy="3886200"/>
-          </a:xfrm>
-        </p:spPr>
+        <p:spPr/>
         <p:txBody>
           <a:bodyPr/>
           <a:lstStyle/>
           <a:p>
-            <a:pPr marL="457200" lvl="2" indent="-342900">
-              <a:lnSpc>
-                <a:spcPct val="100000"/>
-              </a:lnSpc>
-              <a:spcBef>
-                <a:spcPts val="0"/>
-              </a:spcBef>
-              <a:buClr>
-                <a:srgbClr val="677480"/>
-              </a:buClr>
-              <a:buSzPts val="1100"/>
-              <a:defRPr/>
-            </a:pPr>
-            <a:endParaRPr lang="en-US" dirty="0">
-              <a:solidFill>
-                <a:srgbClr val="677480"/>
-              </a:solidFill>
-              <a:latin typeface="Montserrat Medium" panose="020B0604020202020204" charset="0"/>
-              <a:ea typeface="Open Sans" panose="020B0604020202020204" charset="0"/>
-              <a:cs typeface="Open Sans" panose="020B0604020202020204" charset="0"/>
-              <a:sym typeface="Lato"/>
-            </a:endParaRPr>
-          </a:p>
-          <a:p>
-            <a:pPr marL="457200" lvl="2" indent="-342900">
-              <a:lnSpc>
-                <a:spcPct val="100000"/>
-              </a:lnSpc>
-              <a:spcBef>
-                <a:spcPts val="0"/>
-              </a:spcBef>
-              <a:buClr>
-                <a:srgbClr val="677480"/>
-              </a:buClr>
-              <a:buSzPts val="1100"/>
-              <a:defRPr/>
-            </a:pPr>
             <a:r>
-              <a:rPr lang="en-US" dirty="0">
-                <a:solidFill>
-                  <a:srgbClr val="677480"/>
-                </a:solidFill>
-                <a:latin typeface="Montserrat Medium" panose="020B0604020202020204" charset="0"/>
-                <a:ea typeface="Open Sans" panose="020B0604020202020204" charset="0"/>
-                <a:cs typeface="Open Sans" panose="020B0604020202020204" charset="0"/>
-                <a:sym typeface="Lato"/>
-              </a:rPr>
-              <a:t>Sharpe: (Rp – Rf) / </a:t>
+              <a:rPr lang="es-CO" dirty="0"/>
+              <a:t>ECH</a:t>
             </a:r>
-            <a:r>
-              <a:rPr lang="en-US" dirty="0" err="1">
-                <a:solidFill>
-                  <a:srgbClr val="677480"/>
-                </a:solidFill>
-                <a:latin typeface="Montserrat Medium" panose="020B0604020202020204" charset="0"/>
-                <a:ea typeface="Open Sans" panose="020B0604020202020204" charset="0"/>
-                <a:cs typeface="Open Sans" panose="020B0604020202020204" charset="0"/>
-                <a:sym typeface="Lato"/>
-              </a:rPr>
-              <a:t>DSp</a:t>
-            </a:r>
-            <a:endParaRPr lang="en-US" dirty="0">
-              <a:solidFill>
-                <a:srgbClr val="677480"/>
-              </a:solidFill>
-              <a:latin typeface="Montserrat Medium" panose="020B0604020202020204" charset="0"/>
-              <a:ea typeface="Open Sans" panose="020B0604020202020204" charset="0"/>
-              <a:cs typeface="Open Sans" panose="020B0604020202020204" charset="0"/>
-              <a:sym typeface="Lato"/>
-            </a:endParaRPr>
-          </a:p>
-          <a:p>
-            <a:pPr marL="457200" lvl="2" indent="-342900">
-              <a:lnSpc>
-                <a:spcPct val="100000"/>
-              </a:lnSpc>
-              <a:spcBef>
-                <a:spcPts val="0"/>
-              </a:spcBef>
-              <a:buClr>
-                <a:srgbClr val="677480"/>
-              </a:buClr>
-              <a:buSzPts val="1100"/>
-              <a:defRPr/>
-            </a:pPr>
-            <a:endParaRPr lang="en-US" dirty="0">
-              <a:solidFill>
-                <a:srgbClr val="677480"/>
-              </a:solidFill>
-              <a:latin typeface="Montserrat Medium" panose="020B0604020202020204" charset="0"/>
-              <a:ea typeface="Open Sans" panose="020B0604020202020204" charset="0"/>
-              <a:cs typeface="Open Sans" panose="020B0604020202020204" charset="0"/>
-              <a:sym typeface="Lato"/>
-            </a:endParaRPr>
-          </a:p>
-          <a:p>
-            <a:pPr marL="914400" lvl="3" indent="-342900">
-              <a:lnSpc>
-                <a:spcPct val="100000"/>
-              </a:lnSpc>
-              <a:spcBef>
-                <a:spcPts val="0"/>
-              </a:spcBef>
-              <a:buClr>
-                <a:srgbClr val="677480"/>
-              </a:buClr>
-              <a:buSzPts val="1100"/>
-              <a:defRPr/>
-            </a:pPr>
-            <a:r>
-              <a:rPr lang="en-US" b="1" dirty="0">
-                <a:solidFill>
-                  <a:srgbClr val="677480"/>
-                </a:solidFill>
-                <a:latin typeface="Montserrat Medium" panose="020B0604020202020204" charset="0"/>
-                <a:ea typeface="Open Sans" panose="020B0604020202020204" charset="0"/>
-                <a:cs typeface="Open Sans" panose="020B0604020202020204" charset="0"/>
-                <a:sym typeface="Lato"/>
-              </a:rPr>
-              <a:t>Rf = </a:t>
-            </a:r>
-            <a:r>
-              <a:rPr lang="en-US" b="1" dirty="0" err="1">
-                <a:solidFill>
-                  <a:srgbClr val="677480"/>
-                </a:solidFill>
-                <a:latin typeface="Montserrat Medium" panose="020B0604020202020204" charset="0"/>
-                <a:ea typeface="Open Sans" panose="020B0604020202020204" charset="0"/>
-                <a:cs typeface="Open Sans" panose="020B0604020202020204" charset="0"/>
-                <a:sym typeface="Lato"/>
-              </a:rPr>
-              <a:t>Rentabilidad</a:t>
-            </a:r>
-            <a:r>
-              <a:rPr lang="en-US" b="1" dirty="0">
-                <a:solidFill>
-                  <a:srgbClr val="677480"/>
-                </a:solidFill>
-                <a:latin typeface="Montserrat Medium" panose="020B0604020202020204" charset="0"/>
-                <a:ea typeface="Open Sans" panose="020B0604020202020204" charset="0"/>
-                <a:cs typeface="Open Sans" panose="020B0604020202020204" charset="0"/>
-                <a:sym typeface="Lato"/>
-              </a:rPr>
-              <a:t> sin </a:t>
-            </a:r>
-            <a:r>
-              <a:rPr lang="en-US" b="1" dirty="0" err="1">
-                <a:solidFill>
-                  <a:srgbClr val="677480"/>
-                </a:solidFill>
-                <a:latin typeface="Montserrat Medium" panose="020B0604020202020204" charset="0"/>
-                <a:ea typeface="Open Sans" panose="020B0604020202020204" charset="0"/>
-                <a:cs typeface="Open Sans" panose="020B0604020202020204" charset="0"/>
-                <a:sym typeface="Lato"/>
-              </a:rPr>
-              <a:t>riesgo</a:t>
-            </a:r>
-            <a:r>
-              <a:rPr lang="en-US" b="1" dirty="0">
-                <a:solidFill>
-                  <a:srgbClr val="677480"/>
-                </a:solidFill>
-                <a:latin typeface="Montserrat Medium" panose="020B0604020202020204" charset="0"/>
-                <a:ea typeface="Open Sans" panose="020B0604020202020204" charset="0"/>
-                <a:cs typeface="Open Sans" panose="020B0604020202020204" charset="0"/>
-                <a:sym typeface="Lato"/>
-              </a:rPr>
-              <a:t>. </a:t>
-            </a:r>
-            <a:r>
-              <a:rPr lang="en-US" b="1" dirty="0" err="1">
-                <a:solidFill>
-                  <a:srgbClr val="677480"/>
-                </a:solidFill>
-                <a:latin typeface="Montserrat Medium" panose="020B0604020202020204" charset="0"/>
-                <a:ea typeface="Open Sans" panose="020B0604020202020204" charset="0"/>
-                <a:cs typeface="Open Sans" panose="020B0604020202020204" charset="0"/>
-                <a:sym typeface="Lato"/>
-              </a:rPr>
-              <a:t>Obligaciones</a:t>
-            </a:r>
-            <a:r>
-              <a:rPr lang="en-US" b="1" dirty="0">
-                <a:solidFill>
-                  <a:srgbClr val="677480"/>
-                </a:solidFill>
-                <a:latin typeface="Montserrat Medium" panose="020B0604020202020204" charset="0"/>
-                <a:ea typeface="Open Sans" panose="020B0604020202020204" charset="0"/>
-                <a:cs typeface="Open Sans" panose="020B0604020202020204" charset="0"/>
-                <a:sym typeface="Lato"/>
-              </a:rPr>
-              <a:t> a </a:t>
-            </a:r>
-            <a:r>
-              <a:rPr lang="en-US" b="1" dirty="0" err="1">
-                <a:solidFill>
-                  <a:srgbClr val="677480"/>
-                </a:solidFill>
-                <a:latin typeface="Montserrat Medium" panose="020B0604020202020204" charset="0"/>
-                <a:ea typeface="Open Sans" panose="020B0604020202020204" charset="0"/>
-                <a:cs typeface="Open Sans" panose="020B0604020202020204" charset="0"/>
-                <a:sym typeface="Lato"/>
-              </a:rPr>
-              <a:t>corto</a:t>
-            </a:r>
-            <a:r>
-              <a:rPr lang="en-US" b="1" dirty="0">
-                <a:solidFill>
-                  <a:srgbClr val="677480"/>
-                </a:solidFill>
-                <a:latin typeface="Montserrat Medium" panose="020B0604020202020204" charset="0"/>
-                <a:ea typeface="Open Sans" panose="020B0604020202020204" charset="0"/>
-                <a:cs typeface="Open Sans" panose="020B0604020202020204" charset="0"/>
-                <a:sym typeface="Lato"/>
-              </a:rPr>
-              <a:t> </a:t>
-            </a:r>
-            <a:r>
-              <a:rPr lang="en-US" b="1" dirty="0" err="1">
-                <a:solidFill>
-                  <a:srgbClr val="677480"/>
-                </a:solidFill>
-                <a:latin typeface="Montserrat Medium" panose="020B0604020202020204" charset="0"/>
-                <a:ea typeface="Open Sans" panose="020B0604020202020204" charset="0"/>
-                <a:cs typeface="Open Sans" panose="020B0604020202020204" charset="0"/>
-                <a:sym typeface="Lato"/>
-              </a:rPr>
-              <a:t>plazo</a:t>
-            </a:r>
-            <a:r>
-              <a:rPr lang="en-US" b="1" dirty="0">
-                <a:solidFill>
-                  <a:srgbClr val="677480"/>
-                </a:solidFill>
-                <a:latin typeface="Montserrat Medium" panose="020B0604020202020204" charset="0"/>
-                <a:ea typeface="Open Sans" panose="020B0604020202020204" charset="0"/>
-                <a:cs typeface="Open Sans" panose="020B0604020202020204" charset="0"/>
-                <a:sym typeface="Lato"/>
-              </a:rPr>
-              <a:t> de </a:t>
-            </a:r>
-            <a:r>
-              <a:rPr lang="en-US" b="1" dirty="0" err="1">
-                <a:solidFill>
-                  <a:srgbClr val="677480"/>
-                </a:solidFill>
-                <a:latin typeface="Montserrat Medium" panose="020B0604020202020204" charset="0"/>
-                <a:ea typeface="Open Sans" panose="020B0604020202020204" charset="0"/>
-                <a:cs typeface="Open Sans" panose="020B0604020202020204" charset="0"/>
-                <a:sym typeface="Lato"/>
-              </a:rPr>
-              <a:t>deuda</a:t>
-            </a:r>
-            <a:r>
-              <a:rPr lang="en-US" b="1" dirty="0">
-                <a:solidFill>
-                  <a:srgbClr val="677480"/>
-                </a:solidFill>
-                <a:latin typeface="Montserrat Medium" panose="020B0604020202020204" charset="0"/>
-                <a:ea typeface="Open Sans" panose="020B0604020202020204" charset="0"/>
-                <a:cs typeface="Open Sans" panose="020B0604020202020204" charset="0"/>
-                <a:sym typeface="Lato"/>
-              </a:rPr>
-              <a:t> </a:t>
-            </a:r>
-            <a:r>
-              <a:rPr lang="en-US" b="1" dirty="0" err="1">
-                <a:solidFill>
-                  <a:srgbClr val="677480"/>
-                </a:solidFill>
-                <a:latin typeface="Montserrat Medium" panose="020B0604020202020204" charset="0"/>
-                <a:ea typeface="Open Sans" panose="020B0604020202020204" charset="0"/>
-                <a:cs typeface="Open Sans" panose="020B0604020202020204" charset="0"/>
-                <a:sym typeface="Lato"/>
-              </a:rPr>
-              <a:t>pública</a:t>
-            </a:r>
-            <a:r>
-              <a:rPr lang="en-US" b="1" dirty="0">
-                <a:solidFill>
-                  <a:srgbClr val="677480"/>
-                </a:solidFill>
-                <a:latin typeface="Montserrat Medium" panose="020B0604020202020204" charset="0"/>
-                <a:ea typeface="Open Sans" panose="020B0604020202020204" charset="0"/>
-                <a:cs typeface="Open Sans" panose="020B0604020202020204" charset="0"/>
-                <a:sym typeface="Lato"/>
-              </a:rPr>
-              <a:t> (</a:t>
-            </a:r>
-            <a:r>
-              <a:rPr lang="en-US" b="1" dirty="0" err="1">
-                <a:solidFill>
-                  <a:srgbClr val="677480"/>
-                </a:solidFill>
-                <a:latin typeface="Montserrat Medium" panose="020B0604020202020204" charset="0"/>
-                <a:ea typeface="Open Sans" panose="020B0604020202020204" charset="0"/>
-                <a:cs typeface="Open Sans" panose="020B0604020202020204" charset="0"/>
-                <a:sym typeface="Lato"/>
-              </a:rPr>
-              <a:t>bonos</a:t>
-            </a:r>
-            <a:r>
-              <a:rPr lang="en-US" b="1" dirty="0">
-                <a:solidFill>
-                  <a:srgbClr val="677480"/>
-                </a:solidFill>
-                <a:latin typeface="Montserrat Medium" panose="020B0604020202020204" charset="0"/>
-                <a:ea typeface="Open Sans" panose="020B0604020202020204" charset="0"/>
-                <a:cs typeface="Open Sans" panose="020B0604020202020204" charset="0"/>
-                <a:sym typeface="Lato"/>
-              </a:rPr>
-              <a:t> </a:t>
-            </a:r>
-            <a:r>
-              <a:rPr lang="en-US" b="1" dirty="0" err="1">
-                <a:solidFill>
-                  <a:srgbClr val="677480"/>
-                </a:solidFill>
-                <a:latin typeface="Montserrat Medium" panose="020B0604020202020204" charset="0"/>
-                <a:ea typeface="Open Sans" panose="020B0604020202020204" charset="0"/>
-                <a:cs typeface="Open Sans" panose="020B0604020202020204" charset="0"/>
-                <a:sym typeface="Lato"/>
-              </a:rPr>
-              <a:t>letras</a:t>
-            </a:r>
-            <a:r>
-              <a:rPr lang="en-US" b="1" dirty="0">
-                <a:solidFill>
-                  <a:srgbClr val="677480"/>
-                </a:solidFill>
-                <a:latin typeface="Montserrat Medium" panose="020B0604020202020204" charset="0"/>
-                <a:ea typeface="Open Sans" panose="020B0604020202020204" charset="0"/>
-                <a:cs typeface="Open Sans" panose="020B0604020202020204" charset="0"/>
-                <a:sym typeface="Lato"/>
-              </a:rPr>
-              <a:t> del Tesoro) de una zona </a:t>
-            </a:r>
-            <a:r>
-              <a:rPr lang="en-US" b="1" dirty="0" err="1">
-                <a:solidFill>
-                  <a:srgbClr val="677480"/>
-                </a:solidFill>
-                <a:latin typeface="Montserrat Medium" panose="020B0604020202020204" charset="0"/>
-                <a:ea typeface="Open Sans" panose="020B0604020202020204" charset="0"/>
-                <a:cs typeface="Open Sans" panose="020B0604020202020204" charset="0"/>
-                <a:sym typeface="Lato"/>
-              </a:rPr>
-              <a:t>geográfica</a:t>
-            </a:r>
-            <a:r>
-              <a:rPr lang="en-US" b="1" dirty="0">
-                <a:solidFill>
-                  <a:srgbClr val="677480"/>
-                </a:solidFill>
-                <a:latin typeface="Montserrat Medium" panose="020B0604020202020204" charset="0"/>
-                <a:ea typeface="Open Sans" panose="020B0604020202020204" charset="0"/>
-                <a:cs typeface="Open Sans" panose="020B0604020202020204" charset="0"/>
-                <a:sym typeface="Lato"/>
-              </a:rPr>
-              <a:t> similar a la del active que </a:t>
-            </a:r>
-            <a:r>
-              <a:rPr lang="en-US" b="1" dirty="0" err="1">
-                <a:solidFill>
-                  <a:srgbClr val="677480"/>
-                </a:solidFill>
-                <a:latin typeface="Montserrat Medium" panose="020B0604020202020204" charset="0"/>
-                <a:ea typeface="Open Sans" panose="020B0604020202020204" charset="0"/>
-                <a:cs typeface="Open Sans" panose="020B0604020202020204" charset="0"/>
-                <a:sym typeface="Lato"/>
-              </a:rPr>
-              <a:t>deseamos</a:t>
-            </a:r>
-            <a:r>
-              <a:rPr lang="en-US" b="1" dirty="0">
-                <a:solidFill>
-                  <a:srgbClr val="677480"/>
-                </a:solidFill>
-                <a:latin typeface="Montserrat Medium" panose="020B0604020202020204" charset="0"/>
-                <a:ea typeface="Open Sans" panose="020B0604020202020204" charset="0"/>
-                <a:cs typeface="Open Sans" panose="020B0604020202020204" charset="0"/>
-                <a:sym typeface="Lato"/>
-              </a:rPr>
-              <a:t> </a:t>
-            </a:r>
-            <a:r>
-              <a:rPr lang="en-US" b="1" dirty="0" err="1">
-                <a:solidFill>
-                  <a:srgbClr val="677480"/>
-                </a:solidFill>
-                <a:latin typeface="Montserrat Medium" panose="020B0604020202020204" charset="0"/>
-                <a:ea typeface="Open Sans" panose="020B0604020202020204" charset="0"/>
-                <a:cs typeface="Open Sans" panose="020B0604020202020204" charset="0"/>
-                <a:sym typeface="Lato"/>
-              </a:rPr>
-              <a:t>evaluar</a:t>
-            </a:r>
-            <a:r>
-              <a:rPr lang="en-US" b="1" dirty="0">
-                <a:solidFill>
-                  <a:srgbClr val="677480"/>
-                </a:solidFill>
-                <a:latin typeface="Montserrat Medium" panose="020B0604020202020204" charset="0"/>
-                <a:ea typeface="Open Sans" panose="020B0604020202020204" charset="0"/>
-                <a:cs typeface="Open Sans" panose="020B0604020202020204" charset="0"/>
-                <a:sym typeface="Lato"/>
-              </a:rPr>
-              <a:t>.</a:t>
-            </a:r>
-          </a:p>
-          <a:p>
-            <a:pPr marL="457200" lvl="2" indent="-342900">
-              <a:lnSpc>
-                <a:spcPct val="100000"/>
-              </a:lnSpc>
-              <a:spcBef>
-                <a:spcPts val="0"/>
-              </a:spcBef>
-              <a:buClr>
-                <a:srgbClr val="677480"/>
-              </a:buClr>
-              <a:buSzPts val="1100"/>
-              <a:defRPr/>
-            </a:pPr>
-            <a:endParaRPr lang="en-US" dirty="0">
-              <a:solidFill>
-                <a:srgbClr val="677480"/>
-              </a:solidFill>
-              <a:latin typeface="Montserrat Medium" panose="020B0604020202020204" charset="0"/>
-              <a:ea typeface="Open Sans" panose="020B0604020202020204" charset="0"/>
-              <a:cs typeface="Open Sans" panose="020B0604020202020204" charset="0"/>
-              <a:sym typeface="Lato"/>
-            </a:endParaRPr>
-          </a:p>
-          <a:p>
-            <a:pPr marL="457200" lvl="2" indent="-342900">
-              <a:lnSpc>
-                <a:spcPct val="100000"/>
-              </a:lnSpc>
-              <a:spcBef>
-                <a:spcPts val="0"/>
-              </a:spcBef>
-              <a:buClr>
-                <a:srgbClr val="677480"/>
-              </a:buClr>
-              <a:buSzPts val="1100"/>
-              <a:defRPr/>
-            </a:pPr>
-            <a:r>
-              <a:rPr lang="en-US" dirty="0" err="1">
-                <a:solidFill>
-                  <a:srgbClr val="677480"/>
-                </a:solidFill>
-                <a:latin typeface="Montserrat Medium" panose="020B0604020202020204" charset="0"/>
-                <a:ea typeface="Open Sans" panose="020B0604020202020204" charset="0"/>
-                <a:cs typeface="Open Sans" panose="020B0604020202020204" charset="0"/>
-                <a:sym typeface="Lato"/>
-              </a:rPr>
-              <a:t>Sortino</a:t>
-            </a:r>
-            <a:r>
-              <a:rPr lang="en-US" dirty="0">
-                <a:solidFill>
-                  <a:srgbClr val="677480"/>
-                </a:solidFill>
-                <a:latin typeface="Montserrat Medium" panose="020B0604020202020204" charset="0"/>
-                <a:ea typeface="Open Sans" panose="020B0604020202020204" charset="0"/>
-                <a:cs typeface="Open Sans" panose="020B0604020202020204" charset="0"/>
-                <a:sym typeface="Lato"/>
-              </a:rPr>
-              <a:t>: </a:t>
-            </a:r>
-            <a:r>
-              <a:rPr lang="es-MX" dirty="0">
-                <a:solidFill>
-                  <a:srgbClr val="677480"/>
-                </a:solidFill>
-                <a:latin typeface="Montserrat Medium" panose="020B0604020202020204" charset="0"/>
-                <a:ea typeface="Open Sans" panose="020B0604020202020204" charset="0"/>
-                <a:cs typeface="Open Sans" panose="020B0604020202020204" charset="0"/>
-                <a:sym typeface="Lato"/>
-              </a:rPr>
-              <a:t>(R – T) / TDD</a:t>
-            </a:r>
-          </a:p>
-          <a:p>
-            <a:pPr marL="457200" lvl="2" indent="-342900">
-              <a:lnSpc>
-                <a:spcPct val="100000"/>
-              </a:lnSpc>
-              <a:spcBef>
-                <a:spcPts val="0"/>
-              </a:spcBef>
-              <a:buClr>
-                <a:srgbClr val="677480"/>
-              </a:buClr>
-              <a:buSzPts val="1100"/>
-              <a:defRPr/>
-            </a:pPr>
-            <a:endParaRPr lang="es-MX" dirty="0">
-              <a:solidFill>
-                <a:srgbClr val="677480"/>
-              </a:solidFill>
-              <a:latin typeface="Montserrat Medium" panose="020B0604020202020204" charset="0"/>
-              <a:ea typeface="Open Sans" panose="020B0604020202020204" charset="0"/>
-              <a:cs typeface="Open Sans" panose="020B0604020202020204" charset="0"/>
-              <a:sym typeface="Lato"/>
-            </a:endParaRPr>
-          </a:p>
-          <a:p>
-            <a:pPr marL="914400" lvl="3" indent="-342900">
-              <a:lnSpc>
-                <a:spcPct val="100000"/>
-              </a:lnSpc>
-              <a:spcBef>
-                <a:spcPts val="0"/>
-              </a:spcBef>
-              <a:buClr>
-                <a:srgbClr val="677480"/>
-              </a:buClr>
-              <a:buSzPts val="1100"/>
-              <a:defRPr/>
-            </a:pPr>
-            <a:r>
-              <a:rPr lang="es-MX" dirty="0">
-                <a:solidFill>
-                  <a:srgbClr val="677480"/>
-                </a:solidFill>
-                <a:latin typeface="Montserrat Medium" panose="020B0604020202020204" charset="0"/>
-                <a:ea typeface="Open Sans" panose="020B0604020202020204" charset="0"/>
-                <a:cs typeface="Open Sans" panose="020B0604020202020204" charset="0"/>
-                <a:sym typeface="Lato"/>
-              </a:rPr>
-              <a:t>R = rentabilidad media anual</a:t>
-            </a:r>
-          </a:p>
-          <a:p>
-            <a:pPr marL="914400" lvl="3" indent="-342900">
-              <a:lnSpc>
-                <a:spcPct val="100000"/>
-              </a:lnSpc>
-              <a:spcBef>
-                <a:spcPts val="0"/>
-              </a:spcBef>
-              <a:buClr>
-                <a:srgbClr val="677480"/>
-              </a:buClr>
-              <a:buSzPts val="1100"/>
-              <a:defRPr/>
-            </a:pPr>
-            <a:r>
-              <a:rPr lang="es-MX" b="1" dirty="0">
-                <a:solidFill>
-                  <a:srgbClr val="677480"/>
-                </a:solidFill>
-                <a:latin typeface="Montserrat Medium" panose="020B0604020202020204" charset="0"/>
-                <a:ea typeface="Open Sans" panose="020B0604020202020204" charset="0"/>
-                <a:cs typeface="Open Sans" panose="020B0604020202020204" charset="0"/>
-                <a:sym typeface="Lato"/>
-              </a:rPr>
-              <a:t>T =  El rendimiento mínimo aceptable, target u objetivo de rendimiento. Puede ser cero, o cualquier otro </a:t>
-            </a:r>
-            <a:r>
-              <a:rPr lang="es-MX" b="1" dirty="0" err="1">
-                <a:solidFill>
-                  <a:srgbClr val="677480"/>
-                </a:solidFill>
-                <a:latin typeface="Montserrat Medium" panose="020B0604020202020204" charset="0"/>
-                <a:ea typeface="Open Sans" panose="020B0604020202020204" charset="0"/>
-                <a:cs typeface="Open Sans" panose="020B0604020202020204" charset="0"/>
-                <a:sym typeface="Lato"/>
-              </a:rPr>
-              <a:t>benchmark</a:t>
-            </a:r>
-            <a:r>
-              <a:rPr lang="es-MX" b="1" dirty="0">
-                <a:solidFill>
-                  <a:srgbClr val="677480"/>
-                </a:solidFill>
-                <a:latin typeface="Montserrat Medium" panose="020B0604020202020204" charset="0"/>
-                <a:ea typeface="Open Sans" panose="020B0604020202020204" charset="0"/>
-                <a:cs typeface="Open Sans" panose="020B0604020202020204" charset="0"/>
-                <a:sym typeface="Lato"/>
-              </a:rPr>
-              <a:t> como por ejemplo el rendimiento de un índice bursátil.</a:t>
-            </a:r>
-          </a:p>
-          <a:p>
-            <a:pPr marL="914400" lvl="3" indent="-342900">
-              <a:lnSpc>
-                <a:spcPct val="100000"/>
-              </a:lnSpc>
-              <a:spcBef>
-                <a:spcPts val="0"/>
-              </a:spcBef>
-              <a:buClr>
-                <a:srgbClr val="677480"/>
-              </a:buClr>
-              <a:buSzPts val="1100"/>
-              <a:defRPr/>
-            </a:pPr>
-            <a:r>
-              <a:rPr lang="es-MX" dirty="0">
-                <a:solidFill>
-                  <a:srgbClr val="677480"/>
-                </a:solidFill>
-                <a:latin typeface="Montserrat Medium" panose="020B0604020202020204" charset="0"/>
-                <a:ea typeface="Open Sans" panose="020B0604020202020204" charset="0"/>
-                <a:cs typeface="Open Sans" panose="020B0604020202020204" charset="0"/>
-                <a:sym typeface="Lato"/>
-              </a:rPr>
-              <a:t>TDD = Target </a:t>
-            </a:r>
-            <a:r>
-              <a:rPr lang="es-MX" dirty="0" err="1">
-                <a:solidFill>
-                  <a:srgbClr val="677480"/>
-                </a:solidFill>
-                <a:latin typeface="Montserrat Medium" panose="020B0604020202020204" charset="0"/>
-                <a:ea typeface="Open Sans" panose="020B0604020202020204" charset="0"/>
-                <a:cs typeface="Open Sans" panose="020B0604020202020204" charset="0"/>
-                <a:sym typeface="Lato"/>
-              </a:rPr>
-              <a:t>downside</a:t>
-            </a:r>
-            <a:r>
-              <a:rPr lang="es-MX" dirty="0">
-                <a:solidFill>
-                  <a:srgbClr val="677480"/>
-                </a:solidFill>
-                <a:latin typeface="Montserrat Medium" panose="020B0604020202020204" charset="0"/>
-                <a:ea typeface="Open Sans" panose="020B0604020202020204" charset="0"/>
-                <a:cs typeface="Open Sans" panose="020B0604020202020204" charset="0"/>
-                <a:sym typeface="Lato"/>
-              </a:rPr>
-              <a:t> </a:t>
-            </a:r>
-            <a:r>
-              <a:rPr lang="es-MX" dirty="0" err="1">
-                <a:solidFill>
-                  <a:srgbClr val="677480"/>
-                </a:solidFill>
-                <a:latin typeface="Montserrat Medium" panose="020B0604020202020204" charset="0"/>
-                <a:ea typeface="Open Sans" panose="020B0604020202020204" charset="0"/>
-                <a:cs typeface="Open Sans" panose="020B0604020202020204" charset="0"/>
-                <a:sym typeface="Lato"/>
-              </a:rPr>
-              <a:t>deviation</a:t>
-            </a:r>
-            <a:r>
-              <a:rPr lang="es-MX" dirty="0">
-                <a:solidFill>
-                  <a:srgbClr val="677480"/>
-                </a:solidFill>
-                <a:latin typeface="Montserrat Medium" panose="020B0604020202020204" charset="0"/>
-                <a:ea typeface="Open Sans" panose="020B0604020202020204" charset="0"/>
-                <a:cs typeface="Open Sans" panose="020B0604020202020204" charset="0"/>
-                <a:sym typeface="Lato"/>
-              </a:rPr>
-              <a:t>.  Representa la dispersión de los resultados que son inferiores al target.</a:t>
-            </a:r>
-          </a:p>
-          <a:p>
-            <a:pPr marL="914400" lvl="3" indent="-342900">
-              <a:lnSpc>
-                <a:spcPct val="100000"/>
-              </a:lnSpc>
-              <a:spcBef>
-                <a:spcPts val="0"/>
-              </a:spcBef>
-              <a:buClr>
-                <a:srgbClr val="677480"/>
-              </a:buClr>
-              <a:buSzPts val="1100"/>
-              <a:defRPr/>
-            </a:pPr>
-            <a:endParaRPr lang="es-MX" dirty="0">
-              <a:solidFill>
-                <a:srgbClr val="677480"/>
-              </a:solidFill>
-              <a:latin typeface="Montserrat Medium" panose="020B0604020202020204" charset="0"/>
-              <a:ea typeface="Open Sans" panose="020B0604020202020204" charset="0"/>
-              <a:cs typeface="Open Sans" panose="020B0604020202020204" charset="0"/>
-              <a:sym typeface="Lato"/>
-            </a:endParaRPr>
-          </a:p>
-          <a:p>
-            <a:pPr marL="457200" lvl="2" indent="-342900">
-              <a:lnSpc>
-                <a:spcPct val="100000"/>
-              </a:lnSpc>
-              <a:spcBef>
-                <a:spcPts val="0"/>
-              </a:spcBef>
-              <a:buClr>
-                <a:srgbClr val="677480"/>
-              </a:buClr>
-              <a:buSzPts val="1100"/>
-              <a:defRPr/>
-            </a:pPr>
-            <a:r>
-              <a:rPr lang="es-MX" b="1" u="sng" dirty="0">
-                <a:solidFill>
-                  <a:srgbClr val="FF5D5D"/>
-                </a:solidFill>
-                <a:latin typeface="Montserrat Medium" panose="020B0604020202020204" charset="0"/>
-                <a:ea typeface="Open Sans" panose="020B0604020202020204" charset="0"/>
-                <a:cs typeface="Open Sans" panose="020B0604020202020204" charset="0"/>
-                <a:sym typeface="Lato"/>
-              </a:rPr>
-              <a:t>Se requieren bases de datos con la misma frecuencia que la de los activos evaluados para Rf y T.</a:t>
-            </a:r>
-          </a:p>
-          <a:p>
-            <a:pPr marL="457200" lvl="2" indent="-342900">
-              <a:lnSpc>
-                <a:spcPct val="100000"/>
-              </a:lnSpc>
-              <a:spcBef>
-                <a:spcPts val="0"/>
-              </a:spcBef>
-              <a:buClr>
-                <a:srgbClr val="677480"/>
-              </a:buClr>
-              <a:buSzPts val="1100"/>
-              <a:defRPr/>
-            </a:pPr>
-            <a:endParaRPr lang="es-MX" dirty="0">
-              <a:solidFill>
-                <a:srgbClr val="677480"/>
-              </a:solidFill>
-              <a:latin typeface="Montserrat Medium" panose="020B0604020202020204" charset="0"/>
-              <a:ea typeface="Open Sans" panose="020B0604020202020204" charset="0"/>
-              <a:cs typeface="Open Sans" panose="020B0604020202020204" charset="0"/>
-              <a:sym typeface="Lato"/>
-            </a:endParaRPr>
-          </a:p>
-          <a:p>
-            <a:pPr marL="114300" lvl="2" indent="0">
-              <a:lnSpc>
-                <a:spcPct val="100000"/>
-              </a:lnSpc>
-              <a:spcBef>
-                <a:spcPts val="0"/>
-              </a:spcBef>
-              <a:buClr>
-                <a:srgbClr val="677480"/>
-              </a:buClr>
-              <a:buSzPts val="1100"/>
-              <a:buNone/>
-              <a:defRPr/>
-            </a:pPr>
-            <a:endParaRPr lang="en-US" dirty="0">
-              <a:solidFill>
-                <a:srgbClr val="677480"/>
-              </a:solidFill>
-              <a:latin typeface="Montserrat Medium" panose="020B0604020202020204" charset="0"/>
-              <a:ea typeface="Open Sans" panose="020B0604020202020204" charset="0"/>
-              <a:cs typeface="Open Sans" panose="020B0604020202020204" charset="0"/>
-              <a:sym typeface="Lato"/>
-            </a:endParaRPr>
-          </a:p>
-          <a:p>
-            <a:pPr marL="571500" lvl="3" indent="0">
-              <a:lnSpc>
-                <a:spcPct val="100000"/>
-              </a:lnSpc>
-              <a:spcBef>
-                <a:spcPts val="0"/>
-              </a:spcBef>
-              <a:buClr>
-                <a:srgbClr val="677480"/>
-              </a:buClr>
-              <a:buSzPts val="1100"/>
-              <a:buNone/>
-              <a:defRPr/>
-            </a:pPr>
-            <a:endParaRPr lang="es-MX" dirty="0">
-              <a:solidFill>
-                <a:srgbClr val="677480"/>
-              </a:solidFill>
-              <a:latin typeface="Montserrat Medium" panose="020B0604020202020204" charset="0"/>
-              <a:ea typeface="Open Sans" panose="020B0604020202020204" charset="0"/>
-              <a:cs typeface="Open Sans" panose="020B0604020202020204" charset="0"/>
-              <a:sym typeface="Lato"/>
-            </a:endParaRPr>
-          </a:p>
-          <a:p>
-            <a:pPr marL="914400" lvl="3" indent="-342900">
-              <a:lnSpc>
-                <a:spcPct val="100000"/>
-              </a:lnSpc>
-              <a:spcBef>
-                <a:spcPts val="0"/>
-              </a:spcBef>
-              <a:buClr>
-                <a:srgbClr val="677480"/>
-              </a:buClr>
-              <a:buSzPts val="1100"/>
-              <a:buFont typeface="Courier New" panose="02070309020205020404" pitchFamily="49" charset="0"/>
-              <a:buChar char="o"/>
-              <a:defRPr/>
-            </a:pPr>
-            <a:endParaRPr lang="es-MX" dirty="0">
-              <a:solidFill>
-                <a:srgbClr val="677480"/>
-              </a:solidFill>
-              <a:latin typeface="Montserrat Medium" panose="020B0604020202020204" charset="0"/>
-              <a:ea typeface="Open Sans" panose="020B0604020202020204" charset="0"/>
-              <a:cs typeface="Open Sans" panose="020B0604020202020204" charset="0"/>
-              <a:sym typeface="Lato"/>
-            </a:endParaRPr>
-          </a:p>
-          <a:p>
-            <a:pPr marL="914400" lvl="3" indent="-342900">
-              <a:lnSpc>
-                <a:spcPct val="100000"/>
-              </a:lnSpc>
-              <a:spcBef>
-                <a:spcPts val="0"/>
-              </a:spcBef>
-              <a:buClr>
-                <a:srgbClr val="677480"/>
-              </a:buClr>
-              <a:buSzPts val="1100"/>
-              <a:defRPr/>
-            </a:pPr>
-            <a:endParaRPr lang="es-MX" dirty="0">
-              <a:solidFill>
-                <a:srgbClr val="677480"/>
-              </a:solidFill>
-              <a:latin typeface="Montserrat Medium" panose="020B0604020202020204" charset="0"/>
-              <a:ea typeface="Open Sans" panose="020B0604020202020204" charset="0"/>
-              <a:cs typeface="Open Sans" panose="020B0604020202020204" charset="0"/>
-              <a:sym typeface="Lato"/>
-            </a:endParaRPr>
-          </a:p>
-          <a:p>
-            <a:pPr marL="1371600" lvl="4" indent="-342900">
-              <a:lnSpc>
-                <a:spcPct val="100000"/>
-              </a:lnSpc>
-              <a:spcBef>
-                <a:spcPts val="0"/>
-              </a:spcBef>
-              <a:buClr>
-                <a:srgbClr val="677480"/>
-              </a:buClr>
-              <a:buSzPts val="1100"/>
-              <a:defRPr/>
-            </a:pPr>
-            <a:endParaRPr lang="es-MX" dirty="0">
-              <a:solidFill>
-                <a:srgbClr val="677480"/>
-              </a:solidFill>
-              <a:latin typeface="Montserrat Medium" panose="020B0604020202020204" charset="0"/>
-              <a:ea typeface="Open Sans" panose="020B0604020202020204" charset="0"/>
-              <a:cs typeface="Open Sans" panose="020B0604020202020204" charset="0"/>
-              <a:sym typeface="Lato"/>
-            </a:endParaRPr>
-          </a:p>
-          <a:p>
-            <a:pPr marL="1371600" lvl="4" indent="-342900">
-              <a:lnSpc>
-                <a:spcPct val="100000"/>
-              </a:lnSpc>
-              <a:spcBef>
-                <a:spcPts val="0"/>
-              </a:spcBef>
-              <a:buClr>
-                <a:srgbClr val="677480"/>
-              </a:buClr>
-              <a:buSzPts val="1100"/>
-              <a:defRPr/>
-            </a:pPr>
-            <a:endParaRPr lang="es-MX" dirty="0">
-              <a:solidFill>
-                <a:srgbClr val="677480"/>
-              </a:solidFill>
-              <a:latin typeface="Montserrat Medium" panose="020B0604020202020204" charset="0"/>
-              <a:ea typeface="Open Sans" panose="020B0604020202020204" charset="0"/>
-              <a:cs typeface="Open Sans" panose="020B0604020202020204" charset="0"/>
-              <a:sym typeface="Lato"/>
-            </a:endParaRPr>
-          </a:p>
-          <a:p>
-            <a:pPr marL="457200" lvl="2" indent="-342900">
-              <a:lnSpc>
-                <a:spcPct val="100000"/>
-              </a:lnSpc>
-              <a:spcBef>
-                <a:spcPts val="0"/>
-              </a:spcBef>
-              <a:buClr>
-                <a:srgbClr val="677480"/>
-              </a:buClr>
-              <a:buSzPts val="1100"/>
-              <a:buFont typeface="+mj-lt"/>
-              <a:buAutoNum type="arabicPeriod"/>
-              <a:defRPr/>
-            </a:pPr>
-            <a:endParaRPr lang="es-MX" dirty="0">
-              <a:solidFill>
-                <a:srgbClr val="677480"/>
-              </a:solidFill>
-              <a:latin typeface="Montserrat Medium" panose="020B0604020202020204" charset="0"/>
-              <a:ea typeface="Open Sans" panose="020B0604020202020204" charset="0"/>
-              <a:cs typeface="Open Sans" panose="020B0604020202020204" charset="0"/>
-              <a:sym typeface="Lato"/>
-            </a:endParaRPr>
           </a:p>
         </p:txBody>
       </p:sp>
-      <p:sp>
-        <p:nvSpPr>
-          <p:cNvPr id="6" name="Título 1">
+      <p:pic>
+        <p:nvPicPr>
+          <p:cNvPr id="13" name="Imagen 12">
             <a:extLst>
               <a:ext uri="{FF2B5EF4-FFF2-40B4-BE49-F238E27FC236}">
-                <a16:creationId xmlns:a16="http://schemas.microsoft.com/office/drawing/2014/main" id="{D2F92596-855C-4DC7-8FAE-CFA48C0DCAFC}"/>
+                <a16:creationId xmlns:a16="http://schemas.microsoft.com/office/drawing/2014/main" id="{115C7377-1210-4D42-8668-ED0EB1172092}"/>
               </a:ext>
             </a:extLst>
           </p:cNvPr>
-          <p:cNvSpPr txBox="1">
-            <a:spLocks/>
-          </p:cNvSpPr>
+          <p:cNvPicPr>
+            <a:picLocks noChangeAspect="1"/>
+          </p:cNvPicPr>
           <p:nvPr/>
-        </p:nvSpPr>
+        </p:nvPicPr>
+        <p:blipFill>
+          <a:blip r:embed="rId2"/>
+          <a:stretch>
+            <a:fillRect/>
+          </a:stretch>
+        </p:blipFill>
         <p:spPr>
           <a:xfrm>
-            <a:off x="319686" y="58738"/>
-            <a:ext cx="7875190" cy="809826"/>
+            <a:off x="0" y="1060600"/>
+            <a:ext cx="9144000" cy="3692623"/>
           </a:xfrm>
           <a:prstGeom prst="rect">
             <a:avLst/>
           </a:prstGeom>
-          <a:noFill/>
-          <a:ln>
-            <a:noFill/>
-          </a:ln>
         </p:spPr>
-        <p:txBody>
-          <a:bodyPr spcFirstLastPara="1" wrap="square" lIns="91425" tIns="91425" rIns="91425" bIns="91425" anchor="t" anchorCtr="0">
-            <a:noAutofit/>
-          </a:bodyPr>
-          <a:lstStyle>
-            <a:defPPr marR="0" lvl="0" algn="l" rtl="0">
-              <a:lnSpc>
-                <a:spcPct val="100000"/>
-              </a:lnSpc>
-              <a:spcBef>
-                <a:spcPts val="0"/>
-              </a:spcBef>
-              <a:spcAft>
-                <a:spcPts val="0"/>
-              </a:spcAft>
-            </a:defPPr>
-            <a:lvl1pPr marR="0" lvl="0" algn="l" rtl="0">
-              <a:lnSpc>
-                <a:spcPct val="100000"/>
-              </a:lnSpc>
-              <a:spcBef>
-                <a:spcPts val="0"/>
-              </a:spcBef>
-              <a:spcAft>
-                <a:spcPts val="0"/>
-              </a:spcAft>
-              <a:buClr>
-                <a:schemeClr val="dk1"/>
-              </a:buClr>
-              <a:buSzPts val="2800"/>
-              <a:buFont typeface="Arial"/>
-              <a:buNone/>
-              <a:defRPr sz="2800" b="1" i="0" u="none" strike="noStrike" cap="none">
-                <a:solidFill>
-                  <a:schemeClr val="dk1"/>
-                </a:solidFill>
-                <a:latin typeface="Open Sans"/>
-                <a:ea typeface="Open Sans"/>
-                <a:cs typeface="Open Sans"/>
-                <a:sym typeface="Open Sans"/>
-              </a:defRPr>
-            </a:lvl1pPr>
-            <a:lvl2pPr marR="0" lvl="1" algn="l" rtl="0">
-              <a:lnSpc>
-                <a:spcPct val="100000"/>
-              </a:lnSpc>
-              <a:spcBef>
-                <a:spcPts val="0"/>
-              </a:spcBef>
-              <a:spcAft>
-                <a:spcPts val="0"/>
-              </a:spcAft>
-              <a:buClr>
-                <a:schemeClr val="dk1"/>
-              </a:buClr>
-              <a:buSzPts val="2800"/>
-              <a:buFont typeface="Arial"/>
-              <a:buNone/>
-              <a:defRPr sz="2800" b="0" i="0" u="none" strike="noStrike" cap="none">
-                <a:solidFill>
-                  <a:schemeClr val="dk1"/>
-                </a:solidFill>
-                <a:latin typeface="Arial"/>
-                <a:ea typeface="Arial"/>
-                <a:cs typeface="Arial"/>
-                <a:sym typeface="Arial"/>
-              </a:defRPr>
-            </a:lvl2pPr>
-            <a:lvl3pPr marR="0" lvl="2" algn="l" rtl="0">
-              <a:lnSpc>
-                <a:spcPct val="100000"/>
-              </a:lnSpc>
-              <a:spcBef>
-                <a:spcPts val="0"/>
-              </a:spcBef>
-              <a:spcAft>
-                <a:spcPts val="0"/>
-              </a:spcAft>
-              <a:buClr>
-                <a:schemeClr val="dk1"/>
-              </a:buClr>
-              <a:buSzPts val="2800"/>
-              <a:buFont typeface="Arial"/>
-              <a:buNone/>
-              <a:defRPr sz="2800" b="0" i="0" u="none" strike="noStrike" cap="none">
-                <a:solidFill>
-                  <a:schemeClr val="dk1"/>
-                </a:solidFill>
-                <a:latin typeface="Arial"/>
-                <a:ea typeface="Arial"/>
-                <a:cs typeface="Arial"/>
-                <a:sym typeface="Arial"/>
-              </a:defRPr>
-            </a:lvl3pPr>
-            <a:lvl4pPr marR="0" lvl="3" algn="l" rtl="0">
-              <a:lnSpc>
-                <a:spcPct val="100000"/>
-              </a:lnSpc>
-              <a:spcBef>
-                <a:spcPts val="0"/>
-              </a:spcBef>
-              <a:spcAft>
-                <a:spcPts val="0"/>
-              </a:spcAft>
-              <a:buClr>
-                <a:schemeClr val="dk1"/>
-              </a:buClr>
-              <a:buSzPts val="2800"/>
-              <a:buFont typeface="Arial"/>
-              <a:buNone/>
-              <a:defRPr sz="2800" b="0" i="0" u="none" strike="noStrike" cap="none">
-                <a:solidFill>
-                  <a:schemeClr val="dk1"/>
-                </a:solidFill>
-                <a:latin typeface="Arial"/>
-                <a:ea typeface="Arial"/>
-                <a:cs typeface="Arial"/>
-                <a:sym typeface="Arial"/>
-              </a:defRPr>
-            </a:lvl4pPr>
-            <a:lvl5pPr marR="0" lvl="4" algn="l" rtl="0">
-              <a:lnSpc>
-                <a:spcPct val="100000"/>
-              </a:lnSpc>
-              <a:spcBef>
-                <a:spcPts val="0"/>
-              </a:spcBef>
-              <a:spcAft>
-                <a:spcPts val="0"/>
-              </a:spcAft>
-              <a:buClr>
-                <a:schemeClr val="dk1"/>
-              </a:buClr>
-              <a:buSzPts val="2800"/>
-              <a:buFont typeface="Arial"/>
-              <a:buNone/>
-              <a:defRPr sz="2800" b="0" i="0" u="none" strike="noStrike" cap="none">
-                <a:solidFill>
-                  <a:schemeClr val="dk1"/>
-                </a:solidFill>
-                <a:latin typeface="Arial"/>
-                <a:ea typeface="Arial"/>
-                <a:cs typeface="Arial"/>
-                <a:sym typeface="Arial"/>
-              </a:defRPr>
-            </a:lvl5pPr>
-            <a:lvl6pPr marR="0" lvl="5" algn="l" rtl="0">
-              <a:lnSpc>
-                <a:spcPct val="100000"/>
-              </a:lnSpc>
-              <a:spcBef>
-                <a:spcPts val="0"/>
-              </a:spcBef>
-              <a:spcAft>
-                <a:spcPts val="0"/>
-              </a:spcAft>
-              <a:buClr>
-                <a:schemeClr val="dk1"/>
-              </a:buClr>
-              <a:buSzPts val="2800"/>
-              <a:buFont typeface="Arial"/>
-              <a:buNone/>
-              <a:defRPr sz="2800" b="0" i="0" u="none" strike="noStrike" cap="none">
-                <a:solidFill>
-                  <a:schemeClr val="dk1"/>
-                </a:solidFill>
-                <a:latin typeface="Arial"/>
-                <a:ea typeface="Arial"/>
-                <a:cs typeface="Arial"/>
-                <a:sym typeface="Arial"/>
-              </a:defRPr>
-            </a:lvl6pPr>
-            <a:lvl7pPr marR="0" lvl="6" algn="l" rtl="0">
-              <a:lnSpc>
-                <a:spcPct val="100000"/>
-              </a:lnSpc>
-              <a:spcBef>
-                <a:spcPts val="0"/>
-              </a:spcBef>
-              <a:spcAft>
-                <a:spcPts val="0"/>
-              </a:spcAft>
-              <a:buClr>
-                <a:schemeClr val="dk1"/>
-              </a:buClr>
-              <a:buSzPts val="2800"/>
-              <a:buFont typeface="Arial"/>
-              <a:buNone/>
-              <a:defRPr sz="2800" b="0" i="0" u="none" strike="noStrike" cap="none">
-                <a:solidFill>
-                  <a:schemeClr val="dk1"/>
-                </a:solidFill>
-                <a:latin typeface="Arial"/>
-                <a:ea typeface="Arial"/>
-                <a:cs typeface="Arial"/>
-                <a:sym typeface="Arial"/>
-              </a:defRPr>
-            </a:lvl7pPr>
-            <a:lvl8pPr marR="0" lvl="7" algn="l" rtl="0">
-              <a:lnSpc>
-                <a:spcPct val="100000"/>
-              </a:lnSpc>
-              <a:spcBef>
-                <a:spcPts val="0"/>
-              </a:spcBef>
-              <a:spcAft>
-                <a:spcPts val="0"/>
-              </a:spcAft>
-              <a:buClr>
-                <a:schemeClr val="dk1"/>
-              </a:buClr>
-              <a:buSzPts val="2800"/>
-              <a:buFont typeface="Arial"/>
-              <a:buNone/>
-              <a:defRPr sz="2800" b="0" i="0" u="none" strike="noStrike" cap="none">
-                <a:solidFill>
-                  <a:schemeClr val="dk1"/>
-                </a:solidFill>
-                <a:latin typeface="Arial"/>
-                <a:ea typeface="Arial"/>
-                <a:cs typeface="Arial"/>
-                <a:sym typeface="Arial"/>
-              </a:defRPr>
-            </a:lvl8pPr>
-            <a:lvl9pPr marR="0" lvl="8" algn="l" rtl="0">
-              <a:lnSpc>
-                <a:spcPct val="100000"/>
-              </a:lnSpc>
-              <a:spcBef>
-                <a:spcPts val="0"/>
-              </a:spcBef>
-              <a:spcAft>
-                <a:spcPts val="0"/>
-              </a:spcAft>
-              <a:buClr>
-                <a:schemeClr val="dk1"/>
-              </a:buClr>
-              <a:buSzPts val="2800"/>
-              <a:buFont typeface="Arial"/>
-              <a:buNone/>
-              <a:defRPr sz="2800" b="0" i="0" u="none" strike="noStrike" cap="none">
-                <a:solidFill>
-                  <a:schemeClr val="dk1"/>
-                </a:solidFill>
-                <a:latin typeface="Arial"/>
-                <a:ea typeface="Arial"/>
-                <a:cs typeface="Arial"/>
-                <a:sym typeface="Arial"/>
-              </a:defRPr>
-            </a:lvl9pPr>
-          </a:lstStyle>
-          <a:p>
-            <a:r>
-              <a:rPr lang="es-CO"/>
-              <a:t>Estadísticas de riesgo / retorno solicitadas</a:t>
-            </a:r>
-            <a:endParaRPr lang="es-CO" dirty="0"/>
-          </a:p>
-        </p:txBody>
-      </p:sp>
+      </p:pic>
     </p:spTree>
     <p:extLst>
       <p:ext uri="{BB962C8B-B14F-4D97-AF65-F5344CB8AC3E}">
-        <p14:creationId xmlns:p14="http://schemas.microsoft.com/office/powerpoint/2010/main" val="3148473309"/>
+        <p14:creationId xmlns:p14="http://schemas.microsoft.com/office/powerpoint/2010/main" val="803151583"/>
       </p:ext>
     </p:extLst>
   </p:cSld>
@@ -8415,6 +7291,4351 @@
 </file>
 
 <file path=ppt/slides/slide11.xml><?xml version="1.0" encoding="utf-8"?>
+<p:sld xmlns:a="http://schemas.openxmlformats.org/drawingml/2006/main" xmlns:r="http://schemas.openxmlformats.org/officeDocument/2006/relationships" xmlns:p="http://schemas.openxmlformats.org/presentationml/2006/main">
+  <p:cSld>
+    <p:spTree>
+      <p:nvGrpSpPr>
+        <p:cNvPr id="1" name=""/>
+        <p:cNvGrpSpPr/>
+        <p:nvPr/>
+      </p:nvGrpSpPr>
+      <p:grpSpPr>
+        <a:xfrm>
+          <a:off x="0" y="0"/>
+          <a:ext cx="0" cy="0"/>
+          <a:chOff x="0" y="0"/>
+          <a:chExt cx="0" cy="0"/>
+        </a:xfrm>
+      </p:grpSpPr>
+      <p:sp>
+        <p:nvSpPr>
+          <p:cNvPr id="2" name="Título 1">
+            <a:extLst>
+              <a:ext uri="{FF2B5EF4-FFF2-40B4-BE49-F238E27FC236}">
+                <a16:creationId xmlns:a16="http://schemas.microsoft.com/office/drawing/2014/main" id="{EC13EAE9-3A3A-4699-9106-F701E4EAB889}"/>
+              </a:ext>
+            </a:extLst>
+          </p:cNvPr>
+          <p:cNvSpPr>
+            <a:spLocks noGrp="1"/>
+          </p:cNvSpPr>
+          <p:nvPr>
+            <p:ph type="title"/>
+          </p:nvPr>
+        </p:nvSpPr>
+        <p:spPr/>
+        <p:txBody>
+          <a:bodyPr/>
+          <a:lstStyle/>
+          <a:p>
+            <a:r>
+              <a:rPr lang="es-CO" dirty="0"/>
+              <a:t>ECH</a:t>
+            </a:r>
+          </a:p>
+        </p:txBody>
+      </p:sp>
+      <p:pic>
+        <p:nvPicPr>
+          <p:cNvPr id="3" name="Imagen 2">
+            <a:extLst>
+              <a:ext uri="{FF2B5EF4-FFF2-40B4-BE49-F238E27FC236}">
+                <a16:creationId xmlns:a16="http://schemas.microsoft.com/office/drawing/2014/main" id="{81B3395E-CAF8-4E71-B99B-94A61F18BCCA}"/>
+              </a:ext>
+            </a:extLst>
+          </p:cNvPr>
+          <p:cNvPicPr>
+            <a:picLocks noChangeAspect="1"/>
+          </p:cNvPicPr>
+          <p:nvPr/>
+        </p:nvPicPr>
+        <p:blipFill>
+          <a:blip r:embed="rId2"/>
+          <a:stretch>
+            <a:fillRect/>
+          </a:stretch>
+        </p:blipFill>
+        <p:spPr>
+          <a:xfrm>
+            <a:off x="4444282" y="1445002"/>
+            <a:ext cx="4236963" cy="2487409"/>
+          </a:xfrm>
+          <a:prstGeom prst="rect">
+            <a:avLst/>
+          </a:prstGeom>
+        </p:spPr>
+      </p:pic>
+      <p:pic>
+        <p:nvPicPr>
+          <p:cNvPr id="4" name="Imagen 3">
+            <a:extLst>
+              <a:ext uri="{FF2B5EF4-FFF2-40B4-BE49-F238E27FC236}">
+                <a16:creationId xmlns:a16="http://schemas.microsoft.com/office/drawing/2014/main" id="{4AE4C30A-ADC3-4345-BA6A-1753A41E14EF}"/>
+              </a:ext>
+            </a:extLst>
+          </p:cNvPr>
+          <p:cNvPicPr>
+            <a:picLocks noChangeAspect="1"/>
+          </p:cNvPicPr>
+          <p:nvPr/>
+        </p:nvPicPr>
+        <p:blipFill>
+          <a:blip r:embed="rId3"/>
+          <a:stretch>
+            <a:fillRect/>
+          </a:stretch>
+        </p:blipFill>
+        <p:spPr>
+          <a:xfrm>
+            <a:off x="207318" y="1445002"/>
+            <a:ext cx="4236964" cy="2487409"/>
+          </a:xfrm>
+          <a:prstGeom prst="rect">
+            <a:avLst/>
+          </a:prstGeom>
+        </p:spPr>
+      </p:pic>
+    </p:spTree>
+    <p:extLst>
+      <p:ext uri="{BB962C8B-B14F-4D97-AF65-F5344CB8AC3E}">
+        <p14:creationId xmlns:p14="http://schemas.microsoft.com/office/powerpoint/2010/main" val="1773434606"/>
+      </p:ext>
+    </p:extLst>
+  </p:cSld>
+  <p:clrMapOvr>
+    <a:masterClrMapping/>
+  </p:clrMapOvr>
+</p:sld>
+</file>
+
+<file path=ppt/slides/slide12.xml><?xml version="1.0" encoding="utf-8"?>
+<p:sld xmlns:a="http://schemas.openxmlformats.org/drawingml/2006/main" xmlns:r="http://schemas.openxmlformats.org/officeDocument/2006/relationships" xmlns:p="http://schemas.openxmlformats.org/presentationml/2006/main">
+  <p:cSld>
+    <p:spTree>
+      <p:nvGrpSpPr>
+        <p:cNvPr id="1" name=""/>
+        <p:cNvGrpSpPr/>
+        <p:nvPr/>
+      </p:nvGrpSpPr>
+      <p:grpSpPr>
+        <a:xfrm>
+          <a:off x="0" y="0"/>
+          <a:ext cx="0" cy="0"/>
+          <a:chOff x="0" y="0"/>
+          <a:chExt cx="0" cy="0"/>
+        </a:xfrm>
+      </p:grpSpPr>
+      <p:sp>
+        <p:nvSpPr>
+          <p:cNvPr id="2" name="Título 1">
+            <a:extLst>
+              <a:ext uri="{FF2B5EF4-FFF2-40B4-BE49-F238E27FC236}">
+                <a16:creationId xmlns:a16="http://schemas.microsoft.com/office/drawing/2014/main" id="{E8FF31F2-31A8-44C5-879F-059B210F2E3A}"/>
+              </a:ext>
+            </a:extLst>
+          </p:cNvPr>
+          <p:cNvSpPr>
+            <a:spLocks noGrp="1"/>
+          </p:cNvSpPr>
+          <p:nvPr>
+            <p:ph type="title"/>
+          </p:nvPr>
+        </p:nvSpPr>
+        <p:spPr>
+          <a:xfrm>
+            <a:off x="319684" y="93462"/>
+            <a:ext cx="7979364" cy="521100"/>
+          </a:xfrm>
+        </p:spPr>
+        <p:txBody>
+          <a:bodyPr/>
+          <a:lstStyle/>
+          <a:p>
+            <a:r>
+              <a:rPr lang="es-MX" dirty="0"/>
+              <a:t>Entrega de las bases de datos</a:t>
+            </a:r>
+            <a:endParaRPr lang="es-CO" dirty="0"/>
+          </a:p>
+        </p:txBody>
+      </p:sp>
+      <p:graphicFrame>
+        <p:nvGraphicFramePr>
+          <p:cNvPr id="3" name="Tabla 2">
+            <a:extLst>
+              <a:ext uri="{FF2B5EF4-FFF2-40B4-BE49-F238E27FC236}">
+                <a16:creationId xmlns:a16="http://schemas.microsoft.com/office/drawing/2014/main" id="{2D0E78F0-1912-4152-8C0A-110035FD2B89}"/>
+              </a:ext>
+            </a:extLst>
+          </p:cNvPr>
+          <p:cNvGraphicFramePr>
+            <a:graphicFrameLocks noGrp="1"/>
+          </p:cNvGraphicFramePr>
+          <p:nvPr/>
+        </p:nvGraphicFramePr>
+        <p:xfrm>
+          <a:off x="135622" y="1192273"/>
+          <a:ext cx="8905288" cy="2020240"/>
+        </p:xfrm>
+        <a:graphic>
+          <a:graphicData uri="http://schemas.openxmlformats.org/drawingml/2006/table">
+            <a:tbl>
+              <a:tblPr>
+                <a:tableStyleId>{26726A9D-E0CB-4EF1-A61A-D68CCAF3E86F}</a:tableStyleId>
+              </a:tblPr>
+              <a:tblGrid>
+                <a:gridCol w="658572">
+                  <a:extLst>
+                    <a:ext uri="{9D8B030D-6E8A-4147-A177-3AD203B41FA5}">
+                      <a16:colId xmlns:a16="http://schemas.microsoft.com/office/drawing/2014/main" val="3895943365"/>
+                    </a:ext>
+                  </a:extLst>
+                </a:gridCol>
+                <a:gridCol w="720000">
+                  <a:extLst>
+                    <a:ext uri="{9D8B030D-6E8A-4147-A177-3AD203B41FA5}">
+                      <a16:colId xmlns:a16="http://schemas.microsoft.com/office/drawing/2014/main" val="1640848638"/>
+                    </a:ext>
+                  </a:extLst>
+                </a:gridCol>
+                <a:gridCol w="1116000">
+                  <a:extLst>
+                    <a:ext uri="{9D8B030D-6E8A-4147-A177-3AD203B41FA5}">
+                      <a16:colId xmlns:a16="http://schemas.microsoft.com/office/drawing/2014/main" val="2778043184"/>
+                    </a:ext>
+                  </a:extLst>
+                </a:gridCol>
+                <a:gridCol w="972000">
+                  <a:extLst>
+                    <a:ext uri="{9D8B030D-6E8A-4147-A177-3AD203B41FA5}">
+                      <a16:colId xmlns:a16="http://schemas.microsoft.com/office/drawing/2014/main" val="4118594412"/>
+                    </a:ext>
+                  </a:extLst>
+                </a:gridCol>
+                <a:gridCol w="684000">
+                  <a:extLst>
+                    <a:ext uri="{9D8B030D-6E8A-4147-A177-3AD203B41FA5}">
+                      <a16:colId xmlns:a16="http://schemas.microsoft.com/office/drawing/2014/main" val="1917956645"/>
+                    </a:ext>
+                  </a:extLst>
+                </a:gridCol>
+                <a:gridCol w="864000">
+                  <a:extLst>
+                    <a:ext uri="{9D8B030D-6E8A-4147-A177-3AD203B41FA5}">
+                      <a16:colId xmlns:a16="http://schemas.microsoft.com/office/drawing/2014/main" val="900609914"/>
+                    </a:ext>
+                  </a:extLst>
+                </a:gridCol>
+                <a:gridCol w="756000">
+                  <a:extLst>
+                    <a:ext uri="{9D8B030D-6E8A-4147-A177-3AD203B41FA5}">
+                      <a16:colId xmlns:a16="http://schemas.microsoft.com/office/drawing/2014/main" val="2375260679"/>
+                    </a:ext>
+                  </a:extLst>
+                </a:gridCol>
+                <a:gridCol w="757358">
+                  <a:extLst>
+                    <a:ext uri="{9D8B030D-6E8A-4147-A177-3AD203B41FA5}">
+                      <a16:colId xmlns:a16="http://schemas.microsoft.com/office/drawing/2014/main" val="112708847"/>
+                    </a:ext>
+                  </a:extLst>
+                </a:gridCol>
+                <a:gridCol w="720000">
+                  <a:extLst>
+                    <a:ext uri="{9D8B030D-6E8A-4147-A177-3AD203B41FA5}">
+                      <a16:colId xmlns:a16="http://schemas.microsoft.com/office/drawing/2014/main" val="1404387531"/>
+                    </a:ext>
+                  </a:extLst>
+                </a:gridCol>
+                <a:gridCol w="757358">
+                  <a:extLst>
+                    <a:ext uri="{9D8B030D-6E8A-4147-A177-3AD203B41FA5}">
+                      <a16:colId xmlns:a16="http://schemas.microsoft.com/office/drawing/2014/main" val="1246402977"/>
+                    </a:ext>
+                  </a:extLst>
+                </a:gridCol>
+                <a:gridCol w="900000">
+                  <a:extLst>
+                    <a:ext uri="{9D8B030D-6E8A-4147-A177-3AD203B41FA5}">
+                      <a16:colId xmlns:a16="http://schemas.microsoft.com/office/drawing/2014/main" val="3404494131"/>
+                    </a:ext>
+                  </a:extLst>
+                </a:gridCol>
+              </a:tblGrid>
+              <a:tr h="659722">
+                <a:tc>
+                  <a:txBody>
+                    <a:bodyPr/>
+                    <a:lstStyle/>
+                    <a:p>
+                      <a:pPr algn="ctr" rtl="0" fontAlgn="ctr"/>
+                      <a:r>
+                        <a:rPr lang="es-CO" sz="1000" b="1" u="none" strike="noStrike" dirty="0">
+                          <a:effectLst/>
+                          <a:latin typeface="Montserrat Medium" panose="020B0604020202020204" charset="0"/>
+                        </a:rPr>
+                        <a:t>ETF</a:t>
+                      </a:r>
+                      <a:endParaRPr lang="es-CO" sz="1000" b="1" i="0" u="none" strike="noStrike" dirty="0">
+                        <a:solidFill>
+                          <a:srgbClr val="677480"/>
+                        </a:solidFill>
+                        <a:effectLst/>
+                        <a:latin typeface="Montserrat Medium" panose="020B0604020202020204" charset="0"/>
+                      </a:endParaRPr>
+                    </a:p>
+                  </a:txBody>
+                  <a:tcPr marL="7808" marR="7808" marT="7808" marB="0" anchor="ctr"/>
+                </a:tc>
+                <a:tc>
+                  <a:txBody>
+                    <a:bodyPr/>
+                    <a:lstStyle/>
+                    <a:p>
+                      <a:pPr algn="ctr" rtl="0" fontAlgn="ctr"/>
+                      <a:r>
+                        <a:rPr lang="es-CO" sz="1000" b="1" u="none" strike="noStrike" dirty="0">
+                          <a:effectLst/>
+                          <a:latin typeface="Montserrat Medium" panose="020B0604020202020204" charset="0"/>
+                        </a:rPr>
+                        <a:t>Proveedor</a:t>
+                      </a:r>
+                      <a:endParaRPr lang="es-CO" sz="1000" b="1" i="0" u="none" strike="noStrike" dirty="0">
+                        <a:solidFill>
+                          <a:srgbClr val="677480"/>
+                        </a:solidFill>
+                        <a:effectLst/>
+                        <a:latin typeface="Montserrat Medium" panose="020B0604020202020204" charset="0"/>
+                      </a:endParaRPr>
+                    </a:p>
+                  </a:txBody>
+                  <a:tcPr marL="7808" marR="7808" marT="7808" marB="0" anchor="ctr"/>
+                </a:tc>
+                <a:tc>
+                  <a:txBody>
+                    <a:bodyPr/>
+                    <a:lstStyle/>
+                    <a:p>
+                      <a:pPr algn="ctr" rtl="0" fontAlgn="ctr"/>
+                      <a:r>
+                        <a:rPr lang="es-CO" sz="1000" b="1" u="none" strike="noStrike" dirty="0">
+                          <a:effectLst/>
+                          <a:latin typeface="Montserrat Medium" panose="020B0604020202020204" charset="0"/>
+                        </a:rPr>
+                        <a:t>Apalancamiento</a:t>
+                      </a:r>
+                      <a:endParaRPr lang="es-CO" sz="1000" b="1" i="0" u="none" strike="noStrike" dirty="0">
+                        <a:solidFill>
+                          <a:srgbClr val="677480"/>
+                        </a:solidFill>
+                        <a:effectLst/>
+                        <a:latin typeface="Montserrat Medium" panose="020B0604020202020204" charset="0"/>
+                      </a:endParaRPr>
+                    </a:p>
+                  </a:txBody>
+                  <a:tcPr marL="7808" marR="7808" marT="7808" marB="0" anchor="ctr"/>
+                </a:tc>
+                <a:tc>
+                  <a:txBody>
+                    <a:bodyPr/>
+                    <a:lstStyle/>
+                    <a:p>
+                      <a:pPr algn="ctr" rtl="0" fontAlgn="ctr"/>
+                      <a:r>
+                        <a:rPr lang="es-CO" sz="1000" b="1" u="none" strike="noStrike" dirty="0">
+                          <a:effectLst/>
+                          <a:latin typeface="Montserrat Medium" panose="020B0604020202020204" charset="0"/>
+                        </a:rPr>
+                        <a:t>Temporalidad </a:t>
+                      </a:r>
+                      <a:br>
+                        <a:rPr lang="es-CO" sz="1000" b="1" u="none" strike="noStrike" dirty="0">
+                          <a:effectLst/>
+                          <a:latin typeface="Montserrat Medium" panose="020B0604020202020204" charset="0"/>
+                        </a:rPr>
+                      </a:br>
+                      <a:r>
+                        <a:rPr lang="es-CO" sz="1000" b="1" u="none" strike="noStrike" dirty="0">
+                          <a:effectLst/>
+                          <a:latin typeface="Montserrat Medium" panose="020B0604020202020204" charset="0"/>
+                        </a:rPr>
+                        <a:t>de retorno objetivo</a:t>
+                      </a:r>
+                      <a:endParaRPr lang="es-CO" sz="1000" b="1" i="0" u="none" strike="noStrike" dirty="0">
+                        <a:solidFill>
+                          <a:srgbClr val="677480"/>
+                        </a:solidFill>
+                        <a:effectLst/>
+                        <a:latin typeface="Montserrat Medium" panose="020B0604020202020204" charset="0"/>
+                      </a:endParaRPr>
+                    </a:p>
+                  </a:txBody>
+                  <a:tcPr marL="7808" marR="7808" marT="7808" marB="0" anchor="ctr"/>
+                </a:tc>
+                <a:tc>
+                  <a:txBody>
+                    <a:bodyPr/>
+                    <a:lstStyle/>
+                    <a:p>
+                      <a:pPr algn="ctr" rtl="0" fontAlgn="ctr"/>
+                      <a:r>
+                        <a:rPr lang="es-CO" sz="1000" b="1" u="none" strike="noStrike" dirty="0">
+                          <a:effectLst/>
+                          <a:latin typeface="Montserrat Medium" panose="020B0604020202020204" charset="0"/>
+                        </a:rPr>
+                        <a:t>Dirección retorno objetivo</a:t>
+                      </a:r>
+                      <a:endParaRPr lang="es-CO" sz="1000" b="1" i="0" u="none" strike="noStrike" dirty="0">
+                        <a:solidFill>
+                          <a:srgbClr val="677480"/>
+                        </a:solidFill>
+                        <a:effectLst/>
+                        <a:latin typeface="Montserrat Medium" panose="020B0604020202020204" charset="0"/>
+                      </a:endParaRPr>
+                    </a:p>
+                  </a:txBody>
+                  <a:tcPr marL="7808" marR="7808" marT="7808" marB="0" anchor="ctr"/>
+                </a:tc>
+                <a:tc>
+                  <a:txBody>
+                    <a:bodyPr/>
+                    <a:lstStyle/>
+                    <a:p>
+                      <a:pPr algn="ctr" rtl="0" fontAlgn="ctr"/>
+                      <a:r>
+                        <a:rPr lang="es-CO" sz="1000" b="1" u="none" strike="noStrike" dirty="0">
+                          <a:effectLst/>
+                          <a:latin typeface="Montserrat Medium" panose="020B0604020202020204" charset="0"/>
+                        </a:rPr>
+                        <a:t>Índice de referencia</a:t>
+                      </a:r>
+                      <a:endParaRPr lang="es-CO" sz="1000" b="1" i="0" u="none" strike="noStrike" dirty="0">
+                        <a:solidFill>
+                          <a:srgbClr val="677480"/>
+                        </a:solidFill>
+                        <a:effectLst/>
+                        <a:latin typeface="Montserrat Medium" panose="020B0604020202020204" charset="0"/>
+                      </a:endParaRPr>
+                    </a:p>
+                  </a:txBody>
+                  <a:tcPr marL="7808" marR="7808" marT="7808" marB="0" anchor="ctr"/>
+                </a:tc>
+                <a:tc gridSpan="2">
+                  <a:txBody>
+                    <a:bodyPr/>
+                    <a:lstStyle/>
+                    <a:p>
+                      <a:pPr algn="ctr" rtl="0" fontAlgn="ctr"/>
+                      <a:r>
+                        <a:rPr lang="es-CO" sz="1000" b="1" u="none" strike="noStrike" dirty="0">
+                          <a:effectLst/>
+                          <a:latin typeface="Montserrat Medium" panose="020B0604020202020204" charset="0"/>
+                        </a:rPr>
+                        <a:t>Fecha inicial</a:t>
+                      </a:r>
+                      <a:endParaRPr lang="es-CO" sz="1000" b="1" i="0" u="none" strike="noStrike" dirty="0">
+                        <a:solidFill>
+                          <a:srgbClr val="677480"/>
+                        </a:solidFill>
+                        <a:effectLst/>
+                        <a:latin typeface="Montserrat Medium" panose="020B0604020202020204" charset="0"/>
+                      </a:endParaRPr>
+                    </a:p>
+                  </a:txBody>
+                  <a:tcPr marL="7808" marR="7808" marT="7808" marB="0" anchor="ctr"/>
+                </a:tc>
+                <a:tc hMerge="1">
+                  <a:txBody>
+                    <a:bodyPr/>
+                    <a:lstStyle/>
+                    <a:p>
+                      <a:endParaRPr lang="es-CO"/>
+                    </a:p>
+                  </a:txBody>
+                  <a:tcPr/>
+                </a:tc>
+                <a:tc gridSpan="2">
+                  <a:txBody>
+                    <a:bodyPr/>
+                    <a:lstStyle/>
+                    <a:p>
+                      <a:pPr algn="ctr" rtl="0" fontAlgn="ctr"/>
+                      <a:r>
+                        <a:rPr lang="es-CO" sz="1000" b="1" u="none" strike="noStrike" dirty="0">
+                          <a:effectLst/>
+                          <a:latin typeface="Montserrat Medium" panose="020B0604020202020204" charset="0"/>
+                        </a:rPr>
+                        <a:t>Fecha final</a:t>
+                      </a:r>
+                      <a:endParaRPr lang="es-CO" sz="1000" b="1" i="0" u="none" strike="noStrike" dirty="0">
+                        <a:solidFill>
+                          <a:srgbClr val="677480"/>
+                        </a:solidFill>
+                        <a:effectLst/>
+                        <a:latin typeface="Montserrat Medium" panose="020B0604020202020204" charset="0"/>
+                      </a:endParaRPr>
+                    </a:p>
+                  </a:txBody>
+                  <a:tcPr marL="7808" marR="7808" marT="7808" marB="0" anchor="ctr"/>
+                </a:tc>
+                <a:tc hMerge="1">
+                  <a:txBody>
+                    <a:bodyPr/>
+                    <a:lstStyle/>
+                    <a:p>
+                      <a:endParaRPr lang="es-CO"/>
+                    </a:p>
+                  </a:txBody>
+                  <a:tcPr/>
+                </a:tc>
+                <a:tc>
+                  <a:txBody>
+                    <a:bodyPr/>
+                    <a:lstStyle/>
+                    <a:p>
+                      <a:pPr algn="ctr" rtl="0" fontAlgn="ctr"/>
+                      <a:r>
+                        <a:rPr lang="es-CO" sz="1000" b="1" u="none" strike="noStrike" dirty="0">
+                          <a:effectLst/>
+                          <a:latin typeface="Montserrat Medium" panose="020B0604020202020204" charset="0"/>
+                        </a:rPr>
+                        <a:t>Franja horaria permitida para negociar</a:t>
+                      </a:r>
+                      <a:endParaRPr lang="es-CO" sz="1000" b="1" i="0" u="none" strike="noStrike" dirty="0">
+                        <a:solidFill>
+                          <a:srgbClr val="677480"/>
+                        </a:solidFill>
+                        <a:effectLst/>
+                        <a:latin typeface="Montserrat Medium" panose="020B0604020202020204" charset="0"/>
+                      </a:endParaRPr>
+                    </a:p>
+                  </a:txBody>
+                  <a:tcPr marL="7808" marR="7808" marT="7808" marB="0" anchor="ctr"/>
+                </a:tc>
+                <a:extLst>
+                  <a:ext uri="{0D108BD9-81ED-4DB2-BD59-A6C34878D82A}">
+                    <a16:rowId xmlns:a16="http://schemas.microsoft.com/office/drawing/2014/main" val="1819951238"/>
+                  </a:ext>
+                </a:extLst>
+              </a:tr>
+              <a:tr h="219907">
+                <a:tc>
+                  <a:txBody>
+                    <a:bodyPr/>
+                    <a:lstStyle/>
+                    <a:p>
+                      <a:pPr algn="ctr" rtl="0" fontAlgn="ctr"/>
+                      <a:r>
+                        <a:rPr lang="es-CO" sz="1000" u="none" strike="noStrike" dirty="0">
+                          <a:solidFill>
+                            <a:schemeClr val="tx1">
+                              <a:lumMod val="75000"/>
+                            </a:schemeClr>
+                          </a:solidFill>
+                          <a:effectLst/>
+                          <a:latin typeface="Montserrat Medium" panose="020B0604020202020204" charset="0"/>
+                        </a:rPr>
+                        <a:t>TQQQ</a:t>
+                      </a:r>
+                      <a:endParaRPr lang="es-CO" sz="1000" b="0" i="0" u="none" strike="noStrike" dirty="0">
+                        <a:solidFill>
+                          <a:schemeClr val="tx1">
+                            <a:lumMod val="75000"/>
+                          </a:schemeClr>
+                        </a:solidFill>
+                        <a:effectLst/>
+                        <a:latin typeface="Montserrat Medium" panose="020B0604020202020204" charset="0"/>
+                      </a:endParaRPr>
+                    </a:p>
+                  </a:txBody>
+                  <a:tcPr marL="7808" marR="7808" marT="7808" marB="0" anchor="ctr"/>
+                </a:tc>
+                <a:tc>
+                  <a:txBody>
+                    <a:bodyPr/>
+                    <a:lstStyle/>
+                    <a:p>
+                      <a:pPr algn="ctr" rtl="0" fontAlgn="ctr"/>
+                      <a:r>
+                        <a:rPr lang="es-CO" sz="1000" u="none" strike="noStrike" dirty="0" err="1">
+                          <a:solidFill>
+                            <a:schemeClr val="tx1">
+                              <a:lumMod val="75000"/>
+                            </a:schemeClr>
+                          </a:solidFill>
+                          <a:effectLst/>
+                          <a:latin typeface="Montserrat Medium" panose="020B0604020202020204" charset="0"/>
+                        </a:rPr>
+                        <a:t>ProShares</a:t>
+                      </a:r>
+                      <a:endParaRPr lang="es-CO" sz="1000" b="0" i="0" u="none" strike="noStrike" dirty="0">
+                        <a:solidFill>
+                          <a:schemeClr val="tx1">
+                            <a:lumMod val="75000"/>
+                          </a:schemeClr>
+                        </a:solidFill>
+                        <a:effectLst/>
+                        <a:latin typeface="Montserrat Medium" panose="020B0604020202020204" charset="0"/>
+                      </a:endParaRPr>
+                    </a:p>
+                  </a:txBody>
+                  <a:tcPr marL="7808" marR="7808" marT="7808" marB="0" anchor="ctr"/>
+                </a:tc>
+                <a:tc>
+                  <a:txBody>
+                    <a:bodyPr/>
+                    <a:lstStyle/>
+                    <a:p>
+                      <a:pPr algn="ctr" rtl="0" fontAlgn="ctr"/>
+                      <a:r>
+                        <a:rPr lang="es-CO" sz="1000" u="none" strike="noStrike">
+                          <a:solidFill>
+                            <a:schemeClr val="tx1">
+                              <a:lumMod val="75000"/>
+                            </a:schemeClr>
+                          </a:solidFill>
+                          <a:effectLst/>
+                          <a:latin typeface="Montserrat Medium" panose="020B0604020202020204" charset="0"/>
+                        </a:rPr>
+                        <a:t>3X</a:t>
+                      </a:r>
+                      <a:endParaRPr lang="es-CO" sz="1000" b="0" i="0" u="none" strike="noStrike">
+                        <a:solidFill>
+                          <a:schemeClr val="tx1">
+                            <a:lumMod val="75000"/>
+                          </a:schemeClr>
+                        </a:solidFill>
+                        <a:effectLst/>
+                        <a:latin typeface="Montserrat Medium" panose="020B0604020202020204" charset="0"/>
+                      </a:endParaRPr>
+                    </a:p>
+                  </a:txBody>
+                  <a:tcPr marL="7808" marR="7808" marT="7808" marB="0" anchor="ctr"/>
+                </a:tc>
+                <a:tc>
+                  <a:txBody>
+                    <a:bodyPr/>
+                    <a:lstStyle/>
+                    <a:p>
+                      <a:pPr algn="ctr" rtl="0" fontAlgn="ctr"/>
+                      <a:r>
+                        <a:rPr lang="es-CO" sz="1000" u="none" strike="noStrike">
+                          <a:solidFill>
+                            <a:schemeClr val="tx1">
+                              <a:lumMod val="75000"/>
+                            </a:schemeClr>
+                          </a:solidFill>
+                          <a:effectLst/>
+                          <a:latin typeface="Montserrat Medium" panose="020B0604020202020204" charset="0"/>
+                        </a:rPr>
+                        <a:t>Diario</a:t>
+                      </a:r>
+                      <a:endParaRPr lang="es-CO" sz="1000" b="0" i="0" u="none" strike="noStrike">
+                        <a:solidFill>
+                          <a:schemeClr val="tx1">
+                            <a:lumMod val="75000"/>
+                          </a:schemeClr>
+                        </a:solidFill>
+                        <a:effectLst/>
+                        <a:latin typeface="Montserrat Medium" panose="020B0604020202020204" charset="0"/>
+                      </a:endParaRPr>
+                    </a:p>
+                  </a:txBody>
+                  <a:tcPr marL="7808" marR="7808" marT="7808" marB="0" anchor="ctr"/>
+                </a:tc>
+                <a:tc>
+                  <a:txBody>
+                    <a:bodyPr/>
+                    <a:lstStyle/>
+                    <a:p>
+                      <a:pPr algn="ctr" rtl="0" fontAlgn="ctr"/>
+                      <a:r>
+                        <a:rPr lang="es-CO" sz="1000" u="none" strike="noStrike">
+                          <a:solidFill>
+                            <a:schemeClr val="tx1">
+                              <a:lumMod val="75000"/>
+                            </a:schemeClr>
+                          </a:solidFill>
+                          <a:effectLst/>
+                          <a:latin typeface="Montserrat Medium" panose="020B0604020202020204" charset="0"/>
+                        </a:rPr>
+                        <a:t>Bull</a:t>
+                      </a:r>
+                      <a:endParaRPr lang="es-CO" sz="1000" b="0" i="0" u="none" strike="noStrike">
+                        <a:solidFill>
+                          <a:schemeClr val="tx1">
+                            <a:lumMod val="75000"/>
+                          </a:schemeClr>
+                        </a:solidFill>
+                        <a:effectLst/>
+                        <a:latin typeface="Montserrat Medium" panose="020B0604020202020204" charset="0"/>
+                      </a:endParaRPr>
+                    </a:p>
+                  </a:txBody>
+                  <a:tcPr marL="7808" marR="7808" marT="7808" marB="0" anchor="ctr"/>
+                </a:tc>
+                <a:tc>
+                  <a:txBody>
+                    <a:bodyPr/>
+                    <a:lstStyle/>
+                    <a:p>
+                      <a:pPr algn="ctr" rtl="0" fontAlgn="ctr"/>
+                      <a:r>
+                        <a:rPr lang="es-CO" sz="1000" u="none" strike="noStrike">
+                          <a:solidFill>
+                            <a:schemeClr val="tx1">
+                              <a:lumMod val="75000"/>
+                            </a:schemeClr>
+                          </a:solidFill>
+                          <a:effectLst/>
+                          <a:latin typeface="Montserrat Medium" panose="020B0604020202020204" charset="0"/>
+                        </a:rPr>
+                        <a:t>Nasdaq 100</a:t>
+                      </a:r>
+                      <a:endParaRPr lang="es-CO" sz="1000" b="0" i="0" u="none" strike="noStrike">
+                        <a:solidFill>
+                          <a:schemeClr val="tx1">
+                            <a:lumMod val="75000"/>
+                          </a:schemeClr>
+                        </a:solidFill>
+                        <a:effectLst/>
+                        <a:latin typeface="Montserrat Medium" panose="020B0604020202020204" charset="0"/>
+                      </a:endParaRPr>
+                    </a:p>
+                  </a:txBody>
+                  <a:tcPr marL="7808" marR="7808" marT="7808" marB="0" anchor="ctr"/>
+                </a:tc>
+                <a:tc>
+                  <a:txBody>
+                    <a:bodyPr/>
+                    <a:lstStyle/>
+                    <a:p>
+                      <a:pPr algn="ctr" rtl="0" fontAlgn="ctr"/>
+                      <a:r>
+                        <a:rPr lang="es-CO" sz="1000" u="none" strike="noStrike">
+                          <a:solidFill>
+                            <a:schemeClr val="tx1">
+                              <a:lumMod val="75000"/>
+                            </a:schemeClr>
+                          </a:solidFill>
+                          <a:effectLst/>
+                          <a:latin typeface="Montserrat Medium" panose="020B0604020202020204" charset="0"/>
+                        </a:rPr>
+                        <a:t>04/01/2016</a:t>
+                      </a:r>
+                      <a:endParaRPr lang="es-CO" sz="1000" b="0" i="0" u="none" strike="noStrike">
+                        <a:solidFill>
+                          <a:schemeClr val="tx1">
+                            <a:lumMod val="75000"/>
+                          </a:schemeClr>
+                        </a:solidFill>
+                        <a:effectLst/>
+                        <a:latin typeface="Montserrat Medium" panose="020B0604020202020204" charset="0"/>
+                      </a:endParaRPr>
+                    </a:p>
+                  </a:txBody>
+                  <a:tcPr marL="7808" marR="7808" marT="7808" marB="0" anchor="ctr"/>
+                </a:tc>
+                <a:tc>
+                  <a:txBody>
+                    <a:bodyPr/>
+                    <a:lstStyle/>
+                    <a:p>
+                      <a:pPr algn="ctr" rtl="0" fontAlgn="ctr"/>
+                      <a:r>
+                        <a:rPr lang="es-CO" sz="1000" u="none" strike="noStrike">
+                          <a:solidFill>
+                            <a:schemeClr val="tx1">
+                              <a:lumMod val="75000"/>
+                            </a:schemeClr>
+                          </a:solidFill>
+                          <a:effectLst/>
+                          <a:latin typeface="Montserrat Medium" panose="020B0604020202020204" charset="0"/>
+                        </a:rPr>
+                        <a:t>4:00:00 a. m.</a:t>
+                      </a:r>
+                      <a:endParaRPr lang="es-CO" sz="1000" b="0" i="0" u="none" strike="noStrike">
+                        <a:solidFill>
+                          <a:schemeClr val="tx1">
+                            <a:lumMod val="75000"/>
+                          </a:schemeClr>
+                        </a:solidFill>
+                        <a:effectLst/>
+                        <a:latin typeface="Montserrat Medium" panose="020B0604020202020204" charset="0"/>
+                      </a:endParaRPr>
+                    </a:p>
+                  </a:txBody>
+                  <a:tcPr marL="7808" marR="7808" marT="7808" marB="0" anchor="ctr"/>
+                </a:tc>
+                <a:tc>
+                  <a:txBody>
+                    <a:bodyPr/>
+                    <a:lstStyle/>
+                    <a:p>
+                      <a:pPr algn="ctr" rtl="0" fontAlgn="ctr"/>
+                      <a:r>
+                        <a:rPr lang="es-CO" sz="1000" u="none" strike="noStrike" dirty="0">
+                          <a:solidFill>
+                            <a:schemeClr val="tx1">
+                              <a:lumMod val="75000"/>
+                            </a:schemeClr>
+                          </a:solidFill>
+                          <a:effectLst/>
+                          <a:latin typeface="Montserrat Medium" panose="020B0604020202020204" charset="0"/>
+                        </a:rPr>
+                        <a:t>26/02/2021</a:t>
+                      </a:r>
+                      <a:endParaRPr lang="es-CO" sz="1000" b="0" i="0" u="none" strike="noStrike" dirty="0">
+                        <a:solidFill>
+                          <a:schemeClr val="tx1">
+                            <a:lumMod val="75000"/>
+                          </a:schemeClr>
+                        </a:solidFill>
+                        <a:effectLst/>
+                        <a:latin typeface="Montserrat Medium" panose="020B0604020202020204" charset="0"/>
+                      </a:endParaRPr>
+                    </a:p>
+                  </a:txBody>
+                  <a:tcPr marL="7808" marR="7808" marT="7808" marB="0" anchor="ctr"/>
+                </a:tc>
+                <a:tc>
+                  <a:txBody>
+                    <a:bodyPr/>
+                    <a:lstStyle/>
+                    <a:p>
+                      <a:pPr algn="ctr" rtl="0" fontAlgn="ctr"/>
+                      <a:r>
+                        <a:rPr lang="es-CO" sz="1000" u="none" strike="noStrike" dirty="0">
+                          <a:solidFill>
+                            <a:schemeClr val="tx1">
+                              <a:lumMod val="75000"/>
+                            </a:schemeClr>
+                          </a:solidFill>
+                          <a:effectLst/>
+                          <a:latin typeface="Montserrat Medium" panose="020B0604020202020204" charset="0"/>
+                        </a:rPr>
+                        <a:t>7:30:00 p. m.</a:t>
+                      </a:r>
+                      <a:endParaRPr lang="es-CO" sz="1000" b="0" i="0" u="none" strike="noStrike" dirty="0">
+                        <a:solidFill>
+                          <a:schemeClr val="tx1">
+                            <a:lumMod val="75000"/>
+                          </a:schemeClr>
+                        </a:solidFill>
+                        <a:effectLst/>
+                        <a:latin typeface="Montserrat Medium" panose="020B0604020202020204" charset="0"/>
+                      </a:endParaRPr>
+                    </a:p>
+                  </a:txBody>
+                  <a:tcPr marL="7808" marR="7808" marT="7808" marB="0" anchor="ctr"/>
+                </a:tc>
+                <a:tc>
+                  <a:txBody>
+                    <a:bodyPr/>
+                    <a:lstStyle/>
+                    <a:p>
+                      <a:pPr algn="ctr" rtl="0" fontAlgn="ctr"/>
+                      <a:r>
+                        <a:rPr lang="es-CO" sz="1000" u="none" strike="noStrike" dirty="0">
+                          <a:solidFill>
+                            <a:schemeClr val="tx1">
+                              <a:lumMod val="75000"/>
+                            </a:schemeClr>
+                          </a:solidFill>
+                          <a:effectLst/>
+                          <a:latin typeface="Montserrat Medium" panose="020B0604020202020204" charset="0"/>
+                        </a:rPr>
+                        <a:t>Open </a:t>
+                      </a:r>
+                      <a:r>
+                        <a:rPr lang="es-CO" sz="1000" u="none" strike="noStrike" dirty="0" err="1">
+                          <a:solidFill>
+                            <a:schemeClr val="tx1">
+                              <a:lumMod val="75000"/>
+                            </a:schemeClr>
+                          </a:solidFill>
+                          <a:effectLst/>
+                          <a:latin typeface="Montserrat Medium" panose="020B0604020202020204" charset="0"/>
+                        </a:rPr>
+                        <a:t>Market</a:t>
+                      </a:r>
+                      <a:r>
+                        <a:rPr lang="es-CO" sz="1000" u="none" strike="noStrike" dirty="0">
+                          <a:solidFill>
+                            <a:schemeClr val="tx1">
+                              <a:lumMod val="75000"/>
+                            </a:schemeClr>
+                          </a:solidFill>
+                          <a:effectLst/>
+                          <a:latin typeface="Montserrat Medium" panose="020B0604020202020204" charset="0"/>
+                        </a:rPr>
+                        <a:t> -3 FH</a:t>
+                      </a:r>
+                      <a:endParaRPr lang="es-CO" sz="1000" b="0" i="0" u="none" strike="noStrike" dirty="0">
+                        <a:solidFill>
+                          <a:schemeClr val="tx1">
+                            <a:lumMod val="75000"/>
+                          </a:schemeClr>
+                        </a:solidFill>
+                        <a:effectLst/>
+                        <a:latin typeface="Montserrat Medium" panose="020B0604020202020204" charset="0"/>
+                      </a:endParaRPr>
+                    </a:p>
+                  </a:txBody>
+                  <a:tcPr marL="7808" marR="7808" marT="7808" marB="0" anchor="ctr"/>
+                </a:tc>
+                <a:extLst>
+                  <a:ext uri="{0D108BD9-81ED-4DB2-BD59-A6C34878D82A}">
+                    <a16:rowId xmlns:a16="http://schemas.microsoft.com/office/drawing/2014/main" val="5682736"/>
+                  </a:ext>
+                </a:extLst>
+              </a:tr>
+              <a:tr h="219907">
+                <a:tc>
+                  <a:txBody>
+                    <a:bodyPr/>
+                    <a:lstStyle/>
+                    <a:p>
+                      <a:pPr algn="ctr" rtl="0" fontAlgn="ctr"/>
+                      <a:r>
+                        <a:rPr lang="es-CO" sz="1000" u="none" strike="noStrike" dirty="0">
+                          <a:solidFill>
+                            <a:schemeClr val="tx1">
+                              <a:lumMod val="75000"/>
+                            </a:schemeClr>
+                          </a:solidFill>
+                          <a:effectLst/>
+                          <a:latin typeface="Montserrat Medium" panose="020B0604020202020204" charset="0"/>
+                        </a:rPr>
+                        <a:t>TNA</a:t>
+                      </a:r>
+                      <a:endParaRPr lang="es-CO" sz="1000" b="0" i="0" u="none" strike="noStrike" dirty="0">
+                        <a:solidFill>
+                          <a:schemeClr val="tx1">
+                            <a:lumMod val="75000"/>
+                          </a:schemeClr>
+                        </a:solidFill>
+                        <a:effectLst/>
+                        <a:latin typeface="Montserrat Medium" panose="020B0604020202020204" charset="0"/>
+                      </a:endParaRPr>
+                    </a:p>
+                  </a:txBody>
+                  <a:tcPr marL="7808" marR="7808" marT="7808" marB="0" anchor="ctr"/>
+                </a:tc>
+                <a:tc>
+                  <a:txBody>
+                    <a:bodyPr/>
+                    <a:lstStyle/>
+                    <a:p>
+                      <a:pPr algn="ctr" rtl="0" fontAlgn="ctr"/>
+                      <a:r>
+                        <a:rPr lang="es-CO" sz="1000" u="none" strike="noStrike" dirty="0" err="1">
+                          <a:solidFill>
+                            <a:schemeClr val="tx1">
+                              <a:lumMod val="75000"/>
+                            </a:schemeClr>
+                          </a:solidFill>
+                          <a:effectLst/>
+                          <a:latin typeface="Montserrat Medium" panose="020B0604020202020204" charset="0"/>
+                        </a:rPr>
+                        <a:t>Direxion</a:t>
+                      </a:r>
+                      <a:endParaRPr lang="es-CO" sz="1000" b="0" i="0" u="none" strike="noStrike" dirty="0">
+                        <a:solidFill>
+                          <a:schemeClr val="tx1">
+                            <a:lumMod val="75000"/>
+                          </a:schemeClr>
+                        </a:solidFill>
+                        <a:effectLst/>
+                        <a:latin typeface="Montserrat Medium" panose="020B0604020202020204" charset="0"/>
+                      </a:endParaRPr>
+                    </a:p>
+                  </a:txBody>
+                  <a:tcPr marL="7808" marR="7808" marT="7808" marB="0" anchor="ctr"/>
+                </a:tc>
+                <a:tc>
+                  <a:txBody>
+                    <a:bodyPr/>
+                    <a:lstStyle/>
+                    <a:p>
+                      <a:pPr algn="ctr" rtl="0" fontAlgn="ctr"/>
+                      <a:r>
+                        <a:rPr lang="es-CO" sz="1000" u="none" strike="noStrike">
+                          <a:solidFill>
+                            <a:schemeClr val="tx1">
+                              <a:lumMod val="75000"/>
+                            </a:schemeClr>
+                          </a:solidFill>
+                          <a:effectLst/>
+                          <a:latin typeface="Montserrat Medium" panose="020B0604020202020204" charset="0"/>
+                        </a:rPr>
+                        <a:t>3X</a:t>
+                      </a:r>
+                      <a:endParaRPr lang="es-CO" sz="1000" b="0" i="0" u="none" strike="noStrike">
+                        <a:solidFill>
+                          <a:schemeClr val="tx1">
+                            <a:lumMod val="75000"/>
+                          </a:schemeClr>
+                        </a:solidFill>
+                        <a:effectLst/>
+                        <a:latin typeface="Montserrat Medium" panose="020B0604020202020204" charset="0"/>
+                      </a:endParaRPr>
+                    </a:p>
+                  </a:txBody>
+                  <a:tcPr marL="7808" marR="7808" marT="7808" marB="0" anchor="ctr"/>
+                </a:tc>
+                <a:tc>
+                  <a:txBody>
+                    <a:bodyPr/>
+                    <a:lstStyle/>
+                    <a:p>
+                      <a:pPr algn="ctr" rtl="0" fontAlgn="ctr"/>
+                      <a:r>
+                        <a:rPr lang="es-CO" sz="1000" u="none" strike="noStrike">
+                          <a:solidFill>
+                            <a:schemeClr val="tx1">
+                              <a:lumMod val="75000"/>
+                            </a:schemeClr>
+                          </a:solidFill>
+                          <a:effectLst/>
+                          <a:latin typeface="Montserrat Medium" panose="020B0604020202020204" charset="0"/>
+                        </a:rPr>
+                        <a:t>Diario</a:t>
+                      </a:r>
+                      <a:endParaRPr lang="es-CO" sz="1000" b="0" i="0" u="none" strike="noStrike">
+                        <a:solidFill>
+                          <a:schemeClr val="tx1">
+                            <a:lumMod val="75000"/>
+                          </a:schemeClr>
+                        </a:solidFill>
+                        <a:effectLst/>
+                        <a:latin typeface="Montserrat Medium" panose="020B0604020202020204" charset="0"/>
+                      </a:endParaRPr>
+                    </a:p>
+                  </a:txBody>
+                  <a:tcPr marL="7808" marR="7808" marT="7808" marB="0" anchor="ctr"/>
+                </a:tc>
+                <a:tc>
+                  <a:txBody>
+                    <a:bodyPr/>
+                    <a:lstStyle/>
+                    <a:p>
+                      <a:pPr algn="ctr" rtl="0" fontAlgn="ctr"/>
+                      <a:r>
+                        <a:rPr lang="es-CO" sz="1000" u="none" strike="noStrike">
+                          <a:solidFill>
+                            <a:schemeClr val="tx1">
+                              <a:lumMod val="75000"/>
+                            </a:schemeClr>
+                          </a:solidFill>
+                          <a:effectLst/>
+                          <a:latin typeface="Montserrat Medium" panose="020B0604020202020204" charset="0"/>
+                        </a:rPr>
+                        <a:t>Bull</a:t>
+                      </a:r>
+                      <a:endParaRPr lang="es-CO" sz="1000" b="0" i="0" u="none" strike="noStrike">
+                        <a:solidFill>
+                          <a:schemeClr val="tx1">
+                            <a:lumMod val="75000"/>
+                          </a:schemeClr>
+                        </a:solidFill>
+                        <a:effectLst/>
+                        <a:latin typeface="Montserrat Medium" panose="020B0604020202020204" charset="0"/>
+                      </a:endParaRPr>
+                    </a:p>
+                  </a:txBody>
+                  <a:tcPr marL="7808" marR="7808" marT="7808" marB="0" anchor="ctr"/>
+                </a:tc>
+                <a:tc>
+                  <a:txBody>
+                    <a:bodyPr/>
+                    <a:lstStyle/>
+                    <a:p>
+                      <a:pPr algn="ctr" rtl="0" fontAlgn="ctr"/>
+                      <a:r>
+                        <a:rPr lang="es-CO" sz="1000" u="none" strike="noStrike">
+                          <a:solidFill>
+                            <a:schemeClr val="tx1">
+                              <a:lumMod val="75000"/>
+                            </a:schemeClr>
+                          </a:solidFill>
+                          <a:effectLst/>
+                          <a:latin typeface="Montserrat Medium" panose="020B0604020202020204" charset="0"/>
+                        </a:rPr>
+                        <a:t>Russell 2000</a:t>
+                      </a:r>
+                      <a:endParaRPr lang="es-CO" sz="1000" b="0" i="0" u="none" strike="noStrike">
+                        <a:solidFill>
+                          <a:schemeClr val="tx1">
+                            <a:lumMod val="75000"/>
+                          </a:schemeClr>
+                        </a:solidFill>
+                        <a:effectLst/>
+                        <a:latin typeface="Montserrat Medium" panose="020B0604020202020204" charset="0"/>
+                      </a:endParaRPr>
+                    </a:p>
+                  </a:txBody>
+                  <a:tcPr marL="7808" marR="7808" marT="7808" marB="0" anchor="ctr"/>
+                </a:tc>
+                <a:tc>
+                  <a:txBody>
+                    <a:bodyPr/>
+                    <a:lstStyle/>
+                    <a:p>
+                      <a:pPr algn="ctr" rtl="0" fontAlgn="ctr"/>
+                      <a:r>
+                        <a:rPr lang="es-CO" sz="1000" u="none" strike="noStrike">
+                          <a:solidFill>
+                            <a:schemeClr val="tx1">
+                              <a:lumMod val="75000"/>
+                            </a:schemeClr>
+                          </a:solidFill>
+                          <a:effectLst/>
+                          <a:latin typeface="Montserrat Medium" panose="020B0604020202020204" charset="0"/>
+                        </a:rPr>
+                        <a:t>02/01/2014</a:t>
+                      </a:r>
+                      <a:endParaRPr lang="es-CO" sz="1000" b="0" i="0" u="none" strike="noStrike">
+                        <a:solidFill>
+                          <a:schemeClr val="tx1">
+                            <a:lumMod val="75000"/>
+                          </a:schemeClr>
+                        </a:solidFill>
+                        <a:effectLst/>
+                        <a:latin typeface="Montserrat Medium" panose="020B0604020202020204" charset="0"/>
+                      </a:endParaRPr>
+                    </a:p>
+                  </a:txBody>
+                  <a:tcPr marL="7808" marR="7808" marT="7808" marB="0" anchor="ctr"/>
+                </a:tc>
+                <a:tc>
+                  <a:txBody>
+                    <a:bodyPr/>
+                    <a:lstStyle/>
+                    <a:p>
+                      <a:pPr algn="ctr" rtl="0" fontAlgn="ctr"/>
+                      <a:r>
+                        <a:rPr lang="es-CO" sz="1000" u="none" strike="noStrike">
+                          <a:solidFill>
+                            <a:schemeClr val="tx1">
+                              <a:lumMod val="75000"/>
+                            </a:schemeClr>
+                          </a:solidFill>
+                          <a:effectLst/>
+                          <a:latin typeface="Montserrat Medium" panose="020B0604020202020204" charset="0"/>
+                        </a:rPr>
+                        <a:t>6:00:00 a. m.</a:t>
+                      </a:r>
+                      <a:endParaRPr lang="es-CO" sz="1000" b="0" i="0" u="none" strike="noStrike">
+                        <a:solidFill>
+                          <a:schemeClr val="tx1">
+                            <a:lumMod val="75000"/>
+                          </a:schemeClr>
+                        </a:solidFill>
+                        <a:effectLst/>
+                        <a:latin typeface="Montserrat Medium" panose="020B0604020202020204" charset="0"/>
+                      </a:endParaRPr>
+                    </a:p>
+                  </a:txBody>
+                  <a:tcPr marL="7808" marR="7808" marT="7808" marB="0" anchor="ctr"/>
+                </a:tc>
+                <a:tc>
+                  <a:txBody>
+                    <a:bodyPr/>
+                    <a:lstStyle/>
+                    <a:p>
+                      <a:pPr algn="ctr" rtl="0" fontAlgn="ctr"/>
+                      <a:r>
+                        <a:rPr lang="es-CO" sz="1000" u="none" strike="noStrike">
+                          <a:solidFill>
+                            <a:schemeClr val="tx1">
+                              <a:lumMod val="75000"/>
+                            </a:schemeClr>
+                          </a:solidFill>
+                          <a:effectLst/>
+                          <a:latin typeface="Montserrat Medium" panose="020B0604020202020204" charset="0"/>
+                        </a:rPr>
+                        <a:t>26/02/2021</a:t>
+                      </a:r>
+                      <a:endParaRPr lang="es-CO" sz="1000" b="0" i="0" u="none" strike="noStrike">
+                        <a:solidFill>
+                          <a:schemeClr val="tx1">
+                            <a:lumMod val="75000"/>
+                          </a:schemeClr>
+                        </a:solidFill>
+                        <a:effectLst/>
+                        <a:latin typeface="Montserrat Medium" panose="020B0604020202020204" charset="0"/>
+                      </a:endParaRPr>
+                    </a:p>
+                  </a:txBody>
+                  <a:tcPr marL="7808" marR="7808" marT="7808" marB="0" anchor="ctr"/>
+                </a:tc>
+                <a:tc>
+                  <a:txBody>
+                    <a:bodyPr/>
+                    <a:lstStyle/>
+                    <a:p>
+                      <a:pPr algn="ctr" rtl="0" fontAlgn="ctr"/>
+                      <a:r>
+                        <a:rPr lang="es-CO" sz="1000" u="none" strike="noStrike" dirty="0">
+                          <a:solidFill>
+                            <a:schemeClr val="tx1">
+                              <a:lumMod val="75000"/>
+                            </a:schemeClr>
+                          </a:solidFill>
+                          <a:effectLst/>
+                          <a:latin typeface="Montserrat Medium" panose="020B0604020202020204" charset="0"/>
+                        </a:rPr>
+                        <a:t>7:30:00 p. m.</a:t>
+                      </a:r>
+                      <a:endParaRPr lang="es-CO" sz="1000" b="0" i="0" u="none" strike="noStrike" dirty="0">
+                        <a:solidFill>
+                          <a:schemeClr val="tx1">
+                            <a:lumMod val="75000"/>
+                          </a:schemeClr>
+                        </a:solidFill>
+                        <a:effectLst/>
+                        <a:latin typeface="Montserrat Medium" panose="020B0604020202020204" charset="0"/>
+                      </a:endParaRPr>
+                    </a:p>
+                  </a:txBody>
+                  <a:tcPr marL="7808" marR="7808" marT="7808" marB="0" anchor="ctr"/>
+                </a:tc>
+                <a:tc>
+                  <a:txBody>
+                    <a:bodyPr/>
+                    <a:lstStyle/>
+                    <a:p>
+                      <a:pPr algn="ctr" rtl="0" fontAlgn="ctr"/>
+                      <a:r>
+                        <a:rPr lang="es-CO" sz="1000" u="none" strike="noStrike" dirty="0">
+                          <a:solidFill>
+                            <a:schemeClr val="tx1">
+                              <a:lumMod val="75000"/>
+                            </a:schemeClr>
+                          </a:solidFill>
+                          <a:effectLst/>
+                          <a:latin typeface="Montserrat Medium" panose="020B0604020202020204" charset="0"/>
+                        </a:rPr>
+                        <a:t>Open </a:t>
+                      </a:r>
+                      <a:r>
+                        <a:rPr lang="es-CO" sz="1000" u="none" strike="noStrike" dirty="0" err="1">
+                          <a:solidFill>
+                            <a:schemeClr val="tx1">
+                              <a:lumMod val="75000"/>
+                            </a:schemeClr>
+                          </a:solidFill>
+                          <a:effectLst/>
+                          <a:latin typeface="Montserrat Medium" panose="020B0604020202020204" charset="0"/>
+                        </a:rPr>
+                        <a:t>Market</a:t>
+                      </a:r>
+                      <a:r>
+                        <a:rPr lang="es-CO" sz="1000" u="none" strike="noStrike" dirty="0">
+                          <a:solidFill>
+                            <a:schemeClr val="tx1">
+                              <a:lumMod val="75000"/>
+                            </a:schemeClr>
+                          </a:solidFill>
+                          <a:effectLst/>
+                          <a:latin typeface="Montserrat Medium" panose="020B0604020202020204" charset="0"/>
+                        </a:rPr>
+                        <a:t> -3 FH</a:t>
+                      </a:r>
+                      <a:endParaRPr lang="es-CO" sz="1000" b="0" i="0" u="none" strike="noStrike" dirty="0">
+                        <a:solidFill>
+                          <a:schemeClr val="tx1">
+                            <a:lumMod val="75000"/>
+                          </a:schemeClr>
+                        </a:solidFill>
+                        <a:effectLst/>
+                        <a:latin typeface="Montserrat Medium" panose="020B0604020202020204" charset="0"/>
+                      </a:endParaRPr>
+                    </a:p>
+                  </a:txBody>
+                  <a:tcPr marL="7808" marR="7808" marT="7808" marB="0" anchor="ctr"/>
+                </a:tc>
+                <a:extLst>
+                  <a:ext uri="{0D108BD9-81ED-4DB2-BD59-A6C34878D82A}">
+                    <a16:rowId xmlns:a16="http://schemas.microsoft.com/office/drawing/2014/main" val="1093270522"/>
+                  </a:ext>
+                </a:extLst>
+              </a:tr>
+              <a:tr h="219907">
+                <a:tc>
+                  <a:txBody>
+                    <a:bodyPr/>
+                    <a:lstStyle/>
+                    <a:p>
+                      <a:pPr algn="ctr" rtl="0" fontAlgn="ctr"/>
+                      <a:r>
+                        <a:rPr lang="es-CO" sz="1000" u="none" strike="noStrike" dirty="0">
+                          <a:solidFill>
+                            <a:schemeClr val="tx1">
+                              <a:lumMod val="75000"/>
+                            </a:schemeClr>
+                          </a:solidFill>
+                          <a:effectLst/>
+                          <a:latin typeface="Montserrat Medium" panose="020B0604020202020204" charset="0"/>
+                        </a:rPr>
+                        <a:t>FAZ</a:t>
+                      </a:r>
+                      <a:endParaRPr lang="es-CO" sz="1000" b="0" i="0" u="none" strike="noStrike" dirty="0">
+                        <a:solidFill>
+                          <a:schemeClr val="tx1">
+                            <a:lumMod val="75000"/>
+                          </a:schemeClr>
+                        </a:solidFill>
+                        <a:effectLst/>
+                        <a:latin typeface="Montserrat Medium" panose="020B0604020202020204" charset="0"/>
+                      </a:endParaRPr>
+                    </a:p>
+                  </a:txBody>
+                  <a:tcPr marL="7808" marR="7808" marT="7808" marB="0" anchor="ctr"/>
+                </a:tc>
+                <a:tc>
+                  <a:txBody>
+                    <a:bodyPr/>
+                    <a:lstStyle/>
+                    <a:p>
+                      <a:pPr algn="ctr" rtl="0" fontAlgn="ctr"/>
+                      <a:r>
+                        <a:rPr lang="es-CO" sz="1000" u="none" strike="noStrike">
+                          <a:solidFill>
+                            <a:schemeClr val="tx1">
+                              <a:lumMod val="75000"/>
+                            </a:schemeClr>
+                          </a:solidFill>
+                          <a:effectLst/>
+                          <a:latin typeface="Montserrat Medium" panose="020B0604020202020204" charset="0"/>
+                        </a:rPr>
+                        <a:t>Direxion</a:t>
+                      </a:r>
+                      <a:endParaRPr lang="es-CO" sz="1000" b="0" i="0" u="none" strike="noStrike">
+                        <a:solidFill>
+                          <a:schemeClr val="tx1">
+                            <a:lumMod val="75000"/>
+                          </a:schemeClr>
+                        </a:solidFill>
+                        <a:effectLst/>
+                        <a:latin typeface="Montserrat Medium" panose="020B0604020202020204" charset="0"/>
+                      </a:endParaRPr>
+                    </a:p>
+                  </a:txBody>
+                  <a:tcPr marL="7808" marR="7808" marT="7808" marB="0" anchor="ctr"/>
+                </a:tc>
+                <a:tc>
+                  <a:txBody>
+                    <a:bodyPr/>
+                    <a:lstStyle/>
+                    <a:p>
+                      <a:pPr algn="ctr" rtl="0" fontAlgn="ctr"/>
+                      <a:r>
+                        <a:rPr lang="es-CO" sz="1000" u="none" strike="noStrike">
+                          <a:solidFill>
+                            <a:schemeClr val="tx1">
+                              <a:lumMod val="75000"/>
+                            </a:schemeClr>
+                          </a:solidFill>
+                          <a:effectLst/>
+                          <a:latin typeface="Montserrat Medium" panose="020B0604020202020204" charset="0"/>
+                        </a:rPr>
+                        <a:t>3X</a:t>
+                      </a:r>
+                      <a:endParaRPr lang="es-CO" sz="1000" b="0" i="0" u="none" strike="noStrike">
+                        <a:solidFill>
+                          <a:schemeClr val="tx1">
+                            <a:lumMod val="75000"/>
+                          </a:schemeClr>
+                        </a:solidFill>
+                        <a:effectLst/>
+                        <a:latin typeface="Montserrat Medium" panose="020B0604020202020204" charset="0"/>
+                      </a:endParaRPr>
+                    </a:p>
+                  </a:txBody>
+                  <a:tcPr marL="7808" marR="7808" marT="7808" marB="0" anchor="ctr"/>
+                </a:tc>
+                <a:tc>
+                  <a:txBody>
+                    <a:bodyPr/>
+                    <a:lstStyle/>
+                    <a:p>
+                      <a:pPr algn="ctr" rtl="0" fontAlgn="ctr"/>
+                      <a:r>
+                        <a:rPr lang="es-CO" sz="1000" u="none" strike="noStrike">
+                          <a:solidFill>
+                            <a:schemeClr val="tx1">
+                              <a:lumMod val="75000"/>
+                            </a:schemeClr>
+                          </a:solidFill>
+                          <a:effectLst/>
+                          <a:latin typeface="Montserrat Medium" panose="020B0604020202020204" charset="0"/>
+                        </a:rPr>
+                        <a:t>Diario</a:t>
+                      </a:r>
+                      <a:endParaRPr lang="es-CO" sz="1000" b="0" i="0" u="none" strike="noStrike">
+                        <a:solidFill>
+                          <a:schemeClr val="tx1">
+                            <a:lumMod val="75000"/>
+                          </a:schemeClr>
+                        </a:solidFill>
+                        <a:effectLst/>
+                        <a:latin typeface="Montserrat Medium" panose="020B0604020202020204" charset="0"/>
+                      </a:endParaRPr>
+                    </a:p>
+                  </a:txBody>
+                  <a:tcPr marL="7808" marR="7808" marT="7808" marB="0" anchor="ctr"/>
+                </a:tc>
+                <a:tc>
+                  <a:txBody>
+                    <a:bodyPr/>
+                    <a:lstStyle/>
+                    <a:p>
+                      <a:pPr algn="ctr" rtl="0" fontAlgn="ctr"/>
+                      <a:r>
+                        <a:rPr lang="es-CO" sz="1000" u="none" strike="noStrike" dirty="0">
+                          <a:solidFill>
+                            <a:schemeClr val="tx1">
+                              <a:lumMod val="75000"/>
+                            </a:schemeClr>
+                          </a:solidFill>
+                          <a:effectLst/>
+                          <a:latin typeface="Montserrat Medium" panose="020B0604020202020204" charset="0"/>
+                        </a:rPr>
+                        <a:t>Bear</a:t>
+                      </a:r>
+                      <a:endParaRPr lang="es-CO" sz="1000" b="0" i="0" u="none" strike="noStrike" dirty="0">
+                        <a:solidFill>
+                          <a:schemeClr val="tx1">
+                            <a:lumMod val="75000"/>
+                          </a:schemeClr>
+                        </a:solidFill>
+                        <a:effectLst/>
+                        <a:latin typeface="Montserrat Medium" panose="020B0604020202020204" charset="0"/>
+                      </a:endParaRPr>
+                    </a:p>
+                  </a:txBody>
+                  <a:tcPr marL="7808" marR="7808" marT="7808" marB="0" anchor="ctr"/>
+                </a:tc>
+                <a:tc>
+                  <a:txBody>
+                    <a:bodyPr/>
+                    <a:lstStyle/>
+                    <a:p>
+                      <a:pPr algn="ctr" rtl="0" fontAlgn="ctr"/>
+                      <a:r>
+                        <a:rPr lang="es-CO" sz="1000" u="none" strike="noStrike">
+                          <a:solidFill>
+                            <a:schemeClr val="tx1">
+                              <a:lumMod val="75000"/>
+                            </a:schemeClr>
+                          </a:solidFill>
+                          <a:effectLst/>
+                          <a:latin typeface="Montserrat Medium" panose="020B0604020202020204" charset="0"/>
+                        </a:rPr>
+                        <a:t>Russell 1000</a:t>
+                      </a:r>
+                      <a:endParaRPr lang="es-CO" sz="1000" b="0" i="0" u="none" strike="noStrike">
+                        <a:solidFill>
+                          <a:schemeClr val="tx1">
+                            <a:lumMod val="75000"/>
+                          </a:schemeClr>
+                        </a:solidFill>
+                        <a:effectLst/>
+                        <a:latin typeface="Montserrat Medium" panose="020B0604020202020204" charset="0"/>
+                      </a:endParaRPr>
+                    </a:p>
+                  </a:txBody>
+                  <a:tcPr marL="7808" marR="7808" marT="7808" marB="0" anchor="ctr"/>
+                </a:tc>
+                <a:tc>
+                  <a:txBody>
+                    <a:bodyPr/>
+                    <a:lstStyle/>
+                    <a:p>
+                      <a:pPr algn="ctr" rtl="0" fontAlgn="ctr"/>
+                      <a:r>
+                        <a:rPr lang="es-CO" sz="1000" u="none" strike="noStrike">
+                          <a:solidFill>
+                            <a:schemeClr val="tx1">
+                              <a:lumMod val="75000"/>
+                            </a:schemeClr>
+                          </a:solidFill>
+                          <a:effectLst/>
+                          <a:latin typeface="Montserrat Medium" panose="020B0604020202020204" charset="0"/>
+                        </a:rPr>
+                        <a:t>15/01/2015</a:t>
+                      </a:r>
+                      <a:endParaRPr lang="es-CO" sz="1000" b="0" i="0" u="none" strike="noStrike">
+                        <a:solidFill>
+                          <a:schemeClr val="tx1">
+                            <a:lumMod val="75000"/>
+                          </a:schemeClr>
+                        </a:solidFill>
+                        <a:effectLst/>
+                        <a:latin typeface="Montserrat Medium" panose="020B0604020202020204" charset="0"/>
+                      </a:endParaRPr>
+                    </a:p>
+                  </a:txBody>
+                  <a:tcPr marL="7808" marR="7808" marT="7808" marB="0" anchor="ctr"/>
+                </a:tc>
+                <a:tc>
+                  <a:txBody>
+                    <a:bodyPr/>
+                    <a:lstStyle/>
+                    <a:p>
+                      <a:pPr algn="ctr" rtl="0" fontAlgn="ctr"/>
+                      <a:r>
+                        <a:rPr lang="es-CO" sz="1000" u="none" strike="noStrike">
+                          <a:solidFill>
+                            <a:schemeClr val="tx1">
+                              <a:lumMod val="75000"/>
+                            </a:schemeClr>
+                          </a:solidFill>
+                          <a:effectLst/>
+                          <a:latin typeface="Montserrat Medium" panose="020B0604020202020204" charset="0"/>
+                        </a:rPr>
+                        <a:t>7:00:00 a. m.</a:t>
+                      </a:r>
+                      <a:endParaRPr lang="es-CO" sz="1000" b="0" i="0" u="none" strike="noStrike">
+                        <a:solidFill>
+                          <a:schemeClr val="tx1">
+                            <a:lumMod val="75000"/>
+                          </a:schemeClr>
+                        </a:solidFill>
+                        <a:effectLst/>
+                        <a:latin typeface="Montserrat Medium" panose="020B0604020202020204" charset="0"/>
+                      </a:endParaRPr>
+                    </a:p>
+                  </a:txBody>
+                  <a:tcPr marL="7808" marR="7808" marT="7808" marB="0" anchor="ctr"/>
+                </a:tc>
+                <a:tc>
+                  <a:txBody>
+                    <a:bodyPr/>
+                    <a:lstStyle/>
+                    <a:p>
+                      <a:pPr algn="ctr" rtl="0" fontAlgn="ctr"/>
+                      <a:r>
+                        <a:rPr lang="es-CO" sz="1000" u="none" strike="noStrike">
+                          <a:solidFill>
+                            <a:schemeClr val="tx1">
+                              <a:lumMod val="75000"/>
+                            </a:schemeClr>
+                          </a:solidFill>
+                          <a:effectLst/>
+                          <a:latin typeface="Montserrat Medium" panose="020B0604020202020204" charset="0"/>
+                        </a:rPr>
+                        <a:t>12/02/2021</a:t>
+                      </a:r>
+                      <a:endParaRPr lang="es-CO" sz="1000" b="0" i="0" u="none" strike="noStrike">
+                        <a:solidFill>
+                          <a:schemeClr val="tx1">
+                            <a:lumMod val="75000"/>
+                          </a:schemeClr>
+                        </a:solidFill>
+                        <a:effectLst/>
+                        <a:latin typeface="Montserrat Medium" panose="020B0604020202020204" charset="0"/>
+                      </a:endParaRPr>
+                    </a:p>
+                  </a:txBody>
+                  <a:tcPr marL="7808" marR="7808" marT="7808" marB="0" anchor="ctr"/>
+                </a:tc>
+                <a:tc>
+                  <a:txBody>
+                    <a:bodyPr/>
+                    <a:lstStyle/>
+                    <a:p>
+                      <a:pPr algn="ctr" rtl="0" fontAlgn="ctr"/>
+                      <a:r>
+                        <a:rPr lang="es-CO" sz="1000" u="none" strike="noStrike">
+                          <a:solidFill>
+                            <a:schemeClr val="tx1">
+                              <a:lumMod val="75000"/>
+                            </a:schemeClr>
+                          </a:solidFill>
+                          <a:effectLst/>
+                          <a:latin typeface="Montserrat Medium" panose="020B0604020202020204" charset="0"/>
+                        </a:rPr>
+                        <a:t>7:30:00 p. m.</a:t>
+                      </a:r>
+                      <a:endParaRPr lang="es-CO" sz="1000" b="0" i="0" u="none" strike="noStrike">
+                        <a:solidFill>
+                          <a:schemeClr val="tx1">
+                            <a:lumMod val="75000"/>
+                          </a:schemeClr>
+                        </a:solidFill>
+                        <a:effectLst/>
+                        <a:latin typeface="Montserrat Medium" panose="020B0604020202020204" charset="0"/>
+                      </a:endParaRPr>
+                    </a:p>
+                  </a:txBody>
+                  <a:tcPr marL="7808" marR="7808" marT="7808" marB="0" anchor="ctr"/>
+                </a:tc>
+                <a:tc>
+                  <a:txBody>
+                    <a:bodyPr/>
+                    <a:lstStyle/>
+                    <a:p>
+                      <a:pPr algn="ctr" rtl="0" fontAlgn="ctr"/>
+                      <a:r>
+                        <a:rPr lang="es-CO" sz="1000" u="none" strike="noStrike" dirty="0">
+                          <a:solidFill>
+                            <a:schemeClr val="tx1">
+                              <a:lumMod val="75000"/>
+                            </a:schemeClr>
+                          </a:solidFill>
+                          <a:effectLst/>
+                          <a:latin typeface="Montserrat Medium" panose="020B0604020202020204" charset="0"/>
+                        </a:rPr>
+                        <a:t>Open </a:t>
+                      </a:r>
+                      <a:r>
+                        <a:rPr lang="es-CO" sz="1000" u="none" strike="noStrike" dirty="0" err="1">
+                          <a:solidFill>
+                            <a:schemeClr val="tx1">
+                              <a:lumMod val="75000"/>
+                            </a:schemeClr>
+                          </a:solidFill>
+                          <a:effectLst/>
+                          <a:latin typeface="Montserrat Medium" panose="020B0604020202020204" charset="0"/>
+                        </a:rPr>
+                        <a:t>Market</a:t>
+                      </a:r>
+                      <a:r>
+                        <a:rPr lang="es-CO" sz="1000" u="none" strike="noStrike" dirty="0">
+                          <a:solidFill>
+                            <a:schemeClr val="tx1">
+                              <a:lumMod val="75000"/>
+                            </a:schemeClr>
+                          </a:solidFill>
+                          <a:effectLst/>
+                          <a:latin typeface="Montserrat Medium" panose="020B0604020202020204" charset="0"/>
+                        </a:rPr>
+                        <a:t> -3 FH</a:t>
+                      </a:r>
+                      <a:endParaRPr lang="es-CO" sz="1000" b="0" i="0" u="none" strike="noStrike" dirty="0">
+                        <a:solidFill>
+                          <a:schemeClr val="tx1">
+                            <a:lumMod val="75000"/>
+                          </a:schemeClr>
+                        </a:solidFill>
+                        <a:effectLst/>
+                        <a:latin typeface="Montserrat Medium" panose="020B0604020202020204" charset="0"/>
+                      </a:endParaRPr>
+                    </a:p>
+                  </a:txBody>
+                  <a:tcPr marL="7808" marR="7808" marT="7808" marB="0" anchor="ctr"/>
+                </a:tc>
+                <a:extLst>
+                  <a:ext uri="{0D108BD9-81ED-4DB2-BD59-A6C34878D82A}">
+                    <a16:rowId xmlns:a16="http://schemas.microsoft.com/office/drawing/2014/main" val="1452748577"/>
+                  </a:ext>
+                </a:extLst>
+              </a:tr>
+              <a:tr h="219907">
+                <a:tc>
+                  <a:txBody>
+                    <a:bodyPr/>
+                    <a:lstStyle/>
+                    <a:p>
+                      <a:pPr algn="ctr" rtl="0" fontAlgn="ctr"/>
+                      <a:r>
+                        <a:rPr lang="es-CO" sz="1000" u="none" strike="noStrike" dirty="0">
+                          <a:solidFill>
+                            <a:schemeClr val="tx1">
+                              <a:lumMod val="75000"/>
+                            </a:schemeClr>
+                          </a:solidFill>
+                          <a:effectLst/>
+                          <a:latin typeface="Montserrat Medium" panose="020B0604020202020204" charset="0"/>
+                        </a:rPr>
+                        <a:t>SPXL</a:t>
+                      </a:r>
+                      <a:endParaRPr lang="es-CO" sz="1000" b="0" i="0" u="none" strike="noStrike" dirty="0">
+                        <a:solidFill>
+                          <a:schemeClr val="tx1">
+                            <a:lumMod val="75000"/>
+                          </a:schemeClr>
+                        </a:solidFill>
+                        <a:effectLst/>
+                        <a:latin typeface="Montserrat Medium" panose="020B0604020202020204" charset="0"/>
+                      </a:endParaRPr>
+                    </a:p>
+                  </a:txBody>
+                  <a:tcPr marL="7808" marR="7808" marT="7808" marB="0" anchor="ctr"/>
+                </a:tc>
+                <a:tc>
+                  <a:txBody>
+                    <a:bodyPr/>
+                    <a:lstStyle/>
+                    <a:p>
+                      <a:pPr algn="ctr" rtl="0" fontAlgn="ctr"/>
+                      <a:r>
+                        <a:rPr lang="es-CO" sz="1000" u="none" strike="noStrike" dirty="0" err="1">
+                          <a:solidFill>
+                            <a:schemeClr val="tx1">
+                              <a:lumMod val="75000"/>
+                            </a:schemeClr>
+                          </a:solidFill>
+                          <a:effectLst/>
+                          <a:latin typeface="Montserrat Medium" panose="020B0604020202020204" charset="0"/>
+                        </a:rPr>
+                        <a:t>Direxion</a:t>
+                      </a:r>
+                      <a:endParaRPr lang="es-CO" sz="1000" b="0" i="0" u="none" strike="noStrike" dirty="0">
+                        <a:solidFill>
+                          <a:schemeClr val="tx1">
+                            <a:lumMod val="75000"/>
+                          </a:schemeClr>
+                        </a:solidFill>
+                        <a:effectLst/>
+                        <a:latin typeface="Montserrat Medium" panose="020B0604020202020204" charset="0"/>
+                      </a:endParaRPr>
+                    </a:p>
+                  </a:txBody>
+                  <a:tcPr marL="7808" marR="7808" marT="7808" marB="0" anchor="ctr"/>
+                </a:tc>
+                <a:tc>
+                  <a:txBody>
+                    <a:bodyPr/>
+                    <a:lstStyle/>
+                    <a:p>
+                      <a:pPr algn="ctr" rtl="0" fontAlgn="ctr"/>
+                      <a:r>
+                        <a:rPr lang="es-CO" sz="1000" u="none" strike="noStrike" dirty="0">
+                          <a:solidFill>
+                            <a:schemeClr val="tx1">
+                              <a:lumMod val="75000"/>
+                            </a:schemeClr>
+                          </a:solidFill>
+                          <a:effectLst/>
+                          <a:latin typeface="Montserrat Medium" panose="020B0604020202020204" charset="0"/>
+                        </a:rPr>
+                        <a:t>3X</a:t>
+                      </a:r>
+                      <a:endParaRPr lang="es-CO" sz="1000" b="0" i="0" u="none" strike="noStrike" dirty="0">
+                        <a:solidFill>
+                          <a:schemeClr val="tx1">
+                            <a:lumMod val="75000"/>
+                          </a:schemeClr>
+                        </a:solidFill>
+                        <a:effectLst/>
+                        <a:latin typeface="Montserrat Medium" panose="020B0604020202020204" charset="0"/>
+                      </a:endParaRPr>
+                    </a:p>
+                  </a:txBody>
+                  <a:tcPr marL="7808" marR="7808" marT="7808" marB="0" anchor="ctr"/>
+                </a:tc>
+                <a:tc>
+                  <a:txBody>
+                    <a:bodyPr/>
+                    <a:lstStyle/>
+                    <a:p>
+                      <a:pPr algn="ctr" rtl="0" fontAlgn="ctr"/>
+                      <a:r>
+                        <a:rPr lang="es-CO" sz="1000" u="none" strike="noStrike" dirty="0">
+                          <a:solidFill>
+                            <a:schemeClr val="tx1">
+                              <a:lumMod val="75000"/>
+                            </a:schemeClr>
+                          </a:solidFill>
+                          <a:effectLst/>
+                          <a:latin typeface="Montserrat Medium" panose="020B0604020202020204" charset="0"/>
+                        </a:rPr>
+                        <a:t>Diario</a:t>
+                      </a:r>
+                      <a:endParaRPr lang="es-CO" sz="1000" b="0" i="0" u="none" strike="noStrike" dirty="0">
+                        <a:solidFill>
+                          <a:schemeClr val="tx1">
+                            <a:lumMod val="75000"/>
+                          </a:schemeClr>
+                        </a:solidFill>
+                        <a:effectLst/>
+                        <a:latin typeface="Montserrat Medium" panose="020B0604020202020204" charset="0"/>
+                      </a:endParaRPr>
+                    </a:p>
+                  </a:txBody>
+                  <a:tcPr marL="7808" marR="7808" marT="7808" marB="0" anchor="ctr"/>
+                </a:tc>
+                <a:tc>
+                  <a:txBody>
+                    <a:bodyPr/>
+                    <a:lstStyle/>
+                    <a:p>
+                      <a:pPr algn="ctr" rtl="0" fontAlgn="ctr"/>
+                      <a:r>
+                        <a:rPr lang="es-CO" sz="1000" u="none" strike="noStrike" dirty="0">
+                          <a:solidFill>
+                            <a:schemeClr val="tx1">
+                              <a:lumMod val="75000"/>
+                            </a:schemeClr>
+                          </a:solidFill>
+                          <a:effectLst/>
+                          <a:latin typeface="Montserrat Medium" panose="020B0604020202020204" charset="0"/>
+                        </a:rPr>
+                        <a:t>Bull</a:t>
+                      </a:r>
+                      <a:endParaRPr lang="es-CO" sz="1000" b="0" i="0" u="none" strike="noStrike" dirty="0">
+                        <a:solidFill>
+                          <a:schemeClr val="tx1">
+                            <a:lumMod val="75000"/>
+                          </a:schemeClr>
+                        </a:solidFill>
+                        <a:effectLst/>
+                        <a:latin typeface="Montserrat Medium" panose="020B0604020202020204" charset="0"/>
+                      </a:endParaRPr>
+                    </a:p>
+                  </a:txBody>
+                  <a:tcPr marL="7808" marR="7808" marT="7808" marB="0" anchor="ctr"/>
+                </a:tc>
+                <a:tc>
+                  <a:txBody>
+                    <a:bodyPr/>
+                    <a:lstStyle/>
+                    <a:p>
+                      <a:pPr algn="ctr" rtl="0" fontAlgn="ctr"/>
+                      <a:r>
+                        <a:rPr lang="es-CO" sz="1000" u="none" strike="noStrike" dirty="0">
+                          <a:solidFill>
+                            <a:schemeClr val="tx1">
+                              <a:lumMod val="75000"/>
+                            </a:schemeClr>
+                          </a:solidFill>
+                          <a:effectLst/>
+                          <a:latin typeface="Montserrat Medium" panose="020B0604020202020204" charset="0"/>
+                        </a:rPr>
+                        <a:t>S&amp;P 500</a:t>
+                      </a:r>
+                      <a:endParaRPr lang="es-CO" sz="1000" b="0" i="0" u="none" strike="noStrike" dirty="0">
+                        <a:solidFill>
+                          <a:schemeClr val="tx1">
+                            <a:lumMod val="75000"/>
+                          </a:schemeClr>
+                        </a:solidFill>
+                        <a:effectLst/>
+                        <a:latin typeface="Montserrat Medium" panose="020B0604020202020204" charset="0"/>
+                      </a:endParaRPr>
+                    </a:p>
+                  </a:txBody>
+                  <a:tcPr marL="7808" marR="7808" marT="7808" marB="0" anchor="ctr"/>
+                </a:tc>
+                <a:tc>
+                  <a:txBody>
+                    <a:bodyPr/>
+                    <a:lstStyle/>
+                    <a:p>
+                      <a:pPr algn="ctr" rtl="0" fontAlgn="ctr"/>
+                      <a:r>
+                        <a:rPr lang="es-CO" sz="1000" u="none" strike="noStrike" dirty="0">
+                          <a:solidFill>
+                            <a:schemeClr val="tx1">
+                              <a:lumMod val="75000"/>
+                            </a:schemeClr>
+                          </a:solidFill>
+                          <a:effectLst/>
+                          <a:latin typeface="Montserrat Medium" panose="020B0604020202020204" charset="0"/>
+                        </a:rPr>
+                        <a:t>05/01/2015</a:t>
+                      </a:r>
+                      <a:endParaRPr lang="es-CO" sz="1000" b="0" i="0" u="none" strike="noStrike" dirty="0">
+                        <a:solidFill>
+                          <a:schemeClr val="tx1">
+                            <a:lumMod val="75000"/>
+                          </a:schemeClr>
+                        </a:solidFill>
+                        <a:effectLst/>
+                        <a:latin typeface="Montserrat Medium" panose="020B0604020202020204" charset="0"/>
+                      </a:endParaRPr>
+                    </a:p>
+                  </a:txBody>
+                  <a:tcPr marL="7808" marR="7808" marT="7808" marB="0" anchor="ctr"/>
+                </a:tc>
+                <a:tc>
+                  <a:txBody>
+                    <a:bodyPr/>
+                    <a:lstStyle/>
+                    <a:p>
+                      <a:pPr algn="ctr" rtl="0" fontAlgn="ctr"/>
+                      <a:r>
+                        <a:rPr lang="es-CO" sz="1000" u="none" strike="noStrike" dirty="0">
+                          <a:solidFill>
+                            <a:schemeClr val="tx1">
+                              <a:lumMod val="75000"/>
+                            </a:schemeClr>
+                          </a:solidFill>
+                          <a:effectLst/>
+                          <a:latin typeface="Montserrat Medium" panose="020B0604020202020204" charset="0"/>
+                        </a:rPr>
+                        <a:t>6:00:00 a. m.</a:t>
+                      </a:r>
+                      <a:endParaRPr lang="es-CO" sz="1000" b="0" i="0" u="none" strike="noStrike" dirty="0">
+                        <a:solidFill>
+                          <a:schemeClr val="tx1">
+                            <a:lumMod val="75000"/>
+                          </a:schemeClr>
+                        </a:solidFill>
+                        <a:effectLst/>
+                        <a:latin typeface="Montserrat Medium" panose="020B0604020202020204" charset="0"/>
+                      </a:endParaRPr>
+                    </a:p>
+                  </a:txBody>
+                  <a:tcPr marL="7808" marR="7808" marT="7808" marB="0" anchor="ctr"/>
+                </a:tc>
+                <a:tc>
+                  <a:txBody>
+                    <a:bodyPr/>
+                    <a:lstStyle/>
+                    <a:p>
+                      <a:pPr algn="ctr" rtl="0" fontAlgn="ctr"/>
+                      <a:r>
+                        <a:rPr lang="es-CO" sz="1000" u="none" strike="noStrike" dirty="0">
+                          <a:solidFill>
+                            <a:schemeClr val="tx1">
+                              <a:lumMod val="75000"/>
+                            </a:schemeClr>
+                          </a:solidFill>
+                          <a:effectLst/>
+                          <a:latin typeface="Montserrat Medium" panose="020B0604020202020204" charset="0"/>
+                        </a:rPr>
+                        <a:t>05/02/2021</a:t>
+                      </a:r>
+                      <a:endParaRPr lang="es-CO" sz="1000" b="0" i="0" u="none" strike="noStrike" dirty="0">
+                        <a:solidFill>
+                          <a:schemeClr val="tx1">
+                            <a:lumMod val="75000"/>
+                          </a:schemeClr>
+                        </a:solidFill>
+                        <a:effectLst/>
+                        <a:latin typeface="Montserrat Medium" panose="020B0604020202020204" charset="0"/>
+                      </a:endParaRPr>
+                    </a:p>
+                  </a:txBody>
+                  <a:tcPr marL="7808" marR="7808" marT="7808" marB="0" anchor="ctr"/>
+                </a:tc>
+                <a:tc>
+                  <a:txBody>
+                    <a:bodyPr/>
+                    <a:lstStyle/>
+                    <a:p>
+                      <a:pPr algn="ctr" rtl="0" fontAlgn="ctr"/>
+                      <a:r>
+                        <a:rPr lang="es-CO" sz="1000" u="none" strike="noStrike" dirty="0">
+                          <a:solidFill>
+                            <a:schemeClr val="tx1">
+                              <a:lumMod val="75000"/>
+                            </a:schemeClr>
+                          </a:solidFill>
+                          <a:effectLst/>
+                          <a:latin typeface="Montserrat Medium" panose="020B0604020202020204" charset="0"/>
+                        </a:rPr>
+                        <a:t>7:30:00 p. m.</a:t>
+                      </a:r>
+                      <a:endParaRPr lang="es-CO" sz="1000" b="0" i="0" u="none" strike="noStrike" dirty="0">
+                        <a:solidFill>
+                          <a:schemeClr val="tx1">
+                            <a:lumMod val="75000"/>
+                          </a:schemeClr>
+                        </a:solidFill>
+                        <a:effectLst/>
+                        <a:latin typeface="Montserrat Medium" panose="020B0604020202020204" charset="0"/>
+                      </a:endParaRPr>
+                    </a:p>
+                  </a:txBody>
+                  <a:tcPr marL="7808" marR="7808" marT="7808" marB="0" anchor="ctr"/>
+                </a:tc>
+                <a:tc>
+                  <a:txBody>
+                    <a:bodyPr/>
+                    <a:lstStyle/>
+                    <a:p>
+                      <a:pPr algn="ctr" rtl="0" fontAlgn="ctr"/>
+                      <a:r>
+                        <a:rPr lang="es-CO" sz="1000" u="none" strike="noStrike" dirty="0">
+                          <a:solidFill>
+                            <a:schemeClr val="tx1">
+                              <a:lumMod val="75000"/>
+                            </a:schemeClr>
+                          </a:solidFill>
+                          <a:effectLst/>
+                          <a:latin typeface="Montserrat Medium" panose="020B0604020202020204" charset="0"/>
+                        </a:rPr>
+                        <a:t>Open </a:t>
+                      </a:r>
+                      <a:r>
+                        <a:rPr lang="es-CO" sz="1000" u="none" strike="noStrike" dirty="0" err="1">
+                          <a:solidFill>
+                            <a:schemeClr val="tx1">
+                              <a:lumMod val="75000"/>
+                            </a:schemeClr>
+                          </a:solidFill>
+                          <a:effectLst/>
+                          <a:latin typeface="Montserrat Medium" panose="020B0604020202020204" charset="0"/>
+                        </a:rPr>
+                        <a:t>Market</a:t>
+                      </a:r>
+                      <a:r>
+                        <a:rPr lang="es-CO" sz="1000" u="none" strike="noStrike" dirty="0">
+                          <a:solidFill>
+                            <a:schemeClr val="tx1">
+                              <a:lumMod val="75000"/>
+                            </a:schemeClr>
+                          </a:solidFill>
+                          <a:effectLst/>
+                          <a:latin typeface="Montserrat Medium" panose="020B0604020202020204" charset="0"/>
+                        </a:rPr>
+                        <a:t> -3 FH</a:t>
+                      </a:r>
+                      <a:endParaRPr lang="es-CO" sz="1000" b="0" i="0" u="none" strike="noStrike" dirty="0">
+                        <a:solidFill>
+                          <a:schemeClr val="tx1">
+                            <a:lumMod val="75000"/>
+                          </a:schemeClr>
+                        </a:solidFill>
+                        <a:effectLst/>
+                        <a:latin typeface="Montserrat Medium" panose="020B0604020202020204" charset="0"/>
+                      </a:endParaRPr>
+                    </a:p>
+                  </a:txBody>
+                  <a:tcPr marL="7808" marR="7808" marT="7808" marB="0" anchor="ctr"/>
+                </a:tc>
+                <a:extLst>
+                  <a:ext uri="{0D108BD9-81ED-4DB2-BD59-A6C34878D82A}">
+                    <a16:rowId xmlns:a16="http://schemas.microsoft.com/office/drawing/2014/main" val="3915168345"/>
+                  </a:ext>
+                </a:extLst>
+              </a:tr>
+            </a:tbl>
+          </a:graphicData>
+        </a:graphic>
+      </p:graphicFrame>
+      <p:graphicFrame>
+        <p:nvGraphicFramePr>
+          <p:cNvPr id="4" name="Tabla 3">
+            <a:extLst>
+              <a:ext uri="{FF2B5EF4-FFF2-40B4-BE49-F238E27FC236}">
+                <a16:creationId xmlns:a16="http://schemas.microsoft.com/office/drawing/2014/main" id="{67CE4F2E-75D3-4C97-A989-E0D4628C9B9C}"/>
+              </a:ext>
+            </a:extLst>
+          </p:cNvPr>
+          <p:cNvGraphicFramePr>
+            <a:graphicFrameLocks noGrp="1"/>
+          </p:cNvGraphicFramePr>
+          <p:nvPr/>
+        </p:nvGraphicFramePr>
+        <p:xfrm>
+          <a:off x="135622" y="3680138"/>
+          <a:ext cx="5524500" cy="1075500"/>
+        </p:xfrm>
+        <a:graphic>
+          <a:graphicData uri="http://schemas.openxmlformats.org/drawingml/2006/table">
+            <a:tbl>
+              <a:tblPr>
+                <a:tableStyleId>{26726A9D-E0CB-4EF1-A61A-D68CCAF3E86F}</a:tableStyleId>
+              </a:tblPr>
+              <a:tblGrid>
+                <a:gridCol w="1116317">
+                  <a:extLst>
+                    <a:ext uri="{9D8B030D-6E8A-4147-A177-3AD203B41FA5}">
+                      <a16:colId xmlns:a16="http://schemas.microsoft.com/office/drawing/2014/main" val="672008146"/>
+                    </a:ext>
+                  </a:extLst>
+                </a:gridCol>
+                <a:gridCol w="751611">
+                  <a:extLst>
+                    <a:ext uri="{9D8B030D-6E8A-4147-A177-3AD203B41FA5}">
+                      <a16:colId xmlns:a16="http://schemas.microsoft.com/office/drawing/2014/main" val="2496544048"/>
+                    </a:ext>
+                  </a:extLst>
+                </a:gridCol>
+                <a:gridCol w="951406">
+                  <a:extLst>
+                    <a:ext uri="{9D8B030D-6E8A-4147-A177-3AD203B41FA5}">
+                      <a16:colId xmlns:a16="http://schemas.microsoft.com/office/drawing/2014/main" val="2629658399"/>
+                    </a:ext>
+                  </a:extLst>
+                </a:gridCol>
+                <a:gridCol w="751611">
+                  <a:extLst>
+                    <a:ext uri="{9D8B030D-6E8A-4147-A177-3AD203B41FA5}">
+                      <a16:colId xmlns:a16="http://schemas.microsoft.com/office/drawing/2014/main" val="2215754613"/>
+                    </a:ext>
+                  </a:extLst>
+                </a:gridCol>
+                <a:gridCol w="875294">
+                  <a:extLst>
+                    <a:ext uri="{9D8B030D-6E8A-4147-A177-3AD203B41FA5}">
+                      <a16:colId xmlns:a16="http://schemas.microsoft.com/office/drawing/2014/main" val="168973729"/>
+                    </a:ext>
+                  </a:extLst>
+                </a:gridCol>
+                <a:gridCol w="1078261">
+                  <a:extLst>
+                    <a:ext uri="{9D8B030D-6E8A-4147-A177-3AD203B41FA5}">
+                      <a16:colId xmlns:a16="http://schemas.microsoft.com/office/drawing/2014/main" val="2787275272"/>
+                    </a:ext>
+                  </a:extLst>
+                </a:gridCol>
+              </a:tblGrid>
+              <a:tr h="571500">
+                <a:tc>
+                  <a:txBody>
+                    <a:bodyPr/>
+                    <a:lstStyle/>
+                    <a:p>
+                      <a:pPr marR="0" algn="ctr" rtl="0" fontAlgn="ctr">
+                        <a:lnSpc>
+                          <a:spcPct val="100000"/>
+                        </a:lnSpc>
+                        <a:spcBef>
+                          <a:spcPts val="0"/>
+                        </a:spcBef>
+                        <a:spcAft>
+                          <a:spcPts val="0"/>
+                        </a:spcAft>
+                        <a:buClr>
+                          <a:srgbClr val="000000"/>
+                        </a:buClr>
+                        <a:buFont typeface="Arial"/>
+                      </a:pPr>
+                      <a:r>
+                        <a:rPr lang="es-CO" sz="1000" b="1" i="0" u="none" strike="noStrike" cap="none" dirty="0">
+                          <a:solidFill>
+                            <a:srgbClr val="000000"/>
+                          </a:solidFill>
+                          <a:effectLst/>
+                          <a:latin typeface="Montserrat Medium" panose="020B0604020202020204" charset="0"/>
+                          <a:cs typeface="Arial"/>
+                          <a:sym typeface="Arial"/>
+                        </a:rPr>
+                        <a:t>Monedas</a:t>
+                      </a:r>
+                    </a:p>
+                  </a:txBody>
+                  <a:tcPr marL="9525" marR="9525" marT="9525" marB="0" anchor="ctr"/>
+                </a:tc>
+                <a:tc gridSpan="2">
+                  <a:txBody>
+                    <a:bodyPr/>
+                    <a:lstStyle/>
+                    <a:p>
+                      <a:pPr marR="0" algn="ctr" rtl="0" fontAlgn="ctr">
+                        <a:lnSpc>
+                          <a:spcPct val="100000"/>
+                        </a:lnSpc>
+                        <a:spcBef>
+                          <a:spcPts val="0"/>
+                        </a:spcBef>
+                        <a:spcAft>
+                          <a:spcPts val="0"/>
+                        </a:spcAft>
+                        <a:buClr>
+                          <a:srgbClr val="000000"/>
+                        </a:buClr>
+                        <a:buFont typeface="Arial"/>
+                      </a:pPr>
+                      <a:r>
+                        <a:rPr lang="es-CO" sz="1000" b="1" i="0" u="none" strike="noStrike" cap="none" dirty="0">
+                          <a:solidFill>
+                            <a:srgbClr val="000000"/>
+                          </a:solidFill>
+                          <a:effectLst/>
+                          <a:latin typeface="Montserrat Medium" panose="020B0604020202020204" charset="0"/>
+                          <a:cs typeface="Arial"/>
+                          <a:sym typeface="Arial"/>
+                        </a:rPr>
+                        <a:t>Fecha inicial</a:t>
+                      </a:r>
+                    </a:p>
+                  </a:txBody>
+                  <a:tcPr marL="9525" marR="9525" marT="9525" marB="0" anchor="ctr"/>
+                </a:tc>
+                <a:tc hMerge="1">
+                  <a:txBody>
+                    <a:bodyPr/>
+                    <a:lstStyle/>
+                    <a:p>
+                      <a:endParaRPr lang="es-CO"/>
+                    </a:p>
+                  </a:txBody>
+                  <a:tcPr/>
+                </a:tc>
+                <a:tc gridSpan="2">
+                  <a:txBody>
+                    <a:bodyPr/>
+                    <a:lstStyle/>
+                    <a:p>
+                      <a:pPr marR="0" algn="ctr" rtl="0" fontAlgn="ctr">
+                        <a:lnSpc>
+                          <a:spcPct val="100000"/>
+                        </a:lnSpc>
+                        <a:spcBef>
+                          <a:spcPts val="0"/>
+                        </a:spcBef>
+                        <a:spcAft>
+                          <a:spcPts val="0"/>
+                        </a:spcAft>
+                        <a:buClr>
+                          <a:srgbClr val="000000"/>
+                        </a:buClr>
+                        <a:buFont typeface="Arial"/>
+                      </a:pPr>
+                      <a:r>
+                        <a:rPr lang="es-CO" sz="1000" b="1" i="0" u="none" strike="noStrike" cap="none" dirty="0">
+                          <a:solidFill>
+                            <a:srgbClr val="000000"/>
+                          </a:solidFill>
+                          <a:effectLst/>
+                          <a:latin typeface="Montserrat Medium" panose="020B0604020202020204" charset="0"/>
+                          <a:cs typeface="Arial"/>
+                          <a:sym typeface="Arial"/>
+                        </a:rPr>
+                        <a:t>Fecha final</a:t>
+                      </a:r>
+                    </a:p>
+                  </a:txBody>
+                  <a:tcPr marL="9525" marR="9525" marT="9525" marB="0" anchor="ctr"/>
+                </a:tc>
+                <a:tc hMerge="1">
+                  <a:txBody>
+                    <a:bodyPr/>
+                    <a:lstStyle/>
+                    <a:p>
+                      <a:endParaRPr lang="es-CO"/>
+                    </a:p>
+                  </a:txBody>
+                  <a:tcPr/>
+                </a:tc>
+                <a:tc>
+                  <a:txBody>
+                    <a:bodyPr/>
+                    <a:lstStyle/>
+                    <a:p>
+                      <a:pPr marR="0" algn="ctr" rtl="0" fontAlgn="ctr">
+                        <a:lnSpc>
+                          <a:spcPct val="100000"/>
+                        </a:lnSpc>
+                        <a:spcBef>
+                          <a:spcPts val="0"/>
+                        </a:spcBef>
+                        <a:spcAft>
+                          <a:spcPts val="0"/>
+                        </a:spcAft>
+                        <a:buClr>
+                          <a:srgbClr val="000000"/>
+                        </a:buClr>
+                        <a:buFont typeface="Arial"/>
+                      </a:pPr>
+                      <a:r>
+                        <a:rPr lang="es-CO" sz="1000" b="1" i="0" u="none" strike="noStrike" cap="none" dirty="0">
+                          <a:solidFill>
+                            <a:srgbClr val="000000"/>
+                          </a:solidFill>
+                          <a:effectLst/>
+                          <a:latin typeface="Montserrat Medium" panose="020B0604020202020204" charset="0"/>
+                          <a:cs typeface="Arial"/>
+                          <a:sym typeface="Arial"/>
+                        </a:rPr>
+                        <a:t>Franja horaria permitida para negociar</a:t>
+                      </a:r>
+                    </a:p>
+                  </a:txBody>
+                  <a:tcPr marL="9525" marR="9525" marT="9525" marB="0" anchor="ctr"/>
+                </a:tc>
+                <a:extLst>
+                  <a:ext uri="{0D108BD9-81ED-4DB2-BD59-A6C34878D82A}">
+                    <a16:rowId xmlns:a16="http://schemas.microsoft.com/office/drawing/2014/main" val="3337209925"/>
+                  </a:ext>
+                </a:extLst>
+              </a:tr>
+              <a:tr h="252000">
+                <a:tc>
+                  <a:txBody>
+                    <a:bodyPr/>
+                    <a:lstStyle/>
+                    <a:p>
+                      <a:pPr marR="0" algn="ctr" rtl="0" fontAlgn="ctr">
+                        <a:lnSpc>
+                          <a:spcPct val="100000"/>
+                        </a:lnSpc>
+                        <a:spcBef>
+                          <a:spcPts val="0"/>
+                        </a:spcBef>
+                        <a:spcAft>
+                          <a:spcPts val="0"/>
+                        </a:spcAft>
+                        <a:buClr>
+                          <a:srgbClr val="000000"/>
+                        </a:buClr>
+                        <a:buFont typeface="Arial"/>
+                      </a:pPr>
+                      <a:r>
+                        <a:rPr lang="es-CO" sz="1000" b="0" i="0" u="none" strike="noStrike" cap="none" dirty="0">
+                          <a:solidFill>
+                            <a:schemeClr val="tx1">
+                              <a:lumMod val="75000"/>
+                            </a:schemeClr>
+                          </a:solidFill>
+                          <a:effectLst/>
+                          <a:latin typeface="Montserrat Medium" panose="020B0604020202020204" charset="0"/>
+                          <a:cs typeface="Arial"/>
+                          <a:sym typeface="Arial"/>
+                        </a:rPr>
+                        <a:t>Bitcoin (USD)</a:t>
+                      </a:r>
+                    </a:p>
+                  </a:txBody>
+                  <a:tcPr marL="9525" marR="9525" marT="9525" marB="0" anchor="ctr"/>
+                </a:tc>
+                <a:tc>
+                  <a:txBody>
+                    <a:bodyPr/>
+                    <a:lstStyle/>
+                    <a:p>
+                      <a:pPr marR="0" algn="ctr" rtl="0" fontAlgn="ctr">
+                        <a:lnSpc>
+                          <a:spcPct val="100000"/>
+                        </a:lnSpc>
+                        <a:spcBef>
+                          <a:spcPts val="0"/>
+                        </a:spcBef>
+                        <a:spcAft>
+                          <a:spcPts val="0"/>
+                        </a:spcAft>
+                        <a:buClr>
+                          <a:srgbClr val="000000"/>
+                        </a:buClr>
+                        <a:buFont typeface="Arial"/>
+                      </a:pPr>
+                      <a:r>
+                        <a:rPr lang="es-CO" sz="1000" b="0" i="0" u="none" strike="noStrike" cap="none" dirty="0">
+                          <a:solidFill>
+                            <a:schemeClr val="tx1">
+                              <a:lumMod val="75000"/>
+                            </a:schemeClr>
+                          </a:solidFill>
+                          <a:effectLst/>
+                          <a:latin typeface="Montserrat Medium" panose="020B0604020202020204" charset="0"/>
+                          <a:cs typeface="Arial"/>
+                          <a:sym typeface="Arial"/>
+                        </a:rPr>
+                        <a:t>01/01/2017</a:t>
+                      </a:r>
+                    </a:p>
+                  </a:txBody>
+                  <a:tcPr marL="9525" marR="9525" marT="9525" marB="0" anchor="ctr"/>
+                </a:tc>
+                <a:tc>
+                  <a:txBody>
+                    <a:bodyPr/>
+                    <a:lstStyle/>
+                    <a:p>
+                      <a:pPr marR="0" algn="ctr" rtl="0" fontAlgn="ctr">
+                        <a:lnSpc>
+                          <a:spcPct val="100000"/>
+                        </a:lnSpc>
+                        <a:spcBef>
+                          <a:spcPts val="0"/>
+                        </a:spcBef>
+                        <a:spcAft>
+                          <a:spcPts val="0"/>
+                        </a:spcAft>
+                        <a:buClr>
+                          <a:srgbClr val="000000"/>
+                        </a:buClr>
+                        <a:buFont typeface="Arial"/>
+                      </a:pPr>
+                      <a:r>
+                        <a:rPr lang="es-CO" sz="1000" b="0" i="0" u="none" strike="noStrike" cap="none" dirty="0">
+                          <a:solidFill>
+                            <a:schemeClr val="tx1">
+                              <a:lumMod val="75000"/>
+                            </a:schemeClr>
+                          </a:solidFill>
+                          <a:effectLst/>
+                          <a:latin typeface="Montserrat Medium" panose="020B0604020202020204" charset="0"/>
+                          <a:cs typeface="Arial"/>
+                          <a:sym typeface="Arial"/>
+                        </a:rPr>
+                        <a:t>12:00:00 a. m.</a:t>
+                      </a:r>
+                    </a:p>
+                  </a:txBody>
+                  <a:tcPr marL="9525" marR="9525" marT="9525" marB="0" anchor="ctr"/>
+                </a:tc>
+                <a:tc>
+                  <a:txBody>
+                    <a:bodyPr/>
+                    <a:lstStyle/>
+                    <a:p>
+                      <a:pPr marR="0" algn="ctr" rtl="0" fontAlgn="ctr">
+                        <a:lnSpc>
+                          <a:spcPct val="100000"/>
+                        </a:lnSpc>
+                        <a:spcBef>
+                          <a:spcPts val="0"/>
+                        </a:spcBef>
+                        <a:spcAft>
+                          <a:spcPts val="0"/>
+                        </a:spcAft>
+                        <a:buClr>
+                          <a:srgbClr val="000000"/>
+                        </a:buClr>
+                        <a:buFont typeface="Arial"/>
+                      </a:pPr>
+                      <a:r>
+                        <a:rPr lang="es-CO" sz="1000" b="0" i="0" u="none" strike="noStrike" cap="none" dirty="0">
+                          <a:solidFill>
+                            <a:schemeClr val="tx1">
+                              <a:lumMod val="75000"/>
+                            </a:schemeClr>
+                          </a:solidFill>
+                          <a:effectLst/>
+                          <a:latin typeface="Montserrat Medium" panose="020B0604020202020204" charset="0"/>
+                          <a:cs typeface="Arial"/>
+                          <a:sym typeface="Arial"/>
+                        </a:rPr>
+                        <a:t>13/02/2021</a:t>
+                      </a:r>
+                    </a:p>
+                  </a:txBody>
+                  <a:tcPr marL="9525" marR="9525" marT="9525" marB="0" anchor="ctr"/>
+                </a:tc>
+                <a:tc>
+                  <a:txBody>
+                    <a:bodyPr/>
+                    <a:lstStyle/>
+                    <a:p>
+                      <a:pPr marR="0" algn="ctr" rtl="0" fontAlgn="ctr">
+                        <a:lnSpc>
+                          <a:spcPct val="100000"/>
+                        </a:lnSpc>
+                        <a:spcBef>
+                          <a:spcPts val="0"/>
+                        </a:spcBef>
+                        <a:spcAft>
+                          <a:spcPts val="0"/>
+                        </a:spcAft>
+                        <a:buClr>
+                          <a:srgbClr val="000000"/>
+                        </a:buClr>
+                        <a:buFont typeface="Arial"/>
+                      </a:pPr>
+                      <a:r>
+                        <a:rPr lang="es-CO" sz="1000" b="0" i="0" u="none" strike="noStrike" cap="none">
+                          <a:solidFill>
+                            <a:schemeClr val="tx1">
+                              <a:lumMod val="75000"/>
+                            </a:schemeClr>
+                          </a:solidFill>
+                          <a:effectLst/>
+                          <a:latin typeface="Montserrat Medium" panose="020B0604020202020204" charset="0"/>
+                          <a:cs typeface="Arial"/>
+                          <a:sym typeface="Arial"/>
+                        </a:rPr>
+                        <a:t>6:30:00 p. m.</a:t>
+                      </a:r>
+                    </a:p>
+                  </a:txBody>
+                  <a:tcPr marL="9525" marR="9525" marT="9525" marB="0" anchor="ctr"/>
+                </a:tc>
+                <a:tc>
+                  <a:txBody>
+                    <a:bodyPr/>
+                    <a:lstStyle/>
+                    <a:p>
+                      <a:pPr marR="0" algn="ctr" rtl="0" fontAlgn="ctr">
+                        <a:lnSpc>
+                          <a:spcPct val="100000"/>
+                        </a:lnSpc>
+                        <a:spcBef>
+                          <a:spcPts val="0"/>
+                        </a:spcBef>
+                        <a:spcAft>
+                          <a:spcPts val="0"/>
+                        </a:spcAft>
+                        <a:buClr>
+                          <a:srgbClr val="000000"/>
+                        </a:buClr>
+                        <a:buFont typeface="Arial"/>
+                      </a:pPr>
+                      <a:r>
+                        <a:rPr lang="es-CO" sz="1000" b="0" i="0" u="none" strike="noStrike" cap="none" dirty="0">
+                          <a:solidFill>
+                            <a:schemeClr val="tx1">
+                              <a:lumMod val="75000"/>
+                            </a:schemeClr>
+                          </a:solidFill>
+                          <a:effectLst/>
+                          <a:latin typeface="Montserrat Medium" panose="020B0604020202020204" charset="0"/>
+                          <a:cs typeface="Arial"/>
+                          <a:sym typeface="Arial"/>
+                        </a:rPr>
+                        <a:t>Todas FH</a:t>
+                      </a:r>
+                    </a:p>
+                  </a:txBody>
+                  <a:tcPr marL="9525" marR="9525" marT="9525" marB="0" anchor="ctr"/>
+                </a:tc>
+                <a:extLst>
+                  <a:ext uri="{0D108BD9-81ED-4DB2-BD59-A6C34878D82A}">
+                    <a16:rowId xmlns:a16="http://schemas.microsoft.com/office/drawing/2014/main" val="2021237886"/>
+                  </a:ext>
+                </a:extLst>
+              </a:tr>
+              <a:tr h="252000">
+                <a:tc>
+                  <a:txBody>
+                    <a:bodyPr/>
+                    <a:lstStyle/>
+                    <a:p>
+                      <a:pPr marR="0" algn="ctr" rtl="0" fontAlgn="ctr">
+                        <a:lnSpc>
+                          <a:spcPct val="100000"/>
+                        </a:lnSpc>
+                        <a:spcBef>
+                          <a:spcPts val="0"/>
+                        </a:spcBef>
+                        <a:spcAft>
+                          <a:spcPts val="0"/>
+                        </a:spcAft>
+                        <a:buClr>
+                          <a:srgbClr val="000000"/>
+                        </a:buClr>
+                        <a:buFont typeface="Arial"/>
+                      </a:pPr>
+                      <a:r>
+                        <a:rPr lang="es-CO" sz="1000" b="0" i="0" u="none" strike="noStrike" cap="none">
+                          <a:solidFill>
+                            <a:schemeClr val="tx1">
+                              <a:lumMod val="75000"/>
+                            </a:schemeClr>
+                          </a:solidFill>
+                          <a:effectLst/>
+                          <a:latin typeface="Montserrat Medium" panose="020B0604020202020204" charset="0"/>
+                          <a:cs typeface="Arial"/>
+                          <a:sym typeface="Arial"/>
+                        </a:rPr>
+                        <a:t>Ethereum (USD)</a:t>
+                      </a:r>
+                    </a:p>
+                  </a:txBody>
+                  <a:tcPr marL="9525" marR="9525" marT="9525" marB="0" anchor="ctr"/>
+                </a:tc>
+                <a:tc>
+                  <a:txBody>
+                    <a:bodyPr/>
+                    <a:lstStyle/>
+                    <a:p>
+                      <a:pPr marR="0" algn="ctr" rtl="0" fontAlgn="ctr">
+                        <a:lnSpc>
+                          <a:spcPct val="100000"/>
+                        </a:lnSpc>
+                        <a:spcBef>
+                          <a:spcPts val="0"/>
+                        </a:spcBef>
+                        <a:spcAft>
+                          <a:spcPts val="0"/>
+                        </a:spcAft>
+                        <a:buClr>
+                          <a:srgbClr val="000000"/>
+                        </a:buClr>
+                        <a:buFont typeface="Arial"/>
+                      </a:pPr>
+                      <a:r>
+                        <a:rPr lang="es-CO" sz="1000" b="0" i="0" u="none" strike="noStrike" cap="none" dirty="0">
+                          <a:solidFill>
+                            <a:schemeClr val="tx1">
+                              <a:lumMod val="75000"/>
+                            </a:schemeClr>
+                          </a:solidFill>
+                          <a:effectLst/>
+                          <a:latin typeface="Montserrat Medium" panose="020B0604020202020204" charset="0"/>
+                          <a:cs typeface="Arial"/>
+                          <a:sym typeface="Arial"/>
+                        </a:rPr>
+                        <a:t>01/01/2019</a:t>
+                      </a:r>
+                    </a:p>
+                  </a:txBody>
+                  <a:tcPr marL="9525" marR="9525" marT="9525" marB="0" anchor="ctr"/>
+                </a:tc>
+                <a:tc>
+                  <a:txBody>
+                    <a:bodyPr/>
+                    <a:lstStyle/>
+                    <a:p>
+                      <a:pPr marR="0" algn="ctr" rtl="0" fontAlgn="ctr">
+                        <a:lnSpc>
+                          <a:spcPct val="100000"/>
+                        </a:lnSpc>
+                        <a:spcBef>
+                          <a:spcPts val="0"/>
+                        </a:spcBef>
+                        <a:spcAft>
+                          <a:spcPts val="0"/>
+                        </a:spcAft>
+                        <a:buClr>
+                          <a:srgbClr val="000000"/>
+                        </a:buClr>
+                        <a:buFont typeface="Arial"/>
+                      </a:pPr>
+                      <a:r>
+                        <a:rPr lang="es-CO" sz="1000" b="0" i="0" u="none" strike="noStrike" cap="none" dirty="0">
+                          <a:solidFill>
+                            <a:schemeClr val="tx1">
+                              <a:lumMod val="75000"/>
+                            </a:schemeClr>
+                          </a:solidFill>
+                          <a:effectLst/>
+                          <a:latin typeface="Montserrat Medium" panose="020B0604020202020204" charset="0"/>
+                          <a:cs typeface="Arial"/>
+                          <a:sym typeface="Arial"/>
+                        </a:rPr>
+                        <a:t>12:00:00 a. m.</a:t>
+                      </a:r>
+                    </a:p>
+                  </a:txBody>
+                  <a:tcPr marL="9525" marR="9525" marT="9525" marB="0" anchor="ctr"/>
+                </a:tc>
+                <a:tc>
+                  <a:txBody>
+                    <a:bodyPr/>
+                    <a:lstStyle/>
+                    <a:p>
+                      <a:pPr marR="0" algn="ctr" rtl="0" fontAlgn="ctr">
+                        <a:lnSpc>
+                          <a:spcPct val="100000"/>
+                        </a:lnSpc>
+                        <a:spcBef>
+                          <a:spcPts val="0"/>
+                        </a:spcBef>
+                        <a:spcAft>
+                          <a:spcPts val="0"/>
+                        </a:spcAft>
+                        <a:buClr>
+                          <a:srgbClr val="000000"/>
+                        </a:buClr>
+                        <a:buFont typeface="Arial"/>
+                      </a:pPr>
+                      <a:r>
+                        <a:rPr lang="es-CO" sz="1000" b="0" i="0" u="none" strike="noStrike" cap="none" dirty="0">
+                          <a:solidFill>
+                            <a:schemeClr val="tx1">
+                              <a:lumMod val="75000"/>
+                            </a:schemeClr>
+                          </a:solidFill>
+                          <a:effectLst/>
+                          <a:latin typeface="Montserrat Medium" panose="020B0604020202020204" charset="0"/>
+                          <a:cs typeface="Arial"/>
+                          <a:sym typeface="Arial"/>
+                        </a:rPr>
+                        <a:t>13/02/2021</a:t>
+                      </a:r>
+                    </a:p>
+                  </a:txBody>
+                  <a:tcPr marL="9525" marR="9525" marT="9525" marB="0" anchor="ctr"/>
+                </a:tc>
+                <a:tc>
+                  <a:txBody>
+                    <a:bodyPr/>
+                    <a:lstStyle/>
+                    <a:p>
+                      <a:pPr marR="0" algn="ctr" rtl="0" fontAlgn="ctr">
+                        <a:lnSpc>
+                          <a:spcPct val="100000"/>
+                        </a:lnSpc>
+                        <a:spcBef>
+                          <a:spcPts val="0"/>
+                        </a:spcBef>
+                        <a:spcAft>
+                          <a:spcPts val="0"/>
+                        </a:spcAft>
+                        <a:buClr>
+                          <a:srgbClr val="000000"/>
+                        </a:buClr>
+                        <a:buFont typeface="Arial"/>
+                      </a:pPr>
+                      <a:r>
+                        <a:rPr lang="es-CO" sz="1000" b="0" i="0" u="none" strike="noStrike" cap="none" dirty="0">
+                          <a:solidFill>
+                            <a:schemeClr val="tx1">
+                              <a:lumMod val="75000"/>
+                            </a:schemeClr>
+                          </a:solidFill>
+                          <a:effectLst/>
+                          <a:latin typeface="Montserrat Medium" panose="020B0604020202020204" charset="0"/>
+                          <a:cs typeface="Arial"/>
+                          <a:sym typeface="Arial"/>
+                        </a:rPr>
+                        <a:t>6:30:00 p. m.</a:t>
+                      </a:r>
+                    </a:p>
+                  </a:txBody>
+                  <a:tcPr marL="9525" marR="9525" marT="9525" marB="0" anchor="ctr"/>
+                </a:tc>
+                <a:tc>
+                  <a:txBody>
+                    <a:bodyPr/>
+                    <a:lstStyle/>
+                    <a:p>
+                      <a:pPr marR="0" algn="ctr" rtl="0" fontAlgn="ctr">
+                        <a:lnSpc>
+                          <a:spcPct val="100000"/>
+                        </a:lnSpc>
+                        <a:spcBef>
+                          <a:spcPts val="0"/>
+                        </a:spcBef>
+                        <a:spcAft>
+                          <a:spcPts val="0"/>
+                        </a:spcAft>
+                        <a:buClr>
+                          <a:srgbClr val="000000"/>
+                        </a:buClr>
+                        <a:buFont typeface="Arial"/>
+                      </a:pPr>
+                      <a:r>
+                        <a:rPr lang="es-CO" sz="1000" b="0" i="0" u="none" strike="noStrike" cap="none" dirty="0">
+                          <a:solidFill>
+                            <a:schemeClr val="tx1">
+                              <a:lumMod val="75000"/>
+                            </a:schemeClr>
+                          </a:solidFill>
+                          <a:effectLst/>
+                          <a:latin typeface="Montserrat Medium" panose="020B0604020202020204" charset="0"/>
+                          <a:cs typeface="Arial"/>
+                          <a:sym typeface="Arial"/>
+                        </a:rPr>
+                        <a:t>Todas FH</a:t>
+                      </a:r>
+                    </a:p>
+                  </a:txBody>
+                  <a:tcPr marL="9525" marR="9525" marT="9525" marB="0" anchor="ctr"/>
+                </a:tc>
+                <a:extLst>
+                  <a:ext uri="{0D108BD9-81ED-4DB2-BD59-A6C34878D82A}">
+                    <a16:rowId xmlns:a16="http://schemas.microsoft.com/office/drawing/2014/main" val="78237915"/>
+                  </a:ext>
+                </a:extLst>
+              </a:tr>
+            </a:tbl>
+          </a:graphicData>
+        </a:graphic>
+      </p:graphicFrame>
+    </p:spTree>
+    <p:extLst>
+      <p:ext uri="{BB962C8B-B14F-4D97-AF65-F5344CB8AC3E}">
+        <p14:creationId xmlns:p14="http://schemas.microsoft.com/office/powerpoint/2010/main" val="4069140745"/>
+      </p:ext>
+    </p:extLst>
+  </p:cSld>
+  <p:clrMapOvr>
+    <a:masterClrMapping/>
+  </p:clrMapOvr>
+</p:sld>
+</file>
+
+<file path=ppt/slides/slide13.xml><?xml version="1.0" encoding="utf-8"?>
+<p:sld xmlns:a="http://schemas.openxmlformats.org/drawingml/2006/main" xmlns:r="http://schemas.openxmlformats.org/officeDocument/2006/relationships" xmlns:p="http://schemas.openxmlformats.org/presentationml/2006/main">
+  <p:cSld>
+    <p:spTree>
+      <p:nvGrpSpPr>
+        <p:cNvPr id="1" name=""/>
+        <p:cNvGrpSpPr/>
+        <p:nvPr/>
+      </p:nvGrpSpPr>
+      <p:grpSpPr>
+        <a:xfrm>
+          <a:off x="0" y="0"/>
+          <a:ext cx="0" cy="0"/>
+          <a:chOff x="0" y="0"/>
+          <a:chExt cx="0" cy="0"/>
+        </a:xfrm>
+      </p:grpSpPr>
+      <p:pic>
+        <p:nvPicPr>
+          <p:cNvPr id="3" name="Imagen 2">
+            <a:extLst>
+              <a:ext uri="{FF2B5EF4-FFF2-40B4-BE49-F238E27FC236}">
+                <a16:creationId xmlns:a16="http://schemas.microsoft.com/office/drawing/2014/main" id="{D10D9936-D54F-4CA3-99B2-9537FD32869E}"/>
+              </a:ext>
+            </a:extLst>
+          </p:cNvPr>
+          <p:cNvPicPr>
+            <a:picLocks noChangeAspect="1"/>
+          </p:cNvPicPr>
+          <p:nvPr/>
+        </p:nvPicPr>
+        <p:blipFill>
+          <a:blip r:embed="rId2"/>
+          <a:stretch>
+            <a:fillRect/>
+          </a:stretch>
+        </p:blipFill>
+        <p:spPr>
+          <a:xfrm>
+            <a:off x="0" y="1045212"/>
+            <a:ext cx="9144000" cy="3053076"/>
+          </a:xfrm>
+          <a:prstGeom prst="rect">
+            <a:avLst/>
+          </a:prstGeom>
+        </p:spPr>
+      </p:pic>
+      <p:sp>
+        <p:nvSpPr>
+          <p:cNvPr id="4" name="Título 1">
+            <a:extLst>
+              <a:ext uri="{FF2B5EF4-FFF2-40B4-BE49-F238E27FC236}">
+                <a16:creationId xmlns:a16="http://schemas.microsoft.com/office/drawing/2014/main" id="{25D8B1F1-99FC-483C-8E12-7FB65988FEF7}"/>
+              </a:ext>
+            </a:extLst>
+          </p:cNvPr>
+          <p:cNvSpPr>
+            <a:spLocks noGrp="1"/>
+          </p:cNvSpPr>
+          <p:nvPr>
+            <p:ph type="title"/>
+          </p:nvPr>
+        </p:nvSpPr>
+        <p:spPr>
+          <a:xfrm>
+            <a:off x="713224" y="539500"/>
+            <a:ext cx="7590803" cy="521100"/>
+          </a:xfrm>
+        </p:spPr>
+        <p:txBody>
+          <a:bodyPr/>
+          <a:lstStyle/>
+          <a:p>
+            <a:r>
+              <a:rPr lang="es-CO" dirty="0"/>
+              <a:t>SPXL: la estrategia óptima es I8R7</a:t>
+            </a:r>
+          </a:p>
+        </p:txBody>
+      </p:sp>
+    </p:spTree>
+    <p:extLst>
+      <p:ext uri="{BB962C8B-B14F-4D97-AF65-F5344CB8AC3E}">
+        <p14:creationId xmlns:p14="http://schemas.microsoft.com/office/powerpoint/2010/main" val="1197854675"/>
+      </p:ext>
+    </p:extLst>
+  </p:cSld>
+  <p:clrMapOvr>
+    <a:masterClrMapping/>
+  </p:clrMapOvr>
+</p:sld>
+</file>
+
+<file path=ppt/slides/slide14.xml><?xml version="1.0" encoding="utf-8"?>
+<p:sld xmlns:a="http://schemas.openxmlformats.org/drawingml/2006/main" xmlns:r="http://schemas.openxmlformats.org/officeDocument/2006/relationships" xmlns:p="http://schemas.openxmlformats.org/presentationml/2006/main">
+  <p:cSld>
+    <p:spTree>
+      <p:nvGrpSpPr>
+        <p:cNvPr id="1" name=""/>
+        <p:cNvGrpSpPr/>
+        <p:nvPr/>
+      </p:nvGrpSpPr>
+      <p:grpSpPr>
+        <a:xfrm>
+          <a:off x="0" y="0"/>
+          <a:ext cx="0" cy="0"/>
+          <a:chOff x="0" y="0"/>
+          <a:chExt cx="0" cy="0"/>
+        </a:xfrm>
+      </p:grpSpPr>
+      <p:sp>
+        <p:nvSpPr>
+          <p:cNvPr id="2" name="Título 1">
+            <a:extLst>
+              <a:ext uri="{FF2B5EF4-FFF2-40B4-BE49-F238E27FC236}">
+                <a16:creationId xmlns:a16="http://schemas.microsoft.com/office/drawing/2014/main" id="{8F1457FB-5108-4CFD-B496-64BDB64D766A}"/>
+              </a:ext>
+            </a:extLst>
+          </p:cNvPr>
+          <p:cNvSpPr>
+            <a:spLocks noGrp="1"/>
+          </p:cNvSpPr>
+          <p:nvPr>
+            <p:ph type="title"/>
+          </p:nvPr>
+        </p:nvSpPr>
+        <p:spPr/>
+        <p:txBody>
+          <a:bodyPr/>
+          <a:lstStyle/>
+          <a:p>
+            <a:r>
+              <a:rPr lang="es-CO" dirty="0"/>
+              <a:t>SPXL</a:t>
+            </a:r>
+          </a:p>
+        </p:txBody>
+      </p:sp>
+      <p:pic>
+        <p:nvPicPr>
+          <p:cNvPr id="3" name="Imagen 2">
+            <a:extLst>
+              <a:ext uri="{FF2B5EF4-FFF2-40B4-BE49-F238E27FC236}">
+                <a16:creationId xmlns:a16="http://schemas.microsoft.com/office/drawing/2014/main" id="{C5CBA20D-386A-410F-B221-386849C49FFA}"/>
+              </a:ext>
+            </a:extLst>
+          </p:cNvPr>
+          <p:cNvPicPr>
+            <a:picLocks noChangeAspect="1"/>
+          </p:cNvPicPr>
+          <p:nvPr/>
+        </p:nvPicPr>
+        <p:blipFill>
+          <a:blip r:embed="rId2"/>
+          <a:stretch>
+            <a:fillRect/>
+          </a:stretch>
+        </p:blipFill>
+        <p:spPr>
+          <a:xfrm>
+            <a:off x="58587" y="1489325"/>
+            <a:ext cx="4537761" cy="2664000"/>
+          </a:xfrm>
+          <a:prstGeom prst="rect">
+            <a:avLst/>
+          </a:prstGeom>
+        </p:spPr>
+      </p:pic>
+      <p:pic>
+        <p:nvPicPr>
+          <p:cNvPr id="4" name="Imagen 3">
+            <a:extLst>
+              <a:ext uri="{FF2B5EF4-FFF2-40B4-BE49-F238E27FC236}">
+                <a16:creationId xmlns:a16="http://schemas.microsoft.com/office/drawing/2014/main" id="{702831DD-964E-4039-AE29-23D869449BD5}"/>
+              </a:ext>
+            </a:extLst>
+          </p:cNvPr>
+          <p:cNvPicPr>
+            <a:picLocks noChangeAspect="1"/>
+          </p:cNvPicPr>
+          <p:nvPr/>
+        </p:nvPicPr>
+        <p:blipFill>
+          <a:blip r:embed="rId3"/>
+          <a:stretch>
+            <a:fillRect/>
+          </a:stretch>
+        </p:blipFill>
+        <p:spPr>
+          <a:xfrm>
+            <a:off x="4505123" y="1489325"/>
+            <a:ext cx="4537761" cy="2664000"/>
+          </a:xfrm>
+          <a:prstGeom prst="rect">
+            <a:avLst/>
+          </a:prstGeom>
+        </p:spPr>
+      </p:pic>
+    </p:spTree>
+    <p:extLst>
+      <p:ext uri="{BB962C8B-B14F-4D97-AF65-F5344CB8AC3E}">
+        <p14:creationId xmlns:p14="http://schemas.microsoft.com/office/powerpoint/2010/main" val="714007205"/>
+      </p:ext>
+    </p:extLst>
+  </p:cSld>
+  <p:clrMapOvr>
+    <a:masterClrMapping/>
+  </p:clrMapOvr>
+</p:sld>
+</file>
+
+<file path=ppt/slides/slide15.xml><?xml version="1.0" encoding="utf-8"?>
+<p:sld xmlns:a="http://schemas.openxmlformats.org/drawingml/2006/main" xmlns:r="http://schemas.openxmlformats.org/officeDocument/2006/relationships" xmlns:p="http://schemas.openxmlformats.org/presentationml/2006/main">
+  <p:cSld>
+    <p:spTree>
+      <p:nvGrpSpPr>
+        <p:cNvPr id="1" name=""/>
+        <p:cNvGrpSpPr/>
+        <p:nvPr/>
+      </p:nvGrpSpPr>
+      <p:grpSpPr>
+        <a:xfrm>
+          <a:off x="0" y="0"/>
+          <a:ext cx="0" cy="0"/>
+          <a:chOff x="0" y="0"/>
+          <a:chExt cx="0" cy="0"/>
+        </a:xfrm>
+      </p:grpSpPr>
+      <p:pic>
+        <p:nvPicPr>
+          <p:cNvPr id="3" name="Imagen 2">
+            <a:extLst>
+              <a:ext uri="{FF2B5EF4-FFF2-40B4-BE49-F238E27FC236}">
+                <a16:creationId xmlns:a16="http://schemas.microsoft.com/office/drawing/2014/main" id="{ECBD0D30-8E28-4B13-B539-83EF44722778}"/>
+              </a:ext>
+            </a:extLst>
+          </p:cNvPr>
+          <p:cNvPicPr>
+            <a:picLocks noChangeAspect="1"/>
+          </p:cNvPicPr>
+          <p:nvPr/>
+        </p:nvPicPr>
+        <p:blipFill>
+          <a:blip r:embed="rId2"/>
+          <a:stretch>
+            <a:fillRect/>
+          </a:stretch>
+        </p:blipFill>
+        <p:spPr>
+          <a:xfrm>
+            <a:off x="0" y="1045212"/>
+            <a:ext cx="9144000" cy="3053076"/>
+          </a:xfrm>
+          <a:prstGeom prst="rect">
+            <a:avLst/>
+          </a:prstGeom>
+        </p:spPr>
+      </p:pic>
+      <p:sp>
+        <p:nvSpPr>
+          <p:cNvPr id="5" name="Título 1">
+            <a:extLst>
+              <a:ext uri="{FF2B5EF4-FFF2-40B4-BE49-F238E27FC236}">
+                <a16:creationId xmlns:a16="http://schemas.microsoft.com/office/drawing/2014/main" id="{127A3609-E4A0-4344-B5CA-075417D653BB}"/>
+              </a:ext>
+            </a:extLst>
+          </p:cNvPr>
+          <p:cNvSpPr>
+            <a:spLocks noGrp="1"/>
+          </p:cNvSpPr>
+          <p:nvPr>
+            <p:ph type="title"/>
+          </p:nvPr>
+        </p:nvSpPr>
+        <p:spPr>
+          <a:xfrm>
+            <a:off x="713224" y="539500"/>
+            <a:ext cx="7590803" cy="521100"/>
+          </a:xfrm>
+        </p:spPr>
+        <p:txBody>
+          <a:bodyPr/>
+          <a:lstStyle/>
+          <a:p>
+            <a:r>
+              <a:rPr lang="es-CO" dirty="0"/>
+              <a:t>TNA: la estrategia óptima es I5R9</a:t>
+            </a:r>
+          </a:p>
+        </p:txBody>
+      </p:sp>
+    </p:spTree>
+    <p:extLst>
+      <p:ext uri="{BB962C8B-B14F-4D97-AF65-F5344CB8AC3E}">
+        <p14:creationId xmlns:p14="http://schemas.microsoft.com/office/powerpoint/2010/main" val="2346387554"/>
+      </p:ext>
+    </p:extLst>
+  </p:cSld>
+  <p:clrMapOvr>
+    <a:masterClrMapping/>
+  </p:clrMapOvr>
+</p:sld>
+</file>
+
+<file path=ppt/slides/slide16.xml><?xml version="1.0" encoding="utf-8"?>
+<p:sld xmlns:a="http://schemas.openxmlformats.org/drawingml/2006/main" xmlns:r="http://schemas.openxmlformats.org/officeDocument/2006/relationships" xmlns:p="http://schemas.openxmlformats.org/presentationml/2006/main">
+  <p:cSld>
+    <p:spTree>
+      <p:nvGrpSpPr>
+        <p:cNvPr id="1" name=""/>
+        <p:cNvGrpSpPr/>
+        <p:nvPr/>
+      </p:nvGrpSpPr>
+      <p:grpSpPr>
+        <a:xfrm>
+          <a:off x="0" y="0"/>
+          <a:ext cx="0" cy="0"/>
+          <a:chOff x="0" y="0"/>
+          <a:chExt cx="0" cy="0"/>
+        </a:xfrm>
+      </p:grpSpPr>
+      <p:sp>
+        <p:nvSpPr>
+          <p:cNvPr id="2" name="Título 1">
+            <a:extLst>
+              <a:ext uri="{FF2B5EF4-FFF2-40B4-BE49-F238E27FC236}">
+                <a16:creationId xmlns:a16="http://schemas.microsoft.com/office/drawing/2014/main" id="{A7814950-03C7-4ED0-B0BB-6865B6D98F0F}"/>
+              </a:ext>
+            </a:extLst>
+          </p:cNvPr>
+          <p:cNvSpPr>
+            <a:spLocks noGrp="1"/>
+          </p:cNvSpPr>
+          <p:nvPr>
+            <p:ph type="title"/>
+          </p:nvPr>
+        </p:nvSpPr>
+        <p:spPr/>
+        <p:txBody>
+          <a:bodyPr/>
+          <a:lstStyle/>
+          <a:p>
+            <a:r>
+              <a:rPr lang="es-CO" dirty="0"/>
+              <a:t>TNA</a:t>
+            </a:r>
+          </a:p>
+        </p:txBody>
+      </p:sp>
+      <p:pic>
+        <p:nvPicPr>
+          <p:cNvPr id="3" name="Imagen 2">
+            <a:extLst>
+              <a:ext uri="{FF2B5EF4-FFF2-40B4-BE49-F238E27FC236}">
+                <a16:creationId xmlns:a16="http://schemas.microsoft.com/office/drawing/2014/main" id="{7AB43428-5BEC-4FCA-AF92-54BE4C235BBC}"/>
+              </a:ext>
+            </a:extLst>
+          </p:cNvPr>
+          <p:cNvPicPr>
+            <a:picLocks noChangeAspect="1"/>
+          </p:cNvPicPr>
+          <p:nvPr/>
+        </p:nvPicPr>
+        <p:blipFill>
+          <a:blip r:embed="rId2"/>
+          <a:stretch>
+            <a:fillRect/>
+          </a:stretch>
+        </p:blipFill>
+        <p:spPr>
+          <a:xfrm>
+            <a:off x="47955" y="1060600"/>
+            <a:ext cx="4537761" cy="2664000"/>
+          </a:xfrm>
+          <a:prstGeom prst="rect">
+            <a:avLst/>
+          </a:prstGeom>
+        </p:spPr>
+      </p:pic>
+      <p:pic>
+        <p:nvPicPr>
+          <p:cNvPr id="4" name="Imagen 3">
+            <a:extLst>
+              <a:ext uri="{FF2B5EF4-FFF2-40B4-BE49-F238E27FC236}">
+                <a16:creationId xmlns:a16="http://schemas.microsoft.com/office/drawing/2014/main" id="{19AFDAFE-DDD3-4117-B7A6-E6A978860CDF}"/>
+              </a:ext>
+            </a:extLst>
+          </p:cNvPr>
+          <p:cNvPicPr>
+            <a:picLocks noChangeAspect="1"/>
+          </p:cNvPicPr>
+          <p:nvPr/>
+        </p:nvPicPr>
+        <p:blipFill>
+          <a:blip r:embed="rId3"/>
+          <a:stretch>
+            <a:fillRect/>
+          </a:stretch>
+        </p:blipFill>
+        <p:spPr>
+          <a:xfrm>
+            <a:off x="4566795" y="1067577"/>
+            <a:ext cx="4537761" cy="2664000"/>
+          </a:xfrm>
+          <a:prstGeom prst="rect">
+            <a:avLst/>
+          </a:prstGeom>
+        </p:spPr>
+      </p:pic>
+    </p:spTree>
+    <p:extLst>
+      <p:ext uri="{BB962C8B-B14F-4D97-AF65-F5344CB8AC3E}">
+        <p14:creationId xmlns:p14="http://schemas.microsoft.com/office/powerpoint/2010/main" val="3821222301"/>
+      </p:ext>
+    </p:extLst>
+  </p:cSld>
+  <p:clrMapOvr>
+    <a:masterClrMapping/>
+  </p:clrMapOvr>
+</p:sld>
+</file>
+
+<file path=ppt/slides/slide17.xml><?xml version="1.0" encoding="utf-8"?>
+<p:sld xmlns:a="http://schemas.openxmlformats.org/drawingml/2006/main" xmlns:r="http://schemas.openxmlformats.org/officeDocument/2006/relationships" xmlns:p="http://schemas.openxmlformats.org/presentationml/2006/main">
+  <p:cSld>
+    <p:spTree>
+      <p:nvGrpSpPr>
+        <p:cNvPr id="1" name=""/>
+        <p:cNvGrpSpPr/>
+        <p:nvPr/>
+      </p:nvGrpSpPr>
+      <p:grpSpPr>
+        <a:xfrm>
+          <a:off x="0" y="0"/>
+          <a:ext cx="0" cy="0"/>
+          <a:chOff x="0" y="0"/>
+          <a:chExt cx="0" cy="0"/>
+        </a:xfrm>
+      </p:grpSpPr>
+      <p:sp>
+        <p:nvSpPr>
+          <p:cNvPr id="2" name="Título 1">
+            <a:extLst>
+              <a:ext uri="{FF2B5EF4-FFF2-40B4-BE49-F238E27FC236}">
+                <a16:creationId xmlns:a16="http://schemas.microsoft.com/office/drawing/2014/main" id="{C724290D-915F-4195-8E13-96F3AC2981A9}"/>
+              </a:ext>
+            </a:extLst>
+          </p:cNvPr>
+          <p:cNvSpPr>
+            <a:spLocks noGrp="1"/>
+          </p:cNvSpPr>
+          <p:nvPr>
+            <p:ph type="title"/>
+          </p:nvPr>
+        </p:nvSpPr>
+        <p:spPr>
+          <a:xfrm>
+            <a:off x="713224" y="539500"/>
+            <a:ext cx="7590803" cy="521100"/>
+          </a:xfrm>
+        </p:spPr>
+        <p:txBody>
+          <a:bodyPr/>
+          <a:lstStyle/>
+          <a:p>
+            <a:r>
+              <a:rPr lang="es-CO" dirty="0"/>
+              <a:t>TQQQ: la estrategia óptima es I1R5</a:t>
+            </a:r>
+          </a:p>
+        </p:txBody>
+      </p:sp>
+      <p:pic>
+        <p:nvPicPr>
+          <p:cNvPr id="3" name="Imagen 2">
+            <a:extLst>
+              <a:ext uri="{FF2B5EF4-FFF2-40B4-BE49-F238E27FC236}">
+                <a16:creationId xmlns:a16="http://schemas.microsoft.com/office/drawing/2014/main" id="{1FB2F3DF-1D07-482B-881D-EE38DA957DB0}"/>
+              </a:ext>
+            </a:extLst>
+          </p:cNvPr>
+          <p:cNvPicPr>
+            <a:picLocks noChangeAspect="1"/>
+          </p:cNvPicPr>
+          <p:nvPr/>
+        </p:nvPicPr>
+        <p:blipFill>
+          <a:blip r:embed="rId2"/>
+          <a:stretch>
+            <a:fillRect/>
+          </a:stretch>
+        </p:blipFill>
+        <p:spPr>
+          <a:xfrm>
+            <a:off x="0" y="1045212"/>
+            <a:ext cx="9144000" cy="3053076"/>
+          </a:xfrm>
+          <a:prstGeom prst="rect">
+            <a:avLst/>
+          </a:prstGeom>
+        </p:spPr>
+      </p:pic>
+    </p:spTree>
+    <p:extLst>
+      <p:ext uri="{BB962C8B-B14F-4D97-AF65-F5344CB8AC3E}">
+        <p14:creationId xmlns:p14="http://schemas.microsoft.com/office/powerpoint/2010/main" val="3294267441"/>
+      </p:ext>
+    </p:extLst>
+  </p:cSld>
+  <p:clrMapOvr>
+    <a:masterClrMapping/>
+  </p:clrMapOvr>
+</p:sld>
+</file>
+
+<file path=ppt/slides/slide18.xml><?xml version="1.0" encoding="utf-8"?>
+<p:sld xmlns:a="http://schemas.openxmlformats.org/drawingml/2006/main" xmlns:r="http://schemas.openxmlformats.org/officeDocument/2006/relationships" xmlns:p="http://schemas.openxmlformats.org/presentationml/2006/main">
+  <p:cSld>
+    <p:spTree>
+      <p:nvGrpSpPr>
+        <p:cNvPr id="1" name=""/>
+        <p:cNvGrpSpPr/>
+        <p:nvPr/>
+      </p:nvGrpSpPr>
+      <p:grpSpPr>
+        <a:xfrm>
+          <a:off x="0" y="0"/>
+          <a:ext cx="0" cy="0"/>
+          <a:chOff x="0" y="0"/>
+          <a:chExt cx="0" cy="0"/>
+        </a:xfrm>
+      </p:grpSpPr>
+      <p:sp>
+        <p:nvSpPr>
+          <p:cNvPr id="2" name="Título 1">
+            <a:extLst>
+              <a:ext uri="{FF2B5EF4-FFF2-40B4-BE49-F238E27FC236}">
+                <a16:creationId xmlns:a16="http://schemas.microsoft.com/office/drawing/2014/main" id="{435C93C0-C27B-4AF0-B0F3-E0A3A1B234DC}"/>
+              </a:ext>
+            </a:extLst>
+          </p:cNvPr>
+          <p:cNvSpPr>
+            <a:spLocks noGrp="1"/>
+          </p:cNvSpPr>
+          <p:nvPr>
+            <p:ph type="title"/>
+          </p:nvPr>
+        </p:nvSpPr>
+        <p:spPr/>
+        <p:txBody>
+          <a:bodyPr/>
+          <a:lstStyle/>
+          <a:p>
+            <a:r>
+              <a:rPr lang="es-CO" dirty="0"/>
+              <a:t>TQQQ</a:t>
+            </a:r>
+          </a:p>
+        </p:txBody>
+      </p:sp>
+      <p:pic>
+        <p:nvPicPr>
+          <p:cNvPr id="3" name="Imagen 2">
+            <a:extLst>
+              <a:ext uri="{FF2B5EF4-FFF2-40B4-BE49-F238E27FC236}">
+                <a16:creationId xmlns:a16="http://schemas.microsoft.com/office/drawing/2014/main" id="{13A6EAF7-8967-4DC3-9892-5628F5856F9E}"/>
+              </a:ext>
+            </a:extLst>
+          </p:cNvPr>
+          <p:cNvPicPr>
+            <a:picLocks noChangeAspect="1"/>
+          </p:cNvPicPr>
+          <p:nvPr/>
+        </p:nvPicPr>
+        <p:blipFill>
+          <a:blip r:embed="rId2"/>
+          <a:stretch>
+            <a:fillRect/>
+          </a:stretch>
+        </p:blipFill>
+        <p:spPr>
+          <a:xfrm>
+            <a:off x="37313" y="1014413"/>
+            <a:ext cx="4534687" cy="2662195"/>
+          </a:xfrm>
+          <a:prstGeom prst="rect">
+            <a:avLst/>
+          </a:prstGeom>
+        </p:spPr>
+      </p:pic>
+      <p:pic>
+        <p:nvPicPr>
+          <p:cNvPr id="4" name="Imagen 3">
+            <a:extLst>
+              <a:ext uri="{FF2B5EF4-FFF2-40B4-BE49-F238E27FC236}">
+                <a16:creationId xmlns:a16="http://schemas.microsoft.com/office/drawing/2014/main" id="{D2C670DD-F6D3-418B-878F-C14042323FD9}"/>
+              </a:ext>
+            </a:extLst>
+          </p:cNvPr>
+          <p:cNvPicPr>
+            <a:picLocks noChangeAspect="1"/>
+          </p:cNvPicPr>
+          <p:nvPr/>
+        </p:nvPicPr>
+        <p:blipFill>
+          <a:blip r:embed="rId3"/>
+          <a:stretch>
+            <a:fillRect/>
+          </a:stretch>
+        </p:blipFill>
+        <p:spPr>
+          <a:xfrm>
+            <a:off x="4567552" y="1060601"/>
+            <a:ext cx="4537762" cy="2664000"/>
+          </a:xfrm>
+          <a:prstGeom prst="rect">
+            <a:avLst/>
+          </a:prstGeom>
+        </p:spPr>
+      </p:pic>
+    </p:spTree>
+    <p:extLst>
+      <p:ext uri="{BB962C8B-B14F-4D97-AF65-F5344CB8AC3E}">
+        <p14:creationId xmlns:p14="http://schemas.microsoft.com/office/powerpoint/2010/main" val="3402411932"/>
+      </p:ext>
+    </p:extLst>
+  </p:cSld>
+  <p:clrMapOvr>
+    <a:masterClrMapping/>
+  </p:clrMapOvr>
+</p:sld>
+</file>
+
+<file path=ppt/slides/slide19.xml><?xml version="1.0" encoding="utf-8"?>
+<p:sld xmlns:a="http://schemas.openxmlformats.org/drawingml/2006/main" xmlns:r="http://schemas.openxmlformats.org/officeDocument/2006/relationships" xmlns:p="http://schemas.openxmlformats.org/presentationml/2006/main">
+  <p:cSld>
+    <p:spTree>
+      <p:nvGrpSpPr>
+        <p:cNvPr id="1" name=""/>
+        <p:cNvGrpSpPr/>
+        <p:nvPr/>
+      </p:nvGrpSpPr>
+      <p:grpSpPr>
+        <a:xfrm>
+          <a:off x="0" y="0"/>
+          <a:ext cx="0" cy="0"/>
+          <a:chOff x="0" y="0"/>
+          <a:chExt cx="0" cy="0"/>
+        </a:xfrm>
+      </p:grpSpPr>
+      <p:sp>
+        <p:nvSpPr>
+          <p:cNvPr id="2" name="Título 1">
+            <a:extLst>
+              <a:ext uri="{FF2B5EF4-FFF2-40B4-BE49-F238E27FC236}">
+                <a16:creationId xmlns:a16="http://schemas.microsoft.com/office/drawing/2014/main" id="{16D1ABDA-41A2-4AC3-B101-D216E97E700F}"/>
+              </a:ext>
+            </a:extLst>
+          </p:cNvPr>
+          <p:cNvSpPr>
+            <a:spLocks noGrp="1"/>
+          </p:cNvSpPr>
+          <p:nvPr>
+            <p:ph type="title"/>
+          </p:nvPr>
+        </p:nvSpPr>
+        <p:spPr>
+          <a:xfrm>
+            <a:off x="713225" y="539500"/>
+            <a:ext cx="7909780" cy="521100"/>
+          </a:xfrm>
+        </p:spPr>
+        <p:txBody>
+          <a:bodyPr/>
+          <a:lstStyle/>
+          <a:p>
+            <a:r>
+              <a:rPr lang="es-CO" dirty="0"/>
+              <a:t>BITCOIN: la estrategia óptima es I5R5</a:t>
+            </a:r>
+          </a:p>
+        </p:txBody>
+      </p:sp>
+      <p:pic>
+        <p:nvPicPr>
+          <p:cNvPr id="3" name="Imagen 2">
+            <a:extLst>
+              <a:ext uri="{FF2B5EF4-FFF2-40B4-BE49-F238E27FC236}">
+                <a16:creationId xmlns:a16="http://schemas.microsoft.com/office/drawing/2014/main" id="{B3C27D4B-D409-4F50-B5C4-CD155DBC0012}"/>
+              </a:ext>
+            </a:extLst>
+          </p:cNvPr>
+          <p:cNvPicPr>
+            <a:picLocks noChangeAspect="1"/>
+          </p:cNvPicPr>
+          <p:nvPr/>
+        </p:nvPicPr>
+        <p:blipFill>
+          <a:blip r:embed="rId2"/>
+          <a:stretch>
+            <a:fillRect/>
+          </a:stretch>
+        </p:blipFill>
+        <p:spPr>
+          <a:xfrm>
+            <a:off x="0" y="1257863"/>
+            <a:ext cx="9144000" cy="3053076"/>
+          </a:xfrm>
+          <a:prstGeom prst="rect">
+            <a:avLst/>
+          </a:prstGeom>
+        </p:spPr>
+      </p:pic>
+    </p:spTree>
+    <p:extLst>
+      <p:ext uri="{BB962C8B-B14F-4D97-AF65-F5344CB8AC3E}">
+        <p14:creationId xmlns:p14="http://schemas.microsoft.com/office/powerpoint/2010/main" val="627114205"/>
+      </p:ext>
+    </p:extLst>
+  </p:cSld>
+  <p:clrMapOvr>
+    <a:masterClrMapping/>
+  </p:clrMapOvr>
+</p:sld>
+</file>
+
+<file path=ppt/slides/slide2.xml><?xml version="1.0" encoding="utf-8"?>
+<p:sld xmlns:a="http://schemas.openxmlformats.org/drawingml/2006/main" xmlns:r="http://schemas.openxmlformats.org/officeDocument/2006/relationships" xmlns:p="http://schemas.openxmlformats.org/presentationml/2006/main">
+  <p:cSld>
+    <p:spTree>
+      <p:nvGrpSpPr>
+        <p:cNvPr id="1" name="Shape 171"/>
+        <p:cNvGrpSpPr/>
+        <p:nvPr/>
+      </p:nvGrpSpPr>
+      <p:grpSpPr>
+        <a:xfrm>
+          <a:off x="0" y="0"/>
+          <a:ext cx="0" cy="0"/>
+          <a:chOff x="0" y="0"/>
+          <a:chExt cx="0" cy="0"/>
+        </a:xfrm>
+      </p:grpSpPr>
+      <p:sp>
+        <p:nvSpPr>
+          <p:cNvPr id="172" name="Google Shape;172;p33"/>
+          <p:cNvSpPr/>
+          <p:nvPr/>
+        </p:nvSpPr>
+        <p:spPr>
+          <a:xfrm>
+            <a:off x="466550" y="-22578"/>
+            <a:ext cx="1984200" cy="4608600"/>
+          </a:xfrm>
+          <a:prstGeom prst="rect">
+            <a:avLst/>
+          </a:prstGeom>
+          <a:solidFill>
+            <a:srgbClr val="4EB8E1"/>
+          </a:solidFill>
+          <a:ln>
+            <a:noFill/>
+          </a:ln>
+        </p:spPr>
+        <p:txBody>
+          <a:bodyPr spcFirstLastPara="1" wrap="square" lIns="91425" tIns="91425" rIns="91425" bIns="91425" anchor="ctr" anchorCtr="0">
+            <a:noAutofit/>
+          </a:bodyPr>
+          <a:lstStyle/>
+          <a:p>
+            <a:pPr marL="0" lvl="0" indent="0" algn="l" rtl="0">
+              <a:spcBef>
+                <a:spcPts val="0"/>
+              </a:spcBef>
+              <a:spcAft>
+                <a:spcPts val="0"/>
+              </a:spcAft>
+              <a:buNone/>
+            </a:pPr>
+            <a:endParaRPr/>
+          </a:p>
+        </p:txBody>
+      </p:sp>
+      <p:sp>
+        <p:nvSpPr>
+          <p:cNvPr id="173" name="Google Shape;173;p33"/>
+          <p:cNvSpPr txBox="1">
+            <a:spLocks noGrp="1"/>
+          </p:cNvSpPr>
+          <p:nvPr>
+            <p:ph type="title"/>
+          </p:nvPr>
+        </p:nvSpPr>
+        <p:spPr>
+          <a:xfrm>
+            <a:off x="713225" y="539500"/>
+            <a:ext cx="8119200" cy="723600"/>
+          </a:xfrm>
+          <a:prstGeom prst="rect">
+            <a:avLst/>
+          </a:prstGeom>
+        </p:spPr>
+        <p:txBody>
+          <a:bodyPr spcFirstLastPara="1" wrap="square" lIns="91425" tIns="91425" rIns="91425" bIns="91425" anchor="t" anchorCtr="0">
+            <a:noAutofit/>
+          </a:bodyPr>
+          <a:lstStyle/>
+          <a:p>
+            <a:pPr marL="0" lvl="0" indent="0" algn="l" rtl="0">
+              <a:spcBef>
+                <a:spcPts val="0"/>
+              </a:spcBef>
+              <a:spcAft>
+                <a:spcPts val="0"/>
+              </a:spcAft>
+              <a:buNone/>
+            </a:pPr>
+            <a:r>
+              <a:rPr lang="en" dirty="0"/>
+              <a:t>Agenda</a:t>
+            </a:r>
+            <a:endParaRPr dirty="0"/>
+          </a:p>
+        </p:txBody>
+      </p:sp>
+      <p:sp>
+        <p:nvSpPr>
+          <p:cNvPr id="174" name="Google Shape;174;p33"/>
+          <p:cNvSpPr txBox="1">
+            <a:spLocks noGrp="1"/>
+          </p:cNvSpPr>
+          <p:nvPr>
+            <p:ph type="subTitle" idx="1"/>
+          </p:nvPr>
+        </p:nvSpPr>
+        <p:spPr>
+          <a:xfrm>
+            <a:off x="3121475" y="1036899"/>
+            <a:ext cx="2498100" cy="474000"/>
+          </a:xfrm>
+          <a:prstGeom prst="rect">
+            <a:avLst/>
+          </a:prstGeom>
+        </p:spPr>
+        <p:txBody>
+          <a:bodyPr spcFirstLastPara="1" wrap="square" lIns="91425" tIns="91425" rIns="91425" bIns="91425" anchor="ctr" anchorCtr="0">
+            <a:noAutofit/>
+          </a:bodyPr>
+          <a:lstStyle/>
+          <a:p>
+            <a:pPr marL="0" lvl="0" indent="0">
+              <a:spcAft>
+                <a:spcPts val="1600"/>
+              </a:spcAft>
+            </a:pPr>
+            <a:r>
+              <a:rPr lang="es-CO" dirty="0"/>
+              <a:t>Réplica ETF ECH</a:t>
+            </a:r>
+          </a:p>
+        </p:txBody>
+      </p:sp>
+      <p:sp>
+        <p:nvSpPr>
+          <p:cNvPr id="175" name="Google Shape;175;p33"/>
+          <p:cNvSpPr txBox="1">
+            <a:spLocks noGrp="1"/>
+          </p:cNvSpPr>
+          <p:nvPr>
+            <p:ph type="subTitle" idx="2"/>
+          </p:nvPr>
+        </p:nvSpPr>
+        <p:spPr>
+          <a:xfrm>
+            <a:off x="3121474" y="1282162"/>
+            <a:ext cx="3487669" cy="474000"/>
+          </a:xfrm>
+          <a:prstGeom prst="rect">
+            <a:avLst/>
+          </a:prstGeom>
+        </p:spPr>
+        <p:txBody>
+          <a:bodyPr spcFirstLastPara="1" wrap="square" lIns="91425" tIns="91425" rIns="91425" bIns="91425" anchor="t" anchorCtr="0">
+            <a:noAutofit/>
+          </a:bodyPr>
+          <a:lstStyle/>
+          <a:p>
+            <a:pPr marL="0" lvl="0" indent="0"/>
+            <a:endParaRPr lang="es-CO" dirty="0"/>
+          </a:p>
+        </p:txBody>
+      </p:sp>
+      <p:sp>
+        <p:nvSpPr>
+          <p:cNvPr id="178" name="Google Shape;178;p33"/>
+          <p:cNvSpPr txBox="1">
+            <a:spLocks noGrp="1"/>
+          </p:cNvSpPr>
+          <p:nvPr>
+            <p:ph type="subTitle" idx="5"/>
+          </p:nvPr>
+        </p:nvSpPr>
+        <p:spPr>
+          <a:xfrm>
+            <a:off x="3121475" y="3313520"/>
+            <a:ext cx="2498100" cy="474000"/>
+          </a:xfrm>
+          <a:prstGeom prst="rect">
+            <a:avLst/>
+          </a:prstGeom>
+        </p:spPr>
+        <p:txBody>
+          <a:bodyPr spcFirstLastPara="1" wrap="square" lIns="91425" tIns="91425" rIns="91425" bIns="91425" anchor="ctr" anchorCtr="0">
+            <a:noAutofit/>
+          </a:bodyPr>
+          <a:lstStyle/>
+          <a:p>
+            <a:pPr marL="0" lvl="0" indent="0">
+              <a:spcAft>
+                <a:spcPts val="1600"/>
+              </a:spcAft>
+            </a:pPr>
+            <a:r>
+              <a:rPr lang="es-CO" dirty="0"/>
+              <a:t>Fase 1 - </a:t>
+            </a:r>
+            <a:r>
+              <a:rPr lang="es-CO" dirty="0" err="1"/>
+              <a:t>Backtest</a:t>
+            </a:r>
+            <a:r>
+              <a:rPr lang="es-CO" dirty="0"/>
+              <a:t> de estrategias actuales</a:t>
+            </a:r>
+          </a:p>
+        </p:txBody>
+      </p:sp>
+      <p:sp>
+        <p:nvSpPr>
+          <p:cNvPr id="179" name="Google Shape;179;p33"/>
+          <p:cNvSpPr txBox="1">
+            <a:spLocks noGrp="1"/>
+          </p:cNvSpPr>
+          <p:nvPr>
+            <p:ph type="subTitle" idx="6"/>
+          </p:nvPr>
+        </p:nvSpPr>
+        <p:spPr>
+          <a:xfrm>
+            <a:off x="3121474" y="3632601"/>
+            <a:ext cx="2511600" cy="474000"/>
+          </a:xfrm>
+          <a:prstGeom prst="rect">
+            <a:avLst/>
+          </a:prstGeom>
+        </p:spPr>
+        <p:txBody>
+          <a:bodyPr spcFirstLastPara="1" wrap="square" lIns="91425" tIns="91425" rIns="91425" bIns="91425" anchor="t" anchorCtr="0">
+            <a:noAutofit/>
+          </a:bodyPr>
+          <a:lstStyle/>
+          <a:p>
+            <a:pPr marL="0" lvl="0" indent="0"/>
+            <a:endParaRPr lang="es-CO" dirty="0"/>
+          </a:p>
+        </p:txBody>
+      </p:sp>
+      <p:sp>
+        <p:nvSpPr>
+          <p:cNvPr id="182" name="Google Shape;182;p33"/>
+          <p:cNvSpPr txBox="1">
+            <a:spLocks noGrp="1"/>
+          </p:cNvSpPr>
+          <p:nvPr>
+            <p:ph type="title" idx="9"/>
+          </p:nvPr>
+        </p:nvSpPr>
+        <p:spPr>
+          <a:xfrm>
+            <a:off x="3121475" y="133737"/>
+            <a:ext cx="1300800" cy="1148400"/>
+          </a:xfrm>
+          <a:prstGeom prst="rect">
+            <a:avLst/>
+          </a:prstGeom>
+        </p:spPr>
+        <p:txBody>
+          <a:bodyPr spcFirstLastPara="1" wrap="square" lIns="91425" tIns="91425" rIns="91425" bIns="91425" anchor="ctr" anchorCtr="0">
+            <a:noAutofit/>
+          </a:bodyPr>
+          <a:lstStyle/>
+          <a:p>
+            <a:pPr marL="0" lvl="0" indent="0" algn="l" rtl="0">
+              <a:spcBef>
+                <a:spcPts val="0"/>
+              </a:spcBef>
+              <a:spcAft>
+                <a:spcPts val="0"/>
+              </a:spcAft>
+              <a:buNone/>
+            </a:pPr>
+            <a:r>
+              <a:rPr lang="en" dirty="0"/>
+              <a:t>01</a:t>
+            </a:r>
+            <a:endParaRPr dirty="0"/>
+          </a:p>
+        </p:txBody>
+      </p:sp>
+      <p:sp>
+        <p:nvSpPr>
+          <p:cNvPr id="183" name="Google Shape;183;p33"/>
+          <p:cNvSpPr txBox="1">
+            <a:spLocks noGrp="1"/>
+          </p:cNvSpPr>
+          <p:nvPr>
+            <p:ph type="title" idx="13"/>
+          </p:nvPr>
+        </p:nvSpPr>
+        <p:spPr>
+          <a:xfrm>
+            <a:off x="3121475" y="2320038"/>
+            <a:ext cx="1300800" cy="1148400"/>
+          </a:xfrm>
+          <a:prstGeom prst="rect">
+            <a:avLst/>
+          </a:prstGeom>
+        </p:spPr>
+        <p:txBody>
+          <a:bodyPr spcFirstLastPara="1" wrap="square" lIns="91425" tIns="91425" rIns="91425" bIns="91425" anchor="ctr" anchorCtr="0">
+            <a:noAutofit/>
+          </a:bodyPr>
+          <a:lstStyle/>
+          <a:p>
+            <a:pPr marL="0" lvl="0" indent="0" algn="l" rtl="0">
+              <a:spcBef>
+                <a:spcPts val="0"/>
+              </a:spcBef>
+              <a:spcAft>
+                <a:spcPts val="0"/>
+              </a:spcAft>
+              <a:buNone/>
+            </a:pPr>
+            <a:r>
+              <a:rPr lang="en" dirty="0"/>
+              <a:t>02</a:t>
+            </a:r>
+            <a:endParaRPr dirty="0"/>
+          </a:p>
+        </p:txBody>
+      </p:sp>
+    </p:spTree>
+  </p:cSld>
+  <p:clrMapOvr>
+    <a:masterClrMapping/>
+  </p:clrMapOvr>
+</p:sld>
+</file>
+
+<file path=ppt/slides/slide20.xml><?xml version="1.0" encoding="utf-8"?>
+<p:sld xmlns:a="http://schemas.openxmlformats.org/drawingml/2006/main" xmlns:r="http://schemas.openxmlformats.org/officeDocument/2006/relationships" xmlns:p="http://schemas.openxmlformats.org/presentationml/2006/main">
+  <p:cSld>
+    <p:spTree>
+      <p:nvGrpSpPr>
+        <p:cNvPr id="1" name=""/>
+        <p:cNvGrpSpPr/>
+        <p:nvPr/>
+      </p:nvGrpSpPr>
+      <p:grpSpPr>
+        <a:xfrm>
+          <a:off x="0" y="0"/>
+          <a:ext cx="0" cy="0"/>
+          <a:chOff x="0" y="0"/>
+          <a:chExt cx="0" cy="0"/>
+        </a:xfrm>
+      </p:grpSpPr>
+      <p:sp>
+        <p:nvSpPr>
+          <p:cNvPr id="2" name="Título 1">
+            <a:extLst>
+              <a:ext uri="{FF2B5EF4-FFF2-40B4-BE49-F238E27FC236}">
+                <a16:creationId xmlns:a16="http://schemas.microsoft.com/office/drawing/2014/main" id="{D1FD99F2-3BA9-46F2-B20E-DF70B5363374}"/>
+              </a:ext>
+            </a:extLst>
+          </p:cNvPr>
+          <p:cNvSpPr>
+            <a:spLocks noGrp="1"/>
+          </p:cNvSpPr>
+          <p:nvPr>
+            <p:ph type="title"/>
+          </p:nvPr>
+        </p:nvSpPr>
+        <p:spPr/>
+        <p:txBody>
+          <a:bodyPr/>
+          <a:lstStyle/>
+          <a:p>
+            <a:r>
+              <a:rPr lang="es-CO" dirty="0"/>
+              <a:t>BITCOIN</a:t>
+            </a:r>
+          </a:p>
+        </p:txBody>
+      </p:sp>
+      <p:pic>
+        <p:nvPicPr>
+          <p:cNvPr id="5" name="Imagen 4">
+            <a:extLst>
+              <a:ext uri="{FF2B5EF4-FFF2-40B4-BE49-F238E27FC236}">
+                <a16:creationId xmlns:a16="http://schemas.microsoft.com/office/drawing/2014/main" id="{510A236D-337E-49D1-AEC1-E22FF569557B}"/>
+              </a:ext>
+            </a:extLst>
+          </p:cNvPr>
+          <p:cNvPicPr>
+            <a:picLocks noChangeAspect="1"/>
+          </p:cNvPicPr>
+          <p:nvPr/>
+        </p:nvPicPr>
+        <p:blipFill>
+          <a:blip r:embed="rId2"/>
+          <a:stretch>
+            <a:fillRect/>
+          </a:stretch>
+        </p:blipFill>
+        <p:spPr>
+          <a:xfrm>
+            <a:off x="388198" y="1344021"/>
+            <a:ext cx="5305425" cy="3114675"/>
+          </a:xfrm>
+          <a:prstGeom prst="rect">
+            <a:avLst/>
+          </a:prstGeom>
+        </p:spPr>
+      </p:pic>
+      <p:pic>
+        <p:nvPicPr>
+          <p:cNvPr id="6" name="Imagen 5">
+            <a:extLst>
+              <a:ext uri="{FF2B5EF4-FFF2-40B4-BE49-F238E27FC236}">
+                <a16:creationId xmlns:a16="http://schemas.microsoft.com/office/drawing/2014/main" id="{43DC5F3C-64C3-4569-9B8F-959821AFEC45}"/>
+              </a:ext>
+            </a:extLst>
+          </p:cNvPr>
+          <p:cNvPicPr>
+            <a:picLocks noChangeAspect="1"/>
+          </p:cNvPicPr>
+          <p:nvPr/>
+        </p:nvPicPr>
+        <p:blipFill>
+          <a:blip r:embed="rId3"/>
+          <a:stretch>
+            <a:fillRect/>
+          </a:stretch>
+        </p:blipFill>
+        <p:spPr>
+          <a:xfrm>
+            <a:off x="3838575" y="1344020"/>
+            <a:ext cx="5305425" cy="3114675"/>
+          </a:xfrm>
+          <a:prstGeom prst="rect">
+            <a:avLst/>
+          </a:prstGeom>
+        </p:spPr>
+      </p:pic>
+    </p:spTree>
+    <p:extLst>
+      <p:ext uri="{BB962C8B-B14F-4D97-AF65-F5344CB8AC3E}">
+        <p14:creationId xmlns:p14="http://schemas.microsoft.com/office/powerpoint/2010/main" val="2843548180"/>
+      </p:ext>
+    </p:extLst>
+  </p:cSld>
+  <p:clrMapOvr>
+    <a:masterClrMapping/>
+  </p:clrMapOvr>
+</p:sld>
+</file>
+
+<file path=ppt/slides/slide21.xml><?xml version="1.0" encoding="utf-8"?>
+<p:sld xmlns:a="http://schemas.openxmlformats.org/drawingml/2006/main" xmlns:r="http://schemas.openxmlformats.org/officeDocument/2006/relationships" xmlns:p="http://schemas.openxmlformats.org/presentationml/2006/main">
+  <p:cSld>
+    <p:spTree>
+      <p:nvGrpSpPr>
+        <p:cNvPr id="1" name=""/>
+        <p:cNvGrpSpPr/>
+        <p:nvPr/>
+      </p:nvGrpSpPr>
+      <p:grpSpPr>
+        <a:xfrm>
+          <a:off x="0" y="0"/>
+          <a:ext cx="0" cy="0"/>
+          <a:chOff x="0" y="0"/>
+          <a:chExt cx="0" cy="0"/>
+        </a:xfrm>
+      </p:grpSpPr>
+      <p:sp>
+        <p:nvSpPr>
+          <p:cNvPr id="2" name="Título 1">
+            <a:extLst>
+              <a:ext uri="{FF2B5EF4-FFF2-40B4-BE49-F238E27FC236}">
+                <a16:creationId xmlns:a16="http://schemas.microsoft.com/office/drawing/2014/main" id="{53219392-B75C-4B76-B0AB-32A4EB38BAB2}"/>
+              </a:ext>
+            </a:extLst>
+          </p:cNvPr>
+          <p:cNvSpPr>
+            <a:spLocks noGrp="1"/>
+          </p:cNvSpPr>
+          <p:nvPr>
+            <p:ph type="title"/>
+          </p:nvPr>
+        </p:nvSpPr>
+        <p:spPr>
+          <a:xfrm>
+            <a:off x="713225" y="539500"/>
+            <a:ext cx="7239928" cy="521100"/>
+          </a:xfrm>
+        </p:spPr>
+        <p:txBody>
+          <a:bodyPr/>
+          <a:lstStyle/>
+          <a:p>
+            <a:r>
+              <a:rPr lang="es-CO" dirty="0"/>
+              <a:t>ETHEREUM: la estrategia óptima es I5R6</a:t>
+            </a:r>
+          </a:p>
+        </p:txBody>
+      </p:sp>
+      <p:pic>
+        <p:nvPicPr>
+          <p:cNvPr id="4" name="Imagen 3">
+            <a:extLst>
+              <a:ext uri="{FF2B5EF4-FFF2-40B4-BE49-F238E27FC236}">
+                <a16:creationId xmlns:a16="http://schemas.microsoft.com/office/drawing/2014/main" id="{B728AB16-8075-4AB1-9BB5-AE87BCED960D}"/>
+              </a:ext>
+            </a:extLst>
+          </p:cNvPr>
+          <p:cNvPicPr>
+            <a:picLocks noChangeAspect="1"/>
+          </p:cNvPicPr>
+          <p:nvPr/>
+        </p:nvPicPr>
+        <p:blipFill>
+          <a:blip r:embed="rId2"/>
+          <a:stretch>
+            <a:fillRect/>
+          </a:stretch>
+        </p:blipFill>
+        <p:spPr>
+          <a:xfrm>
+            <a:off x="0" y="1045212"/>
+            <a:ext cx="9144000" cy="3053076"/>
+          </a:xfrm>
+          <a:prstGeom prst="rect">
+            <a:avLst/>
+          </a:prstGeom>
+        </p:spPr>
+      </p:pic>
+    </p:spTree>
+    <p:extLst>
+      <p:ext uri="{BB962C8B-B14F-4D97-AF65-F5344CB8AC3E}">
+        <p14:creationId xmlns:p14="http://schemas.microsoft.com/office/powerpoint/2010/main" val="3458285236"/>
+      </p:ext>
+    </p:extLst>
+  </p:cSld>
+  <p:clrMapOvr>
+    <a:masterClrMapping/>
+  </p:clrMapOvr>
+</p:sld>
+</file>
+
+<file path=ppt/slides/slide22.xml><?xml version="1.0" encoding="utf-8"?>
+<p:sld xmlns:a="http://schemas.openxmlformats.org/drawingml/2006/main" xmlns:r="http://schemas.openxmlformats.org/officeDocument/2006/relationships" xmlns:p="http://schemas.openxmlformats.org/presentationml/2006/main">
+  <p:cSld>
+    <p:spTree>
+      <p:nvGrpSpPr>
+        <p:cNvPr id="1" name=""/>
+        <p:cNvGrpSpPr/>
+        <p:nvPr/>
+      </p:nvGrpSpPr>
+      <p:grpSpPr>
+        <a:xfrm>
+          <a:off x="0" y="0"/>
+          <a:ext cx="0" cy="0"/>
+          <a:chOff x="0" y="0"/>
+          <a:chExt cx="0" cy="0"/>
+        </a:xfrm>
+      </p:grpSpPr>
+      <p:sp>
+        <p:nvSpPr>
+          <p:cNvPr id="2" name="Título 1">
+            <a:extLst>
+              <a:ext uri="{FF2B5EF4-FFF2-40B4-BE49-F238E27FC236}">
+                <a16:creationId xmlns:a16="http://schemas.microsoft.com/office/drawing/2014/main" id="{12DF83CC-C06F-4DFE-A4AE-12DDE58F8ED4}"/>
+              </a:ext>
+            </a:extLst>
+          </p:cNvPr>
+          <p:cNvSpPr>
+            <a:spLocks noGrp="1"/>
+          </p:cNvSpPr>
+          <p:nvPr>
+            <p:ph type="title"/>
+          </p:nvPr>
+        </p:nvSpPr>
+        <p:spPr/>
+        <p:txBody>
+          <a:bodyPr/>
+          <a:lstStyle/>
+          <a:p>
+            <a:r>
+              <a:rPr lang="es-CO" dirty="0"/>
+              <a:t>ETHEREUM</a:t>
+            </a:r>
+          </a:p>
+        </p:txBody>
+      </p:sp>
+      <p:pic>
+        <p:nvPicPr>
+          <p:cNvPr id="3" name="Imagen 2">
+            <a:extLst>
+              <a:ext uri="{FF2B5EF4-FFF2-40B4-BE49-F238E27FC236}">
+                <a16:creationId xmlns:a16="http://schemas.microsoft.com/office/drawing/2014/main" id="{18188F21-7D9E-4DC7-937E-196600C176AE}"/>
+              </a:ext>
+            </a:extLst>
+          </p:cNvPr>
+          <p:cNvPicPr>
+            <a:picLocks noChangeAspect="1"/>
+          </p:cNvPicPr>
+          <p:nvPr/>
+        </p:nvPicPr>
+        <p:blipFill>
+          <a:blip r:embed="rId2"/>
+          <a:stretch>
+            <a:fillRect/>
+          </a:stretch>
+        </p:blipFill>
+        <p:spPr>
+          <a:xfrm>
+            <a:off x="96293" y="1269593"/>
+            <a:ext cx="4483626" cy="2632218"/>
+          </a:xfrm>
+          <a:prstGeom prst="rect">
+            <a:avLst/>
+          </a:prstGeom>
+        </p:spPr>
+      </p:pic>
+      <p:pic>
+        <p:nvPicPr>
+          <p:cNvPr id="4" name="Imagen 3">
+            <a:extLst>
+              <a:ext uri="{FF2B5EF4-FFF2-40B4-BE49-F238E27FC236}">
+                <a16:creationId xmlns:a16="http://schemas.microsoft.com/office/drawing/2014/main" id="{CB551829-AC89-45E9-82F9-42408C0D9BCE}"/>
+              </a:ext>
+            </a:extLst>
+          </p:cNvPr>
+          <p:cNvPicPr>
+            <a:picLocks noChangeAspect="1"/>
+          </p:cNvPicPr>
+          <p:nvPr/>
+        </p:nvPicPr>
+        <p:blipFill>
+          <a:blip r:embed="rId3"/>
+          <a:stretch>
+            <a:fillRect/>
+          </a:stretch>
+        </p:blipFill>
+        <p:spPr>
+          <a:xfrm>
+            <a:off x="4596154" y="1269592"/>
+            <a:ext cx="4483627" cy="2632219"/>
+          </a:xfrm>
+          <a:prstGeom prst="rect">
+            <a:avLst/>
+          </a:prstGeom>
+        </p:spPr>
+      </p:pic>
+    </p:spTree>
+    <p:extLst>
+      <p:ext uri="{BB962C8B-B14F-4D97-AF65-F5344CB8AC3E}">
+        <p14:creationId xmlns:p14="http://schemas.microsoft.com/office/powerpoint/2010/main" val="2601126791"/>
+      </p:ext>
+    </p:extLst>
+  </p:cSld>
+  <p:clrMapOvr>
+    <a:masterClrMapping/>
+  </p:clrMapOvr>
+</p:sld>
+</file>
+
+<file path=ppt/slides/slide23.xml><?xml version="1.0" encoding="utf-8"?>
+<p:sld xmlns:a="http://schemas.openxmlformats.org/drawingml/2006/main" xmlns:r="http://schemas.openxmlformats.org/officeDocument/2006/relationships" xmlns:p="http://schemas.openxmlformats.org/presentationml/2006/main">
+  <p:cSld>
+    <p:spTree>
+      <p:nvGrpSpPr>
+        <p:cNvPr id="1" name=""/>
+        <p:cNvGrpSpPr/>
+        <p:nvPr/>
+      </p:nvGrpSpPr>
+      <p:grpSpPr>
+        <a:xfrm>
+          <a:off x="0" y="0"/>
+          <a:ext cx="0" cy="0"/>
+          <a:chOff x="0" y="0"/>
+          <a:chExt cx="0" cy="0"/>
+        </a:xfrm>
+      </p:grpSpPr>
+      <p:pic>
+        <p:nvPicPr>
+          <p:cNvPr id="3" name="Imagen 2">
+            <a:extLst>
+              <a:ext uri="{FF2B5EF4-FFF2-40B4-BE49-F238E27FC236}">
+                <a16:creationId xmlns:a16="http://schemas.microsoft.com/office/drawing/2014/main" id="{C31A74BA-31E4-47A1-A87F-CA17957AF879}"/>
+              </a:ext>
+            </a:extLst>
+          </p:cNvPr>
+          <p:cNvPicPr>
+            <a:picLocks noChangeAspect="1"/>
+          </p:cNvPicPr>
+          <p:nvPr/>
+        </p:nvPicPr>
+        <p:blipFill>
+          <a:blip r:embed="rId2"/>
+          <a:stretch>
+            <a:fillRect/>
+          </a:stretch>
+        </p:blipFill>
+        <p:spPr>
+          <a:xfrm>
+            <a:off x="0" y="1045212"/>
+            <a:ext cx="9144000" cy="3053076"/>
+          </a:xfrm>
+          <a:prstGeom prst="rect">
+            <a:avLst/>
+          </a:prstGeom>
+        </p:spPr>
+      </p:pic>
+      <p:sp>
+        <p:nvSpPr>
+          <p:cNvPr id="4" name="Título 1">
+            <a:extLst>
+              <a:ext uri="{FF2B5EF4-FFF2-40B4-BE49-F238E27FC236}">
+                <a16:creationId xmlns:a16="http://schemas.microsoft.com/office/drawing/2014/main" id="{A7BB0720-C6FC-4933-9BCF-B4CCCDE4928F}"/>
+              </a:ext>
+            </a:extLst>
+          </p:cNvPr>
+          <p:cNvSpPr>
+            <a:spLocks noGrp="1"/>
+          </p:cNvSpPr>
+          <p:nvPr>
+            <p:ph type="title"/>
+          </p:nvPr>
+        </p:nvSpPr>
+        <p:spPr>
+          <a:xfrm>
+            <a:off x="713225" y="539500"/>
+            <a:ext cx="7239928" cy="521100"/>
+          </a:xfrm>
+        </p:spPr>
+        <p:txBody>
+          <a:bodyPr/>
+          <a:lstStyle/>
+          <a:p>
+            <a:r>
+              <a:rPr lang="es-CO" dirty="0"/>
+              <a:t>FAZ: la estrategia óptima es I9R9</a:t>
+            </a:r>
+          </a:p>
+        </p:txBody>
+      </p:sp>
+    </p:spTree>
+    <p:extLst>
+      <p:ext uri="{BB962C8B-B14F-4D97-AF65-F5344CB8AC3E}">
+        <p14:creationId xmlns:p14="http://schemas.microsoft.com/office/powerpoint/2010/main" val="1793145279"/>
+      </p:ext>
+    </p:extLst>
+  </p:cSld>
+  <p:clrMapOvr>
+    <a:masterClrMapping/>
+  </p:clrMapOvr>
+</p:sld>
+</file>
+
+<file path=ppt/slides/slide24.xml><?xml version="1.0" encoding="utf-8"?>
+<p:sld xmlns:a="http://schemas.openxmlformats.org/drawingml/2006/main" xmlns:r="http://schemas.openxmlformats.org/officeDocument/2006/relationships" xmlns:p="http://schemas.openxmlformats.org/presentationml/2006/main">
+  <p:cSld>
+    <p:spTree>
+      <p:nvGrpSpPr>
+        <p:cNvPr id="1" name=""/>
+        <p:cNvGrpSpPr/>
+        <p:nvPr/>
+      </p:nvGrpSpPr>
+      <p:grpSpPr>
+        <a:xfrm>
+          <a:off x="0" y="0"/>
+          <a:ext cx="0" cy="0"/>
+          <a:chOff x="0" y="0"/>
+          <a:chExt cx="0" cy="0"/>
+        </a:xfrm>
+      </p:grpSpPr>
+      <p:sp>
+        <p:nvSpPr>
+          <p:cNvPr id="2" name="Título 1">
+            <a:extLst>
+              <a:ext uri="{FF2B5EF4-FFF2-40B4-BE49-F238E27FC236}">
+                <a16:creationId xmlns:a16="http://schemas.microsoft.com/office/drawing/2014/main" id="{570720AA-EB8F-4CA3-8FFE-F6F31A71291B}"/>
+              </a:ext>
+            </a:extLst>
+          </p:cNvPr>
+          <p:cNvSpPr>
+            <a:spLocks noGrp="1"/>
+          </p:cNvSpPr>
+          <p:nvPr>
+            <p:ph type="title"/>
+          </p:nvPr>
+        </p:nvSpPr>
+        <p:spPr/>
+        <p:txBody>
+          <a:bodyPr/>
+          <a:lstStyle/>
+          <a:p>
+            <a:r>
+              <a:rPr lang="es-CO" dirty="0"/>
+              <a:t>FAZ</a:t>
+            </a:r>
+          </a:p>
+        </p:txBody>
+      </p:sp>
+      <p:pic>
+        <p:nvPicPr>
+          <p:cNvPr id="3" name="Imagen 2">
+            <a:extLst>
+              <a:ext uri="{FF2B5EF4-FFF2-40B4-BE49-F238E27FC236}">
+                <a16:creationId xmlns:a16="http://schemas.microsoft.com/office/drawing/2014/main" id="{F6ECC001-FC84-4672-BE89-9F018B4C5DD3}"/>
+              </a:ext>
+            </a:extLst>
+          </p:cNvPr>
+          <p:cNvPicPr>
+            <a:picLocks noChangeAspect="1"/>
+          </p:cNvPicPr>
+          <p:nvPr/>
+        </p:nvPicPr>
+        <p:blipFill>
+          <a:blip r:embed="rId2"/>
+          <a:stretch>
+            <a:fillRect/>
+          </a:stretch>
+        </p:blipFill>
+        <p:spPr>
+          <a:xfrm>
+            <a:off x="47947" y="1312123"/>
+            <a:ext cx="4537761" cy="2664000"/>
+          </a:xfrm>
+          <a:prstGeom prst="rect">
+            <a:avLst/>
+          </a:prstGeom>
+        </p:spPr>
+      </p:pic>
+      <p:pic>
+        <p:nvPicPr>
+          <p:cNvPr id="4" name="Imagen 3">
+            <a:extLst>
+              <a:ext uri="{FF2B5EF4-FFF2-40B4-BE49-F238E27FC236}">
+                <a16:creationId xmlns:a16="http://schemas.microsoft.com/office/drawing/2014/main" id="{B8166F04-61B4-4FAC-AFFB-97DB783A39E6}"/>
+              </a:ext>
+            </a:extLst>
+          </p:cNvPr>
+          <p:cNvPicPr>
+            <a:picLocks noChangeAspect="1"/>
+          </p:cNvPicPr>
+          <p:nvPr/>
+        </p:nvPicPr>
+        <p:blipFill>
+          <a:blip r:embed="rId3"/>
+          <a:stretch>
+            <a:fillRect/>
+          </a:stretch>
+        </p:blipFill>
+        <p:spPr>
+          <a:xfrm>
+            <a:off x="4551581" y="1312123"/>
+            <a:ext cx="4537761" cy="2664000"/>
+          </a:xfrm>
+          <a:prstGeom prst="rect">
+            <a:avLst/>
+          </a:prstGeom>
+        </p:spPr>
+      </p:pic>
+    </p:spTree>
+    <p:extLst>
+      <p:ext uri="{BB962C8B-B14F-4D97-AF65-F5344CB8AC3E}">
+        <p14:creationId xmlns:p14="http://schemas.microsoft.com/office/powerpoint/2010/main" val="2505443447"/>
+      </p:ext>
+    </p:extLst>
+  </p:cSld>
+  <p:clrMapOvr>
+    <a:masterClrMapping/>
+  </p:clrMapOvr>
+</p:sld>
+</file>
+
+<file path=ppt/slides/slide25.xml><?xml version="1.0" encoding="utf-8"?>
 <p:sld xmlns:a="http://schemas.openxmlformats.org/drawingml/2006/main" xmlns:r="http://schemas.openxmlformats.org/officeDocument/2006/relationships" xmlns:p="http://schemas.openxmlformats.org/presentationml/2006/main">
   <p:cSld>
     <p:spTree>
@@ -8939,7 +12160,7 @@
     </p:spTree>
     <p:extLst>
       <p:ext uri="{BB962C8B-B14F-4D97-AF65-F5344CB8AC3E}">
-        <p14:creationId xmlns:p14="http://schemas.microsoft.com/office/powerpoint/2010/main" val="2265603845"/>
+        <p14:creationId xmlns:p14="http://schemas.microsoft.com/office/powerpoint/2010/main" val="1688041045"/>
       </p:ext>
     </p:extLst>
   </p:cSld>
@@ -8949,7 +12170,7 @@
 </p:sld>
 </file>
 
-<file path=ppt/slides/slide12.xml><?xml version="1.0" encoding="utf-8"?>
+<file path=ppt/slides/slide26.xml><?xml version="1.0" encoding="utf-8"?>
 <p:sld xmlns:a="http://schemas.openxmlformats.org/drawingml/2006/main" xmlns:r="http://schemas.openxmlformats.org/officeDocument/2006/relationships" xmlns:p="http://schemas.openxmlformats.org/presentationml/2006/main">
   <p:cSld>
     <p:spTree>
@@ -9274,6 +12495,133 @@
             </a:r>
           </a:p>
           <a:p>
+            <a:pPr marL="914400" lvl="3" indent="-342900">
+              <a:lnSpc>
+                <a:spcPct val="100000"/>
+              </a:lnSpc>
+              <a:spcBef>
+                <a:spcPts val="0"/>
+              </a:spcBef>
+              <a:buClr>
+                <a:srgbClr val="677480"/>
+              </a:buClr>
+              <a:buSzPts val="1100"/>
+              <a:defRPr/>
+            </a:pPr>
+            <a:endParaRPr lang="es-MX" dirty="0">
+              <a:solidFill>
+                <a:srgbClr val="677480"/>
+              </a:solidFill>
+              <a:latin typeface="Montserrat Medium" panose="020B0604020202020204" charset="0"/>
+              <a:ea typeface="Open Sans" panose="020B0604020202020204" charset="0"/>
+              <a:cs typeface="Open Sans" panose="020B0604020202020204" charset="0"/>
+              <a:sym typeface="Lato"/>
+            </a:endParaRPr>
+          </a:p>
+          <a:p>
+            <a:pPr marL="114300" lvl="2" indent="0">
+              <a:lnSpc>
+                <a:spcPct val="100000"/>
+              </a:lnSpc>
+              <a:spcBef>
+                <a:spcPts val="0"/>
+              </a:spcBef>
+              <a:buClr>
+                <a:srgbClr val="677480"/>
+              </a:buClr>
+              <a:buSzPts val="1100"/>
+              <a:buNone/>
+              <a:defRPr/>
+            </a:pPr>
+            <a:r>
+              <a:rPr lang="es-MX" dirty="0">
+                <a:solidFill>
+                  <a:srgbClr val="677480"/>
+                </a:solidFill>
+                <a:latin typeface="Montserrat Medium" panose="020B0604020202020204" charset="0"/>
+                <a:ea typeface="Open Sans" panose="020B0604020202020204" charset="0"/>
+                <a:cs typeface="Open Sans" panose="020B0604020202020204" charset="0"/>
+                <a:sym typeface="Lato"/>
+              </a:rPr>
+              <a:t>Comentarios:</a:t>
+            </a:r>
+          </a:p>
+          <a:p>
+            <a:pPr marL="457200" lvl="2" indent="-342900">
+              <a:lnSpc>
+                <a:spcPct val="100000"/>
+              </a:lnSpc>
+              <a:spcBef>
+                <a:spcPts val="0"/>
+              </a:spcBef>
+              <a:buClr>
+                <a:srgbClr val="677480"/>
+              </a:buClr>
+              <a:buSzPts val="1100"/>
+              <a:defRPr/>
+            </a:pPr>
+            <a:r>
+              <a:rPr lang="es-MX" dirty="0">
+                <a:solidFill>
+                  <a:srgbClr val="677480"/>
+                </a:solidFill>
+                <a:latin typeface="Montserrat Medium" panose="020B0604020202020204" charset="0"/>
+                <a:ea typeface="Open Sans" panose="020B0604020202020204" charset="0"/>
+                <a:cs typeface="Open Sans" panose="020B0604020202020204" charset="0"/>
+                <a:sym typeface="Lato"/>
+              </a:rPr>
+              <a:t>Los datos de </a:t>
+            </a:r>
+            <a:r>
+              <a:rPr lang="es-MX" dirty="0" err="1">
+                <a:solidFill>
+                  <a:srgbClr val="677480"/>
+                </a:solidFill>
+                <a:latin typeface="Montserrat Medium" panose="020B0604020202020204" charset="0"/>
+                <a:ea typeface="Open Sans" panose="020B0604020202020204" charset="0"/>
+                <a:cs typeface="Open Sans" panose="020B0604020202020204" charset="0"/>
+                <a:sym typeface="Lato"/>
+              </a:rPr>
+              <a:t>pre-market</a:t>
+            </a:r>
+            <a:r>
+              <a:rPr lang="es-MX" dirty="0">
+                <a:solidFill>
+                  <a:srgbClr val="677480"/>
+                </a:solidFill>
+                <a:latin typeface="Montserrat Medium" panose="020B0604020202020204" charset="0"/>
+                <a:ea typeface="Open Sans" panose="020B0604020202020204" charset="0"/>
+                <a:cs typeface="Open Sans" panose="020B0604020202020204" charset="0"/>
+                <a:sym typeface="Lato"/>
+              </a:rPr>
+              <a:t> y </a:t>
+            </a:r>
+            <a:r>
+              <a:rPr lang="es-MX" dirty="0" err="1">
+                <a:solidFill>
+                  <a:srgbClr val="677480"/>
+                </a:solidFill>
+                <a:latin typeface="Montserrat Medium" panose="020B0604020202020204" charset="0"/>
+                <a:ea typeface="Open Sans" panose="020B0604020202020204" charset="0"/>
+                <a:cs typeface="Open Sans" panose="020B0604020202020204" charset="0"/>
+                <a:sym typeface="Lato"/>
+              </a:rPr>
+              <a:t>post-market</a:t>
+            </a:r>
+            <a:r>
+              <a:rPr lang="es-MX" dirty="0">
+                <a:solidFill>
+                  <a:srgbClr val="677480"/>
+                </a:solidFill>
+                <a:latin typeface="Montserrat Medium" panose="020B0604020202020204" charset="0"/>
+                <a:ea typeface="Open Sans" panose="020B0604020202020204" charset="0"/>
+                <a:cs typeface="Open Sans" panose="020B0604020202020204" charset="0"/>
+                <a:sym typeface="Lato"/>
+              </a:rPr>
+              <a:t> no tienen la periodicidad de 30 minutos en todas las bases de datos.</a:t>
+            </a:r>
+          </a:p>
+          <a:p>
             <a:pPr marL="114300" lvl="2" indent="0">
               <a:lnSpc>
                 <a:spcPct val="100000"/>
@@ -9504,7 +12852,7 @@
     </p:spTree>
     <p:extLst>
       <p:ext uri="{BB962C8B-B14F-4D97-AF65-F5344CB8AC3E}">
-        <p14:creationId xmlns:p14="http://schemas.microsoft.com/office/powerpoint/2010/main" val="1366013325"/>
+        <p14:creationId xmlns:p14="http://schemas.microsoft.com/office/powerpoint/2010/main" val="3424005017"/>
       </p:ext>
     </p:extLst>
   </p:cSld>
@@ -9514,7 +12862,7 @@
 </p:sld>
 </file>
 
-<file path=ppt/slides/slide13.xml><?xml version="1.0" encoding="utf-8"?>
+<file path=ppt/slides/slide27.xml><?xml version="1.0" encoding="utf-8"?>
 <p:sld xmlns:a="http://schemas.openxmlformats.org/drawingml/2006/main" xmlns:r="http://schemas.openxmlformats.org/officeDocument/2006/relationships" xmlns:p="http://schemas.openxmlformats.org/presentationml/2006/main">
   <p:cSld>
     <p:spTree>
@@ -11774,339 +15122,6 @@
 </p:sld>
 </file>
 
-<file path=ppt/slides/slide2.xml><?xml version="1.0" encoding="utf-8"?>
-<p:sld xmlns:a="http://schemas.openxmlformats.org/drawingml/2006/main" xmlns:r="http://schemas.openxmlformats.org/officeDocument/2006/relationships" xmlns:p="http://schemas.openxmlformats.org/presentationml/2006/main">
-  <p:cSld>
-    <p:spTree>
-      <p:nvGrpSpPr>
-        <p:cNvPr id="1" name="Shape 171"/>
-        <p:cNvGrpSpPr/>
-        <p:nvPr/>
-      </p:nvGrpSpPr>
-      <p:grpSpPr>
-        <a:xfrm>
-          <a:off x="0" y="0"/>
-          <a:ext cx="0" cy="0"/>
-          <a:chOff x="0" y="0"/>
-          <a:chExt cx="0" cy="0"/>
-        </a:xfrm>
-      </p:grpSpPr>
-      <p:sp>
-        <p:nvSpPr>
-          <p:cNvPr id="172" name="Google Shape;172;p33"/>
-          <p:cNvSpPr/>
-          <p:nvPr/>
-        </p:nvSpPr>
-        <p:spPr>
-          <a:xfrm>
-            <a:off x="466550" y="-22578"/>
-            <a:ext cx="1984200" cy="4608600"/>
-          </a:xfrm>
-          <a:prstGeom prst="rect">
-            <a:avLst/>
-          </a:prstGeom>
-          <a:solidFill>
-            <a:srgbClr val="4EB8E1"/>
-          </a:solidFill>
-          <a:ln>
-            <a:noFill/>
-          </a:ln>
-        </p:spPr>
-        <p:txBody>
-          <a:bodyPr spcFirstLastPara="1" wrap="square" lIns="91425" tIns="91425" rIns="91425" bIns="91425" anchor="ctr" anchorCtr="0">
-            <a:noAutofit/>
-          </a:bodyPr>
-          <a:lstStyle/>
-          <a:p>
-            <a:pPr marL="0" lvl="0" indent="0" algn="l" rtl="0">
-              <a:spcBef>
-                <a:spcPts val="0"/>
-              </a:spcBef>
-              <a:spcAft>
-                <a:spcPts val="0"/>
-              </a:spcAft>
-              <a:buNone/>
-            </a:pPr>
-            <a:endParaRPr/>
-          </a:p>
-        </p:txBody>
-      </p:sp>
-      <p:sp>
-        <p:nvSpPr>
-          <p:cNvPr id="173" name="Google Shape;173;p33"/>
-          <p:cNvSpPr txBox="1">
-            <a:spLocks noGrp="1"/>
-          </p:cNvSpPr>
-          <p:nvPr>
-            <p:ph type="title"/>
-          </p:nvPr>
-        </p:nvSpPr>
-        <p:spPr>
-          <a:xfrm>
-            <a:off x="713225" y="539500"/>
-            <a:ext cx="8119200" cy="723600"/>
-          </a:xfrm>
-          <a:prstGeom prst="rect">
-            <a:avLst/>
-          </a:prstGeom>
-        </p:spPr>
-        <p:txBody>
-          <a:bodyPr spcFirstLastPara="1" wrap="square" lIns="91425" tIns="91425" rIns="91425" bIns="91425" anchor="t" anchorCtr="0">
-            <a:noAutofit/>
-          </a:bodyPr>
-          <a:lstStyle/>
-          <a:p>
-            <a:pPr marL="0" lvl="0" indent="0" algn="l" rtl="0">
-              <a:spcBef>
-                <a:spcPts val="0"/>
-              </a:spcBef>
-              <a:spcAft>
-                <a:spcPts val="0"/>
-              </a:spcAft>
-              <a:buNone/>
-            </a:pPr>
-            <a:r>
-              <a:rPr lang="en" dirty="0"/>
-              <a:t>Agenda</a:t>
-            </a:r>
-            <a:endParaRPr dirty="0"/>
-          </a:p>
-        </p:txBody>
-      </p:sp>
-      <p:sp>
-        <p:nvSpPr>
-          <p:cNvPr id="174" name="Google Shape;174;p33"/>
-          <p:cNvSpPr txBox="1">
-            <a:spLocks noGrp="1"/>
-          </p:cNvSpPr>
-          <p:nvPr>
-            <p:ph type="subTitle" idx="1"/>
-          </p:nvPr>
-        </p:nvSpPr>
-        <p:spPr>
-          <a:xfrm>
-            <a:off x="3121475" y="1036899"/>
-            <a:ext cx="2498100" cy="474000"/>
-          </a:xfrm>
-          <a:prstGeom prst="rect">
-            <a:avLst/>
-          </a:prstGeom>
-        </p:spPr>
-        <p:txBody>
-          <a:bodyPr spcFirstLastPara="1" wrap="square" lIns="91425" tIns="91425" rIns="91425" bIns="91425" anchor="ctr" anchorCtr="0">
-            <a:noAutofit/>
-          </a:bodyPr>
-          <a:lstStyle/>
-          <a:p>
-            <a:pPr marL="0" lvl="0" indent="0" algn="l" rtl="0">
-              <a:spcBef>
-                <a:spcPts val="0"/>
-              </a:spcBef>
-              <a:spcAft>
-                <a:spcPts val="1600"/>
-              </a:spcAft>
-              <a:buNone/>
-            </a:pPr>
-            <a:r>
-              <a:rPr lang="es-CO" dirty="0"/>
-              <a:t>Inicio del proyecto</a:t>
-            </a:r>
-          </a:p>
-        </p:txBody>
-      </p:sp>
-      <p:sp>
-        <p:nvSpPr>
-          <p:cNvPr id="175" name="Google Shape;175;p33"/>
-          <p:cNvSpPr txBox="1">
-            <a:spLocks noGrp="1"/>
-          </p:cNvSpPr>
-          <p:nvPr>
-            <p:ph type="subTitle" idx="2"/>
-          </p:nvPr>
-        </p:nvSpPr>
-        <p:spPr>
-          <a:xfrm>
-            <a:off x="3121474" y="1282162"/>
-            <a:ext cx="3487669" cy="474000"/>
-          </a:xfrm>
-          <a:prstGeom prst="rect">
-            <a:avLst/>
-          </a:prstGeom>
-        </p:spPr>
-        <p:txBody>
-          <a:bodyPr spcFirstLastPara="1" wrap="square" lIns="91425" tIns="91425" rIns="91425" bIns="91425" anchor="t" anchorCtr="0">
-            <a:noAutofit/>
-          </a:bodyPr>
-          <a:lstStyle/>
-          <a:p>
-            <a:pPr marL="0" lvl="0" indent="0"/>
-            <a:endParaRPr lang="es-CO" dirty="0"/>
-          </a:p>
-        </p:txBody>
-      </p:sp>
-      <p:sp>
-        <p:nvSpPr>
-          <p:cNvPr id="178" name="Google Shape;178;p33"/>
-          <p:cNvSpPr txBox="1">
-            <a:spLocks noGrp="1"/>
-          </p:cNvSpPr>
-          <p:nvPr>
-            <p:ph type="subTitle" idx="5"/>
-          </p:nvPr>
-        </p:nvSpPr>
-        <p:spPr>
-          <a:xfrm>
-            <a:off x="3121475" y="3313520"/>
-            <a:ext cx="2498100" cy="474000"/>
-          </a:xfrm>
-          <a:prstGeom prst="rect">
-            <a:avLst/>
-          </a:prstGeom>
-        </p:spPr>
-        <p:txBody>
-          <a:bodyPr spcFirstLastPara="1" wrap="square" lIns="91425" tIns="91425" rIns="91425" bIns="91425" anchor="ctr" anchorCtr="0">
-            <a:noAutofit/>
-          </a:bodyPr>
-          <a:lstStyle/>
-          <a:p>
-            <a:pPr marL="0" lvl="0" indent="0" algn="l" rtl="0">
-              <a:spcBef>
-                <a:spcPts val="0"/>
-              </a:spcBef>
-              <a:spcAft>
-                <a:spcPts val="1600"/>
-              </a:spcAft>
-              <a:buNone/>
-            </a:pPr>
-            <a:r>
-              <a:rPr lang="es-CO" dirty="0"/>
-              <a:t>Seguimiento a cronograma</a:t>
-            </a:r>
-          </a:p>
-        </p:txBody>
-      </p:sp>
-      <p:sp>
-        <p:nvSpPr>
-          <p:cNvPr id="179" name="Google Shape;179;p33"/>
-          <p:cNvSpPr txBox="1">
-            <a:spLocks noGrp="1"/>
-          </p:cNvSpPr>
-          <p:nvPr>
-            <p:ph type="subTitle" idx="6"/>
-          </p:nvPr>
-        </p:nvSpPr>
-        <p:spPr>
-          <a:xfrm>
-            <a:off x="3121474" y="3632601"/>
-            <a:ext cx="2511600" cy="474000"/>
-          </a:xfrm>
-          <a:prstGeom prst="rect">
-            <a:avLst/>
-          </a:prstGeom>
-        </p:spPr>
-        <p:txBody>
-          <a:bodyPr spcFirstLastPara="1" wrap="square" lIns="91425" tIns="91425" rIns="91425" bIns="91425" anchor="t" anchorCtr="0">
-            <a:noAutofit/>
-          </a:bodyPr>
-          <a:lstStyle/>
-          <a:p>
-            <a:pPr marL="0" lvl="0" indent="0"/>
-            <a:endParaRPr lang="es-CO" dirty="0"/>
-          </a:p>
-        </p:txBody>
-      </p:sp>
-      <p:sp>
-        <p:nvSpPr>
-          <p:cNvPr id="182" name="Google Shape;182;p33"/>
-          <p:cNvSpPr txBox="1">
-            <a:spLocks noGrp="1"/>
-          </p:cNvSpPr>
-          <p:nvPr>
-            <p:ph type="title" idx="9"/>
-          </p:nvPr>
-        </p:nvSpPr>
-        <p:spPr>
-          <a:xfrm>
-            <a:off x="3121475" y="133737"/>
-            <a:ext cx="1300800" cy="1148400"/>
-          </a:xfrm>
-          <a:prstGeom prst="rect">
-            <a:avLst/>
-          </a:prstGeom>
-        </p:spPr>
-        <p:txBody>
-          <a:bodyPr spcFirstLastPara="1" wrap="square" lIns="91425" tIns="91425" rIns="91425" bIns="91425" anchor="ctr" anchorCtr="0">
-            <a:noAutofit/>
-          </a:bodyPr>
-          <a:lstStyle/>
-          <a:p>
-            <a:pPr marL="0" lvl="0" indent="0" algn="l" rtl="0">
-              <a:spcBef>
-                <a:spcPts val="0"/>
-              </a:spcBef>
-              <a:spcAft>
-                <a:spcPts val="0"/>
-              </a:spcAft>
-              <a:buNone/>
-            </a:pPr>
-            <a:r>
-              <a:rPr lang="en" dirty="0"/>
-              <a:t>01</a:t>
-            </a:r>
-            <a:endParaRPr dirty="0"/>
-          </a:p>
-        </p:txBody>
-      </p:sp>
-      <p:sp>
-        <p:nvSpPr>
-          <p:cNvPr id="183" name="Google Shape;183;p33"/>
-          <p:cNvSpPr txBox="1">
-            <a:spLocks noGrp="1"/>
-          </p:cNvSpPr>
-          <p:nvPr>
-            <p:ph type="title" idx="13"/>
-          </p:nvPr>
-        </p:nvSpPr>
-        <p:spPr>
-          <a:xfrm>
-            <a:off x="3121475" y="2320038"/>
-            <a:ext cx="1300800" cy="1148400"/>
-          </a:xfrm>
-          <a:prstGeom prst="rect">
-            <a:avLst/>
-          </a:prstGeom>
-        </p:spPr>
-        <p:txBody>
-          <a:bodyPr spcFirstLastPara="1" wrap="square" lIns="91425" tIns="91425" rIns="91425" bIns="91425" anchor="ctr" anchorCtr="0">
-            <a:noAutofit/>
-          </a:bodyPr>
-          <a:lstStyle/>
-          <a:p>
-            <a:pPr marL="0" lvl="0" indent="0" algn="l" rtl="0">
-              <a:spcBef>
-                <a:spcPts val="0"/>
-              </a:spcBef>
-              <a:spcAft>
-                <a:spcPts val="0"/>
-              </a:spcAft>
-              <a:buNone/>
-            </a:pPr>
-            <a:r>
-              <a:rPr lang="en" dirty="0"/>
-              <a:t>02</a:t>
-            </a:r>
-            <a:endParaRPr dirty="0"/>
-          </a:p>
-        </p:txBody>
-      </p:sp>
-    </p:spTree>
-  </p:cSld>
-  <p:clrMapOvr>
-    <a:masterClrMapping/>
-  </p:clrMapOvr>
-</p:sld>
-</file>
-
 <file path=ppt/slides/slide3.xml><?xml version="1.0" encoding="utf-8"?>
 <p:sld xmlns:a="http://schemas.openxmlformats.org/drawingml/2006/main" xmlns:r="http://schemas.openxmlformats.org/officeDocument/2006/relationships" xmlns:p="http://schemas.openxmlformats.org/presentationml/2006/main">
   <p:cSld>
@@ -12687,7 +15702,7 @@
           <a:p>
             <a:r>
               <a:rPr lang="es-CO" dirty="0"/>
-              <a:t>Actividades programadas siguiente semana</a:t>
+              <a:t>Actividades programadas</a:t>
             </a:r>
           </a:p>
         </p:txBody>
@@ -12731,6 +15746,18 @@
               <a:buSzPts val="1100"/>
               <a:defRPr/>
             </a:pPr>
+            <a:r>
+              <a:rPr lang="es-MX" b="1" dirty="0">
+                <a:solidFill>
+                  <a:srgbClr val="677480"/>
+                </a:solidFill>
+                <a:latin typeface="Montserrat Medium" panose="020B0604020202020204" charset="0"/>
+                <a:ea typeface="Open Sans" panose="020B0604020202020204" charset="0"/>
+                <a:cs typeface="Open Sans" panose="020B0604020202020204" charset="0"/>
+                <a:sym typeface="Lato"/>
+              </a:rPr>
+              <a:t>Réplica ETF EHT: </a:t>
+            </a:r>
             <a:r>
               <a:rPr lang="es-MX" dirty="0">
                 <a:solidFill>
@@ -12884,7 +15911,7 @@
             </a:r>
           </a:p>
           <a:p>
-            <a:pPr marL="914400" lvl="3" indent="-342900">
+            <a:pPr marL="457200" lvl="2" indent="-342900">
               <a:lnSpc>
                 <a:spcPct val="100000"/>
               </a:lnSpc>
@@ -12899,8 +15926,32 @@
               <a:buChar char="o"/>
               <a:defRPr/>
             </a:pPr>
+            <a:endParaRPr lang="en-US" dirty="0">
+              <a:solidFill>
+                <a:srgbClr val="677480"/>
+              </a:solidFill>
+              <a:latin typeface="Montserrat Medium" panose="020B0604020202020204" charset="0"/>
+              <a:ea typeface="Open Sans" panose="020B0604020202020204" charset="0"/>
+              <a:cs typeface="Open Sans" panose="020B0604020202020204" charset="0"/>
+              <a:sym typeface="Lato"/>
+            </a:endParaRPr>
+          </a:p>
+          <a:p>
+            <a:pPr marL="457200" lvl="2" indent="-342900">
+              <a:lnSpc>
+                <a:spcPct val="100000"/>
+              </a:lnSpc>
+              <a:spcBef>
+                <a:spcPts val="0"/>
+              </a:spcBef>
+              <a:buClr>
+                <a:srgbClr val="677480"/>
+              </a:buClr>
+              <a:buSzPts val="1100"/>
+              <a:defRPr/>
+            </a:pPr>
             <a:r>
-              <a:rPr lang="en-US" dirty="0" err="1">
+              <a:rPr lang="en-US" b="1" dirty="0" err="1">
                 <a:solidFill>
                   <a:srgbClr val="677480"/>
                 </a:solidFill>
@@ -12909,10 +15960,10 @@
                 <a:cs typeface="Open Sans" panose="020B0604020202020204" charset="0"/>
                 <a:sym typeface="Lato"/>
               </a:rPr>
-              <a:t>Cálculo</a:t>
+              <a:t>Backtest</a:t>
             </a:r>
             <a:r>
-              <a:rPr lang="en-US" dirty="0">
+              <a:rPr lang="en-US" b="1" dirty="0">
                 <a:solidFill>
                   <a:srgbClr val="677480"/>
                 </a:solidFill>
@@ -12924,7 +15975,7 @@
               <a:t> de </a:t>
             </a:r>
             <a:r>
-              <a:rPr lang="en-US" dirty="0" err="1">
+              <a:rPr lang="en-US" b="1" dirty="0" err="1">
                 <a:solidFill>
                   <a:srgbClr val="677480"/>
                 </a:solidFill>
@@ -12933,34 +15984,10 @@
                 <a:cs typeface="Open Sans" panose="020B0604020202020204" charset="0"/>
                 <a:sym typeface="Lato"/>
               </a:rPr>
-              <a:t>medidas</a:t>
+              <a:t>estrategias</a:t>
             </a:r>
             <a:r>
-              <a:rPr lang="en-US" dirty="0">
-                <a:solidFill>
-                  <a:srgbClr val="677480"/>
-                </a:solidFill>
-                <a:latin typeface="Montserrat Medium" panose="020B0604020202020204" charset="0"/>
-                <a:ea typeface="Open Sans" panose="020B0604020202020204" charset="0"/>
-                <a:cs typeface="Open Sans" panose="020B0604020202020204" charset="0"/>
-                <a:sym typeface="Lato"/>
-              </a:rPr>
-              <a:t> de </a:t>
-            </a:r>
-            <a:r>
-              <a:rPr lang="en-US" dirty="0" err="1">
-                <a:solidFill>
-                  <a:srgbClr val="677480"/>
-                </a:solidFill>
-                <a:latin typeface="Montserrat Medium" panose="020B0604020202020204" charset="0"/>
-                <a:ea typeface="Open Sans" panose="020B0604020202020204" charset="0"/>
-                <a:cs typeface="Open Sans" panose="020B0604020202020204" charset="0"/>
-                <a:sym typeface="Lato"/>
-              </a:rPr>
-              <a:t>riesgo</a:t>
-            </a:r>
-            <a:r>
-              <a:rPr lang="en-US" dirty="0">
+              <a:rPr lang="en-US" b="1" dirty="0">
                 <a:solidFill>
                   <a:srgbClr val="677480"/>
                 </a:solidFill>
@@ -12972,7 +15999,7 @@
               <a:t> </a:t>
             </a:r>
             <a:r>
-              <a:rPr lang="en-US" dirty="0" err="1">
+              <a:rPr lang="en-US" b="1" dirty="0" err="1">
                 <a:solidFill>
                   <a:srgbClr val="677480"/>
                 </a:solidFill>
@@ -12981,10 +16008,10 @@
                 <a:cs typeface="Open Sans" panose="020B0604020202020204" charset="0"/>
                 <a:sym typeface="Lato"/>
               </a:rPr>
-              <a:t>retorno</a:t>
+              <a:t>actuales</a:t>
             </a:r>
             <a:r>
-              <a:rPr lang="en-US" dirty="0">
+              <a:rPr lang="en-US" b="1" dirty="0">
                 <a:solidFill>
                   <a:srgbClr val="677480"/>
                 </a:solidFill>
@@ -12994,66 +16021,6 @@
                 <a:sym typeface="Lato"/>
               </a:rPr>
               <a:t> </a:t>
-            </a:r>
-            <a:r>
-              <a:rPr lang="en-US" dirty="0" err="1">
-                <a:solidFill>
-                  <a:srgbClr val="677480"/>
-                </a:solidFill>
-                <a:latin typeface="Montserrat Medium" panose="020B0604020202020204" charset="0"/>
-                <a:ea typeface="Open Sans" panose="020B0604020202020204" charset="0"/>
-                <a:cs typeface="Open Sans" panose="020B0604020202020204" charset="0"/>
-                <a:sym typeface="Lato"/>
-              </a:rPr>
-              <a:t>propuestas</a:t>
-            </a:r>
-            <a:r>
-              <a:rPr lang="en-US" dirty="0">
-                <a:solidFill>
-                  <a:srgbClr val="677480"/>
-                </a:solidFill>
-                <a:latin typeface="Montserrat Medium" panose="020B0604020202020204" charset="0"/>
-                <a:ea typeface="Open Sans" panose="020B0604020202020204" charset="0"/>
-                <a:cs typeface="Open Sans" panose="020B0604020202020204" charset="0"/>
-                <a:sym typeface="Lato"/>
-              </a:rPr>
-              <a:t>: </a:t>
-            </a:r>
-            <a:r>
-              <a:rPr lang="en-US" b="1" u="sng" dirty="0">
-                <a:solidFill>
-                  <a:srgbClr val="FF5D5D"/>
-                </a:solidFill>
-                <a:latin typeface="Montserrat Medium" panose="020B0604020202020204" charset="0"/>
-                <a:ea typeface="Open Sans" panose="020B0604020202020204" charset="0"/>
-                <a:cs typeface="Open Sans" panose="020B0604020202020204" charset="0"/>
-                <a:sym typeface="Lato"/>
-              </a:rPr>
-              <a:t>bases de </a:t>
-            </a:r>
-            <a:r>
-              <a:rPr lang="en-US" b="1" u="sng" dirty="0" err="1">
-                <a:solidFill>
-                  <a:srgbClr val="FF5D5D"/>
-                </a:solidFill>
-                <a:latin typeface="Montserrat Medium" panose="020B0604020202020204" charset="0"/>
-                <a:ea typeface="Open Sans" panose="020B0604020202020204" charset="0"/>
-                <a:cs typeface="Open Sans" panose="020B0604020202020204" charset="0"/>
-                <a:sym typeface="Lato"/>
-              </a:rPr>
-              <a:t>datos</a:t>
-            </a:r>
-            <a:r>
-              <a:rPr lang="en-US" b="1" u="sng" dirty="0">
-                <a:solidFill>
-                  <a:srgbClr val="FF5D5D"/>
-                </a:solidFill>
-                <a:latin typeface="Montserrat Medium" panose="020B0604020202020204" charset="0"/>
-                <a:ea typeface="Open Sans" panose="020B0604020202020204" charset="0"/>
-                <a:cs typeface="Open Sans" panose="020B0604020202020204" charset="0"/>
-                <a:sym typeface="Lato"/>
-              </a:rPr>
-              <a:t> de Rf y T.</a:t>
             </a:r>
           </a:p>
           <a:p>
@@ -13365,27 +16332,20 @@
           </a:bodyPr>
           <a:lstStyle/>
           <a:p>
-            <a:pPr marL="0" lvl="0" indent="0" algn="l" rtl="0">
-              <a:spcBef>
-                <a:spcPts val="0"/>
-              </a:spcBef>
-              <a:spcAft>
-                <a:spcPts val="0"/>
-              </a:spcAft>
-              <a:buNone/>
-            </a:pPr>
+            <a:pPr lvl="0"/>
             <a:r>
-              <a:rPr lang="es-CO" sz="2000" dirty="0"/>
-              <a:t>Estructura de Fase 1 - </a:t>
+              <a:rPr lang="es-MX" sz="2000" dirty="0">
+                <a:solidFill>
+                  <a:srgbClr val="677480"/>
+                </a:solidFill>
+                <a:latin typeface="Montserrat Medium" panose="020B0604020202020204" charset="0"/>
+                <a:ea typeface="Open Sans" panose="020B0604020202020204" charset="0"/>
+                <a:cs typeface="Open Sans" panose="020B0604020202020204" charset="0"/>
+                <a:sym typeface="Lato"/>
+              </a:rPr>
+              <a:t>Réplica ETF EHT</a:t>
             </a:r>
-            <a:r>
-              <a:rPr lang="es-CO" sz="2000" dirty="0" err="1"/>
-              <a:t>Backtest</a:t>
-            </a:r>
-            <a:r>
-              <a:rPr lang="es-CO" sz="2000" dirty="0"/>
-              <a:t> de estrategias actuales </a:t>
-            </a:r>
+            <a:endParaRPr lang="es-CO" sz="2000" dirty="0"/>
           </a:p>
         </p:txBody>
       </p:sp>
@@ -13464,7 +16424,7 @@
                 <a:defRPr/>
               </a:pPr>
               <a:r>
-                <a:rPr kumimoji="0" lang="es-CO" sz="2400" b="1" i="0" u="none" strike="noStrike" kern="0" cap="none" spc="0" normalizeH="0" baseline="0" noProof="0">
+                <a:rPr kumimoji="0" lang="es-CO" sz="2400" b="1" i="0" u="none" strike="noStrike" kern="0" cap="none" spc="0" normalizeH="0" baseline="0" noProof="0" dirty="0">
                   <a:ln>
                     <a:noFill/>
                   </a:ln>
@@ -17009,8 +19969,16 @@
           </a:lstStyle>
           <a:p>
             <a:r>
-              <a:rPr lang="es-CO" sz="2000"/>
-              <a:t>Estructura de Fase 1 - Backtest de estrategias actuales </a:t>
+              <a:rPr lang="es-MX" sz="2000" dirty="0">
+                <a:solidFill>
+                  <a:srgbClr val="677480"/>
+                </a:solidFill>
+                <a:latin typeface="Montserrat Medium" panose="020B0604020202020204" charset="0"/>
+                <a:ea typeface="Open Sans" panose="020B0604020202020204" charset="0"/>
+                <a:cs typeface="Open Sans" panose="020B0604020202020204" charset="0"/>
+                <a:sym typeface="Lato"/>
+              </a:rPr>
+              <a:t>Réplica ETF EHT</a:t>
             </a:r>
             <a:endParaRPr lang="es-CO" sz="2000" dirty="0"/>
           </a:p>
@@ -17073,8 +20041,39 @@
           <a:lstStyle/>
           <a:p>
             <a:r>
-              <a:rPr lang="es-CO" dirty="0"/>
-              <a:t>Estructura del código</a:t>
+              <a:rPr lang="es-MX" dirty="0">
+                <a:solidFill>
+                  <a:srgbClr val="677480"/>
+                </a:solidFill>
+                <a:latin typeface="Montserrat Medium" panose="020B0604020202020204" charset="0"/>
+                <a:ea typeface="Open Sans" panose="020B0604020202020204" charset="0"/>
+                <a:cs typeface="Open Sans" panose="020B0604020202020204" charset="0"/>
+                <a:sym typeface="Lato"/>
+              </a:rPr>
+              <a:t>Réplica ETF EHT</a:t>
+            </a:r>
+            <a:r>
+              <a:rPr lang="es-CO" dirty="0">
+                <a:solidFill>
+                  <a:srgbClr val="677480"/>
+                </a:solidFill>
+                <a:latin typeface="Montserrat Medium" panose="020B0604020202020204" charset="0"/>
+                <a:ea typeface="Open Sans" panose="020B0604020202020204" charset="0"/>
+                <a:cs typeface="Open Sans" panose="020B0604020202020204" charset="0"/>
+                <a:sym typeface="Lato"/>
+              </a:rPr>
+              <a:t>: e</a:t>
+            </a:r>
+            <a:r>
+              <a:rPr lang="es-CO" dirty="0">
+                <a:solidFill>
+                  <a:srgbClr val="677480"/>
+                </a:solidFill>
+                <a:latin typeface="Montserrat Medium" panose="020B0604020202020204" charset="0"/>
+                <a:ea typeface="Open Sans" panose="020B0604020202020204" charset="0"/>
+                <a:cs typeface="Open Sans" panose="020B0604020202020204" charset="0"/>
+              </a:rPr>
+              <a:t>structura del código</a:t>
             </a:r>
           </a:p>
         </p:txBody>
@@ -17183,9 +20182,31 @@
             <a:r>
               <a:rPr lang="es-MX" b="1" dirty="0">
                 <a:solidFill>
-                  <a:schemeClr val="tx1">
-                    <a:lumMod val="75000"/>
-                  </a:schemeClr>
+                  <a:srgbClr val="677480"/>
+                </a:solidFill>
+                <a:latin typeface="Montserrat Medium" panose="020B0604020202020204" charset="0"/>
+                <a:ea typeface="Open Sans" panose="020B0604020202020204" charset="0"/>
+                <a:cs typeface="Open Sans" panose="020B0604020202020204" charset="0"/>
+                <a:sym typeface="Lato"/>
+              </a:rPr>
+              <a:t>Réplica ETF EHT</a:t>
+            </a:r>
+            <a:r>
+              <a:rPr lang="es-CO" b="1" dirty="0">
+                <a:solidFill>
+                  <a:srgbClr val="677480"/>
+                </a:solidFill>
+                <a:latin typeface="Montserrat Medium" panose="020B0604020202020204" charset="0"/>
+                <a:ea typeface="Open Sans" panose="020B0604020202020204" charset="0"/>
+                <a:cs typeface="Open Sans" panose="020B0604020202020204" charset="0"/>
+                <a:sym typeface="Lato"/>
+              </a:rPr>
+              <a:t>: </a:t>
+            </a:r>
+            <a:r>
+              <a:rPr lang="es-MX" b="1" dirty="0">
+                <a:solidFill>
+                  <a:srgbClr val="677480"/>
                 </a:solidFill>
                 <a:latin typeface="Montserrat Medium" panose="020B0604020202020204" charset="0"/>
                 <a:ea typeface="Open Sans" panose="020B0604020202020204" charset="0"/>
@@ -21055,7 +24076,7 @@
   <p:cSld>
     <p:spTree>
       <p:nvGrpSpPr>
-        <p:cNvPr id="1" name=""/>
+        <p:cNvPr id="1" name="Shape 224"/>
         <p:cNvGrpSpPr/>
         <p:nvPr/>
       </p:nvGrpSpPr>
@@ -21069,14 +24090,8 @@
       </p:grpSpPr>
       <p:sp>
         <p:nvSpPr>
-          <p:cNvPr id="2" name="Título 1">
-            <a:extLst>
-              <a:ext uri="{FF2B5EF4-FFF2-40B4-BE49-F238E27FC236}">
-                <a16:creationId xmlns:a16="http://schemas.microsoft.com/office/drawing/2014/main" id="{E8FF31F2-31A8-44C5-879F-059B210F2E3A}"/>
-              </a:ext>
-            </a:extLst>
-          </p:cNvPr>
-          <p:cNvSpPr>
+          <p:cNvPr id="225" name="Google Shape;225;p37"/>
+          <p:cNvSpPr txBox="1">
             <a:spLocks noGrp="1"/>
           </p:cNvSpPr>
           <p:nvPr>
@@ -21085,62 +24100,22 @@
         </p:nvSpPr>
         <p:spPr>
           <a:xfrm>
-            <a:off x="319686" y="93462"/>
-            <a:ext cx="7875190" cy="809826"/>
+            <a:off x="713224" y="539500"/>
+            <a:ext cx="8224793" cy="521100"/>
           </a:xfrm>
+          <a:prstGeom prst="rect">
+            <a:avLst/>
+          </a:prstGeom>
         </p:spPr>
         <p:txBody>
-          <a:bodyPr/>
+          <a:bodyPr spcFirstLastPara="1" wrap="square" lIns="91425" tIns="91425" rIns="91425" bIns="91425" anchor="t" anchorCtr="0">
+            <a:noAutofit/>
+          </a:bodyPr>
           <a:lstStyle/>
           <a:p>
+            <a:pPr lvl="0"/>
             <a:r>
-              <a:rPr lang="es-CO" dirty="0"/>
-              <a:t>Estadísticas de riesgo / retorno solicitadas</a:t>
-            </a:r>
-          </a:p>
-        </p:txBody>
-      </p:sp>
-      <p:sp>
-        <p:nvSpPr>
-          <p:cNvPr id="4" name="Marcador de texto 3">
-            <a:extLst>
-              <a:ext uri="{FF2B5EF4-FFF2-40B4-BE49-F238E27FC236}">
-                <a16:creationId xmlns:a16="http://schemas.microsoft.com/office/drawing/2014/main" id="{55E779F4-73C4-435D-8652-207FBED77C1B}"/>
-              </a:ext>
-            </a:extLst>
-          </p:cNvPr>
-          <p:cNvSpPr>
-            <a:spLocks noGrp="1"/>
-          </p:cNvSpPr>
-          <p:nvPr>
-            <p:ph type="body" idx="4294967295"/>
-          </p:nvPr>
-        </p:nvSpPr>
-        <p:spPr>
-          <a:xfrm>
-            <a:off x="319686" y="903288"/>
-            <a:ext cx="8824314" cy="3886200"/>
-          </a:xfrm>
-        </p:spPr>
-        <p:txBody>
-          <a:bodyPr/>
-          <a:lstStyle/>
-          <a:p>
-            <a:pPr marL="457200" lvl="2" indent="-342900">
-              <a:lnSpc>
-                <a:spcPct val="100000"/>
-              </a:lnSpc>
-              <a:spcBef>
-                <a:spcPts val="0"/>
-              </a:spcBef>
-              <a:buClr>
-                <a:srgbClr val="677480"/>
-              </a:buClr>
-              <a:buSzPts val="1100"/>
-              <a:defRPr/>
-            </a:pPr>
-            <a:r>
-              <a:rPr lang="en-US" dirty="0">
+              <a:rPr lang="es-MX" sz="2000" dirty="0">
                 <a:solidFill>
                   <a:srgbClr val="677480"/>
                 </a:solidFill>
@@ -21149,10 +24124,246 @@
                 <a:cs typeface="Open Sans" panose="020B0604020202020204" charset="0"/>
                 <a:sym typeface="Lato"/>
               </a:rPr>
-              <a:t>AROR (</a:t>
+              <a:t>Réplica ETF EHT</a:t>
             </a:r>
-            <a:r>
-              <a:rPr lang="en-US" dirty="0" err="1">
+            <a:endParaRPr lang="es-CO" sz="2000" dirty="0"/>
+          </a:p>
+        </p:txBody>
+      </p:sp>
+      <p:grpSp>
+        <p:nvGrpSpPr>
+          <p:cNvPr id="9" name="Google Shape;243;p28">
+            <a:extLst>
+              <a:ext uri="{FF2B5EF4-FFF2-40B4-BE49-F238E27FC236}">
+                <a16:creationId xmlns:a16="http://schemas.microsoft.com/office/drawing/2014/main" id="{7591CD66-1198-4CB3-9926-1C23A3C38EFF}"/>
+              </a:ext>
+            </a:extLst>
+          </p:cNvPr>
+          <p:cNvGrpSpPr/>
+          <p:nvPr/>
+        </p:nvGrpSpPr>
+        <p:grpSpPr>
+          <a:xfrm>
+            <a:off x="5632317" y="1204552"/>
+            <a:ext cx="3441940" cy="3871945"/>
+            <a:chOff x="5632317" y="1189775"/>
+            <a:chExt cx="3441940" cy="5162593"/>
+          </a:xfrm>
+        </p:grpSpPr>
+        <p:sp>
+          <p:nvSpPr>
+            <p:cNvPr id="10" name="Google Shape;244;p28">
+              <a:extLst>
+                <a:ext uri="{FF2B5EF4-FFF2-40B4-BE49-F238E27FC236}">
+                  <a16:creationId xmlns:a16="http://schemas.microsoft.com/office/drawing/2014/main" id="{3CD6D843-9784-4B2F-B2B7-0391635741D2}"/>
+                </a:ext>
+              </a:extLst>
+            </p:cNvPr>
+            <p:cNvSpPr/>
+            <p:nvPr/>
+          </p:nvSpPr>
+          <p:spPr>
+            <a:xfrm>
+              <a:off x="5632317" y="1189775"/>
+              <a:ext cx="3305700" cy="669000"/>
+            </a:xfrm>
+            <a:prstGeom prst="chevron">
+              <a:avLst>
+                <a:gd name="adj" fmla="val 50000"/>
+              </a:avLst>
+            </a:prstGeom>
+            <a:solidFill>
+              <a:srgbClr val="FF5D5D"/>
+            </a:solidFill>
+            <a:ln>
+              <a:noFill/>
+            </a:ln>
+          </p:spPr>
+          <p:txBody>
+            <a:bodyPr spcFirstLastPara="1" wrap="square" lIns="91425" tIns="91425" rIns="91425" bIns="91425" anchor="ctr" anchorCtr="0">
+              <a:noAutofit/>
+            </a:bodyPr>
+            <a:lstStyle/>
+            <a:p>
+              <a:pPr marL="0" marR="0" lvl="0" indent="0" algn="ctr" defTabSz="914400" rtl="0" eaLnBrk="1" fontAlgn="auto" latinLnBrk="0" hangingPunct="1">
+                <a:lnSpc>
+                  <a:spcPct val="100000"/>
+                </a:lnSpc>
+                <a:spcBef>
+                  <a:spcPts val="0"/>
+                </a:spcBef>
+                <a:spcAft>
+                  <a:spcPts val="0"/>
+                </a:spcAft>
+                <a:buClr>
+                  <a:srgbClr val="000000"/>
+                </a:buClr>
+                <a:buSzPts val="1100"/>
+                <a:buFont typeface="Arial"/>
+                <a:buNone/>
+                <a:tabLst/>
+                <a:defRPr/>
+              </a:pPr>
+              <a:r>
+                <a:rPr kumimoji="0" lang="es-CO" sz="2400" b="1" i="0" u="none" strike="noStrike" kern="0" cap="none" spc="0" normalizeH="0" baseline="0" noProof="0" dirty="0">
+                  <a:ln>
+                    <a:noFill/>
+                  </a:ln>
+                  <a:solidFill>
+                    <a:srgbClr val="FFFFFF"/>
+                  </a:solidFill>
+                  <a:effectLst/>
+                  <a:uLnTx/>
+                  <a:uFillTx/>
+                  <a:latin typeface="Open Sans" panose="020B0604020202020204" charset="0"/>
+                  <a:ea typeface="Open Sans" panose="020B0604020202020204" charset="0"/>
+                  <a:cs typeface="Open Sans" panose="020B0604020202020204" charset="0"/>
+                  <a:sym typeface="Raleway"/>
+                </a:rPr>
+                <a:t>Producto</a:t>
+              </a:r>
+              <a:endParaRPr kumimoji="0" lang="es-CO" sz="1400" b="1" i="0" u="none" strike="noStrike" kern="0" cap="none" spc="0" normalizeH="0" baseline="0" noProof="0" dirty="0">
+                <a:ln>
+                  <a:noFill/>
+                </a:ln>
+                <a:solidFill>
+                  <a:srgbClr val="FFFFFF"/>
+                </a:solidFill>
+                <a:effectLst/>
+                <a:uLnTx/>
+                <a:uFillTx/>
+                <a:latin typeface="Open Sans" panose="020B0604020202020204" charset="0"/>
+                <a:ea typeface="Open Sans" panose="020B0604020202020204" charset="0"/>
+                <a:cs typeface="Open Sans" panose="020B0604020202020204" charset="0"/>
+                <a:sym typeface="Lato"/>
+              </a:endParaRPr>
+            </a:p>
+          </p:txBody>
+        </p:sp>
+        <p:sp>
+          <p:nvSpPr>
+            <p:cNvPr id="11" name="Google Shape;245;p28">
+              <a:extLst>
+                <a:ext uri="{FF2B5EF4-FFF2-40B4-BE49-F238E27FC236}">
+                  <a16:creationId xmlns:a16="http://schemas.microsoft.com/office/drawing/2014/main" id="{173AE459-3DED-4BF5-94AC-4D0049BD6D31}"/>
+                </a:ext>
+              </a:extLst>
+            </p:cNvPr>
+            <p:cNvSpPr txBox="1"/>
+            <p:nvPr/>
+          </p:nvSpPr>
+          <p:spPr>
+            <a:xfrm>
+              <a:off x="6167062" y="2057126"/>
+              <a:ext cx="2907195" cy="4295242"/>
+            </a:xfrm>
+            <a:prstGeom prst="rect">
+              <a:avLst/>
+            </a:prstGeom>
+            <a:noFill/>
+            <a:ln>
+              <a:noFill/>
+            </a:ln>
+          </p:spPr>
+          <p:txBody>
+            <a:bodyPr spcFirstLastPara="1" wrap="square" lIns="91425" tIns="91425" rIns="91425" bIns="91425" anchor="t" anchorCtr="0">
+              <a:noAutofit/>
+            </a:bodyPr>
+            <a:lstStyle/>
+            <a:p>
+              <a:pPr lvl="0">
+                <a:lnSpc>
+                  <a:spcPct val="115000"/>
+                </a:lnSpc>
+                <a:buClr>
+                  <a:srgbClr val="677480"/>
+                </a:buClr>
+                <a:buSzPts val="1100"/>
+                <a:defRPr/>
+              </a:pPr>
+              <a:r>
+                <a:rPr kumimoji="0" lang="es-CO" sz="1600" b="0" i="0" u="none" strike="noStrike" kern="0" cap="none" spc="0" normalizeH="0" baseline="0" noProof="0" dirty="0">
+                  <a:ln>
+                    <a:noFill/>
+                  </a:ln>
+                  <a:solidFill>
+                    <a:srgbClr val="677480"/>
+                  </a:solidFill>
+                  <a:effectLst/>
+                  <a:uLnTx/>
+                  <a:uFillTx/>
+                  <a:latin typeface="Montserrat Medium" panose="020B0604020202020204" charset="0"/>
+                  <a:ea typeface="Open Sans" panose="020B0604020202020204" charset="0"/>
+                  <a:cs typeface="Open Sans" panose="020B0604020202020204" charset="0"/>
+                  <a:sym typeface="Lato"/>
+                </a:rPr>
+                <a:t>Base de datos de las 81 estrategias con</a:t>
+              </a:r>
+              <a:r>
+                <a:rPr lang="es-CO" sz="1600" dirty="0">
+                  <a:solidFill>
+                    <a:srgbClr val="677480"/>
+                  </a:solidFill>
+                  <a:latin typeface="Montserrat Medium" panose="020B0604020202020204" charset="0"/>
+                  <a:ea typeface="Open Sans" panose="020B0604020202020204" charset="0"/>
+                  <a:cs typeface="Open Sans" panose="020B0604020202020204" charset="0"/>
+                  <a:sym typeface="Lato"/>
+                </a:rPr>
+                <a:t>:</a:t>
+              </a:r>
+            </a:p>
+            <a:p>
+              <a:pPr marL="169863" lvl="0" indent="-169863">
+                <a:lnSpc>
+                  <a:spcPct val="115000"/>
+                </a:lnSpc>
+                <a:buClr>
+                  <a:srgbClr val="677480"/>
+                </a:buClr>
+                <a:buSzPts val="1100"/>
+                <a:buFont typeface="Arial" panose="020B0604020202020204" pitchFamily="34" charset="0"/>
+                <a:buChar char="•"/>
+                <a:defRPr/>
+              </a:pPr>
+              <a:r>
+                <a:rPr lang="es-CO" sz="1600" dirty="0">
+                  <a:solidFill>
+                    <a:srgbClr val="677480"/>
+                  </a:solidFill>
+                  <a:latin typeface="Montserrat Medium" panose="020B0604020202020204" charset="0"/>
+                  <a:ea typeface="Open Sans" panose="020B0604020202020204" charset="0"/>
+                  <a:cs typeface="Open Sans" panose="020B0604020202020204" charset="0"/>
+                  <a:sym typeface="Lato"/>
+                </a:rPr>
+                <a:t>Cálculo de medidas de riesgo/retorno.</a:t>
+              </a:r>
+            </a:p>
+            <a:p>
+              <a:pPr marL="169863" indent="-169863">
+                <a:lnSpc>
+                  <a:spcPct val="115000"/>
+                </a:lnSpc>
+                <a:buClr>
+                  <a:srgbClr val="677480"/>
+                </a:buClr>
+                <a:buSzPts val="1100"/>
+                <a:buFont typeface="Arial" panose="020B0604020202020204" pitchFamily="34" charset="0"/>
+                <a:buChar char="•"/>
+                <a:defRPr/>
+              </a:pPr>
+              <a:r>
+                <a:rPr lang="es-CO" sz="1600" dirty="0">
+                  <a:solidFill>
+                    <a:srgbClr val="677480"/>
+                  </a:solidFill>
+                  <a:latin typeface="Montserrat Medium" panose="020B0604020202020204" charset="0"/>
+                  <a:ea typeface="Open Sans" panose="020B0604020202020204" charset="0"/>
+                  <a:cs typeface="Open Sans" panose="020B0604020202020204" charset="0"/>
+                  <a:sym typeface="Lato"/>
+                </a:rPr>
+                <a:t>Registro diario de los criterios aplicados a las decisiones de inversión.</a:t>
+              </a:r>
+              <a:endParaRPr lang="es-CO" sz="1200" dirty="0">
                 <a:solidFill>
                   <a:srgbClr val="677480"/>
                 </a:solidFill>
@@ -21160,983 +24371,542 @@
                 <a:ea typeface="Open Sans" panose="020B0604020202020204" charset="0"/>
                 <a:cs typeface="Open Sans" panose="020B0604020202020204" charset="0"/>
                 <a:sym typeface="Lato"/>
-              </a:rPr>
-              <a:t>Anualized</a:t>
-            </a:r>
-            <a:r>
-              <a:rPr lang="en-US" dirty="0">
+              </a:endParaRPr>
+            </a:p>
+            <a:p>
+              <a:pPr marL="169863" lvl="0" indent="-169863">
+                <a:lnSpc>
+                  <a:spcPct val="115000"/>
+                </a:lnSpc>
+                <a:buClr>
+                  <a:srgbClr val="677480"/>
+                </a:buClr>
+                <a:buSzPts val="1100"/>
+                <a:buFont typeface="Arial" panose="020B0604020202020204" pitchFamily="34" charset="0"/>
+                <a:buChar char="•"/>
+                <a:defRPr/>
+              </a:pPr>
+              <a:r>
+                <a:rPr lang="es-CO" sz="1600" dirty="0">
+                  <a:solidFill>
+                    <a:srgbClr val="677480"/>
+                  </a:solidFill>
+                  <a:latin typeface="Montserrat Medium" panose="020B0604020202020204" charset="0"/>
+                  <a:ea typeface="Open Sans" panose="020B0604020202020204" charset="0"/>
+                  <a:cs typeface="Open Sans" panose="020B0604020202020204" charset="0"/>
+                  <a:sym typeface="Lato"/>
+                </a:rPr>
+                <a:t>Identificación de mejor estrategia.</a:t>
+              </a:r>
+            </a:p>
+          </p:txBody>
+        </p:sp>
+      </p:grpSp>
+      <p:grpSp>
+        <p:nvGrpSpPr>
+          <p:cNvPr id="12" name="Google Shape;246;p28">
+            <a:extLst>
+              <a:ext uri="{FF2B5EF4-FFF2-40B4-BE49-F238E27FC236}">
+                <a16:creationId xmlns:a16="http://schemas.microsoft.com/office/drawing/2014/main" id="{AFC11CB5-769E-4490-99F0-005555118558}"/>
+              </a:ext>
+            </a:extLst>
+          </p:cNvPr>
+          <p:cNvGrpSpPr/>
+          <p:nvPr/>
+        </p:nvGrpSpPr>
+        <p:grpSpPr>
+          <a:xfrm>
+            <a:off x="0" y="1204713"/>
+            <a:ext cx="3546900" cy="3871784"/>
+            <a:chOff x="0" y="1189989"/>
+            <a:chExt cx="3546900" cy="5162379"/>
+          </a:xfrm>
+        </p:grpSpPr>
+        <p:sp>
+          <p:nvSpPr>
+            <p:cNvPr id="13" name="Google Shape;247;p28">
+              <a:extLst>
+                <a:ext uri="{FF2B5EF4-FFF2-40B4-BE49-F238E27FC236}">
+                  <a16:creationId xmlns:a16="http://schemas.microsoft.com/office/drawing/2014/main" id="{46EC70F6-6F8B-43A3-9C36-88401B4F9805}"/>
+                </a:ext>
+              </a:extLst>
+            </p:cNvPr>
+            <p:cNvSpPr/>
+            <p:nvPr/>
+          </p:nvSpPr>
+          <p:spPr>
+            <a:xfrm>
+              <a:off x="0" y="1189989"/>
+              <a:ext cx="3546900" cy="669000"/>
+            </a:xfrm>
+            <a:prstGeom prst="homePlate">
+              <a:avLst>
+                <a:gd name="adj" fmla="val 50000"/>
+              </a:avLst>
+            </a:prstGeom>
+            <a:solidFill>
+              <a:schemeClr val="tx1"/>
+            </a:solidFill>
+            <a:ln>
+              <a:noFill/>
+            </a:ln>
+          </p:spPr>
+          <p:txBody>
+            <a:bodyPr spcFirstLastPara="1" wrap="square" lIns="91425" tIns="91425" rIns="91425" bIns="91425" anchor="ctr" anchorCtr="0">
+              <a:noAutofit/>
+            </a:bodyPr>
+            <a:lstStyle/>
+            <a:p>
+              <a:pPr marL="0" marR="0" lvl="0" indent="0" algn="ctr" defTabSz="914400" rtl="0" eaLnBrk="1" fontAlgn="auto" latinLnBrk="0" hangingPunct="1">
+                <a:lnSpc>
+                  <a:spcPct val="100000"/>
+                </a:lnSpc>
+                <a:spcBef>
+                  <a:spcPts val="0"/>
+                </a:spcBef>
+                <a:spcAft>
+                  <a:spcPts val="0"/>
+                </a:spcAft>
+                <a:buClr>
+                  <a:srgbClr val="000000"/>
+                </a:buClr>
+                <a:buSzPts val="1100"/>
+                <a:buFont typeface="Arial"/>
+                <a:buNone/>
+                <a:tabLst/>
+                <a:defRPr/>
+              </a:pPr>
+              <a:r>
+                <a:rPr kumimoji="0" lang="es-CO" sz="2400" b="1" i="0" u="none" strike="noStrike" kern="0" cap="none" spc="0" normalizeH="0" baseline="0" noProof="0">
+                  <a:ln>
+                    <a:noFill/>
+                  </a:ln>
+                  <a:solidFill>
+                    <a:srgbClr val="FFFFFF"/>
+                  </a:solidFill>
+                  <a:effectLst/>
+                  <a:uLnTx/>
+                  <a:uFillTx/>
+                  <a:latin typeface="Open Sans" panose="020B0604020202020204" charset="0"/>
+                  <a:ea typeface="Open Sans" panose="020B0604020202020204" charset="0"/>
+                  <a:cs typeface="Open Sans" panose="020B0604020202020204" charset="0"/>
+                  <a:sym typeface="Raleway"/>
+                </a:rPr>
+                <a:t>Insumos</a:t>
+              </a:r>
+              <a:endParaRPr kumimoji="0" lang="es-CO" sz="2400" b="1" i="0" u="none" strike="noStrike" kern="0" cap="none" spc="0" normalizeH="0" baseline="0" noProof="0" dirty="0">
+                <a:ln>
+                  <a:noFill/>
+                </a:ln>
                 <a:solidFill>
+                  <a:srgbClr val="FFFFFF"/>
+                </a:solidFill>
+                <a:effectLst/>
+                <a:uLnTx/>
+                <a:uFillTx/>
+                <a:latin typeface="Open Sans" panose="020B0604020202020204" charset="0"/>
+                <a:ea typeface="Open Sans" panose="020B0604020202020204" charset="0"/>
+                <a:cs typeface="Open Sans" panose="020B0604020202020204" charset="0"/>
+                <a:sym typeface="Raleway"/>
+              </a:endParaRPr>
+            </a:p>
+          </p:txBody>
+        </p:sp>
+        <p:sp>
+          <p:nvSpPr>
+            <p:cNvPr id="14" name="Google Shape;248;p28">
+              <a:extLst>
+                <a:ext uri="{FF2B5EF4-FFF2-40B4-BE49-F238E27FC236}">
+                  <a16:creationId xmlns:a16="http://schemas.microsoft.com/office/drawing/2014/main" id="{55F7C32F-0E65-4EB3-9631-BFBB3BD36630}"/>
+                </a:ext>
+              </a:extLst>
+            </p:cNvPr>
+            <p:cNvSpPr txBox="1"/>
+            <p:nvPr/>
+          </p:nvSpPr>
+          <p:spPr>
+            <a:xfrm>
+              <a:off x="126125" y="2057125"/>
+              <a:ext cx="2765436" cy="4295243"/>
+            </a:xfrm>
+            <a:prstGeom prst="rect">
+              <a:avLst/>
+            </a:prstGeom>
+            <a:noFill/>
+            <a:ln>
+              <a:noFill/>
+            </a:ln>
+          </p:spPr>
+          <p:txBody>
+            <a:bodyPr spcFirstLastPara="1" wrap="square" lIns="91425" tIns="91425" rIns="91425" bIns="91425" anchor="t" anchorCtr="0">
+              <a:noAutofit/>
+            </a:bodyPr>
+            <a:lstStyle/>
+            <a:p>
+              <a:pPr>
+                <a:lnSpc>
+                  <a:spcPct val="115000"/>
+                </a:lnSpc>
+                <a:defRPr/>
+              </a:pPr>
+              <a:r>
+                <a:rPr lang="es-CO" sz="1600" dirty="0">
+                  <a:solidFill>
+                    <a:schemeClr val="bg1">
+                      <a:lumMod val="85000"/>
+                    </a:schemeClr>
+                  </a:solidFill>
+                  <a:latin typeface="Montserrat Medium" panose="020B0604020202020204" charset="0"/>
+                  <a:ea typeface="Open Sans" panose="020B0604020202020204" charset="0"/>
+                  <a:cs typeface="Open Sans" panose="020B0604020202020204" charset="0"/>
+                  <a:sym typeface="Lato"/>
+                </a:rPr>
+                <a:t>Algoritmo para cálculo de señal y serie histórica </a:t>
+              </a:r>
+              <a:r>
+                <a:rPr lang="es-CO" sz="1600" dirty="0" err="1">
+                  <a:solidFill>
+                    <a:schemeClr val="bg1">
+                      <a:lumMod val="85000"/>
+                    </a:schemeClr>
+                  </a:solidFill>
+                  <a:latin typeface="Montserrat Medium" panose="020B0604020202020204" charset="0"/>
+                  <a:ea typeface="Open Sans" panose="020B0604020202020204" charset="0"/>
+                  <a:cs typeface="Open Sans" panose="020B0604020202020204" charset="0"/>
+                  <a:sym typeface="Lato"/>
+                </a:rPr>
+                <a:t>intradiaria</a:t>
+              </a:r>
+              <a:r>
+                <a:rPr lang="es-CO" sz="1600" dirty="0">
+                  <a:solidFill>
+                    <a:schemeClr val="bg1">
+                      <a:lumMod val="85000"/>
+                    </a:schemeClr>
+                  </a:solidFill>
+                  <a:latin typeface="Montserrat Medium" panose="020B0604020202020204" charset="0"/>
+                  <a:ea typeface="Open Sans" panose="020B0604020202020204" charset="0"/>
+                  <a:cs typeface="Open Sans" panose="020B0604020202020204" charset="0"/>
+                  <a:sym typeface="Lato"/>
+                </a:rPr>
+                <a:t> de activos seleccionados </a:t>
+              </a:r>
+              <a:r>
+                <a:rPr kumimoji="0" lang="es-CO" sz="1600" i="0" u="none" strike="noStrike" kern="0" cap="none" spc="0" normalizeH="0" baseline="0" noProof="0" dirty="0">
+                  <a:ln>
+                    <a:noFill/>
+                  </a:ln>
+                  <a:solidFill>
+                    <a:schemeClr val="bg1">
+                      <a:lumMod val="85000"/>
+                    </a:schemeClr>
+                  </a:solidFill>
+                  <a:effectLst/>
+                  <a:uLnTx/>
+                  <a:uFillTx/>
+                  <a:latin typeface="Montserrat Medium" panose="020B0604020202020204" charset="0"/>
+                  <a:ea typeface="Open Sans" panose="020B0604020202020204" charset="0"/>
+                  <a:cs typeface="Open Sans" panose="020B0604020202020204" charset="0"/>
+                  <a:sym typeface="Lato"/>
+                </a:rPr>
+                <a:t>con p</a:t>
+              </a:r>
+              <a:r>
+                <a:rPr lang="es-CO" sz="1600" dirty="0" err="1">
+                  <a:solidFill>
+                    <a:schemeClr val="bg1">
+                      <a:lumMod val="85000"/>
+                    </a:schemeClr>
+                  </a:solidFill>
+                  <a:latin typeface="Montserrat Medium" panose="020B0604020202020204" charset="0"/>
+                  <a:ea typeface="Open Sans" panose="020B0604020202020204" charset="0"/>
+                  <a:cs typeface="Open Sans" panose="020B0604020202020204" charset="0"/>
+                  <a:sym typeface="Lato"/>
+                </a:rPr>
+                <a:t>rincipales</a:t>
+              </a:r>
+              <a:r>
+                <a:rPr lang="es-CO" sz="1600" dirty="0">
+                  <a:solidFill>
+                    <a:schemeClr val="bg1">
+                      <a:lumMod val="85000"/>
+                    </a:schemeClr>
+                  </a:solidFill>
+                  <a:latin typeface="Montserrat Medium" panose="020B0604020202020204" charset="0"/>
+                  <a:ea typeface="Open Sans" panose="020B0604020202020204" charset="0"/>
+                  <a:cs typeface="Open Sans" panose="020B0604020202020204" charset="0"/>
+                  <a:sym typeface="Lato"/>
+                </a:rPr>
+                <a:t> estadísticas del precio y volumen de negociación.</a:t>
+              </a:r>
+            </a:p>
+          </p:txBody>
+        </p:sp>
+      </p:grpSp>
+      <p:grpSp>
+        <p:nvGrpSpPr>
+          <p:cNvPr id="15" name="Google Shape;249;p28">
+            <a:extLst>
+              <a:ext uri="{FF2B5EF4-FFF2-40B4-BE49-F238E27FC236}">
+                <a16:creationId xmlns:a16="http://schemas.microsoft.com/office/drawing/2014/main" id="{55B23A87-263C-4B3C-B52E-E26E7BC6A018}"/>
+              </a:ext>
+            </a:extLst>
+          </p:cNvPr>
+          <p:cNvGrpSpPr/>
+          <p:nvPr/>
+        </p:nvGrpSpPr>
+        <p:grpSpPr>
+          <a:xfrm>
+            <a:off x="2944204" y="1204552"/>
+            <a:ext cx="3305700" cy="3871945"/>
+            <a:chOff x="2944204" y="1189775"/>
+            <a:chExt cx="3305700" cy="5162593"/>
+          </a:xfrm>
+        </p:grpSpPr>
+        <p:sp>
+          <p:nvSpPr>
+            <p:cNvPr id="16" name="Google Shape;250;p28">
+              <a:extLst>
+                <a:ext uri="{FF2B5EF4-FFF2-40B4-BE49-F238E27FC236}">
+                  <a16:creationId xmlns:a16="http://schemas.microsoft.com/office/drawing/2014/main" id="{60FDDF48-0D8B-4D2F-868A-44B690142E35}"/>
+                </a:ext>
+              </a:extLst>
+            </p:cNvPr>
+            <p:cNvSpPr/>
+            <p:nvPr/>
+          </p:nvSpPr>
+          <p:spPr>
+            <a:xfrm>
+              <a:off x="2944204" y="1189775"/>
+              <a:ext cx="3305700" cy="669000"/>
+            </a:xfrm>
+            <a:prstGeom prst="chevron">
+              <a:avLst>
+                <a:gd name="adj" fmla="val 50000"/>
+              </a:avLst>
+            </a:prstGeom>
+            <a:solidFill>
+              <a:schemeClr val="accent1"/>
+            </a:solidFill>
+            <a:ln>
+              <a:noFill/>
+            </a:ln>
+          </p:spPr>
+          <p:txBody>
+            <a:bodyPr spcFirstLastPara="1" wrap="square" lIns="91425" tIns="91425" rIns="91425" bIns="91425" anchor="ctr" anchorCtr="0">
+              <a:noAutofit/>
+            </a:bodyPr>
+            <a:lstStyle/>
+            <a:p>
+              <a:pPr marL="0" marR="0" lvl="0" indent="0" algn="ctr" defTabSz="914400" rtl="0" eaLnBrk="1" fontAlgn="auto" latinLnBrk="0" hangingPunct="1">
+                <a:lnSpc>
+                  <a:spcPct val="100000"/>
+                </a:lnSpc>
+                <a:spcBef>
+                  <a:spcPts val="0"/>
+                </a:spcBef>
+                <a:spcAft>
+                  <a:spcPts val="0"/>
+                </a:spcAft>
+                <a:buClr>
+                  <a:srgbClr val="000000"/>
+                </a:buClr>
+                <a:buSzPts val="1100"/>
+                <a:buFont typeface="Arial"/>
+                <a:buNone/>
+                <a:tabLst/>
+                <a:defRPr/>
+              </a:pPr>
+              <a:r>
+                <a:rPr kumimoji="0" lang="es-CO" sz="2400" b="1" i="0" u="none" strike="noStrike" kern="0" cap="none" spc="0" normalizeH="0" baseline="0" noProof="0" dirty="0">
+                  <a:ln>
+                    <a:noFill/>
+                  </a:ln>
+                  <a:solidFill>
+                    <a:srgbClr val="FFFFFF"/>
+                  </a:solidFill>
+                  <a:effectLst/>
+                  <a:uLnTx/>
+                  <a:uFillTx/>
+                  <a:latin typeface="Open Sans" panose="020B0604020202020204" charset="0"/>
+                  <a:ea typeface="Open Sans" panose="020B0604020202020204" charset="0"/>
+                  <a:cs typeface="Open Sans" panose="020B0604020202020204" charset="0"/>
+                  <a:sym typeface="Raleway"/>
+                </a:rPr>
+                <a:t>Proceso</a:t>
+              </a:r>
+              <a:endParaRPr kumimoji="0" lang="es-CO" sz="1400" b="1" i="0" u="none" strike="noStrike" kern="0" cap="none" spc="0" normalizeH="0" baseline="0" noProof="0" dirty="0">
+                <a:ln>
+                  <a:noFill/>
+                </a:ln>
+                <a:solidFill>
+                  <a:srgbClr val="FFFFFF"/>
+                </a:solidFill>
+                <a:effectLst/>
+                <a:uLnTx/>
+                <a:uFillTx/>
+                <a:latin typeface="Open Sans" panose="020B0604020202020204" charset="0"/>
+                <a:ea typeface="Open Sans" panose="020B0604020202020204" charset="0"/>
+                <a:cs typeface="Open Sans" panose="020B0604020202020204" charset="0"/>
+                <a:sym typeface="Lato"/>
+              </a:endParaRPr>
+            </a:p>
+          </p:txBody>
+        </p:sp>
+        <p:sp>
+          <p:nvSpPr>
+            <p:cNvPr id="17" name="Google Shape;251;p28">
+              <a:extLst>
+                <a:ext uri="{FF2B5EF4-FFF2-40B4-BE49-F238E27FC236}">
+                  <a16:creationId xmlns:a16="http://schemas.microsoft.com/office/drawing/2014/main" id="{428657A2-1274-4722-8130-17D8F87D478E}"/>
+                </a:ext>
+              </a:extLst>
+            </p:cNvPr>
+            <p:cNvSpPr txBox="1"/>
+            <p:nvPr/>
+          </p:nvSpPr>
+          <p:spPr>
+            <a:xfrm>
+              <a:off x="3478949" y="2057126"/>
+              <a:ext cx="2236200" cy="4295242"/>
+            </a:xfrm>
+            <a:prstGeom prst="rect">
+              <a:avLst/>
+            </a:prstGeom>
+            <a:noFill/>
+            <a:ln>
+              <a:noFill/>
+            </a:ln>
+          </p:spPr>
+          <p:txBody>
+            <a:bodyPr spcFirstLastPara="1" wrap="square" lIns="91425" tIns="91425" rIns="91425" bIns="91425" anchor="t" anchorCtr="0">
+              <a:noAutofit/>
+            </a:bodyPr>
+            <a:lstStyle/>
+            <a:p>
+              <a:pPr lvl="0">
+                <a:lnSpc>
+                  <a:spcPct val="115000"/>
+                </a:lnSpc>
+                <a:buClr>
                   <a:srgbClr val="677480"/>
+                </a:buClr>
+                <a:buSzPts val="1100"/>
+                <a:defRPr/>
+              </a:pPr>
+              <a:r>
+                <a:rPr lang="es-CO" sz="1600" dirty="0">
+                  <a:solidFill>
+                    <a:schemeClr val="bg1">
+                      <a:lumMod val="85000"/>
+                    </a:schemeClr>
+                  </a:solidFill>
+                  <a:latin typeface="Montserrat Medium" panose="020B0604020202020204" charset="0"/>
+                  <a:ea typeface="Open Sans" panose="020B0604020202020204" charset="0"/>
+                  <a:cs typeface="Open Sans" panose="020B0604020202020204" charset="0"/>
+                  <a:sym typeface="Lato"/>
+                </a:rPr>
+                <a:t>Construcción de los 81 portafolios que siguen el algoritmo de órdenes de acuerdo a la estrategia definida por </a:t>
+              </a:r>
+              <a:r>
+                <a:rPr lang="es-CO" sz="1600" dirty="0" err="1">
+                  <a:solidFill>
+                    <a:schemeClr val="bg1">
+                      <a:lumMod val="85000"/>
+                    </a:schemeClr>
+                  </a:solidFill>
+                  <a:latin typeface="Montserrat Medium" panose="020B0604020202020204" charset="0"/>
+                  <a:ea typeface="Open Sans" panose="020B0604020202020204" charset="0"/>
+                  <a:cs typeface="Open Sans" panose="020B0604020202020204" charset="0"/>
+                  <a:sym typeface="Lato"/>
+                </a:rPr>
+                <a:t>Swell</a:t>
+              </a:r>
+              <a:r>
+                <a:rPr lang="es-CO" sz="1600" dirty="0">
+                  <a:solidFill>
+                    <a:schemeClr val="bg1">
+                      <a:lumMod val="85000"/>
+                    </a:schemeClr>
+                  </a:solidFill>
+                  <a:latin typeface="Montserrat Medium" panose="020B0604020202020204" charset="0"/>
+                  <a:ea typeface="Open Sans" panose="020B0604020202020204" charset="0"/>
+                  <a:cs typeface="Open Sans" panose="020B0604020202020204" charset="0"/>
+                  <a:sym typeface="Lato"/>
+                </a:rPr>
+                <a:t>.</a:t>
+              </a:r>
+              <a:endParaRPr kumimoji="0" lang="es-CO" sz="1200" b="0" i="0" u="none" strike="noStrike" kern="0" cap="none" spc="0" normalizeH="0" baseline="0" noProof="0" dirty="0">
+                <a:ln>
+                  <a:noFill/>
+                </a:ln>
+                <a:solidFill>
+                  <a:schemeClr val="bg1">
+                    <a:lumMod val="85000"/>
+                  </a:schemeClr>
                 </a:solidFill>
+                <a:effectLst/>
+                <a:uLnTx/>
+                <a:uFillTx/>
                 <a:latin typeface="Montserrat Medium" panose="020B0604020202020204" charset="0"/>
                 <a:ea typeface="Open Sans" panose="020B0604020202020204" charset="0"/>
                 <a:cs typeface="Open Sans" panose="020B0604020202020204" charset="0"/>
                 <a:sym typeface="Lato"/>
-              </a:rPr>
-              <a:t> Rate of Return) = </a:t>
-            </a:r>
-            <a:r>
-              <a:rPr lang="en-US" dirty="0" err="1">
-                <a:solidFill>
-                  <a:srgbClr val="677480"/>
-                </a:solidFill>
-                <a:latin typeface="Montserrat Medium" panose="020B0604020202020204" charset="0"/>
-                <a:ea typeface="Open Sans" panose="020B0604020202020204" charset="0"/>
-                <a:cs typeface="Open Sans" panose="020B0604020202020204" charset="0"/>
-                <a:sym typeface="Lato"/>
-              </a:rPr>
-              <a:t>Beneficio</a:t>
-            </a:r>
-            <a:r>
-              <a:rPr lang="en-US" dirty="0">
-                <a:solidFill>
-                  <a:srgbClr val="677480"/>
-                </a:solidFill>
-                <a:latin typeface="Montserrat Medium" panose="020B0604020202020204" charset="0"/>
-                <a:ea typeface="Open Sans" panose="020B0604020202020204" charset="0"/>
-                <a:cs typeface="Open Sans" panose="020B0604020202020204" charset="0"/>
-                <a:sym typeface="Lato"/>
-              </a:rPr>
-              <a:t> </a:t>
-            </a:r>
-            <a:r>
-              <a:rPr lang="en-US" dirty="0" err="1">
-                <a:solidFill>
-                  <a:srgbClr val="677480"/>
-                </a:solidFill>
-                <a:latin typeface="Montserrat Medium" panose="020B0604020202020204" charset="0"/>
-                <a:ea typeface="Open Sans" panose="020B0604020202020204" charset="0"/>
-                <a:cs typeface="Open Sans" panose="020B0604020202020204" charset="0"/>
-                <a:sym typeface="Lato"/>
-              </a:rPr>
-              <a:t>anualizado</a:t>
-            </a:r>
-            <a:r>
-              <a:rPr lang="en-US" dirty="0">
-                <a:solidFill>
-                  <a:srgbClr val="677480"/>
-                </a:solidFill>
-                <a:latin typeface="Montserrat Medium" panose="020B0604020202020204" charset="0"/>
-                <a:ea typeface="Open Sans" panose="020B0604020202020204" charset="0"/>
-                <a:cs typeface="Open Sans" panose="020B0604020202020204" charset="0"/>
-                <a:sym typeface="Lato"/>
-              </a:rPr>
-              <a:t> = </a:t>
-            </a:r>
-            <a:r>
-              <a:rPr lang="en-US" dirty="0" err="1">
-                <a:solidFill>
-                  <a:srgbClr val="677480"/>
-                </a:solidFill>
-                <a:latin typeface="Montserrat Medium" panose="020B0604020202020204" charset="0"/>
-                <a:ea typeface="Open Sans" panose="020B0604020202020204" charset="0"/>
-                <a:cs typeface="Open Sans" panose="020B0604020202020204" charset="0"/>
-                <a:sym typeface="Lato"/>
-              </a:rPr>
-              <a:t>Utilidad</a:t>
-            </a:r>
-            <a:r>
-              <a:rPr lang="en-US" dirty="0">
-                <a:solidFill>
-                  <a:srgbClr val="677480"/>
-                </a:solidFill>
-                <a:latin typeface="Montserrat Medium" panose="020B0604020202020204" charset="0"/>
-                <a:ea typeface="Open Sans" panose="020B0604020202020204" charset="0"/>
-                <a:cs typeface="Open Sans" panose="020B0604020202020204" charset="0"/>
-                <a:sym typeface="Lato"/>
-              </a:rPr>
-              <a:t> / </a:t>
-            </a:r>
-            <a:r>
-              <a:rPr lang="en-US" dirty="0" err="1">
-                <a:solidFill>
-                  <a:srgbClr val="677480"/>
-                </a:solidFill>
-                <a:latin typeface="Montserrat Medium" panose="020B0604020202020204" charset="0"/>
-                <a:ea typeface="Open Sans" panose="020B0604020202020204" charset="0"/>
-                <a:cs typeface="Open Sans" panose="020B0604020202020204" charset="0"/>
-                <a:sym typeface="Lato"/>
-              </a:rPr>
-              <a:t>P.Inicial</a:t>
-            </a:r>
-            <a:endParaRPr lang="en-US" dirty="0">
-              <a:solidFill>
-                <a:srgbClr val="677480"/>
-              </a:solidFill>
-              <a:latin typeface="Montserrat Medium" panose="020B0604020202020204" charset="0"/>
-              <a:ea typeface="Open Sans" panose="020B0604020202020204" charset="0"/>
-              <a:cs typeface="Open Sans" panose="020B0604020202020204" charset="0"/>
-              <a:sym typeface="Lato"/>
-            </a:endParaRPr>
-          </a:p>
+              </a:endParaRPr>
+            </a:p>
+          </p:txBody>
+        </p:sp>
+      </p:grpSp>
+      <p:sp>
+        <p:nvSpPr>
+          <p:cNvPr id="18" name="Google Shape;226;p37">
+            <a:extLst>
+              <a:ext uri="{FF2B5EF4-FFF2-40B4-BE49-F238E27FC236}">
+                <a16:creationId xmlns:a16="http://schemas.microsoft.com/office/drawing/2014/main" id="{1FB0A60B-A39D-4ACB-8477-4A380815F0DB}"/>
+              </a:ext>
+            </a:extLst>
+          </p:cNvPr>
+          <p:cNvSpPr/>
+          <p:nvPr/>
+        </p:nvSpPr>
+        <p:spPr>
+          <a:xfrm>
+            <a:off x="787625" y="0"/>
+            <a:ext cx="2971500" cy="439500"/>
+          </a:xfrm>
+          <a:prstGeom prst="rect">
+            <a:avLst/>
+          </a:prstGeom>
+          <a:solidFill>
+            <a:srgbClr val="4EB8E1"/>
+          </a:solidFill>
+          <a:ln>
+            <a:noFill/>
+          </a:ln>
+        </p:spPr>
+        <p:txBody>
+          <a:bodyPr spcFirstLastPara="1" wrap="square" lIns="91425" tIns="91425" rIns="91425" bIns="91425" anchor="ctr" anchorCtr="0">
+            <a:noAutofit/>
+          </a:bodyPr>
+          <a:lstStyle/>
           <a:p>
-            <a:pPr marL="914400" lvl="3" indent="-342900">
-              <a:lnSpc>
-                <a:spcPct val="100000"/>
-              </a:lnSpc>
-              <a:spcBef>
-                <a:spcPts val="0"/>
-              </a:spcBef>
-              <a:buClr>
-                <a:srgbClr val="677480"/>
-              </a:buClr>
-              <a:buSzPts val="1100"/>
-              <a:defRPr/>
+            <a:pPr marL="0" lvl="0" indent="0" algn="l" rtl="0">
+              <a:spcBef>
+                <a:spcPts val="0"/>
+              </a:spcBef>
+              <a:spcAft>
+                <a:spcPts val="0"/>
+              </a:spcAft>
+              <a:buNone/>
             </a:pPr>
-            <a:r>
-              <a:rPr lang="en-US" dirty="0" err="1">
-                <a:solidFill>
-                  <a:srgbClr val="677480"/>
-                </a:solidFill>
-                <a:latin typeface="Montserrat Medium" panose="020B0604020202020204" charset="0"/>
-                <a:ea typeface="Open Sans" panose="020B0604020202020204" charset="0"/>
-                <a:cs typeface="Open Sans" panose="020B0604020202020204" charset="0"/>
-                <a:sym typeface="Lato"/>
-              </a:rPr>
-              <a:t>Cálculo</a:t>
-            </a:r>
-            <a:r>
-              <a:rPr lang="en-US" dirty="0">
-                <a:solidFill>
-                  <a:srgbClr val="677480"/>
-                </a:solidFill>
-                <a:latin typeface="Montserrat Medium" panose="020B0604020202020204" charset="0"/>
-                <a:ea typeface="Open Sans" panose="020B0604020202020204" charset="0"/>
-                <a:cs typeface="Open Sans" panose="020B0604020202020204" charset="0"/>
-                <a:sym typeface="Lato"/>
-              </a:rPr>
-              <a:t> </a:t>
-            </a:r>
-            <a:r>
-              <a:rPr lang="en-US" dirty="0" err="1">
-                <a:solidFill>
-                  <a:srgbClr val="677480"/>
-                </a:solidFill>
-                <a:latin typeface="Montserrat Medium" panose="020B0604020202020204" charset="0"/>
-                <a:ea typeface="Open Sans" panose="020B0604020202020204" charset="0"/>
-                <a:cs typeface="Open Sans" panose="020B0604020202020204" charset="0"/>
-                <a:sym typeface="Lato"/>
-              </a:rPr>
-              <a:t>Anual</a:t>
-            </a:r>
-            <a:r>
-              <a:rPr lang="en-US" dirty="0">
-                <a:solidFill>
-                  <a:srgbClr val="677480"/>
-                </a:solidFill>
-                <a:latin typeface="Montserrat Medium" panose="020B0604020202020204" charset="0"/>
-                <a:ea typeface="Open Sans" panose="020B0604020202020204" charset="0"/>
-                <a:cs typeface="Open Sans" panose="020B0604020202020204" charset="0"/>
-                <a:sym typeface="Lato"/>
-              </a:rPr>
-              <a:t> y </a:t>
-            </a:r>
-            <a:r>
-              <a:rPr lang="en-US" dirty="0" err="1">
-                <a:solidFill>
-                  <a:srgbClr val="677480"/>
-                </a:solidFill>
-                <a:latin typeface="Montserrat Medium" panose="020B0604020202020204" charset="0"/>
-                <a:ea typeface="Open Sans" panose="020B0604020202020204" charset="0"/>
-                <a:cs typeface="Open Sans" panose="020B0604020202020204" charset="0"/>
-                <a:sym typeface="Lato"/>
-              </a:rPr>
-              <a:t>mensual</a:t>
-            </a:r>
-            <a:endParaRPr lang="en-US" dirty="0">
-              <a:solidFill>
-                <a:srgbClr val="677480"/>
-              </a:solidFill>
-              <a:latin typeface="Montserrat Medium" panose="020B0604020202020204" charset="0"/>
-              <a:ea typeface="Open Sans" panose="020B0604020202020204" charset="0"/>
-              <a:cs typeface="Open Sans" panose="020B0604020202020204" charset="0"/>
-              <a:sym typeface="Lato"/>
-            </a:endParaRPr>
-          </a:p>
-          <a:p>
-            <a:pPr marL="114300" lvl="2" indent="0">
-              <a:lnSpc>
-                <a:spcPct val="100000"/>
-              </a:lnSpc>
-              <a:spcBef>
-                <a:spcPts val="0"/>
-              </a:spcBef>
-              <a:buClr>
-                <a:srgbClr val="677480"/>
-              </a:buClr>
-              <a:buSzPts val="1100"/>
-              <a:buNone/>
-              <a:defRPr/>
-            </a:pPr>
-            <a:endParaRPr lang="en-US" dirty="0">
-              <a:solidFill>
-                <a:srgbClr val="677480"/>
-              </a:solidFill>
-              <a:latin typeface="Montserrat Medium" panose="020B0604020202020204" charset="0"/>
-              <a:ea typeface="Open Sans" panose="020B0604020202020204" charset="0"/>
-              <a:cs typeface="Open Sans" panose="020B0604020202020204" charset="0"/>
-              <a:sym typeface="Lato"/>
-            </a:endParaRPr>
-          </a:p>
-          <a:p>
-            <a:pPr marL="457200" lvl="2" indent="-342900">
-              <a:lnSpc>
-                <a:spcPct val="100000"/>
-              </a:lnSpc>
-              <a:spcBef>
-                <a:spcPts val="0"/>
-              </a:spcBef>
-              <a:buClr>
-                <a:srgbClr val="677480"/>
-              </a:buClr>
-              <a:buSzPts val="1100"/>
-              <a:defRPr/>
-            </a:pPr>
-            <a:r>
-              <a:rPr lang="en-US" dirty="0">
-                <a:solidFill>
-                  <a:srgbClr val="677480"/>
-                </a:solidFill>
-                <a:latin typeface="Montserrat Medium" panose="020B0604020202020204" charset="0"/>
-                <a:ea typeface="Open Sans" panose="020B0604020202020204" charset="0"/>
-                <a:cs typeface="Open Sans" panose="020B0604020202020204" charset="0"/>
-                <a:sym typeface="Lato"/>
-              </a:rPr>
-              <a:t>R/R = AROR / Net </a:t>
-            </a:r>
-            <a:r>
-              <a:rPr lang="en-US" dirty="0" err="1">
-                <a:solidFill>
-                  <a:srgbClr val="677480"/>
-                </a:solidFill>
-                <a:latin typeface="Montserrat Medium" panose="020B0604020202020204" charset="0"/>
-                <a:ea typeface="Open Sans" panose="020B0604020202020204" charset="0"/>
-                <a:cs typeface="Open Sans" panose="020B0604020202020204" charset="0"/>
-                <a:sym typeface="Lato"/>
-              </a:rPr>
-              <a:t>Stdv</a:t>
-            </a:r>
-            <a:r>
-              <a:rPr lang="en-US" dirty="0">
-                <a:solidFill>
-                  <a:srgbClr val="677480"/>
-                </a:solidFill>
-                <a:latin typeface="Montserrat Medium" panose="020B0604020202020204" charset="0"/>
-                <a:ea typeface="Open Sans" panose="020B0604020202020204" charset="0"/>
-                <a:cs typeface="Open Sans" panose="020B0604020202020204" charset="0"/>
-                <a:sym typeface="Lato"/>
-              </a:rPr>
-              <a:t> = </a:t>
-            </a:r>
-            <a:r>
-              <a:rPr lang="en-US" dirty="0" err="1">
-                <a:solidFill>
-                  <a:srgbClr val="677480"/>
-                </a:solidFill>
-                <a:latin typeface="Montserrat Medium" panose="020B0604020202020204" charset="0"/>
-                <a:ea typeface="Open Sans" panose="020B0604020202020204" charset="0"/>
-                <a:cs typeface="Open Sans" panose="020B0604020202020204" charset="0"/>
-                <a:sym typeface="Lato"/>
-              </a:rPr>
-              <a:t>Tomando</a:t>
-            </a:r>
-            <a:r>
-              <a:rPr lang="en-US" dirty="0">
-                <a:solidFill>
-                  <a:srgbClr val="677480"/>
-                </a:solidFill>
-                <a:latin typeface="Montserrat Medium" panose="020B0604020202020204" charset="0"/>
-                <a:ea typeface="Open Sans" panose="020B0604020202020204" charset="0"/>
-                <a:cs typeface="Open Sans" panose="020B0604020202020204" charset="0"/>
-                <a:sym typeface="Lato"/>
-              </a:rPr>
-              <a:t> </a:t>
-            </a:r>
-            <a:r>
-              <a:rPr lang="en-US" dirty="0" err="1">
-                <a:solidFill>
-                  <a:srgbClr val="677480"/>
-                </a:solidFill>
-                <a:latin typeface="Montserrat Medium" panose="020B0604020202020204" charset="0"/>
-                <a:ea typeface="Open Sans" panose="020B0604020202020204" charset="0"/>
-                <a:cs typeface="Open Sans" panose="020B0604020202020204" charset="0"/>
-                <a:sym typeface="Lato"/>
-              </a:rPr>
-              <a:t>como</a:t>
-            </a:r>
-            <a:r>
-              <a:rPr lang="en-US" dirty="0">
-                <a:solidFill>
-                  <a:srgbClr val="677480"/>
-                </a:solidFill>
-                <a:latin typeface="Montserrat Medium" panose="020B0604020202020204" charset="0"/>
-                <a:ea typeface="Open Sans" panose="020B0604020202020204" charset="0"/>
-                <a:cs typeface="Open Sans" panose="020B0604020202020204" charset="0"/>
-                <a:sym typeface="Lato"/>
-              </a:rPr>
-              <a:t> </a:t>
-            </a:r>
-            <a:r>
-              <a:rPr lang="en-US" dirty="0" err="1">
-                <a:solidFill>
-                  <a:srgbClr val="677480"/>
-                </a:solidFill>
-                <a:latin typeface="Montserrat Medium" panose="020B0604020202020204" charset="0"/>
-                <a:ea typeface="Open Sans" panose="020B0604020202020204" charset="0"/>
-                <a:cs typeface="Open Sans" panose="020B0604020202020204" charset="0"/>
-                <a:sym typeface="Lato"/>
-              </a:rPr>
-              <a:t>referencia</a:t>
-            </a:r>
-            <a:r>
-              <a:rPr lang="en-US" dirty="0">
-                <a:solidFill>
-                  <a:srgbClr val="677480"/>
-                </a:solidFill>
-                <a:latin typeface="Montserrat Medium" panose="020B0604020202020204" charset="0"/>
-                <a:ea typeface="Open Sans" panose="020B0604020202020204" charset="0"/>
-                <a:cs typeface="Open Sans" panose="020B0604020202020204" charset="0"/>
-                <a:sym typeface="Lato"/>
-              </a:rPr>
-              <a:t> la </a:t>
-            </a:r>
-            <a:r>
-              <a:rPr lang="en-US" dirty="0" err="1">
-                <a:solidFill>
-                  <a:srgbClr val="677480"/>
-                </a:solidFill>
-                <a:latin typeface="Montserrat Medium" panose="020B0604020202020204" charset="0"/>
-                <a:ea typeface="Open Sans" panose="020B0604020202020204" charset="0"/>
-                <a:cs typeface="Open Sans" panose="020B0604020202020204" charset="0"/>
-                <a:sym typeface="Lato"/>
-              </a:rPr>
-              <a:t>desviación</a:t>
-            </a:r>
-            <a:r>
-              <a:rPr lang="en-US" dirty="0">
-                <a:solidFill>
-                  <a:srgbClr val="677480"/>
-                </a:solidFill>
-                <a:latin typeface="Montserrat Medium" panose="020B0604020202020204" charset="0"/>
-                <a:ea typeface="Open Sans" panose="020B0604020202020204" charset="0"/>
-                <a:cs typeface="Open Sans" panose="020B0604020202020204" charset="0"/>
-                <a:sym typeface="Lato"/>
-              </a:rPr>
-              <a:t> </a:t>
-            </a:r>
-            <a:r>
-              <a:rPr lang="en-US" dirty="0" err="1">
-                <a:solidFill>
-                  <a:srgbClr val="677480"/>
-                </a:solidFill>
-                <a:latin typeface="Montserrat Medium" panose="020B0604020202020204" charset="0"/>
-                <a:ea typeface="Open Sans" panose="020B0604020202020204" charset="0"/>
-                <a:cs typeface="Open Sans" panose="020B0604020202020204" charset="0"/>
-                <a:sym typeface="Lato"/>
-              </a:rPr>
-              <a:t>estándar</a:t>
-            </a:r>
-            <a:r>
-              <a:rPr lang="en-US" dirty="0">
-                <a:solidFill>
-                  <a:srgbClr val="677480"/>
-                </a:solidFill>
-                <a:latin typeface="Montserrat Medium" panose="020B0604020202020204" charset="0"/>
-                <a:ea typeface="Open Sans" panose="020B0604020202020204" charset="0"/>
-                <a:cs typeface="Open Sans" panose="020B0604020202020204" charset="0"/>
-                <a:sym typeface="Lato"/>
-              </a:rPr>
-              <a:t> de los </a:t>
-            </a:r>
-            <a:r>
-              <a:rPr lang="en-US" dirty="0" err="1">
-                <a:solidFill>
-                  <a:srgbClr val="677480"/>
-                </a:solidFill>
-                <a:latin typeface="Montserrat Medium" panose="020B0604020202020204" charset="0"/>
-                <a:ea typeface="Open Sans" panose="020B0604020202020204" charset="0"/>
-                <a:cs typeface="Open Sans" panose="020B0604020202020204" charset="0"/>
-                <a:sym typeface="Lato"/>
-              </a:rPr>
-              <a:t>retornos</a:t>
-            </a:r>
-            <a:r>
-              <a:rPr lang="en-US" dirty="0">
-                <a:solidFill>
-                  <a:srgbClr val="677480"/>
-                </a:solidFill>
-                <a:latin typeface="Montserrat Medium" panose="020B0604020202020204" charset="0"/>
-                <a:ea typeface="Open Sans" panose="020B0604020202020204" charset="0"/>
-                <a:cs typeface="Open Sans" panose="020B0604020202020204" charset="0"/>
-                <a:sym typeface="Lato"/>
-              </a:rPr>
-              <a:t> </a:t>
-            </a:r>
-            <a:r>
-              <a:rPr lang="en-US" dirty="0" err="1">
-                <a:solidFill>
-                  <a:srgbClr val="677480"/>
-                </a:solidFill>
-                <a:latin typeface="Montserrat Medium" panose="020B0604020202020204" charset="0"/>
-                <a:ea typeface="Open Sans" panose="020B0604020202020204" charset="0"/>
-                <a:cs typeface="Open Sans" panose="020B0604020202020204" charset="0"/>
-                <a:sym typeface="Lato"/>
-              </a:rPr>
-              <a:t>mensuales</a:t>
-            </a:r>
-            <a:endParaRPr lang="en-US" dirty="0">
-              <a:solidFill>
-                <a:srgbClr val="677480"/>
-              </a:solidFill>
-              <a:latin typeface="Montserrat Medium" panose="020B0604020202020204" charset="0"/>
-              <a:ea typeface="Open Sans" panose="020B0604020202020204" charset="0"/>
-              <a:cs typeface="Open Sans" panose="020B0604020202020204" charset="0"/>
-              <a:sym typeface="Lato"/>
-            </a:endParaRPr>
-          </a:p>
-          <a:p>
-            <a:pPr marL="914400" lvl="3" indent="-342900">
-              <a:lnSpc>
-                <a:spcPct val="100000"/>
-              </a:lnSpc>
-              <a:spcBef>
-                <a:spcPts val="0"/>
-              </a:spcBef>
-              <a:buClr>
-                <a:srgbClr val="677480"/>
-              </a:buClr>
-              <a:buSzPts val="1100"/>
-              <a:defRPr/>
-            </a:pPr>
-            <a:r>
-              <a:rPr lang="en-US" dirty="0" err="1">
-                <a:solidFill>
-                  <a:srgbClr val="677480"/>
-                </a:solidFill>
-                <a:latin typeface="Montserrat Medium" panose="020B0604020202020204" charset="0"/>
-                <a:ea typeface="Open Sans" panose="020B0604020202020204" charset="0"/>
-                <a:cs typeface="Open Sans" panose="020B0604020202020204" charset="0"/>
-                <a:sym typeface="Lato"/>
-              </a:rPr>
-              <a:t>Cálculo</a:t>
-            </a:r>
-            <a:r>
-              <a:rPr lang="en-US" dirty="0">
-                <a:solidFill>
-                  <a:srgbClr val="677480"/>
-                </a:solidFill>
-                <a:latin typeface="Montserrat Medium" panose="020B0604020202020204" charset="0"/>
-                <a:ea typeface="Open Sans" panose="020B0604020202020204" charset="0"/>
-                <a:cs typeface="Open Sans" panose="020B0604020202020204" charset="0"/>
-                <a:sym typeface="Lato"/>
-              </a:rPr>
-              <a:t> </a:t>
-            </a:r>
-            <a:r>
-              <a:rPr lang="en-US" dirty="0" err="1">
-                <a:solidFill>
-                  <a:srgbClr val="677480"/>
-                </a:solidFill>
-                <a:latin typeface="Montserrat Medium" panose="020B0604020202020204" charset="0"/>
-                <a:ea typeface="Open Sans" panose="020B0604020202020204" charset="0"/>
-                <a:cs typeface="Open Sans" panose="020B0604020202020204" charset="0"/>
-                <a:sym typeface="Lato"/>
-              </a:rPr>
-              <a:t>Anual</a:t>
-            </a:r>
-            <a:r>
-              <a:rPr lang="en-US" dirty="0">
-                <a:solidFill>
-                  <a:srgbClr val="677480"/>
-                </a:solidFill>
-                <a:latin typeface="Montserrat Medium" panose="020B0604020202020204" charset="0"/>
-                <a:ea typeface="Open Sans" panose="020B0604020202020204" charset="0"/>
-                <a:cs typeface="Open Sans" panose="020B0604020202020204" charset="0"/>
-                <a:sym typeface="Lato"/>
-              </a:rPr>
-              <a:t> y </a:t>
-            </a:r>
-            <a:r>
-              <a:rPr lang="en-US" dirty="0" err="1">
-                <a:solidFill>
-                  <a:srgbClr val="677480"/>
-                </a:solidFill>
-                <a:latin typeface="Montserrat Medium" panose="020B0604020202020204" charset="0"/>
-                <a:ea typeface="Open Sans" panose="020B0604020202020204" charset="0"/>
-                <a:cs typeface="Open Sans" panose="020B0604020202020204" charset="0"/>
-                <a:sym typeface="Lato"/>
-              </a:rPr>
-              <a:t>mensual</a:t>
-            </a:r>
-            <a:endParaRPr lang="en-US" dirty="0">
-              <a:solidFill>
-                <a:srgbClr val="677480"/>
-              </a:solidFill>
-              <a:latin typeface="Montserrat Medium" panose="020B0604020202020204" charset="0"/>
-              <a:ea typeface="Open Sans" panose="020B0604020202020204" charset="0"/>
-              <a:cs typeface="Open Sans" panose="020B0604020202020204" charset="0"/>
-              <a:sym typeface="Lato"/>
-            </a:endParaRPr>
-          </a:p>
-          <a:p>
-            <a:pPr marL="571500" lvl="3" indent="0">
-              <a:lnSpc>
-                <a:spcPct val="100000"/>
-              </a:lnSpc>
-              <a:spcBef>
-                <a:spcPts val="0"/>
-              </a:spcBef>
-              <a:buClr>
-                <a:srgbClr val="677480"/>
-              </a:buClr>
-              <a:buSzPts val="1100"/>
-              <a:buNone/>
-              <a:defRPr/>
-            </a:pPr>
-            <a:endParaRPr lang="en-US" dirty="0">
-              <a:solidFill>
-                <a:srgbClr val="677480"/>
-              </a:solidFill>
-              <a:latin typeface="Montserrat Medium" panose="020B0604020202020204" charset="0"/>
-              <a:ea typeface="Open Sans" panose="020B0604020202020204" charset="0"/>
-              <a:cs typeface="Open Sans" panose="020B0604020202020204" charset="0"/>
-              <a:sym typeface="Lato"/>
-            </a:endParaRPr>
-          </a:p>
-          <a:p>
-            <a:pPr marL="457200" lvl="2" indent="-342900">
-              <a:lnSpc>
-                <a:spcPct val="100000"/>
-              </a:lnSpc>
-              <a:spcBef>
-                <a:spcPts val="0"/>
-              </a:spcBef>
-              <a:buClr>
-                <a:srgbClr val="677480"/>
-              </a:buClr>
-              <a:buSzPts val="1100"/>
-              <a:defRPr/>
-            </a:pPr>
-            <a:r>
-              <a:rPr lang="en-US" dirty="0" err="1">
-                <a:solidFill>
-                  <a:srgbClr val="677480"/>
-                </a:solidFill>
-                <a:latin typeface="Montserrat Medium" panose="020B0604020202020204" charset="0"/>
-                <a:ea typeface="Open Sans" panose="020B0604020202020204" charset="0"/>
-                <a:cs typeface="Open Sans" panose="020B0604020202020204" charset="0"/>
-                <a:sym typeface="Lato"/>
-              </a:rPr>
-              <a:t>Cálculo</a:t>
-            </a:r>
-            <a:r>
-              <a:rPr lang="en-US" dirty="0">
-                <a:solidFill>
-                  <a:srgbClr val="677480"/>
-                </a:solidFill>
-                <a:latin typeface="Montserrat Medium" panose="020B0604020202020204" charset="0"/>
-                <a:ea typeface="Open Sans" panose="020B0604020202020204" charset="0"/>
-                <a:cs typeface="Open Sans" panose="020B0604020202020204" charset="0"/>
-                <a:sym typeface="Lato"/>
-              </a:rPr>
-              <a:t>: AROR / Maximo Draw Down = </a:t>
-            </a:r>
-            <a:r>
-              <a:rPr lang="en-US" dirty="0" err="1">
-                <a:solidFill>
-                  <a:srgbClr val="677480"/>
-                </a:solidFill>
-                <a:latin typeface="Montserrat Medium" panose="020B0604020202020204" charset="0"/>
-                <a:ea typeface="Open Sans" panose="020B0604020202020204" charset="0"/>
-                <a:cs typeface="Open Sans" panose="020B0604020202020204" charset="0"/>
-                <a:sym typeface="Lato"/>
-              </a:rPr>
-              <a:t>Fórmula</a:t>
-            </a:r>
-            <a:r>
-              <a:rPr lang="en-US" dirty="0">
-                <a:solidFill>
-                  <a:srgbClr val="677480"/>
-                </a:solidFill>
-                <a:latin typeface="Montserrat Medium" panose="020B0604020202020204" charset="0"/>
-                <a:ea typeface="Open Sans" panose="020B0604020202020204" charset="0"/>
-                <a:cs typeface="Open Sans" panose="020B0604020202020204" charset="0"/>
-                <a:sym typeface="Lato"/>
-              </a:rPr>
-              <a:t> del </a:t>
-            </a:r>
-            <a:r>
-              <a:rPr lang="en-US" dirty="0" err="1">
-                <a:solidFill>
-                  <a:srgbClr val="677480"/>
-                </a:solidFill>
-                <a:latin typeface="Montserrat Medium" panose="020B0604020202020204" charset="0"/>
-                <a:ea typeface="Open Sans" panose="020B0604020202020204" charset="0"/>
-                <a:cs typeface="Open Sans" panose="020B0604020202020204" charset="0"/>
-                <a:sym typeface="Lato"/>
-              </a:rPr>
-              <a:t>archivo</a:t>
-            </a:r>
-            <a:r>
-              <a:rPr lang="en-US" dirty="0">
-                <a:solidFill>
-                  <a:srgbClr val="677480"/>
-                </a:solidFill>
-                <a:latin typeface="Montserrat Medium" panose="020B0604020202020204" charset="0"/>
-                <a:ea typeface="Open Sans" panose="020B0604020202020204" charset="0"/>
-                <a:cs typeface="Open Sans" panose="020B0604020202020204" charset="0"/>
-                <a:sym typeface="Lato"/>
-              </a:rPr>
-              <a:t> </a:t>
-            </a:r>
-            <a:r>
-              <a:rPr lang="en-US" dirty="0" err="1">
-                <a:solidFill>
-                  <a:srgbClr val="677480"/>
-                </a:solidFill>
-                <a:latin typeface="Montserrat Medium" panose="020B0604020202020204" charset="0"/>
-                <a:ea typeface="Open Sans" panose="020B0604020202020204" charset="0"/>
-                <a:cs typeface="Open Sans" panose="020B0604020202020204" charset="0"/>
-                <a:sym typeface="Lato"/>
-              </a:rPr>
-              <a:t>enviado</a:t>
-            </a:r>
-            <a:r>
-              <a:rPr lang="en-US" dirty="0">
-                <a:solidFill>
-                  <a:srgbClr val="677480"/>
-                </a:solidFill>
-                <a:latin typeface="Montserrat Medium" panose="020B0604020202020204" charset="0"/>
-                <a:ea typeface="Open Sans" panose="020B0604020202020204" charset="0"/>
-                <a:cs typeface="Open Sans" panose="020B0604020202020204" charset="0"/>
-                <a:sym typeface="Lato"/>
-              </a:rPr>
-              <a:t> (ETF ECH)</a:t>
-            </a:r>
-          </a:p>
-          <a:p>
-            <a:pPr marL="914400" lvl="3" indent="-342900">
-              <a:lnSpc>
-                <a:spcPct val="100000"/>
-              </a:lnSpc>
-              <a:spcBef>
-                <a:spcPts val="0"/>
-              </a:spcBef>
-              <a:buClr>
-                <a:srgbClr val="677480"/>
-              </a:buClr>
-              <a:buSzPts val="1100"/>
-              <a:defRPr/>
-            </a:pPr>
-            <a:r>
-              <a:rPr lang="en-US" dirty="0" err="1">
-                <a:solidFill>
-                  <a:srgbClr val="677480"/>
-                </a:solidFill>
-                <a:latin typeface="Montserrat Medium" panose="020B0604020202020204" charset="0"/>
-                <a:ea typeface="Open Sans" panose="020B0604020202020204" charset="0"/>
-                <a:cs typeface="Open Sans" panose="020B0604020202020204" charset="0"/>
-                <a:sym typeface="Lato"/>
-              </a:rPr>
-              <a:t>Cálculo</a:t>
-            </a:r>
-            <a:r>
-              <a:rPr lang="en-US" dirty="0">
-                <a:solidFill>
-                  <a:srgbClr val="677480"/>
-                </a:solidFill>
-                <a:latin typeface="Montserrat Medium" panose="020B0604020202020204" charset="0"/>
-                <a:ea typeface="Open Sans" panose="020B0604020202020204" charset="0"/>
-                <a:cs typeface="Open Sans" panose="020B0604020202020204" charset="0"/>
-                <a:sym typeface="Lato"/>
-              </a:rPr>
-              <a:t> </a:t>
-            </a:r>
-            <a:r>
-              <a:rPr lang="en-US" dirty="0" err="1">
-                <a:solidFill>
-                  <a:srgbClr val="677480"/>
-                </a:solidFill>
-                <a:latin typeface="Montserrat Medium" panose="020B0604020202020204" charset="0"/>
-                <a:ea typeface="Open Sans" panose="020B0604020202020204" charset="0"/>
-                <a:cs typeface="Open Sans" panose="020B0604020202020204" charset="0"/>
-                <a:sym typeface="Lato"/>
-              </a:rPr>
-              <a:t>Anual</a:t>
-            </a:r>
-            <a:r>
-              <a:rPr lang="en-US" dirty="0">
-                <a:solidFill>
-                  <a:srgbClr val="677480"/>
-                </a:solidFill>
-                <a:latin typeface="Montserrat Medium" panose="020B0604020202020204" charset="0"/>
-                <a:ea typeface="Open Sans" panose="020B0604020202020204" charset="0"/>
-                <a:cs typeface="Open Sans" panose="020B0604020202020204" charset="0"/>
-                <a:sym typeface="Lato"/>
-              </a:rPr>
-              <a:t> y </a:t>
-            </a:r>
-            <a:r>
-              <a:rPr lang="en-US" dirty="0" err="1">
-                <a:solidFill>
-                  <a:srgbClr val="677480"/>
-                </a:solidFill>
-                <a:latin typeface="Montserrat Medium" panose="020B0604020202020204" charset="0"/>
-                <a:ea typeface="Open Sans" panose="020B0604020202020204" charset="0"/>
-                <a:cs typeface="Open Sans" panose="020B0604020202020204" charset="0"/>
-                <a:sym typeface="Lato"/>
-              </a:rPr>
-              <a:t>mensual</a:t>
-            </a:r>
-            <a:endParaRPr lang="en-US" dirty="0">
-              <a:solidFill>
-                <a:srgbClr val="677480"/>
-              </a:solidFill>
-              <a:latin typeface="Montserrat Medium" panose="020B0604020202020204" charset="0"/>
-              <a:ea typeface="Open Sans" panose="020B0604020202020204" charset="0"/>
-              <a:cs typeface="Open Sans" panose="020B0604020202020204" charset="0"/>
-              <a:sym typeface="Lato"/>
-            </a:endParaRPr>
-          </a:p>
-          <a:p>
-            <a:pPr marL="914400" lvl="3" indent="-342900">
-              <a:lnSpc>
-                <a:spcPct val="100000"/>
-              </a:lnSpc>
-              <a:spcBef>
-                <a:spcPts val="0"/>
-              </a:spcBef>
-              <a:buClr>
-                <a:srgbClr val="677480"/>
-              </a:buClr>
-              <a:buSzPts val="1100"/>
-              <a:defRPr/>
-            </a:pPr>
-            <a:endParaRPr lang="en-US" dirty="0">
-              <a:solidFill>
-                <a:srgbClr val="677480"/>
-              </a:solidFill>
-              <a:latin typeface="Montserrat Medium" panose="020B0604020202020204" charset="0"/>
-              <a:ea typeface="Open Sans" panose="020B0604020202020204" charset="0"/>
-              <a:cs typeface="Open Sans" panose="020B0604020202020204" charset="0"/>
-              <a:sym typeface="Lato"/>
-            </a:endParaRPr>
-          </a:p>
-          <a:p>
-            <a:pPr marL="457200" lvl="2" indent="-342900">
-              <a:lnSpc>
-                <a:spcPct val="100000"/>
-              </a:lnSpc>
-              <a:spcBef>
-                <a:spcPts val="0"/>
-              </a:spcBef>
-              <a:buClr>
-                <a:srgbClr val="677480"/>
-              </a:buClr>
-              <a:buSzPts val="1100"/>
-              <a:defRPr/>
-            </a:pPr>
-            <a:r>
-              <a:rPr lang="en-US" dirty="0">
-                <a:solidFill>
-                  <a:srgbClr val="677480"/>
-                </a:solidFill>
-                <a:latin typeface="Montserrat Medium" panose="020B0604020202020204" charset="0"/>
-                <a:ea typeface="Open Sans" panose="020B0604020202020204" charset="0"/>
-                <a:cs typeface="Open Sans" panose="020B0604020202020204" charset="0"/>
-                <a:sym typeface="Lato"/>
-              </a:rPr>
-              <a:t>Maximo Drawdown = </a:t>
-            </a:r>
-            <a:r>
-              <a:rPr lang="en-US" dirty="0" err="1">
-                <a:solidFill>
-                  <a:srgbClr val="677480"/>
-                </a:solidFill>
-                <a:latin typeface="Montserrat Medium" panose="020B0604020202020204" charset="0"/>
-                <a:ea typeface="Open Sans" panose="020B0604020202020204" charset="0"/>
-                <a:cs typeface="Open Sans" panose="020B0604020202020204" charset="0"/>
-                <a:sym typeface="Lato"/>
-              </a:rPr>
-              <a:t>Fórmula</a:t>
-            </a:r>
-            <a:r>
-              <a:rPr lang="en-US" dirty="0">
-                <a:solidFill>
-                  <a:srgbClr val="677480"/>
-                </a:solidFill>
-                <a:latin typeface="Montserrat Medium" panose="020B0604020202020204" charset="0"/>
-                <a:ea typeface="Open Sans" panose="020B0604020202020204" charset="0"/>
-                <a:cs typeface="Open Sans" panose="020B0604020202020204" charset="0"/>
-                <a:sym typeface="Lato"/>
-              </a:rPr>
-              <a:t> del </a:t>
-            </a:r>
-            <a:r>
-              <a:rPr lang="en-US" dirty="0" err="1">
-                <a:solidFill>
-                  <a:srgbClr val="677480"/>
-                </a:solidFill>
-                <a:latin typeface="Montserrat Medium" panose="020B0604020202020204" charset="0"/>
-                <a:ea typeface="Open Sans" panose="020B0604020202020204" charset="0"/>
-                <a:cs typeface="Open Sans" panose="020B0604020202020204" charset="0"/>
-                <a:sym typeface="Lato"/>
-              </a:rPr>
-              <a:t>archivo</a:t>
-            </a:r>
-            <a:r>
-              <a:rPr lang="en-US" dirty="0">
-                <a:solidFill>
-                  <a:srgbClr val="677480"/>
-                </a:solidFill>
-                <a:latin typeface="Montserrat Medium" panose="020B0604020202020204" charset="0"/>
-                <a:ea typeface="Open Sans" panose="020B0604020202020204" charset="0"/>
-                <a:cs typeface="Open Sans" panose="020B0604020202020204" charset="0"/>
-                <a:sym typeface="Lato"/>
-              </a:rPr>
-              <a:t> </a:t>
-            </a:r>
-            <a:r>
-              <a:rPr lang="en-US" dirty="0" err="1">
-                <a:solidFill>
-                  <a:srgbClr val="677480"/>
-                </a:solidFill>
-                <a:latin typeface="Montserrat Medium" panose="020B0604020202020204" charset="0"/>
-                <a:ea typeface="Open Sans" panose="020B0604020202020204" charset="0"/>
-                <a:cs typeface="Open Sans" panose="020B0604020202020204" charset="0"/>
-                <a:sym typeface="Lato"/>
-              </a:rPr>
-              <a:t>enviado</a:t>
-            </a:r>
-            <a:r>
-              <a:rPr lang="en-US" dirty="0">
-                <a:solidFill>
-                  <a:srgbClr val="677480"/>
-                </a:solidFill>
-                <a:latin typeface="Montserrat Medium" panose="020B0604020202020204" charset="0"/>
-                <a:ea typeface="Open Sans" panose="020B0604020202020204" charset="0"/>
-                <a:cs typeface="Open Sans" panose="020B0604020202020204" charset="0"/>
-                <a:sym typeface="Lato"/>
-              </a:rPr>
-              <a:t> ETF ECH</a:t>
-            </a:r>
-          </a:p>
-          <a:p>
-            <a:pPr marL="914400" lvl="3" indent="-342900">
-              <a:lnSpc>
-                <a:spcPct val="100000"/>
-              </a:lnSpc>
-              <a:spcBef>
-                <a:spcPts val="0"/>
-              </a:spcBef>
-              <a:buClr>
-                <a:srgbClr val="677480"/>
-              </a:buClr>
-              <a:buSzPts val="1100"/>
-              <a:defRPr/>
-            </a:pPr>
-            <a:r>
-              <a:rPr lang="en-US" dirty="0" err="1">
-                <a:solidFill>
-                  <a:srgbClr val="677480"/>
-                </a:solidFill>
-                <a:latin typeface="Montserrat Medium" panose="020B0604020202020204" charset="0"/>
-                <a:ea typeface="Open Sans" panose="020B0604020202020204" charset="0"/>
-                <a:cs typeface="Open Sans" panose="020B0604020202020204" charset="0"/>
-                <a:sym typeface="Lato"/>
-              </a:rPr>
-              <a:t>Cálculo</a:t>
-            </a:r>
-            <a:r>
-              <a:rPr lang="en-US" dirty="0">
-                <a:solidFill>
-                  <a:srgbClr val="677480"/>
-                </a:solidFill>
-                <a:latin typeface="Montserrat Medium" panose="020B0604020202020204" charset="0"/>
-                <a:ea typeface="Open Sans" panose="020B0604020202020204" charset="0"/>
-                <a:cs typeface="Open Sans" panose="020B0604020202020204" charset="0"/>
-                <a:sym typeface="Lato"/>
-              </a:rPr>
-              <a:t> </a:t>
-            </a:r>
-            <a:r>
-              <a:rPr lang="en-US" dirty="0" err="1">
-                <a:solidFill>
-                  <a:srgbClr val="677480"/>
-                </a:solidFill>
-                <a:latin typeface="Montserrat Medium" panose="020B0604020202020204" charset="0"/>
-                <a:ea typeface="Open Sans" panose="020B0604020202020204" charset="0"/>
-                <a:cs typeface="Open Sans" panose="020B0604020202020204" charset="0"/>
-                <a:sym typeface="Lato"/>
-              </a:rPr>
-              <a:t>Anual</a:t>
-            </a:r>
-            <a:r>
-              <a:rPr lang="en-US" dirty="0">
-                <a:solidFill>
-                  <a:srgbClr val="677480"/>
-                </a:solidFill>
-                <a:latin typeface="Montserrat Medium" panose="020B0604020202020204" charset="0"/>
-                <a:ea typeface="Open Sans" panose="020B0604020202020204" charset="0"/>
-                <a:cs typeface="Open Sans" panose="020B0604020202020204" charset="0"/>
-                <a:sym typeface="Lato"/>
-              </a:rPr>
-              <a:t> y </a:t>
-            </a:r>
-            <a:r>
-              <a:rPr lang="en-US" dirty="0" err="1">
-                <a:solidFill>
-                  <a:srgbClr val="677480"/>
-                </a:solidFill>
-                <a:latin typeface="Montserrat Medium" panose="020B0604020202020204" charset="0"/>
-                <a:ea typeface="Open Sans" panose="020B0604020202020204" charset="0"/>
-                <a:cs typeface="Open Sans" panose="020B0604020202020204" charset="0"/>
-                <a:sym typeface="Lato"/>
-              </a:rPr>
-              <a:t>mensual</a:t>
-            </a:r>
-            <a:endParaRPr lang="en-US" dirty="0">
-              <a:solidFill>
-                <a:srgbClr val="677480"/>
-              </a:solidFill>
-              <a:latin typeface="Montserrat Medium" panose="020B0604020202020204" charset="0"/>
-              <a:ea typeface="Open Sans" panose="020B0604020202020204" charset="0"/>
-              <a:cs typeface="Open Sans" panose="020B0604020202020204" charset="0"/>
-              <a:sym typeface="Lato"/>
-            </a:endParaRPr>
-          </a:p>
-          <a:p>
-            <a:pPr marL="457200" lvl="2" indent="-342900">
-              <a:lnSpc>
-                <a:spcPct val="100000"/>
-              </a:lnSpc>
-              <a:spcBef>
-                <a:spcPts val="0"/>
-              </a:spcBef>
-              <a:buClr>
-                <a:srgbClr val="677480"/>
-              </a:buClr>
-              <a:buSzPts val="1100"/>
-              <a:buFont typeface="+mj-lt"/>
-              <a:buAutoNum type="arabicPeriod"/>
-              <a:defRPr/>
-            </a:pPr>
-            <a:endParaRPr lang="es-MX" dirty="0">
-              <a:solidFill>
-                <a:srgbClr val="677480"/>
-              </a:solidFill>
-              <a:latin typeface="Montserrat Medium" panose="020B0604020202020204" charset="0"/>
-              <a:ea typeface="Open Sans" panose="020B0604020202020204" charset="0"/>
-              <a:cs typeface="Open Sans" panose="020B0604020202020204" charset="0"/>
-              <a:sym typeface="Lato"/>
-            </a:endParaRPr>
+            <a:endParaRPr/>
           </a:p>
         </p:txBody>
       </p:sp>
     </p:spTree>
     <p:extLst>
       <p:ext uri="{BB962C8B-B14F-4D97-AF65-F5344CB8AC3E}">
-        <p14:creationId xmlns:p14="http://schemas.microsoft.com/office/powerpoint/2010/main" val="576055950"/>
+        <p14:creationId xmlns:p14="http://schemas.microsoft.com/office/powerpoint/2010/main" val="4124150016"/>
       </p:ext>
     </p:extLst>
   </p:cSld>

--- a/Presentaciones/Swell - Optimización de estrategias - R5 (19-03-2021).pptx
+++ b/Presentaciones/Swell - Optimización de estrategias - R5 (19-03-2021).pptx
@@ -5,63 +5,62 @@
     <p:sldMasterId id="2147483676" r:id="rId1"/>
   </p:sldMasterIdLst>
   <p:notesMasterIdLst>
-    <p:notesMasterId r:id="rId29"/>
+    <p:notesMasterId r:id="rId28"/>
   </p:notesMasterIdLst>
   <p:handoutMasterIdLst>
-    <p:handoutMasterId r:id="rId30"/>
+    <p:handoutMasterId r:id="rId29"/>
   </p:handoutMasterIdLst>
   <p:sldIdLst>
     <p:sldId id="401" r:id="rId2"/>
     <p:sldId id="402" r:id="rId3"/>
-    <p:sldId id="415" r:id="rId4"/>
-    <p:sldId id="416" r:id="rId5"/>
-    <p:sldId id="419" r:id="rId6"/>
-    <p:sldId id="361" r:id="rId7"/>
-    <p:sldId id="422" r:id="rId8"/>
-    <p:sldId id="417" r:id="rId9"/>
-    <p:sldId id="437" r:id="rId10"/>
-    <p:sldId id="429" r:id="rId11"/>
-    <p:sldId id="430" r:id="rId12"/>
-    <p:sldId id="413" r:id="rId13"/>
-    <p:sldId id="435" r:id="rId14"/>
-    <p:sldId id="426" r:id="rId15"/>
-    <p:sldId id="434" r:id="rId16"/>
-    <p:sldId id="427" r:id="rId17"/>
-    <p:sldId id="433" r:id="rId18"/>
-    <p:sldId id="428" r:id="rId19"/>
-    <p:sldId id="431" r:id="rId20"/>
-    <p:sldId id="423" r:id="rId21"/>
-    <p:sldId id="432" r:id="rId22"/>
-    <p:sldId id="424" r:id="rId23"/>
-    <p:sldId id="436" r:id="rId24"/>
-    <p:sldId id="425" r:id="rId25"/>
-    <p:sldId id="400" r:id="rId26"/>
-    <p:sldId id="404" r:id="rId27"/>
-    <p:sldId id="371" r:id="rId28"/>
+    <p:sldId id="416" r:id="rId4"/>
+    <p:sldId id="419" r:id="rId5"/>
+    <p:sldId id="361" r:id="rId6"/>
+    <p:sldId id="422" r:id="rId7"/>
+    <p:sldId id="417" r:id="rId8"/>
+    <p:sldId id="437" r:id="rId9"/>
+    <p:sldId id="429" r:id="rId10"/>
+    <p:sldId id="430" r:id="rId11"/>
+    <p:sldId id="413" r:id="rId12"/>
+    <p:sldId id="435" r:id="rId13"/>
+    <p:sldId id="426" r:id="rId14"/>
+    <p:sldId id="434" r:id="rId15"/>
+    <p:sldId id="427" r:id="rId16"/>
+    <p:sldId id="433" r:id="rId17"/>
+    <p:sldId id="428" r:id="rId18"/>
+    <p:sldId id="431" r:id="rId19"/>
+    <p:sldId id="423" r:id="rId20"/>
+    <p:sldId id="432" r:id="rId21"/>
+    <p:sldId id="424" r:id="rId22"/>
+    <p:sldId id="436" r:id="rId23"/>
+    <p:sldId id="425" r:id="rId24"/>
+    <p:sldId id="400" r:id="rId25"/>
+    <p:sldId id="404" r:id="rId26"/>
+    <p:sldId id="371" r:id="rId27"/>
   </p:sldIdLst>
   <p:sldSz cx="9144000" cy="5143500" type="screen16x9"/>
   <p:notesSz cx="6858000" cy="9144000"/>
   <p:embeddedFontLst>
     <p:embeddedFont>
       <p:font typeface="Montserrat" panose="020B0604020202020204" charset="0"/>
-      <p:regular r:id="rId31"/>
-      <p:bold r:id="rId32"/>
-      <p:italic r:id="rId33"/>
-      <p:boldItalic r:id="rId34"/>
+      <p:regular r:id="rId30"/>
+      <p:bold r:id="rId31"/>
+      <p:italic r:id="rId32"/>
+      <p:boldItalic r:id="rId33"/>
     </p:embeddedFont>
     <p:embeddedFont>
       <p:font typeface="Montserrat Medium" panose="020B0604020202020204" charset="0"/>
-      <p:regular r:id="rId35"/>
-      <p:bold r:id="rId36"/>
-      <p:italic r:id="rId37"/>
-      <p:boldItalic r:id="rId38"/>
+      <p:regular r:id="rId34"/>
+      <p:bold r:id="rId35"/>
+      <p:italic r:id="rId36"/>
+      <p:boldItalic r:id="rId37"/>
     </p:embeddedFont>
     <p:embeddedFont>
       <p:font typeface="Open Sans" panose="020B0604020202020204" charset="0"/>
-      <p:regular r:id="rId39"/>
-      <p:bold r:id="rId40"/>
-      <p:italic r:id="rId41"/>
-      <p:boldItalic r:id="rId42"/>
+      <p:regular r:id="rId38"/>
+      <p:bold r:id="rId39"/>
+      <p:italic r:id="rId40"/>
+      <p:boldItalic r:id="rId41"/>
     </p:embeddedFont>
   </p:embeddedFontLst>
   <p:defaultTextStyle>
@@ -421,7 +420,7 @@
           <a:p>
             <a:fld id="{58996DD2-7C55-401B-B490-511405823B84}" type="datetimeFigureOut">
               <a:rPr lang="en-US" smtClean="0"/>
-              <a:t>3/18/2021</a:t>
+              <a:t>3/19/2021</a:t>
             </a:fld>
             <a:endParaRPr lang="en-US"/>
           </a:p>
@@ -7219,122 +7218,6 @@
           <a:chExt cx="0" cy="0"/>
         </a:xfrm>
       </p:grpSpPr>
-      <p:sp>
-        <p:nvSpPr>
-          <p:cNvPr id="2" name="Título 1">
-            <a:extLst>
-              <a:ext uri="{FF2B5EF4-FFF2-40B4-BE49-F238E27FC236}">
-                <a16:creationId xmlns:a16="http://schemas.microsoft.com/office/drawing/2014/main" id="{EC13EAE9-3A3A-4699-9106-F701E4EAB889}"/>
-              </a:ext>
-            </a:extLst>
-          </p:cNvPr>
-          <p:cNvSpPr>
-            <a:spLocks noGrp="1"/>
-          </p:cNvSpPr>
-          <p:nvPr>
-            <p:ph type="title"/>
-          </p:nvPr>
-        </p:nvSpPr>
-        <p:spPr/>
-        <p:txBody>
-          <a:bodyPr/>
-          <a:lstStyle/>
-          <a:p>
-            <a:r>
-              <a:rPr lang="es-CO" dirty="0"/>
-              <a:t>ECH</a:t>
-            </a:r>
-          </a:p>
-        </p:txBody>
-      </p:sp>
-      <p:pic>
-        <p:nvPicPr>
-          <p:cNvPr id="13" name="Imagen 12">
-            <a:extLst>
-              <a:ext uri="{FF2B5EF4-FFF2-40B4-BE49-F238E27FC236}">
-                <a16:creationId xmlns:a16="http://schemas.microsoft.com/office/drawing/2014/main" id="{115C7377-1210-4D42-8668-ED0EB1172092}"/>
-              </a:ext>
-            </a:extLst>
-          </p:cNvPr>
-          <p:cNvPicPr>
-            <a:picLocks noChangeAspect="1"/>
-          </p:cNvPicPr>
-          <p:nvPr/>
-        </p:nvPicPr>
-        <p:blipFill>
-          <a:blip r:embed="rId2"/>
-          <a:stretch>
-            <a:fillRect/>
-          </a:stretch>
-        </p:blipFill>
-        <p:spPr>
-          <a:xfrm>
-            <a:off x="0" y="1060600"/>
-            <a:ext cx="9144000" cy="3692623"/>
-          </a:xfrm>
-          <a:prstGeom prst="rect">
-            <a:avLst/>
-          </a:prstGeom>
-        </p:spPr>
-      </p:pic>
-    </p:spTree>
-    <p:extLst>
-      <p:ext uri="{BB962C8B-B14F-4D97-AF65-F5344CB8AC3E}">
-        <p14:creationId xmlns:p14="http://schemas.microsoft.com/office/powerpoint/2010/main" val="803151583"/>
-      </p:ext>
-    </p:extLst>
-  </p:cSld>
-  <p:clrMapOvr>
-    <a:masterClrMapping/>
-  </p:clrMapOvr>
-</p:sld>
-</file>
-
-<file path=ppt/slides/slide11.xml><?xml version="1.0" encoding="utf-8"?>
-<p:sld xmlns:a="http://schemas.openxmlformats.org/drawingml/2006/main" xmlns:r="http://schemas.openxmlformats.org/officeDocument/2006/relationships" xmlns:p="http://schemas.openxmlformats.org/presentationml/2006/main">
-  <p:cSld>
-    <p:spTree>
-      <p:nvGrpSpPr>
-        <p:cNvPr id="1" name=""/>
-        <p:cNvGrpSpPr/>
-        <p:nvPr/>
-      </p:nvGrpSpPr>
-      <p:grpSpPr>
-        <a:xfrm>
-          <a:off x="0" y="0"/>
-          <a:ext cx="0" cy="0"/>
-          <a:chOff x="0" y="0"/>
-          <a:chExt cx="0" cy="0"/>
-        </a:xfrm>
-      </p:grpSpPr>
-      <p:sp>
-        <p:nvSpPr>
-          <p:cNvPr id="2" name="Título 1">
-            <a:extLst>
-              <a:ext uri="{FF2B5EF4-FFF2-40B4-BE49-F238E27FC236}">
-                <a16:creationId xmlns:a16="http://schemas.microsoft.com/office/drawing/2014/main" id="{EC13EAE9-3A3A-4699-9106-F701E4EAB889}"/>
-              </a:ext>
-            </a:extLst>
-          </p:cNvPr>
-          <p:cNvSpPr>
-            <a:spLocks noGrp="1"/>
-          </p:cNvSpPr>
-          <p:nvPr>
-            <p:ph type="title"/>
-          </p:nvPr>
-        </p:nvSpPr>
-        <p:spPr/>
-        <p:txBody>
-          <a:bodyPr/>
-          <a:lstStyle/>
-          <a:p>
-            <a:r>
-              <a:rPr lang="es-CO" dirty="0"/>
-              <a:t>ECH</a:t>
-            </a:r>
-          </a:p>
-        </p:txBody>
-      </p:sp>
       <p:pic>
         <p:nvPicPr>
           <p:cNvPr id="3" name="Imagen 2">
@@ -7357,8 +7240,8 @@
         </p:blipFill>
         <p:spPr>
           <a:xfrm>
-            <a:off x="4444282" y="1445002"/>
-            <a:ext cx="4236963" cy="2487409"/>
+            <a:off x="4539977" y="1445001"/>
+            <a:ext cx="4537762" cy="2664000"/>
           </a:xfrm>
           <a:prstGeom prst="rect">
             <a:avLst/>
@@ -7387,14 +7270,301 @@
         </p:blipFill>
         <p:spPr>
           <a:xfrm>
-            <a:off x="207318" y="1445002"/>
-            <a:ext cx="4236964" cy="2487409"/>
+            <a:off x="5297" y="1445001"/>
+            <a:ext cx="4537763" cy="2664000"/>
           </a:xfrm>
           <a:prstGeom prst="rect">
             <a:avLst/>
           </a:prstGeom>
         </p:spPr>
       </p:pic>
+      <p:sp>
+        <p:nvSpPr>
+          <p:cNvPr id="7" name="Título 1">
+            <a:extLst>
+              <a:ext uri="{FF2B5EF4-FFF2-40B4-BE49-F238E27FC236}">
+                <a16:creationId xmlns:a16="http://schemas.microsoft.com/office/drawing/2014/main" id="{35C39EF5-652F-4A61-AB60-E56478C5AF0A}"/>
+              </a:ext>
+            </a:extLst>
+          </p:cNvPr>
+          <p:cNvSpPr txBox="1">
+            <a:spLocks/>
+          </p:cNvSpPr>
+          <p:nvPr/>
+        </p:nvSpPr>
+        <p:spPr>
+          <a:xfrm>
+            <a:off x="713224" y="539500"/>
+            <a:ext cx="6867789" cy="521100"/>
+          </a:xfrm>
+          <a:prstGeom prst="rect">
+            <a:avLst/>
+          </a:prstGeom>
+          <a:noFill/>
+          <a:ln>
+            <a:noFill/>
+          </a:ln>
+        </p:spPr>
+        <p:txBody>
+          <a:bodyPr spcFirstLastPara="1" wrap="square" lIns="91425" tIns="91425" rIns="91425" bIns="91425" anchor="t" anchorCtr="0">
+            <a:noAutofit/>
+          </a:bodyPr>
+          <a:lstStyle>
+            <a:defPPr marR="0" lvl="0" algn="l" rtl="0">
+              <a:lnSpc>
+                <a:spcPct val="100000"/>
+              </a:lnSpc>
+              <a:spcBef>
+                <a:spcPts val="0"/>
+              </a:spcBef>
+              <a:spcAft>
+                <a:spcPts val="0"/>
+              </a:spcAft>
+            </a:defPPr>
+            <a:lvl1pPr marR="0" lvl="0" algn="l" rtl="0">
+              <a:lnSpc>
+                <a:spcPct val="100000"/>
+              </a:lnSpc>
+              <a:spcBef>
+                <a:spcPts val="0"/>
+              </a:spcBef>
+              <a:spcAft>
+                <a:spcPts val="0"/>
+              </a:spcAft>
+              <a:buClr>
+                <a:schemeClr val="dk1"/>
+              </a:buClr>
+              <a:buSzPts val="2800"/>
+              <a:buFont typeface="Arial"/>
+              <a:buNone/>
+              <a:defRPr sz="2800" b="1" i="0" u="none" strike="noStrike" cap="none">
+                <a:solidFill>
+                  <a:schemeClr val="dk1"/>
+                </a:solidFill>
+                <a:latin typeface="Open Sans"/>
+                <a:ea typeface="Open Sans"/>
+                <a:cs typeface="Open Sans"/>
+                <a:sym typeface="Open Sans"/>
+              </a:defRPr>
+            </a:lvl1pPr>
+            <a:lvl2pPr marR="0" lvl="1" algn="l" rtl="0">
+              <a:lnSpc>
+                <a:spcPct val="100000"/>
+              </a:lnSpc>
+              <a:spcBef>
+                <a:spcPts val="0"/>
+              </a:spcBef>
+              <a:spcAft>
+                <a:spcPts val="0"/>
+              </a:spcAft>
+              <a:buClr>
+                <a:schemeClr val="dk1"/>
+              </a:buClr>
+              <a:buSzPts val="2800"/>
+              <a:buFont typeface="Arial"/>
+              <a:buNone/>
+              <a:defRPr sz="2800" b="0" i="0" u="none" strike="noStrike" cap="none">
+                <a:solidFill>
+                  <a:schemeClr val="dk1"/>
+                </a:solidFill>
+                <a:latin typeface="Arial"/>
+                <a:ea typeface="Arial"/>
+                <a:cs typeface="Arial"/>
+                <a:sym typeface="Arial"/>
+              </a:defRPr>
+            </a:lvl2pPr>
+            <a:lvl3pPr marR="0" lvl="2" algn="l" rtl="0">
+              <a:lnSpc>
+                <a:spcPct val="100000"/>
+              </a:lnSpc>
+              <a:spcBef>
+                <a:spcPts val="0"/>
+              </a:spcBef>
+              <a:spcAft>
+                <a:spcPts val="0"/>
+              </a:spcAft>
+              <a:buClr>
+                <a:schemeClr val="dk1"/>
+              </a:buClr>
+              <a:buSzPts val="2800"/>
+              <a:buFont typeface="Arial"/>
+              <a:buNone/>
+              <a:defRPr sz="2800" b="0" i="0" u="none" strike="noStrike" cap="none">
+                <a:solidFill>
+                  <a:schemeClr val="dk1"/>
+                </a:solidFill>
+                <a:latin typeface="Arial"/>
+                <a:ea typeface="Arial"/>
+                <a:cs typeface="Arial"/>
+                <a:sym typeface="Arial"/>
+              </a:defRPr>
+            </a:lvl3pPr>
+            <a:lvl4pPr marR="0" lvl="3" algn="l" rtl="0">
+              <a:lnSpc>
+                <a:spcPct val="100000"/>
+              </a:lnSpc>
+              <a:spcBef>
+                <a:spcPts val="0"/>
+              </a:spcBef>
+              <a:spcAft>
+                <a:spcPts val="0"/>
+              </a:spcAft>
+              <a:buClr>
+                <a:schemeClr val="dk1"/>
+              </a:buClr>
+              <a:buSzPts val="2800"/>
+              <a:buFont typeface="Arial"/>
+              <a:buNone/>
+              <a:defRPr sz="2800" b="0" i="0" u="none" strike="noStrike" cap="none">
+                <a:solidFill>
+                  <a:schemeClr val="dk1"/>
+                </a:solidFill>
+                <a:latin typeface="Arial"/>
+                <a:ea typeface="Arial"/>
+                <a:cs typeface="Arial"/>
+                <a:sym typeface="Arial"/>
+              </a:defRPr>
+            </a:lvl4pPr>
+            <a:lvl5pPr marR="0" lvl="4" algn="l" rtl="0">
+              <a:lnSpc>
+                <a:spcPct val="100000"/>
+              </a:lnSpc>
+              <a:spcBef>
+                <a:spcPts val="0"/>
+              </a:spcBef>
+              <a:spcAft>
+                <a:spcPts val="0"/>
+              </a:spcAft>
+              <a:buClr>
+                <a:schemeClr val="dk1"/>
+              </a:buClr>
+              <a:buSzPts val="2800"/>
+              <a:buFont typeface="Arial"/>
+              <a:buNone/>
+              <a:defRPr sz="2800" b="0" i="0" u="none" strike="noStrike" cap="none">
+                <a:solidFill>
+                  <a:schemeClr val="dk1"/>
+                </a:solidFill>
+                <a:latin typeface="Arial"/>
+                <a:ea typeface="Arial"/>
+                <a:cs typeface="Arial"/>
+                <a:sym typeface="Arial"/>
+              </a:defRPr>
+            </a:lvl5pPr>
+            <a:lvl6pPr marR="0" lvl="5" algn="l" rtl="0">
+              <a:lnSpc>
+                <a:spcPct val="100000"/>
+              </a:lnSpc>
+              <a:spcBef>
+                <a:spcPts val="0"/>
+              </a:spcBef>
+              <a:spcAft>
+                <a:spcPts val="0"/>
+              </a:spcAft>
+              <a:buClr>
+                <a:schemeClr val="dk1"/>
+              </a:buClr>
+              <a:buSzPts val="2800"/>
+              <a:buFont typeface="Arial"/>
+              <a:buNone/>
+              <a:defRPr sz="2800" b="0" i="0" u="none" strike="noStrike" cap="none">
+                <a:solidFill>
+                  <a:schemeClr val="dk1"/>
+                </a:solidFill>
+                <a:latin typeface="Arial"/>
+                <a:ea typeface="Arial"/>
+                <a:cs typeface="Arial"/>
+                <a:sym typeface="Arial"/>
+              </a:defRPr>
+            </a:lvl6pPr>
+            <a:lvl7pPr marR="0" lvl="6" algn="l" rtl="0">
+              <a:lnSpc>
+                <a:spcPct val="100000"/>
+              </a:lnSpc>
+              <a:spcBef>
+                <a:spcPts val="0"/>
+              </a:spcBef>
+              <a:spcAft>
+                <a:spcPts val="0"/>
+              </a:spcAft>
+              <a:buClr>
+                <a:schemeClr val="dk1"/>
+              </a:buClr>
+              <a:buSzPts val="2800"/>
+              <a:buFont typeface="Arial"/>
+              <a:buNone/>
+              <a:defRPr sz="2800" b="0" i="0" u="none" strike="noStrike" cap="none">
+                <a:solidFill>
+                  <a:schemeClr val="dk1"/>
+                </a:solidFill>
+                <a:latin typeface="Arial"/>
+                <a:ea typeface="Arial"/>
+                <a:cs typeface="Arial"/>
+                <a:sym typeface="Arial"/>
+              </a:defRPr>
+            </a:lvl7pPr>
+            <a:lvl8pPr marR="0" lvl="7" algn="l" rtl="0">
+              <a:lnSpc>
+                <a:spcPct val="100000"/>
+              </a:lnSpc>
+              <a:spcBef>
+                <a:spcPts val="0"/>
+              </a:spcBef>
+              <a:spcAft>
+                <a:spcPts val="0"/>
+              </a:spcAft>
+              <a:buClr>
+                <a:schemeClr val="dk1"/>
+              </a:buClr>
+              <a:buSzPts val="2800"/>
+              <a:buFont typeface="Arial"/>
+              <a:buNone/>
+              <a:defRPr sz="2800" b="0" i="0" u="none" strike="noStrike" cap="none">
+                <a:solidFill>
+                  <a:schemeClr val="dk1"/>
+                </a:solidFill>
+                <a:latin typeface="Arial"/>
+                <a:ea typeface="Arial"/>
+                <a:cs typeface="Arial"/>
+                <a:sym typeface="Arial"/>
+              </a:defRPr>
+            </a:lvl8pPr>
+            <a:lvl9pPr marR="0" lvl="8" algn="l" rtl="0">
+              <a:lnSpc>
+                <a:spcPct val="100000"/>
+              </a:lnSpc>
+              <a:spcBef>
+                <a:spcPts val="0"/>
+              </a:spcBef>
+              <a:spcAft>
+                <a:spcPts val="0"/>
+              </a:spcAft>
+              <a:buClr>
+                <a:schemeClr val="dk1"/>
+              </a:buClr>
+              <a:buSzPts val="2800"/>
+              <a:buFont typeface="Arial"/>
+              <a:buNone/>
+              <a:defRPr sz="2800" b="0" i="0" u="none" strike="noStrike" cap="none">
+                <a:solidFill>
+                  <a:schemeClr val="dk1"/>
+                </a:solidFill>
+                <a:latin typeface="Arial"/>
+                <a:ea typeface="Arial"/>
+                <a:cs typeface="Arial"/>
+                <a:sym typeface="Arial"/>
+              </a:defRPr>
+            </a:lvl9pPr>
+          </a:lstStyle>
+          <a:p>
+            <a:r>
+              <a:rPr lang="es-CO"/>
+              <a:t>ECH: la estrategia óptima es I2R8</a:t>
+            </a:r>
+            <a:endParaRPr lang="es-CO" dirty="0"/>
+          </a:p>
+        </p:txBody>
+      </p:sp>
     </p:spTree>
     <p:extLst>
       <p:ext uri="{BB962C8B-B14F-4D97-AF65-F5344CB8AC3E}">
@@ -7408,7 +7578,7 @@
 </p:sld>
 </file>
 
-<file path=ppt/slides/slide12.xml><?xml version="1.0" encoding="utf-8"?>
+<file path=ppt/slides/slide11.xml><?xml version="1.0" encoding="utf-8"?>
 <p:sld xmlns:a="http://schemas.openxmlformats.org/drawingml/2006/main" xmlns:r="http://schemas.openxmlformats.org/officeDocument/2006/relationships" xmlns:p="http://schemas.openxmlformats.org/presentationml/2006/main">
   <p:cSld>
     <p:spTree>
@@ -7451,11 +7621,23 @@
           <a:bodyPr/>
           <a:lstStyle/>
           <a:p>
+            <a:pPr marL="0" lvl="0" indent="0">
+              <a:spcAft>
+                <a:spcPts val="1600"/>
+              </a:spcAft>
+            </a:pPr>
             <a:r>
-              <a:rPr lang="es-MX" dirty="0"/>
-              <a:t>Entrega de las bases de datos</a:t>
+              <a:rPr lang="es-CO" dirty="0"/>
+              <a:t>Fase 1 - </a:t>
             </a:r>
-            <a:endParaRPr lang="es-CO" dirty="0"/>
+            <a:r>
+              <a:rPr lang="es-CO" dirty="0" err="1"/>
+              <a:t>Backtest</a:t>
+            </a:r>
+            <a:r>
+              <a:rPr lang="es-CO" dirty="0"/>
+              <a:t> de estrategias actuales</a:t>
+            </a:r>
           </a:p>
         </p:txBody>
       </p:sp>
@@ -10036,7 +10218,7 @@
 </p:sld>
 </file>
 
-<file path=ppt/slides/slide13.xml><?xml version="1.0" encoding="utf-8"?>
+<file path=ppt/slides/slide12.xml><?xml version="1.0" encoding="utf-8"?>
 <p:sld xmlns:a="http://schemas.openxmlformats.org/drawingml/2006/main" xmlns:r="http://schemas.openxmlformats.org/officeDocument/2006/relationships" xmlns:p="http://schemas.openxmlformats.org/presentationml/2006/main">
   <p:cSld>
     <p:spTree>
@@ -10129,7 +10311,7 @@
 </p:sld>
 </file>
 
-<file path=ppt/slides/slide14.xml><?xml version="1.0" encoding="utf-8"?>
+<file path=ppt/slides/slide13.xml><?xml version="1.0" encoding="utf-8"?>
 <p:sld xmlns:a="http://schemas.openxmlformats.org/drawingml/2006/main" xmlns:r="http://schemas.openxmlformats.org/officeDocument/2006/relationships" xmlns:p="http://schemas.openxmlformats.org/presentationml/2006/main">
   <p:cSld>
     <p:spTree>
@@ -10146,34 +10328,6 @@
           <a:chExt cx="0" cy="0"/>
         </a:xfrm>
       </p:grpSpPr>
-      <p:sp>
-        <p:nvSpPr>
-          <p:cNvPr id="2" name="Título 1">
-            <a:extLst>
-              <a:ext uri="{FF2B5EF4-FFF2-40B4-BE49-F238E27FC236}">
-                <a16:creationId xmlns:a16="http://schemas.microsoft.com/office/drawing/2014/main" id="{8F1457FB-5108-4CFD-B496-64BDB64D766A}"/>
-              </a:ext>
-            </a:extLst>
-          </p:cNvPr>
-          <p:cNvSpPr>
-            <a:spLocks noGrp="1"/>
-          </p:cNvSpPr>
-          <p:nvPr>
-            <p:ph type="title"/>
-          </p:nvPr>
-        </p:nvSpPr>
-        <p:spPr/>
-        <p:txBody>
-          <a:bodyPr/>
-          <a:lstStyle/>
-          <a:p>
-            <a:r>
-              <a:rPr lang="es-CO" dirty="0"/>
-              <a:t>SPXL</a:t>
-            </a:r>
-          </a:p>
-        </p:txBody>
-      </p:sp>
       <p:pic>
         <p:nvPicPr>
           <p:cNvPr id="3" name="Imagen 2">
@@ -10234,6 +10388,39 @@
           </a:prstGeom>
         </p:spPr>
       </p:pic>
+      <p:sp>
+        <p:nvSpPr>
+          <p:cNvPr id="7" name="Título 1">
+            <a:extLst>
+              <a:ext uri="{FF2B5EF4-FFF2-40B4-BE49-F238E27FC236}">
+                <a16:creationId xmlns:a16="http://schemas.microsoft.com/office/drawing/2014/main" id="{BC61FE79-202D-4292-BE15-6B0CDBEA094E}"/>
+              </a:ext>
+            </a:extLst>
+          </p:cNvPr>
+          <p:cNvSpPr>
+            <a:spLocks noGrp="1"/>
+          </p:cNvSpPr>
+          <p:nvPr>
+            <p:ph type="title"/>
+          </p:nvPr>
+        </p:nvSpPr>
+        <p:spPr>
+          <a:xfrm>
+            <a:off x="713224" y="539500"/>
+            <a:ext cx="7590803" cy="521100"/>
+          </a:xfrm>
+        </p:spPr>
+        <p:txBody>
+          <a:bodyPr/>
+          <a:lstStyle/>
+          <a:p>
+            <a:r>
+              <a:rPr lang="es-CO" dirty="0"/>
+              <a:t>SPXL: la estrategia óptima es I8R7</a:t>
+            </a:r>
+          </a:p>
+        </p:txBody>
+      </p:sp>
     </p:spTree>
     <p:extLst>
       <p:ext uri="{BB962C8B-B14F-4D97-AF65-F5344CB8AC3E}">
@@ -10247,7 +10434,7 @@
 </p:sld>
 </file>
 
-<file path=ppt/slides/slide15.xml><?xml version="1.0" encoding="utf-8"?>
+<file path=ppt/slides/slide14.xml><?xml version="1.0" encoding="utf-8"?>
 <p:sld xmlns:a="http://schemas.openxmlformats.org/drawingml/2006/main" xmlns:r="http://schemas.openxmlformats.org/officeDocument/2006/relationships" xmlns:p="http://schemas.openxmlformats.org/presentationml/2006/main">
   <p:cSld>
     <p:spTree>
@@ -10340,7 +10527,7 @@
 </p:sld>
 </file>
 
-<file path=ppt/slides/slide16.xml><?xml version="1.0" encoding="utf-8"?>
+<file path=ppt/slides/slide15.xml><?xml version="1.0" encoding="utf-8"?>
 <p:sld xmlns:a="http://schemas.openxmlformats.org/drawingml/2006/main" xmlns:r="http://schemas.openxmlformats.org/officeDocument/2006/relationships" xmlns:p="http://schemas.openxmlformats.org/presentationml/2006/main">
   <p:cSld>
     <p:spTree>
@@ -10357,34 +10544,6 @@
           <a:chExt cx="0" cy="0"/>
         </a:xfrm>
       </p:grpSpPr>
-      <p:sp>
-        <p:nvSpPr>
-          <p:cNvPr id="2" name="Título 1">
-            <a:extLst>
-              <a:ext uri="{FF2B5EF4-FFF2-40B4-BE49-F238E27FC236}">
-                <a16:creationId xmlns:a16="http://schemas.microsoft.com/office/drawing/2014/main" id="{A7814950-03C7-4ED0-B0BB-6865B6D98F0F}"/>
-              </a:ext>
-            </a:extLst>
-          </p:cNvPr>
-          <p:cNvSpPr>
-            <a:spLocks noGrp="1"/>
-          </p:cNvSpPr>
-          <p:nvPr>
-            <p:ph type="title"/>
-          </p:nvPr>
-        </p:nvSpPr>
-        <p:spPr/>
-        <p:txBody>
-          <a:bodyPr/>
-          <a:lstStyle/>
-          <a:p>
-            <a:r>
-              <a:rPr lang="es-CO" dirty="0"/>
-              <a:t>TNA</a:t>
-            </a:r>
-          </a:p>
-        </p:txBody>
-      </p:sp>
       <p:pic>
         <p:nvPicPr>
           <p:cNvPr id="3" name="Imagen 2">
@@ -10407,7 +10566,7 @@
         </p:blipFill>
         <p:spPr>
           <a:xfrm>
-            <a:off x="47955" y="1060600"/>
+            <a:off x="34239" y="1517800"/>
             <a:ext cx="4537761" cy="2664000"/>
           </a:xfrm>
           <a:prstGeom prst="rect">
@@ -10437,7 +10596,7 @@
         </p:blipFill>
         <p:spPr>
           <a:xfrm>
-            <a:off x="4566795" y="1067577"/>
+            <a:off x="4553079" y="1524777"/>
             <a:ext cx="4537761" cy="2664000"/>
           </a:xfrm>
           <a:prstGeom prst="rect">
@@ -10445,6 +10604,39 @@
           </a:prstGeom>
         </p:spPr>
       </p:pic>
+      <p:sp>
+        <p:nvSpPr>
+          <p:cNvPr id="7" name="Título 1">
+            <a:extLst>
+              <a:ext uri="{FF2B5EF4-FFF2-40B4-BE49-F238E27FC236}">
+                <a16:creationId xmlns:a16="http://schemas.microsoft.com/office/drawing/2014/main" id="{A649A574-4E07-4B80-B0AC-CCD70EB8053B}"/>
+              </a:ext>
+            </a:extLst>
+          </p:cNvPr>
+          <p:cNvSpPr>
+            <a:spLocks noGrp="1"/>
+          </p:cNvSpPr>
+          <p:nvPr>
+            <p:ph type="title"/>
+          </p:nvPr>
+        </p:nvSpPr>
+        <p:spPr>
+          <a:xfrm>
+            <a:off x="713224" y="539500"/>
+            <a:ext cx="7590803" cy="521100"/>
+          </a:xfrm>
+        </p:spPr>
+        <p:txBody>
+          <a:bodyPr/>
+          <a:lstStyle/>
+          <a:p>
+            <a:r>
+              <a:rPr lang="es-CO" dirty="0"/>
+              <a:t>TNA: la estrategia óptima es I5R9</a:t>
+            </a:r>
+          </a:p>
+        </p:txBody>
+      </p:sp>
     </p:spTree>
     <p:extLst>
       <p:ext uri="{BB962C8B-B14F-4D97-AF65-F5344CB8AC3E}">
@@ -10458,7 +10650,7 @@
 </p:sld>
 </file>
 
-<file path=ppt/slides/slide17.xml><?xml version="1.0" encoding="utf-8"?>
+<file path=ppt/slides/slide16.xml><?xml version="1.0" encoding="utf-8"?>
 <p:sld xmlns:a="http://schemas.openxmlformats.org/drawingml/2006/main" xmlns:r="http://schemas.openxmlformats.org/officeDocument/2006/relationships" xmlns:p="http://schemas.openxmlformats.org/presentationml/2006/main">
   <p:cSld>
     <p:spTree>
@@ -10530,7 +10722,7 @@
         </p:blipFill>
         <p:spPr>
           <a:xfrm>
-            <a:off x="0" y="1045212"/>
+            <a:off x="0" y="1215028"/>
             <a:ext cx="9144000" cy="3053076"/>
           </a:xfrm>
           <a:prstGeom prst="rect">
@@ -10551,7 +10743,7 @@
 </p:sld>
 </file>
 
-<file path=ppt/slides/slide18.xml><?xml version="1.0" encoding="utf-8"?>
+<file path=ppt/slides/slide17.xml><?xml version="1.0" encoding="utf-8"?>
 <p:sld xmlns:a="http://schemas.openxmlformats.org/drawingml/2006/main" xmlns:r="http://schemas.openxmlformats.org/officeDocument/2006/relationships" xmlns:p="http://schemas.openxmlformats.org/presentationml/2006/main">
   <p:cSld>
     <p:spTree>
@@ -10568,34 +10760,6 @@
           <a:chExt cx="0" cy="0"/>
         </a:xfrm>
       </p:grpSpPr>
-      <p:sp>
-        <p:nvSpPr>
-          <p:cNvPr id="2" name="Título 1">
-            <a:extLst>
-              <a:ext uri="{FF2B5EF4-FFF2-40B4-BE49-F238E27FC236}">
-                <a16:creationId xmlns:a16="http://schemas.microsoft.com/office/drawing/2014/main" id="{435C93C0-C27B-4AF0-B0F3-E0A3A1B234DC}"/>
-              </a:ext>
-            </a:extLst>
-          </p:cNvPr>
-          <p:cNvSpPr>
-            <a:spLocks noGrp="1"/>
-          </p:cNvSpPr>
-          <p:nvPr>
-            <p:ph type="title"/>
-          </p:nvPr>
-        </p:nvSpPr>
-        <p:spPr/>
-        <p:txBody>
-          <a:bodyPr/>
-          <a:lstStyle/>
-          <a:p>
-            <a:r>
-              <a:rPr lang="es-CO" dirty="0"/>
-              <a:t>TQQQ</a:t>
-            </a:r>
-          </a:p>
-        </p:txBody>
-      </p:sp>
       <p:pic>
         <p:nvPicPr>
           <p:cNvPr id="3" name="Imagen 2">
@@ -10618,7 +10782,7 @@
         </p:blipFill>
         <p:spPr>
           <a:xfrm>
-            <a:off x="37313" y="1014413"/>
+            <a:off x="37313" y="1236467"/>
             <a:ext cx="4534687" cy="2662195"/>
           </a:xfrm>
           <a:prstGeom prst="rect">
@@ -10648,7 +10812,7 @@
         </p:blipFill>
         <p:spPr>
           <a:xfrm>
-            <a:off x="4567552" y="1060601"/>
+            <a:off x="4567552" y="1282655"/>
             <a:ext cx="4537762" cy="2664000"/>
           </a:xfrm>
           <a:prstGeom prst="rect">
@@ -10656,6 +10820,39 @@
           </a:prstGeom>
         </p:spPr>
       </p:pic>
+      <p:sp>
+        <p:nvSpPr>
+          <p:cNvPr id="7" name="Título 1">
+            <a:extLst>
+              <a:ext uri="{FF2B5EF4-FFF2-40B4-BE49-F238E27FC236}">
+                <a16:creationId xmlns:a16="http://schemas.microsoft.com/office/drawing/2014/main" id="{54FD2DEC-EEDC-46EF-B589-000D2BDA7E88}"/>
+              </a:ext>
+            </a:extLst>
+          </p:cNvPr>
+          <p:cNvSpPr>
+            <a:spLocks noGrp="1"/>
+          </p:cNvSpPr>
+          <p:nvPr>
+            <p:ph type="title"/>
+          </p:nvPr>
+        </p:nvSpPr>
+        <p:spPr>
+          <a:xfrm>
+            <a:off x="713224" y="539500"/>
+            <a:ext cx="7590803" cy="521100"/>
+          </a:xfrm>
+        </p:spPr>
+        <p:txBody>
+          <a:bodyPr/>
+          <a:lstStyle/>
+          <a:p>
+            <a:r>
+              <a:rPr lang="es-CO" dirty="0"/>
+              <a:t>TQQQ: la estrategia óptima es I1R5</a:t>
+            </a:r>
+          </a:p>
+        </p:txBody>
+      </p:sp>
     </p:spTree>
     <p:extLst>
       <p:ext uri="{BB962C8B-B14F-4D97-AF65-F5344CB8AC3E}">
@@ -10669,7 +10866,7 @@
 </p:sld>
 </file>
 
-<file path=ppt/slides/slide19.xml><?xml version="1.0" encoding="utf-8"?>
+<file path=ppt/slides/slide18.xml><?xml version="1.0" encoding="utf-8"?>
 <p:sld xmlns:a="http://schemas.openxmlformats.org/drawingml/2006/main" xmlns:r="http://schemas.openxmlformats.org/officeDocument/2006/relationships" xmlns:p="http://schemas.openxmlformats.org/presentationml/2006/main">
   <p:cSld>
     <p:spTree>
@@ -10762,6 +10959,383 @@
 </p:sld>
 </file>
 
+<file path=ppt/slides/slide19.xml><?xml version="1.0" encoding="utf-8"?>
+<p:sld xmlns:a="http://schemas.openxmlformats.org/drawingml/2006/main" xmlns:r="http://schemas.openxmlformats.org/officeDocument/2006/relationships" xmlns:p="http://schemas.openxmlformats.org/presentationml/2006/main">
+  <p:cSld>
+    <p:spTree>
+      <p:nvGrpSpPr>
+        <p:cNvPr id="1" name=""/>
+        <p:cNvGrpSpPr/>
+        <p:nvPr/>
+      </p:nvGrpSpPr>
+      <p:grpSpPr>
+        <a:xfrm>
+          <a:off x="0" y="0"/>
+          <a:ext cx="0" cy="0"/>
+          <a:chOff x="0" y="0"/>
+          <a:chExt cx="0" cy="0"/>
+        </a:xfrm>
+      </p:grpSpPr>
+      <p:pic>
+        <p:nvPicPr>
+          <p:cNvPr id="5" name="Imagen 4">
+            <a:extLst>
+              <a:ext uri="{FF2B5EF4-FFF2-40B4-BE49-F238E27FC236}">
+                <a16:creationId xmlns:a16="http://schemas.microsoft.com/office/drawing/2014/main" id="{510A236D-337E-49D1-AEC1-E22FF569557B}"/>
+              </a:ext>
+            </a:extLst>
+          </p:cNvPr>
+          <p:cNvPicPr>
+            <a:picLocks noChangeAspect="1"/>
+          </p:cNvPicPr>
+          <p:nvPr/>
+        </p:nvPicPr>
+        <p:blipFill>
+          <a:blip r:embed="rId2"/>
+          <a:stretch>
+            <a:fillRect/>
+          </a:stretch>
+        </p:blipFill>
+        <p:spPr>
+          <a:xfrm>
+            <a:off x="65314" y="1344021"/>
+            <a:ext cx="4284617" cy="3114675"/>
+          </a:xfrm>
+          <a:prstGeom prst="rect">
+            <a:avLst/>
+          </a:prstGeom>
+        </p:spPr>
+      </p:pic>
+      <p:pic>
+        <p:nvPicPr>
+          <p:cNvPr id="6" name="Imagen 5">
+            <a:extLst>
+              <a:ext uri="{FF2B5EF4-FFF2-40B4-BE49-F238E27FC236}">
+                <a16:creationId xmlns:a16="http://schemas.microsoft.com/office/drawing/2014/main" id="{43DC5F3C-64C3-4569-9B8F-959821AFEC45}"/>
+              </a:ext>
+            </a:extLst>
+          </p:cNvPr>
+          <p:cNvPicPr>
+            <a:picLocks noChangeAspect="1"/>
+          </p:cNvPicPr>
+          <p:nvPr/>
+        </p:nvPicPr>
+        <p:blipFill>
+          <a:blip r:embed="rId3"/>
+          <a:stretch>
+            <a:fillRect/>
+          </a:stretch>
+        </p:blipFill>
+        <p:spPr>
+          <a:xfrm>
+            <a:off x="4349931" y="1344020"/>
+            <a:ext cx="4794069" cy="3114675"/>
+          </a:xfrm>
+          <a:prstGeom prst="rect">
+            <a:avLst/>
+          </a:prstGeom>
+        </p:spPr>
+      </p:pic>
+      <p:sp>
+        <p:nvSpPr>
+          <p:cNvPr id="7" name="Título 1">
+            <a:extLst>
+              <a:ext uri="{FF2B5EF4-FFF2-40B4-BE49-F238E27FC236}">
+                <a16:creationId xmlns:a16="http://schemas.microsoft.com/office/drawing/2014/main" id="{CE4C60A8-94D2-4937-B570-C7629A7A0DE1}"/>
+              </a:ext>
+            </a:extLst>
+          </p:cNvPr>
+          <p:cNvSpPr txBox="1">
+            <a:spLocks/>
+          </p:cNvSpPr>
+          <p:nvPr/>
+        </p:nvSpPr>
+        <p:spPr>
+          <a:xfrm>
+            <a:off x="713225" y="539500"/>
+            <a:ext cx="7909780" cy="521100"/>
+          </a:xfrm>
+          <a:prstGeom prst="rect">
+            <a:avLst/>
+          </a:prstGeom>
+          <a:noFill/>
+          <a:ln>
+            <a:noFill/>
+          </a:ln>
+        </p:spPr>
+        <p:txBody>
+          <a:bodyPr spcFirstLastPara="1" wrap="square" lIns="91425" tIns="91425" rIns="91425" bIns="91425" anchor="t" anchorCtr="0">
+            <a:noAutofit/>
+          </a:bodyPr>
+          <a:lstStyle>
+            <a:defPPr marR="0" lvl="0" algn="l" rtl="0">
+              <a:lnSpc>
+                <a:spcPct val="100000"/>
+              </a:lnSpc>
+              <a:spcBef>
+                <a:spcPts val="0"/>
+              </a:spcBef>
+              <a:spcAft>
+                <a:spcPts val="0"/>
+              </a:spcAft>
+            </a:defPPr>
+            <a:lvl1pPr marR="0" lvl="0" algn="l" rtl="0">
+              <a:lnSpc>
+                <a:spcPct val="100000"/>
+              </a:lnSpc>
+              <a:spcBef>
+                <a:spcPts val="0"/>
+              </a:spcBef>
+              <a:spcAft>
+                <a:spcPts val="0"/>
+              </a:spcAft>
+              <a:buClr>
+                <a:schemeClr val="dk1"/>
+              </a:buClr>
+              <a:buSzPts val="2800"/>
+              <a:buFont typeface="Arial"/>
+              <a:buNone/>
+              <a:defRPr sz="2800" b="1" i="0" u="none" strike="noStrike" cap="none">
+                <a:solidFill>
+                  <a:schemeClr val="dk1"/>
+                </a:solidFill>
+                <a:latin typeface="Open Sans"/>
+                <a:ea typeface="Open Sans"/>
+                <a:cs typeface="Open Sans"/>
+                <a:sym typeface="Open Sans"/>
+              </a:defRPr>
+            </a:lvl1pPr>
+            <a:lvl2pPr marR="0" lvl="1" algn="l" rtl="0">
+              <a:lnSpc>
+                <a:spcPct val="100000"/>
+              </a:lnSpc>
+              <a:spcBef>
+                <a:spcPts val="0"/>
+              </a:spcBef>
+              <a:spcAft>
+                <a:spcPts val="0"/>
+              </a:spcAft>
+              <a:buClr>
+                <a:schemeClr val="dk1"/>
+              </a:buClr>
+              <a:buSzPts val="2800"/>
+              <a:buFont typeface="Arial"/>
+              <a:buNone/>
+              <a:defRPr sz="2800" b="0" i="0" u="none" strike="noStrike" cap="none">
+                <a:solidFill>
+                  <a:schemeClr val="dk1"/>
+                </a:solidFill>
+                <a:latin typeface="Arial"/>
+                <a:ea typeface="Arial"/>
+                <a:cs typeface="Arial"/>
+                <a:sym typeface="Arial"/>
+              </a:defRPr>
+            </a:lvl2pPr>
+            <a:lvl3pPr marR="0" lvl="2" algn="l" rtl="0">
+              <a:lnSpc>
+                <a:spcPct val="100000"/>
+              </a:lnSpc>
+              <a:spcBef>
+                <a:spcPts val="0"/>
+              </a:spcBef>
+              <a:spcAft>
+                <a:spcPts val="0"/>
+              </a:spcAft>
+              <a:buClr>
+                <a:schemeClr val="dk1"/>
+              </a:buClr>
+              <a:buSzPts val="2800"/>
+              <a:buFont typeface="Arial"/>
+              <a:buNone/>
+              <a:defRPr sz="2800" b="0" i="0" u="none" strike="noStrike" cap="none">
+                <a:solidFill>
+                  <a:schemeClr val="dk1"/>
+                </a:solidFill>
+                <a:latin typeface="Arial"/>
+                <a:ea typeface="Arial"/>
+                <a:cs typeface="Arial"/>
+                <a:sym typeface="Arial"/>
+              </a:defRPr>
+            </a:lvl3pPr>
+            <a:lvl4pPr marR="0" lvl="3" algn="l" rtl="0">
+              <a:lnSpc>
+                <a:spcPct val="100000"/>
+              </a:lnSpc>
+              <a:spcBef>
+                <a:spcPts val="0"/>
+              </a:spcBef>
+              <a:spcAft>
+                <a:spcPts val="0"/>
+              </a:spcAft>
+              <a:buClr>
+                <a:schemeClr val="dk1"/>
+              </a:buClr>
+              <a:buSzPts val="2800"/>
+              <a:buFont typeface="Arial"/>
+              <a:buNone/>
+              <a:defRPr sz="2800" b="0" i="0" u="none" strike="noStrike" cap="none">
+                <a:solidFill>
+                  <a:schemeClr val="dk1"/>
+                </a:solidFill>
+                <a:latin typeface="Arial"/>
+                <a:ea typeface="Arial"/>
+                <a:cs typeface="Arial"/>
+                <a:sym typeface="Arial"/>
+              </a:defRPr>
+            </a:lvl4pPr>
+            <a:lvl5pPr marR="0" lvl="4" algn="l" rtl="0">
+              <a:lnSpc>
+                <a:spcPct val="100000"/>
+              </a:lnSpc>
+              <a:spcBef>
+                <a:spcPts val="0"/>
+              </a:spcBef>
+              <a:spcAft>
+                <a:spcPts val="0"/>
+              </a:spcAft>
+              <a:buClr>
+                <a:schemeClr val="dk1"/>
+              </a:buClr>
+              <a:buSzPts val="2800"/>
+              <a:buFont typeface="Arial"/>
+              <a:buNone/>
+              <a:defRPr sz="2800" b="0" i="0" u="none" strike="noStrike" cap="none">
+                <a:solidFill>
+                  <a:schemeClr val="dk1"/>
+                </a:solidFill>
+                <a:latin typeface="Arial"/>
+                <a:ea typeface="Arial"/>
+                <a:cs typeface="Arial"/>
+                <a:sym typeface="Arial"/>
+              </a:defRPr>
+            </a:lvl5pPr>
+            <a:lvl6pPr marR="0" lvl="5" algn="l" rtl="0">
+              <a:lnSpc>
+                <a:spcPct val="100000"/>
+              </a:lnSpc>
+              <a:spcBef>
+                <a:spcPts val="0"/>
+              </a:spcBef>
+              <a:spcAft>
+                <a:spcPts val="0"/>
+              </a:spcAft>
+              <a:buClr>
+                <a:schemeClr val="dk1"/>
+              </a:buClr>
+              <a:buSzPts val="2800"/>
+              <a:buFont typeface="Arial"/>
+              <a:buNone/>
+              <a:defRPr sz="2800" b="0" i="0" u="none" strike="noStrike" cap="none">
+                <a:solidFill>
+                  <a:schemeClr val="dk1"/>
+                </a:solidFill>
+                <a:latin typeface="Arial"/>
+                <a:ea typeface="Arial"/>
+                <a:cs typeface="Arial"/>
+                <a:sym typeface="Arial"/>
+              </a:defRPr>
+            </a:lvl6pPr>
+            <a:lvl7pPr marR="0" lvl="6" algn="l" rtl="0">
+              <a:lnSpc>
+                <a:spcPct val="100000"/>
+              </a:lnSpc>
+              <a:spcBef>
+                <a:spcPts val="0"/>
+              </a:spcBef>
+              <a:spcAft>
+                <a:spcPts val="0"/>
+              </a:spcAft>
+              <a:buClr>
+                <a:schemeClr val="dk1"/>
+              </a:buClr>
+              <a:buSzPts val="2800"/>
+              <a:buFont typeface="Arial"/>
+              <a:buNone/>
+              <a:defRPr sz="2800" b="0" i="0" u="none" strike="noStrike" cap="none">
+                <a:solidFill>
+                  <a:schemeClr val="dk1"/>
+                </a:solidFill>
+                <a:latin typeface="Arial"/>
+                <a:ea typeface="Arial"/>
+                <a:cs typeface="Arial"/>
+                <a:sym typeface="Arial"/>
+              </a:defRPr>
+            </a:lvl7pPr>
+            <a:lvl8pPr marR="0" lvl="7" algn="l" rtl="0">
+              <a:lnSpc>
+                <a:spcPct val="100000"/>
+              </a:lnSpc>
+              <a:spcBef>
+                <a:spcPts val="0"/>
+              </a:spcBef>
+              <a:spcAft>
+                <a:spcPts val="0"/>
+              </a:spcAft>
+              <a:buClr>
+                <a:schemeClr val="dk1"/>
+              </a:buClr>
+              <a:buSzPts val="2800"/>
+              <a:buFont typeface="Arial"/>
+              <a:buNone/>
+              <a:defRPr sz="2800" b="0" i="0" u="none" strike="noStrike" cap="none">
+                <a:solidFill>
+                  <a:schemeClr val="dk1"/>
+                </a:solidFill>
+                <a:latin typeface="Arial"/>
+                <a:ea typeface="Arial"/>
+                <a:cs typeface="Arial"/>
+                <a:sym typeface="Arial"/>
+              </a:defRPr>
+            </a:lvl8pPr>
+            <a:lvl9pPr marR="0" lvl="8" algn="l" rtl="0">
+              <a:lnSpc>
+                <a:spcPct val="100000"/>
+              </a:lnSpc>
+              <a:spcBef>
+                <a:spcPts val="0"/>
+              </a:spcBef>
+              <a:spcAft>
+                <a:spcPts val="0"/>
+              </a:spcAft>
+              <a:buClr>
+                <a:schemeClr val="dk1"/>
+              </a:buClr>
+              <a:buSzPts val="2800"/>
+              <a:buFont typeface="Arial"/>
+              <a:buNone/>
+              <a:defRPr sz="2800" b="0" i="0" u="none" strike="noStrike" cap="none">
+                <a:solidFill>
+                  <a:schemeClr val="dk1"/>
+                </a:solidFill>
+                <a:latin typeface="Arial"/>
+                <a:ea typeface="Arial"/>
+                <a:cs typeface="Arial"/>
+                <a:sym typeface="Arial"/>
+              </a:defRPr>
+            </a:lvl9pPr>
+          </a:lstStyle>
+          <a:p>
+            <a:r>
+              <a:rPr lang="es-CO"/>
+              <a:t>BITCOIN: la estrategia óptima es I5R5</a:t>
+            </a:r>
+            <a:endParaRPr lang="es-CO" dirty="0"/>
+          </a:p>
+        </p:txBody>
+      </p:sp>
+    </p:spTree>
+    <p:extLst>
+      <p:ext uri="{BB962C8B-B14F-4D97-AF65-F5344CB8AC3E}">
+        <p14:creationId xmlns:p14="http://schemas.microsoft.com/office/powerpoint/2010/main" val="2843548180"/>
+      </p:ext>
+    </p:extLst>
+  </p:cSld>
+  <p:clrMapOvr>
+    <a:masterClrMapping/>
+  </p:clrMapOvr>
+</p:sld>
+</file>
+
 <file path=ppt/slides/slide2.xml><?xml version="1.0" encoding="utf-8"?>
 <p:sld xmlns:a="http://schemas.openxmlformats.org/drawingml/2006/main" xmlns:r="http://schemas.openxmlformats.org/officeDocument/2006/relationships" xmlns:p="http://schemas.openxmlformats.org/presentationml/2006/main">
   <p:cSld>
@@ -11117,124 +11691,6 @@
           <p:cNvPr id="2" name="Título 1">
             <a:extLst>
               <a:ext uri="{FF2B5EF4-FFF2-40B4-BE49-F238E27FC236}">
-                <a16:creationId xmlns:a16="http://schemas.microsoft.com/office/drawing/2014/main" id="{D1FD99F2-3BA9-46F2-B20E-DF70B5363374}"/>
-              </a:ext>
-            </a:extLst>
-          </p:cNvPr>
-          <p:cNvSpPr>
-            <a:spLocks noGrp="1"/>
-          </p:cNvSpPr>
-          <p:nvPr>
-            <p:ph type="title"/>
-          </p:nvPr>
-        </p:nvSpPr>
-        <p:spPr/>
-        <p:txBody>
-          <a:bodyPr/>
-          <a:lstStyle/>
-          <a:p>
-            <a:r>
-              <a:rPr lang="es-CO" dirty="0"/>
-              <a:t>BITCOIN</a:t>
-            </a:r>
-          </a:p>
-        </p:txBody>
-      </p:sp>
-      <p:pic>
-        <p:nvPicPr>
-          <p:cNvPr id="5" name="Imagen 4">
-            <a:extLst>
-              <a:ext uri="{FF2B5EF4-FFF2-40B4-BE49-F238E27FC236}">
-                <a16:creationId xmlns:a16="http://schemas.microsoft.com/office/drawing/2014/main" id="{510A236D-337E-49D1-AEC1-E22FF569557B}"/>
-              </a:ext>
-            </a:extLst>
-          </p:cNvPr>
-          <p:cNvPicPr>
-            <a:picLocks noChangeAspect="1"/>
-          </p:cNvPicPr>
-          <p:nvPr/>
-        </p:nvPicPr>
-        <p:blipFill>
-          <a:blip r:embed="rId2"/>
-          <a:stretch>
-            <a:fillRect/>
-          </a:stretch>
-        </p:blipFill>
-        <p:spPr>
-          <a:xfrm>
-            <a:off x="388198" y="1344021"/>
-            <a:ext cx="5305425" cy="3114675"/>
-          </a:xfrm>
-          <a:prstGeom prst="rect">
-            <a:avLst/>
-          </a:prstGeom>
-        </p:spPr>
-      </p:pic>
-      <p:pic>
-        <p:nvPicPr>
-          <p:cNvPr id="6" name="Imagen 5">
-            <a:extLst>
-              <a:ext uri="{FF2B5EF4-FFF2-40B4-BE49-F238E27FC236}">
-                <a16:creationId xmlns:a16="http://schemas.microsoft.com/office/drawing/2014/main" id="{43DC5F3C-64C3-4569-9B8F-959821AFEC45}"/>
-              </a:ext>
-            </a:extLst>
-          </p:cNvPr>
-          <p:cNvPicPr>
-            <a:picLocks noChangeAspect="1"/>
-          </p:cNvPicPr>
-          <p:nvPr/>
-        </p:nvPicPr>
-        <p:blipFill>
-          <a:blip r:embed="rId3"/>
-          <a:stretch>
-            <a:fillRect/>
-          </a:stretch>
-        </p:blipFill>
-        <p:spPr>
-          <a:xfrm>
-            <a:off x="3838575" y="1344020"/>
-            <a:ext cx="5305425" cy="3114675"/>
-          </a:xfrm>
-          <a:prstGeom prst="rect">
-            <a:avLst/>
-          </a:prstGeom>
-        </p:spPr>
-      </p:pic>
-    </p:spTree>
-    <p:extLst>
-      <p:ext uri="{BB962C8B-B14F-4D97-AF65-F5344CB8AC3E}">
-        <p14:creationId xmlns:p14="http://schemas.microsoft.com/office/powerpoint/2010/main" val="2843548180"/>
-      </p:ext>
-    </p:extLst>
-  </p:cSld>
-  <p:clrMapOvr>
-    <a:masterClrMapping/>
-  </p:clrMapOvr>
-</p:sld>
-</file>
-
-<file path=ppt/slides/slide21.xml><?xml version="1.0" encoding="utf-8"?>
-<p:sld xmlns:a="http://schemas.openxmlformats.org/drawingml/2006/main" xmlns:r="http://schemas.openxmlformats.org/officeDocument/2006/relationships" xmlns:p="http://schemas.openxmlformats.org/presentationml/2006/main">
-  <p:cSld>
-    <p:spTree>
-      <p:nvGrpSpPr>
-        <p:cNvPr id="1" name=""/>
-        <p:cNvGrpSpPr/>
-        <p:nvPr/>
-      </p:nvGrpSpPr>
-      <p:grpSpPr>
-        <a:xfrm>
-          <a:off x="0" y="0"/>
-          <a:ext cx="0" cy="0"/>
-          <a:chOff x="0" y="0"/>
-          <a:chExt cx="0" cy="0"/>
-        </a:xfrm>
-      </p:grpSpPr>
-      <p:sp>
-        <p:nvSpPr>
-          <p:cNvPr id="2" name="Título 1">
-            <a:extLst>
-              <a:ext uri="{FF2B5EF4-FFF2-40B4-BE49-F238E27FC236}">
                 <a16:creationId xmlns:a16="http://schemas.microsoft.com/office/drawing/2014/main" id="{53219392-B75C-4B76-B0AB-32A4EB38BAB2}"/>
               </a:ext>
             </a:extLst>
@@ -11285,7 +11741,7 @@
         </p:blipFill>
         <p:spPr>
           <a:xfrm>
-            <a:off x="0" y="1045212"/>
+            <a:off x="0" y="1204702"/>
             <a:ext cx="9144000" cy="3053076"/>
           </a:xfrm>
           <a:prstGeom prst="rect">
@@ -11306,7 +11762,7 @@
 </p:sld>
 </file>
 
-<file path=ppt/slides/slide22.xml><?xml version="1.0" encoding="utf-8"?>
+<file path=ppt/slides/slide21.xml><?xml version="1.0" encoding="utf-8"?>
 <p:sld xmlns:a="http://schemas.openxmlformats.org/drawingml/2006/main" xmlns:r="http://schemas.openxmlformats.org/officeDocument/2006/relationships" xmlns:p="http://schemas.openxmlformats.org/presentationml/2006/main">
   <p:cSld>
     <p:spTree>
@@ -11323,34 +11779,6 @@
           <a:chExt cx="0" cy="0"/>
         </a:xfrm>
       </p:grpSpPr>
-      <p:sp>
-        <p:nvSpPr>
-          <p:cNvPr id="2" name="Título 1">
-            <a:extLst>
-              <a:ext uri="{FF2B5EF4-FFF2-40B4-BE49-F238E27FC236}">
-                <a16:creationId xmlns:a16="http://schemas.microsoft.com/office/drawing/2014/main" id="{12DF83CC-C06F-4DFE-A4AE-12DDE58F8ED4}"/>
-              </a:ext>
-            </a:extLst>
-          </p:cNvPr>
-          <p:cNvSpPr>
-            <a:spLocks noGrp="1"/>
-          </p:cNvSpPr>
-          <p:nvPr>
-            <p:ph type="title"/>
-          </p:nvPr>
-        </p:nvSpPr>
-        <p:spPr/>
-        <p:txBody>
-          <a:bodyPr/>
-          <a:lstStyle/>
-          <a:p>
-            <a:r>
-              <a:rPr lang="es-CO" dirty="0"/>
-              <a:t>ETHEREUM</a:t>
-            </a:r>
-          </a:p>
-        </p:txBody>
-      </p:sp>
       <p:pic>
         <p:nvPicPr>
           <p:cNvPr id="3" name="Imagen 2">
@@ -11373,7 +11801,7 @@
         </p:blipFill>
         <p:spPr>
           <a:xfrm>
-            <a:off x="96293" y="1269593"/>
+            <a:off x="96293" y="1374089"/>
             <a:ext cx="4483626" cy="2632218"/>
           </a:xfrm>
           <a:prstGeom prst="rect">
@@ -11403,7 +11831,7 @@
         </p:blipFill>
         <p:spPr>
           <a:xfrm>
-            <a:off x="4596154" y="1269592"/>
+            <a:off x="4596154" y="1374088"/>
             <a:ext cx="4483627" cy="2632219"/>
           </a:xfrm>
           <a:prstGeom prst="rect">
@@ -11411,6 +11839,293 @@
           </a:prstGeom>
         </p:spPr>
       </p:pic>
+      <p:sp>
+        <p:nvSpPr>
+          <p:cNvPr id="7" name="Título 1">
+            <a:extLst>
+              <a:ext uri="{FF2B5EF4-FFF2-40B4-BE49-F238E27FC236}">
+                <a16:creationId xmlns:a16="http://schemas.microsoft.com/office/drawing/2014/main" id="{6862BD1C-D00D-43EC-8490-F837A8CB3BA9}"/>
+              </a:ext>
+            </a:extLst>
+          </p:cNvPr>
+          <p:cNvSpPr txBox="1">
+            <a:spLocks/>
+          </p:cNvSpPr>
+          <p:nvPr/>
+        </p:nvSpPr>
+        <p:spPr>
+          <a:xfrm>
+            <a:off x="713225" y="539500"/>
+            <a:ext cx="7239928" cy="521100"/>
+          </a:xfrm>
+          <a:prstGeom prst="rect">
+            <a:avLst/>
+          </a:prstGeom>
+          <a:noFill/>
+          <a:ln>
+            <a:noFill/>
+          </a:ln>
+        </p:spPr>
+        <p:txBody>
+          <a:bodyPr spcFirstLastPara="1" wrap="square" lIns="91425" tIns="91425" rIns="91425" bIns="91425" anchor="t" anchorCtr="0">
+            <a:noAutofit/>
+          </a:bodyPr>
+          <a:lstStyle>
+            <a:defPPr marR="0" lvl="0" algn="l" rtl="0">
+              <a:lnSpc>
+                <a:spcPct val="100000"/>
+              </a:lnSpc>
+              <a:spcBef>
+                <a:spcPts val="0"/>
+              </a:spcBef>
+              <a:spcAft>
+                <a:spcPts val="0"/>
+              </a:spcAft>
+            </a:defPPr>
+            <a:lvl1pPr marR="0" lvl="0" algn="l" rtl="0">
+              <a:lnSpc>
+                <a:spcPct val="100000"/>
+              </a:lnSpc>
+              <a:spcBef>
+                <a:spcPts val="0"/>
+              </a:spcBef>
+              <a:spcAft>
+                <a:spcPts val="0"/>
+              </a:spcAft>
+              <a:buClr>
+                <a:schemeClr val="dk1"/>
+              </a:buClr>
+              <a:buSzPts val="2800"/>
+              <a:buFont typeface="Arial"/>
+              <a:buNone/>
+              <a:defRPr sz="2800" b="1" i="0" u="none" strike="noStrike" cap="none">
+                <a:solidFill>
+                  <a:schemeClr val="dk1"/>
+                </a:solidFill>
+                <a:latin typeface="Open Sans"/>
+                <a:ea typeface="Open Sans"/>
+                <a:cs typeface="Open Sans"/>
+                <a:sym typeface="Open Sans"/>
+              </a:defRPr>
+            </a:lvl1pPr>
+            <a:lvl2pPr marR="0" lvl="1" algn="l" rtl="0">
+              <a:lnSpc>
+                <a:spcPct val="100000"/>
+              </a:lnSpc>
+              <a:spcBef>
+                <a:spcPts val="0"/>
+              </a:spcBef>
+              <a:spcAft>
+                <a:spcPts val="0"/>
+              </a:spcAft>
+              <a:buClr>
+                <a:schemeClr val="dk1"/>
+              </a:buClr>
+              <a:buSzPts val="2800"/>
+              <a:buFont typeface="Arial"/>
+              <a:buNone/>
+              <a:defRPr sz="2800" b="0" i="0" u="none" strike="noStrike" cap="none">
+                <a:solidFill>
+                  <a:schemeClr val="dk1"/>
+                </a:solidFill>
+                <a:latin typeface="Arial"/>
+                <a:ea typeface="Arial"/>
+                <a:cs typeface="Arial"/>
+                <a:sym typeface="Arial"/>
+              </a:defRPr>
+            </a:lvl2pPr>
+            <a:lvl3pPr marR="0" lvl="2" algn="l" rtl="0">
+              <a:lnSpc>
+                <a:spcPct val="100000"/>
+              </a:lnSpc>
+              <a:spcBef>
+                <a:spcPts val="0"/>
+              </a:spcBef>
+              <a:spcAft>
+                <a:spcPts val="0"/>
+              </a:spcAft>
+              <a:buClr>
+                <a:schemeClr val="dk1"/>
+              </a:buClr>
+              <a:buSzPts val="2800"/>
+              <a:buFont typeface="Arial"/>
+              <a:buNone/>
+              <a:defRPr sz="2800" b="0" i="0" u="none" strike="noStrike" cap="none">
+                <a:solidFill>
+                  <a:schemeClr val="dk1"/>
+                </a:solidFill>
+                <a:latin typeface="Arial"/>
+                <a:ea typeface="Arial"/>
+                <a:cs typeface="Arial"/>
+                <a:sym typeface="Arial"/>
+              </a:defRPr>
+            </a:lvl3pPr>
+            <a:lvl4pPr marR="0" lvl="3" algn="l" rtl="0">
+              <a:lnSpc>
+                <a:spcPct val="100000"/>
+              </a:lnSpc>
+              <a:spcBef>
+                <a:spcPts val="0"/>
+              </a:spcBef>
+              <a:spcAft>
+                <a:spcPts val="0"/>
+              </a:spcAft>
+              <a:buClr>
+                <a:schemeClr val="dk1"/>
+              </a:buClr>
+              <a:buSzPts val="2800"/>
+              <a:buFont typeface="Arial"/>
+              <a:buNone/>
+              <a:defRPr sz="2800" b="0" i="0" u="none" strike="noStrike" cap="none">
+                <a:solidFill>
+                  <a:schemeClr val="dk1"/>
+                </a:solidFill>
+                <a:latin typeface="Arial"/>
+                <a:ea typeface="Arial"/>
+                <a:cs typeface="Arial"/>
+                <a:sym typeface="Arial"/>
+              </a:defRPr>
+            </a:lvl4pPr>
+            <a:lvl5pPr marR="0" lvl="4" algn="l" rtl="0">
+              <a:lnSpc>
+                <a:spcPct val="100000"/>
+              </a:lnSpc>
+              <a:spcBef>
+                <a:spcPts val="0"/>
+              </a:spcBef>
+              <a:spcAft>
+                <a:spcPts val="0"/>
+              </a:spcAft>
+              <a:buClr>
+                <a:schemeClr val="dk1"/>
+              </a:buClr>
+              <a:buSzPts val="2800"/>
+              <a:buFont typeface="Arial"/>
+              <a:buNone/>
+              <a:defRPr sz="2800" b="0" i="0" u="none" strike="noStrike" cap="none">
+                <a:solidFill>
+                  <a:schemeClr val="dk1"/>
+                </a:solidFill>
+                <a:latin typeface="Arial"/>
+                <a:ea typeface="Arial"/>
+                <a:cs typeface="Arial"/>
+                <a:sym typeface="Arial"/>
+              </a:defRPr>
+            </a:lvl5pPr>
+            <a:lvl6pPr marR="0" lvl="5" algn="l" rtl="0">
+              <a:lnSpc>
+                <a:spcPct val="100000"/>
+              </a:lnSpc>
+              <a:spcBef>
+                <a:spcPts val="0"/>
+              </a:spcBef>
+              <a:spcAft>
+                <a:spcPts val="0"/>
+              </a:spcAft>
+              <a:buClr>
+                <a:schemeClr val="dk1"/>
+              </a:buClr>
+              <a:buSzPts val="2800"/>
+              <a:buFont typeface="Arial"/>
+              <a:buNone/>
+              <a:defRPr sz="2800" b="0" i="0" u="none" strike="noStrike" cap="none">
+                <a:solidFill>
+                  <a:schemeClr val="dk1"/>
+                </a:solidFill>
+                <a:latin typeface="Arial"/>
+                <a:ea typeface="Arial"/>
+                <a:cs typeface="Arial"/>
+                <a:sym typeface="Arial"/>
+              </a:defRPr>
+            </a:lvl6pPr>
+            <a:lvl7pPr marR="0" lvl="6" algn="l" rtl="0">
+              <a:lnSpc>
+                <a:spcPct val="100000"/>
+              </a:lnSpc>
+              <a:spcBef>
+                <a:spcPts val="0"/>
+              </a:spcBef>
+              <a:spcAft>
+                <a:spcPts val="0"/>
+              </a:spcAft>
+              <a:buClr>
+                <a:schemeClr val="dk1"/>
+              </a:buClr>
+              <a:buSzPts val="2800"/>
+              <a:buFont typeface="Arial"/>
+              <a:buNone/>
+              <a:defRPr sz="2800" b="0" i="0" u="none" strike="noStrike" cap="none">
+                <a:solidFill>
+                  <a:schemeClr val="dk1"/>
+                </a:solidFill>
+                <a:latin typeface="Arial"/>
+                <a:ea typeface="Arial"/>
+                <a:cs typeface="Arial"/>
+                <a:sym typeface="Arial"/>
+              </a:defRPr>
+            </a:lvl7pPr>
+            <a:lvl8pPr marR="0" lvl="7" algn="l" rtl="0">
+              <a:lnSpc>
+                <a:spcPct val="100000"/>
+              </a:lnSpc>
+              <a:spcBef>
+                <a:spcPts val="0"/>
+              </a:spcBef>
+              <a:spcAft>
+                <a:spcPts val="0"/>
+              </a:spcAft>
+              <a:buClr>
+                <a:schemeClr val="dk1"/>
+              </a:buClr>
+              <a:buSzPts val="2800"/>
+              <a:buFont typeface="Arial"/>
+              <a:buNone/>
+              <a:defRPr sz="2800" b="0" i="0" u="none" strike="noStrike" cap="none">
+                <a:solidFill>
+                  <a:schemeClr val="dk1"/>
+                </a:solidFill>
+                <a:latin typeface="Arial"/>
+                <a:ea typeface="Arial"/>
+                <a:cs typeface="Arial"/>
+                <a:sym typeface="Arial"/>
+              </a:defRPr>
+            </a:lvl8pPr>
+            <a:lvl9pPr marR="0" lvl="8" algn="l" rtl="0">
+              <a:lnSpc>
+                <a:spcPct val="100000"/>
+              </a:lnSpc>
+              <a:spcBef>
+                <a:spcPts val="0"/>
+              </a:spcBef>
+              <a:spcAft>
+                <a:spcPts val="0"/>
+              </a:spcAft>
+              <a:buClr>
+                <a:schemeClr val="dk1"/>
+              </a:buClr>
+              <a:buSzPts val="2800"/>
+              <a:buFont typeface="Arial"/>
+              <a:buNone/>
+              <a:defRPr sz="2800" b="0" i="0" u="none" strike="noStrike" cap="none">
+                <a:solidFill>
+                  <a:schemeClr val="dk1"/>
+                </a:solidFill>
+                <a:latin typeface="Arial"/>
+                <a:ea typeface="Arial"/>
+                <a:cs typeface="Arial"/>
+                <a:sym typeface="Arial"/>
+              </a:defRPr>
+            </a:lvl9pPr>
+          </a:lstStyle>
+          <a:p>
+            <a:r>
+              <a:rPr lang="es-CO"/>
+              <a:t>ETHEREUM: la estrategia óptima es I5R6</a:t>
+            </a:r>
+            <a:endParaRPr lang="es-CO" dirty="0"/>
+          </a:p>
+        </p:txBody>
+      </p:sp>
     </p:spTree>
     <p:extLst>
       <p:ext uri="{BB962C8B-B14F-4D97-AF65-F5344CB8AC3E}">
@@ -11424,7 +12139,7 @@
 </p:sld>
 </file>
 
-<file path=ppt/slides/slide23.xml><?xml version="1.0" encoding="utf-8"?>
+<file path=ppt/slides/slide22.xml><?xml version="1.0" encoding="utf-8"?>
 <p:sld xmlns:a="http://schemas.openxmlformats.org/drawingml/2006/main" xmlns:r="http://schemas.openxmlformats.org/officeDocument/2006/relationships" xmlns:p="http://schemas.openxmlformats.org/presentationml/2006/main">
   <p:cSld>
     <p:spTree>
@@ -11517,7 +12232,7 @@
 </p:sld>
 </file>
 
-<file path=ppt/slides/slide24.xml><?xml version="1.0" encoding="utf-8"?>
+<file path=ppt/slides/slide23.xml><?xml version="1.0" encoding="utf-8"?>
 <p:sld xmlns:a="http://schemas.openxmlformats.org/drawingml/2006/main" xmlns:r="http://schemas.openxmlformats.org/officeDocument/2006/relationships" xmlns:p="http://schemas.openxmlformats.org/presentationml/2006/main">
   <p:cSld>
     <p:spTree>
@@ -11534,34 +12249,6 @@
           <a:chExt cx="0" cy="0"/>
         </a:xfrm>
       </p:grpSpPr>
-      <p:sp>
-        <p:nvSpPr>
-          <p:cNvPr id="2" name="Título 1">
-            <a:extLst>
-              <a:ext uri="{FF2B5EF4-FFF2-40B4-BE49-F238E27FC236}">
-                <a16:creationId xmlns:a16="http://schemas.microsoft.com/office/drawing/2014/main" id="{570720AA-EB8F-4CA3-8FFE-F6F31A71291B}"/>
-              </a:ext>
-            </a:extLst>
-          </p:cNvPr>
-          <p:cNvSpPr>
-            <a:spLocks noGrp="1"/>
-          </p:cNvSpPr>
-          <p:nvPr>
-            <p:ph type="title"/>
-          </p:nvPr>
-        </p:nvSpPr>
-        <p:spPr/>
-        <p:txBody>
-          <a:bodyPr/>
-          <a:lstStyle/>
-          <a:p>
-            <a:r>
-              <a:rPr lang="es-CO" dirty="0"/>
-              <a:t>FAZ</a:t>
-            </a:r>
-          </a:p>
-        </p:txBody>
-      </p:sp>
       <p:pic>
         <p:nvPicPr>
           <p:cNvPr id="3" name="Imagen 2">
@@ -11622,6 +12309,293 @@
           </a:prstGeom>
         </p:spPr>
       </p:pic>
+      <p:sp>
+        <p:nvSpPr>
+          <p:cNvPr id="7" name="Título 1">
+            <a:extLst>
+              <a:ext uri="{FF2B5EF4-FFF2-40B4-BE49-F238E27FC236}">
+                <a16:creationId xmlns:a16="http://schemas.microsoft.com/office/drawing/2014/main" id="{398895AF-3371-4565-9D49-AE405F22E2AB}"/>
+              </a:ext>
+            </a:extLst>
+          </p:cNvPr>
+          <p:cNvSpPr txBox="1">
+            <a:spLocks/>
+          </p:cNvSpPr>
+          <p:nvPr/>
+        </p:nvSpPr>
+        <p:spPr>
+          <a:xfrm>
+            <a:off x="713225" y="539500"/>
+            <a:ext cx="7239928" cy="521100"/>
+          </a:xfrm>
+          <a:prstGeom prst="rect">
+            <a:avLst/>
+          </a:prstGeom>
+          <a:noFill/>
+          <a:ln>
+            <a:noFill/>
+          </a:ln>
+        </p:spPr>
+        <p:txBody>
+          <a:bodyPr spcFirstLastPara="1" wrap="square" lIns="91425" tIns="91425" rIns="91425" bIns="91425" anchor="t" anchorCtr="0">
+            <a:noAutofit/>
+          </a:bodyPr>
+          <a:lstStyle>
+            <a:defPPr marR="0" lvl="0" algn="l" rtl="0">
+              <a:lnSpc>
+                <a:spcPct val="100000"/>
+              </a:lnSpc>
+              <a:spcBef>
+                <a:spcPts val="0"/>
+              </a:spcBef>
+              <a:spcAft>
+                <a:spcPts val="0"/>
+              </a:spcAft>
+            </a:defPPr>
+            <a:lvl1pPr marR="0" lvl="0" algn="l" rtl="0">
+              <a:lnSpc>
+                <a:spcPct val="100000"/>
+              </a:lnSpc>
+              <a:spcBef>
+                <a:spcPts val="0"/>
+              </a:spcBef>
+              <a:spcAft>
+                <a:spcPts val="0"/>
+              </a:spcAft>
+              <a:buClr>
+                <a:schemeClr val="dk1"/>
+              </a:buClr>
+              <a:buSzPts val="2800"/>
+              <a:buFont typeface="Arial"/>
+              <a:buNone/>
+              <a:defRPr sz="2800" b="1" i="0" u="none" strike="noStrike" cap="none">
+                <a:solidFill>
+                  <a:schemeClr val="dk1"/>
+                </a:solidFill>
+                <a:latin typeface="Open Sans"/>
+                <a:ea typeface="Open Sans"/>
+                <a:cs typeface="Open Sans"/>
+                <a:sym typeface="Open Sans"/>
+              </a:defRPr>
+            </a:lvl1pPr>
+            <a:lvl2pPr marR="0" lvl="1" algn="l" rtl="0">
+              <a:lnSpc>
+                <a:spcPct val="100000"/>
+              </a:lnSpc>
+              <a:spcBef>
+                <a:spcPts val="0"/>
+              </a:spcBef>
+              <a:spcAft>
+                <a:spcPts val="0"/>
+              </a:spcAft>
+              <a:buClr>
+                <a:schemeClr val="dk1"/>
+              </a:buClr>
+              <a:buSzPts val="2800"/>
+              <a:buFont typeface="Arial"/>
+              <a:buNone/>
+              <a:defRPr sz="2800" b="0" i="0" u="none" strike="noStrike" cap="none">
+                <a:solidFill>
+                  <a:schemeClr val="dk1"/>
+                </a:solidFill>
+                <a:latin typeface="Arial"/>
+                <a:ea typeface="Arial"/>
+                <a:cs typeface="Arial"/>
+                <a:sym typeface="Arial"/>
+              </a:defRPr>
+            </a:lvl2pPr>
+            <a:lvl3pPr marR="0" lvl="2" algn="l" rtl="0">
+              <a:lnSpc>
+                <a:spcPct val="100000"/>
+              </a:lnSpc>
+              <a:spcBef>
+                <a:spcPts val="0"/>
+              </a:spcBef>
+              <a:spcAft>
+                <a:spcPts val="0"/>
+              </a:spcAft>
+              <a:buClr>
+                <a:schemeClr val="dk1"/>
+              </a:buClr>
+              <a:buSzPts val="2800"/>
+              <a:buFont typeface="Arial"/>
+              <a:buNone/>
+              <a:defRPr sz="2800" b="0" i="0" u="none" strike="noStrike" cap="none">
+                <a:solidFill>
+                  <a:schemeClr val="dk1"/>
+                </a:solidFill>
+                <a:latin typeface="Arial"/>
+                <a:ea typeface="Arial"/>
+                <a:cs typeface="Arial"/>
+                <a:sym typeface="Arial"/>
+              </a:defRPr>
+            </a:lvl3pPr>
+            <a:lvl4pPr marR="0" lvl="3" algn="l" rtl="0">
+              <a:lnSpc>
+                <a:spcPct val="100000"/>
+              </a:lnSpc>
+              <a:spcBef>
+                <a:spcPts val="0"/>
+              </a:spcBef>
+              <a:spcAft>
+                <a:spcPts val="0"/>
+              </a:spcAft>
+              <a:buClr>
+                <a:schemeClr val="dk1"/>
+              </a:buClr>
+              <a:buSzPts val="2800"/>
+              <a:buFont typeface="Arial"/>
+              <a:buNone/>
+              <a:defRPr sz="2800" b="0" i="0" u="none" strike="noStrike" cap="none">
+                <a:solidFill>
+                  <a:schemeClr val="dk1"/>
+                </a:solidFill>
+                <a:latin typeface="Arial"/>
+                <a:ea typeface="Arial"/>
+                <a:cs typeface="Arial"/>
+                <a:sym typeface="Arial"/>
+              </a:defRPr>
+            </a:lvl4pPr>
+            <a:lvl5pPr marR="0" lvl="4" algn="l" rtl="0">
+              <a:lnSpc>
+                <a:spcPct val="100000"/>
+              </a:lnSpc>
+              <a:spcBef>
+                <a:spcPts val="0"/>
+              </a:spcBef>
+              <a:spcAft>
+                <a:spcPts val="0"/>
+              </a:spcAft>
+              <a:buClr>
+                <a:schemeClr val="dk1"/>
+              </a:buClr>
+              <a:buSzPts val="2800"/>
+              <a:buFont typeface="Arial"/>
+              <a:buNone/>
+              <a:defRPr sz="2800" b="0" i="0" u="none" strike="noStrike" cap="none">
+                <a:solidFill>
+                  <a:schemeClr val="dk1"/>
+                </a:solidFill>
+                <a:latin typeface="Arial"/>
+                <a:ea typeface="Arial"/>
+                <a:cs typeface="Arial"/>
+                <a:sym typeface="Arial"/>
+              </a:defRPr>
+            </a:lvl5pPr>
+            <a:lvl6pPr marR="0" lvl="5" algn="l" rtl="0">
+              <a:lnSpc>
+                <a:spcPct val="100000"/>
+              </a:lnSpc>
+              <a:spcBef>
+                <a:spcPts val="0"/>
+              </a:spcBef>
+              <a:spcAft>
+                <a:spcPts val="0"/>
+              </a:spcAft>
+              <a:buClr>
+                <a:schemeClr val="dk1"/>
+              </a:buClr>
+              <a:buSzPts val="2800"/>
+              <a:buFont typeface="Arial"/>
+              <a:buNone/>
+              <a:defRPr sz="2800" b="0" i="0" u="none" strike="noStrike" cap="none">
+                <a:solidFill>
+                  <a:schemeClr val="dk1"/>
+                </a:solidFill>
+                <a:latin typeface="Arial"/>
+                <a:ea typeface="Arial"/>
+                <a:cs typeface="Arial"/>
+                <a:sym typeface="Arial"/>
+              </a:defRPr>
+            </a:lvl6pPr>
+            <a:lvl7pPr marR="0" lvl="6" algn="l" rtl="0">
+              <a:lnSpc>
+                <a:spcPct val="100000"/>
+              </a:lnSpc>
+              <a:spcBef>
+                <a:spcPts val="0"/>
+              </a:spcBef>
+              <a:spcAft>
+                <a:spcPts val="0"/>
+              </a:spcAft>
+              <a:buClr>
+                <a:schemeClr val="dk1"/>
+              </a:buClr>
+              <a:buSzPts val="2800"/>
+              <a:buFont typeface="Arial"/>
+              <a:buNone/>
+              <a:defRPr sz="2800" b="0" i="0" u="none" strike="noStrike" cap="none">
+                <a:solidFill>
+                  <a:schemeClr val="dk1"/>
+                </a:solidFill>
+                <a:latin typeface="Arial"/>
+                <a:ea typeface="Arial"/>
+                <a:cs typeface="Arial"/>
+                <a:sym typeface="Arial"/>
+              </a:defRPr>
+            </a:lvl7pPr>
+            <a:lvl8pPr marR="0" lvl="7" algn="l" rtl="0">
+              <a:lnSpc>
+                <a:spcPct val="100000"/>
+              </a:lnSpc>
+              <a:spcBef>
+                <a:spcPts val="0"/>
+              </a:spcBef>
+              <a:spcAft>
+                <a:spcPts val="0"/>
+              </a:spcAft>
+              <a:buClr>
+                <a:schemeClr val="dk1"/>
+              </a:buClr>
+              <a:buSzPts val="2800"/>
+              <a:buFont typeface="Arial"/>
+              <a:buNone/>
+              <a:defRPr sz="2800" b="0" i="0" u="none" strike="noStrike" cap="none">
+                <a:solidFill>
+                  <a:schemeClr val="dk1"/>
+                </a:solidFill>
+                <a:latin typeface="Arial"/>
+                <a:ea typeface="Arial"/>
+                <a:cs typeface="Arial"/>
+                <a:sym typeface="Arial"/>
+              </a:defRPr>
+            </a:lvl8pPr>
+            <a:lvl9pPr marR="0" lvl="8" algn="l" rtl="0">
+              <a:lnSpc>
+                <a:spcPct val="100000"/>
+              </a:lnSpc>
+              <a:spcBef>
+                <a:spcPts val="0"/>
+              </a:spcBef>
+              <a:spcAft>
+                <a:spcPts val="0"/>
+              </a:spcAft>
+              <a:buClr>
+                <a:schemeClr val="dk1"/>
+              </a:buClr>
+              <a:buSzPts val="2800"/>
+              <a:buFont typeface="Arial"/>
+              <a:buNone/>
+              <a:defRPr sz="2800" b="0" i="0" u="none" strike="noStrike" cap="none">
+                <a:solidFill>
+                  <a:schemeClr val="dk1"/>
+                </a:solidFill>
+                <a:latin typeface="Arial"/>
+                <a:ea typeface="Arial"/>
+                <a:cs typeface="Arial"/>
+                <a:sym typeface="Arial"/>
+              </a:defRPr>
+            </a:lvl9pPr>
+          </a:lstStyle>
+          <a:p>
+            <a:r>
+              <a:rPr lang="es-CO"/>
+              <a:t>FAZ: la estrategia óptima es I9R9</a:t>
+            </a:r>
+            <a:endParaRPr lang="es-CO" dirty="0"/>
+          </a:p>
+        </p:txBody>
+      </p:sp>
     </p:spTree>
     <p:extLst>
       <p:ext uri="{BB962C8B-B14F-4D97-AF65-F5344CB8AC3E}">
@@ -11635,7 +12609,7 @@
 </p:sld>
 </file>
 
-<file path=ppt/slides/slide25.xml><?xml version="1.0" encoding="utf-8"?>
+<file path=ppt/slides/slide24.xml><?xml version="1.0" encoding="utf-8"?>
 <p:sld xmlns:a="http://schemas.openxmlformats.org/drawingml/2006/main" xmlns:r="http://schemas.openxmlformats.org/officeDocument/2006/relationships" xmlns:p="http://schemas.openxmlformats.org/presentationml/2006/main">
   <p:cSld>
     <p:spTree>
@@ -11731,7 +12705,7 @@
         </p:nvGrpSpPr>
         <p:grpSpPr>
           <a:xfrm>
-            <a:off x="4884113" y="1426322"/>
+            <a:off x="4979810" y="1426322"/>
             <a:ext cx="198040" cy="195642"/>
             <a:chOff x="3858100" y="1435075"/>
             <a:chExt cx="487775" cy="481875"/>
@@ -12170,7 +13144,7 @@
 </p:sld>
 </file>
 
-<file path=ppt/slides/slide26.xml><?xml version="1.0" encoding="utf-8"?>
+<file path=ppt/slides/slide25.xml><?xml version="1.0" encoding="utf-8"?>
 <p:sld xmlns:a="http://schemas.openxmlformats.org/drawingml/2006/main" xmlns:r="http://schemas.openxmlformats.org/officeDocument/2006/relationships" xmlns:p="http://schemas.openxmlformats.org/presentationml/2006/main">
   <p:cSld>
     <p:spTree>
@@ -12329,7 +13303,7 @@
                 <a:cs typeface="Open Sans" panose="020B0604020202020204" charset="0"/>
                 <a:sym typeface="Lato"/>
               </a:rPr>
-              <a:t> </a:t>
+              <a:t>/</a:t>
             </a:r>
             <a:r>
               <a:rPr lang="en-US" dirty="0" err="1">
@@ -12862,7 +13836,7 @@
 </p:sld>
 </file>
 
-<file path=ppt/slides/slide27.xml><?xml version="1.0" encoding="utf-8"?>
+<file path=ppt/slides/slide26.xml><?xml version="1.0" encoding="utf-8"?>
 <p:sld xmlns:a="http://schemas.openxmlformats.org/drawingml/2006/main" xmlns:r="http://schemas.openxmlformats.org/officeDocument/2006/relationships" xmlns:p="http://schemas.openxmlformats.org/presentationml/2006/main">
   <p:cSld>
     <p:spTree>
@@ -15139,541 +16113,6 @@
           <a:chExt cx="0" cy="0"/>
         </a:xfrm>
       </p:grpSpPr>
-      <p:pic>
-        <p:nvPicPr>
-          <p:cNvPr id="3" name="Imagen 2">
-            <a:extLst>
-              <a:ext uri="{FF2B5EF4-FFF2-40B4-BE49-F238E27FC236}">
-                <a16:creationId xmlns:a16="http://schemas.microsoft.com/office/drawing/2014/main" id="{D9AF454D-EB09-456A-8C8A-9F9022704A40}"/>
-              </a:ext>
-            </a:extLst>
-          </p:cNvPr>
-          <p:cNvPicPr>
-            <a:picLocks noChangeAspect="1"/>
-          </p:cNvPicPr>
-          <p:nvPr/>
-        </p:nvPicPr>
-        <p:blipFill>
-          <a:blip r:embed="rId2"/>
-          <a:stretch>
-            <a:fillRect/>
-          </a:stretch>
-        </p:blipFill>
-        <p:spPr>
-          <a:xfrm>
-            <a:off x="447675" y="846459"/>
-            <a:ext cx="8248650" cy="3705225"/>
-          </a:xfrm>
-          <a:prstGeom prst="rect">
-            <a:avLst/>
-          </a:prstGeom>
-        </p:spPr>
-      </p:pic>
-      <p:sp>
-        <p:nvSpPr>
-          <p:cNvPr id="5" name="Título 4">
-            <a:extLst>
-              <a:ext uri="{FF2B5EF4-FFF2-40B4-BE49-F238E27FC236}">
-                <a16:creationId xmlns:a16="http://schemas.microsoft.com/office/drawing/2014/main" id="{308EA3A2-8D9E-4CDA-BD58-22C55FC26358}"/>
-              </a:ext>
-            </a:extLst>
-          </p:cNvPr>
-          <p:cNvSpPr>
-            <a:spLocks noGrp="1"/>
-          </p:cNvSpPr>
-          <p:nvPr>
-            <p:ph type="title"/>
-          </p:nvPr>
-        </p:nvSpPr>
-        <p:spPr>
-          <a:xfrm>
-            <a:off x="273387" y="111344"/>
-            <a:ext cx="3858900" cy="521100"/>
-          </a:xfrm>
-        </p:spPr>
-        <p:txBody>
-          <a:bodyPr/>
-          <a:lstStyle/>
-          <a:p>
-            <a:r>
-              <a:rPr lang="es-CO" dirty="0"/>
-              <a:t>Cronograma</a:t>
-            </a:r>
-          </a:p>
-        </p:txBody>
-      </p:sp>
-      <p:grpSp>
-        <p:nvGrpSpPr>
-          <p:cNvPr id="4" name="Google Shape;5496;p73">
-            <a:extLst>
-              <a:ext uri="{FF2B5EF4-FFF2-40B4-BE49-F238E27FC236}">
-                <a16:creationId xmlns:a16="http://schemas.microsoft.com/office/drawing/2014/main" id="{F76F9885-B262-418F-A2A0-44390A89C944}"/>
-              </a:ext>
-            </a:extLst>
-          </p:cNvPr>
-          <p:cNvGrpSpPr>
-            <a:grpSpLocks noChangeAspect="1"/>
-          </p:cNvGrpSpPr>
-          <p:nvPr/>
-        </p:nvGrpSpPr>
-        <p:grpSpPr>
-          <a:xfrm>
-            <a:off x="4618299" y="1426322"/>
-            <a:ext cx="198040" cy="195642"/>
-            <a:chOff x="3858100" y="1435075"/>
-            <a:chExt cx="487775" cy="481875"/>
-          </a:xfrm>
-          <a:solidFill>
-            <a:srgbClr val="336699">
-              <a:alpha val="60000"/>
-            </a:srgbClr>
-          </a:solidFill>
-        </p:grpSpPr>
-        <p:sp>
-          <p:nvSpPr>
-            <p:cNvPr id="7" name="Google Shape;5497;p73">
-              <a:extLst>
-                <a:ext uri="{FF2B5EF4-FFF2-40B4-BE49-F238E27FC236}">
-                  <a16:creationId xmlns:a16="http://schemas.microsoft.com/office/drawing/2014/main" id="{FBB2E84B-FFDB-4AAA-9B8D-1126C89051D9}"/>
-                </a:ext>
-              </a:extLst>
-            </p:cNvPr>
-            <p:cNvSpPr/>
-            <p:nvPr/>
-          </p:nvSpPr>
-          <p:spPr>
-            <a:xfrm>
-              <a:off x="3858100" y="1868750"/>
-              <a:ext cx="55575" cy="48200"/>
-            </a:xfrm>
-            <a:custGeom>
-              <a:avLst/>
-              <a:gdLst/>
-              <a:ahLst/>
-              <a:cxnLst/>
-              <a:rect l="l" t="t" r="r" b="b"/>
-              <a:pathLst>
-                <a:path w="2223" h="1928" extrusionOk="0">
-                  <a:moveTo>
-                    <a:pt x="1600" y="0"/>
-                  </a:moveTo>
-                  <a:cubicBezTo>
-                    <a:pt x="1460" y="0"/>
-                    <a:pt x="1319" y="53"/>
-                    <a:pt x="1211" y="158"/>
-                  </a:cubicBezTo>
-                  <a:lnTo>
-                    <a:pt x="413" y="959"/>
-                  </a:lnTo>
-                  <a:cubicBezTo>
-                    <a:pt x="0" y="1369"/>
-                    <a:pt x="388" y="1927"/>
-                    <a:pt x="825" y="1927"/>
-                  </a:cubicBezTo>
-                  <a:cubicBezTo>
-                    <a:pt x="956" y="1927"/>
-                    <a:pt x="1091" y="1877"/>
-                    <a:pt x="1211" y="1757"/>
-                  </a:cubicBezTo>
-                  <a:lnTo>
-                    <a:pt x="2009" y="959"/>
-                  </a:lnTo>
-                  <a:cubicBezTo>
-                    <a:pt x="2222" y="736"/>
-                    <a:pt x="2219" y="384"/>
-                    <a:pt x="2000" y="167"/>
-                  </a:cubicBezTo>
-                  <a:cubicBezTo>
-                    <a:pt x="1890" y="56"/>
-                    <a:pt x="1745" y="0"/>
-                    <a:pt x="1600" y="0"/>
-                  </a:cubicBezTo>
-                  <a:close/>
-                </a:path>
-              </a:pathLst>
-            </a:custGeom>
-            <a:grpFill/>
-            <a:ln>
-              <a:noFill/>
-            </a:ln>
-          </p:spPr>
-          <p:txBody>
-            <a:bodyPr spcFirstLastPara="1" wrap="square" lIns="91425" tIns="91425" rIns="91425" bIns="91425" anchor="ctr" anchorCtr="0">
-              <a:noAutofit/>
-            </a:bodyPr>
-            <a:lstStyle/>
-            <a:p>
-              <a:pPr marL="0" lvl="0" indent="0" algn="l" rtl="0">
-                <a:spcBef>
-                  <a:spcPts val="0"/>
-                </a:spcBef>
-                <a:spcAft>
-                  <a:spcPts val="0"/>
-                </a:spcAft>
-                <a:buNone/>
-              </a:pPr>
-              <a:endParaRPr>
-                <a:solidFill>
-                  <a:srgbClr val="435D74"/>
-                </a:solidFill>
-              </a:endParaRPr>
-            </a:p>
-          </p:txBody>
-        </p:sp>
-        <p:sp>
-          <p:nvSpPr>
-            <p:cNvPr id="8" name="Google Shape;5498;p73">
-              <a:extLst>
-                <a:ext uri="{FF2B5EF4-FFF2-40B4-BE49-F238E27FC236}">
-                  <a16:creationId xmlns:a16="http://schemas.microsoft.com/office/drawing/2014/main" id="{1BA31B9A-3E09-4314-8739-811D86D586DD}"/>
-                </a:ext>
-              </a:extLst>
-            </p:cNvPr>
-            <p:cNvSpPr/>
-            <p:nvPr/>
-          </p:nvSpPr>
-          <p:spPr>
-            <a:xfrm>
-              <a:off x="3917950" y="1808500"/>
-              <a:ext cx="60350" cy="48525"/>
-            </a:xfrm>
-            <a:custGeom>
-              <a:avLst/>
-              <a:gdLst/>
-              <a:ahLst/>
-              <a:cxnLst/>
-              <a:rect l="l" t="t" r="r" b="b"/>
-              <a:pathLst>
-                <a:path w="2414" h="1941" extrusionOk="0">
-                  <a:moveTo>
-                    <a:pt x="1601" y="1"/>
-                  </a:moveTo>
-                  <a:cubicBezTo>
-                    <a:pt x="1470" y="1"/>
-                    <a:pt x="1333" y="52"/>
-                    <a:pt x="1211" y="174"/>
-                  </a:cubicBezTo>
-                  <a:lnTo>
-                    <a:pt x="413" y="972"/>
-                  </a:lnTo>
-                  <a:cubicBezTo>
-                    <a:pt x="1" y="1384"/>
-                    <a:pt x="388" y="1941"/>
-                    <a:pt x="824" y="1941"/>
-                  </a:cubicBezTo>
-                  <a:cubicBezTo>
-                    <a:pt x="955" y="1941"/>
-                    <a:pt x="1091" y="1890"/>
-                    <a:pt x="1211" y="1770"/>
-                  </a:cubicBezTo>
-                  <a:lnTo>
-                    <a:pt x="2009" y="972"/>
-                  </a:lnTo>
-                  <a:cubicBezTo>
-                    <a:pt x="2414" y="569"/>
-                    <a:pt x="2037" y="1"/>
-                    <a:pt x="1601" y="1"/>
-                  </a:cubicBezTo>
-                  <a:close/>
-                </a:path>
-              </a:pathLst>
-            </a:custGeom>
-            <a:grpFill/>
-            <a:ln>
-              <a:noFill/>
-            </a:ln>
-          </p:spPr>
-          <p:txBody>
-            <a:bodyPr spcFirstLastPara="1" wrap="square" lIns="91425" tIns="91425" rIns="91425" bIns="91425" anchor="ctr" anchorCtr="0">
-              <a:noAutofit/>
-            </a:bodyPr>
-            <a:lstStyle/>
-            <a:p>
-              <a:pPr marL="0" lvl="0" indent="0" algn="l" rtl="0">
-                <a:spcBef>
-                  <a:spcPts val="0"/>
-                </a:spcBef>
-                <a:spcAft>
-                  <a:spcPts val="0"/>
-                </a:spcAft>
-                <a:buNone/>
-              </a:pPr>
-              <a:endParaRPr>
-                <a:solidFill>
-                  <a:srgbClr val="435D74"/>
-                </a:solidFill>
-              </a:endParaRPr>
-            </a:p>
-          </p:txBody>
-        </p:sp>
-        <p:sp>
-          <p:nvSpPr>
-            <p:cNvPr id="9" name="Google Shape;5499;p73">
-              <a:extLst>
-                <a:ext uri="{FF2B5EF4-FFF2-40B4-BE49-F238E27FC236}">
-                  <a16:creationId xmlns:a16="http://schemas.microsoft.com/office/drawing/2014/main" id="{9329B5BB-A091-414E-8BAB-4C22FF5ECA76}"/>
-                </a:ext>
-              </a:extLst>
-            </p:cNvPr>
-            <p:cNvSpPr/>
-            <p:nvPr/>
-          </p:nvSpPr>
-          <p:spPr>
-            <a:xfrm>
-              <a:off x="3876450" y="1435075"/>
-              <a:ext cx="450375" cy="251250"/>
-            </a:xfrm>
-            <a:custGeom>
-              <a:avLst/>
-              <a:gdLst/>
-              <a:ahLst/>
-              <a:cxnLst/>
-              <a:rect l="l" t="t" r="r" b="b"/>
-              <a:pathLst>
-                <a:path w="18015" h="10050" extrusionOk="0">
-                  <a:moveTo>
-                    <a:pt x="18014" y="1"/>
-                  </a:moveTo>
-                  <a:lnTo>
-                    <a:pt x="561" y="4762"/>
-                  </a:lnTo>
-                  <a:cubicBezTo>
-                    <a:pt x="121" y="4882"/>
-                    <a:pt x="1" y="5448"/>
-                    <a:pt x="350" y="5740"/>
-                  </a:cubicBezTo>
-                  <a:lnTo>
-                    <a:pt x="5584" y="10049"/>
-                  </a:lnTo>
-                  <a:lnTo>
-                    <a:pt x="18014" y="1"/>
-                  </a:lnTo>
-                  <a:close/>
-                </a:path>
-              </a:pathLst>
-            </a:custGeom>
-            <a:grpFill/>
-            <a:ln>
-              <a:noFill/>
-            </a:ln>
-          </p:spPr>
-          <p:txBody>
-            <a:bodyPr spcFirstLastPara="1" wrap="square" lIns="91425" tIns="91425" rIns="91425" bIns="91425" anchor="ctr" anchorCtr="0">
-              <a:noAutofit/>
-            </a:bodyPr>
-            <a:lstStyle/>
-            <a:p>
-              <a:pPr marL="0" lvl="0" indent="0" algn="l" rtl="0">
-                <a:spcBef>
-                  <a:spcPts val="0"/>
-                </a:spcBef>
-                <a:spcAft>
-                  <a:spcPts val="0"/>
-                </a:spcAft>
-                <a:buNone/>
-              </a:pPr>
-              <a:endParaRPr>
-                <a:solidFill>
-                  <a:srgbClr val="435D74"/>
-                </a:solidFill>
-              </a:endParaRPr>
-            </a:p>
-          </p:txBody>
-        </p:sp>
-        <p:sp>
-          <p:nvSpPr>
-            <p:cNvPr id="10" name="Google Shape;5500;p73">
-              <a:extLst>
-                <a:ext uri="{FF2B5EF4-FFF2-40B4-BE49-F238E27FC236}">
-                  <a16:creationId xmlns:a16="http://schemas.microsoft.com/office/drawing/2014/main" id="{F627E3A5-CF89-45E3-9897-1AA472792CB5}"/>
-                </a:ext>
-              </a:extLst>
-            </p:cNvPr>
-            <p:cNvSpPr/>
-            <p:nvPr/>
-          </p:nvSpPr>
-          <p:spPr>
-            <a:xfrm>
-              <a:off x="4094925" y="1456025"/>
-              <a:ext cx="250950" cy="445250"/>
-            </a:xfrm>
-            <a:custGeom>
-              <a:avLst/>
-              <a:gdLst/>
-              <a:ahLst/>
-              <a:cxnLst/>
-              <a:rect l="l" t="t" r="r" b="b"/>
-              <a:pathLst>
-                <a:path w="10038" h="17810" extrusionOk="0">
-                  <a:moveTo>
-                    <a:pt x="10037" y="0"/>
-                  </a:moveTo>
-                  <a:cubicBezTo>
-                    <a:pt x="9890" y="120"/>
-                    <a:pt x="118" y="12226"/>
-                    <a:pt x="1" y="12370"/>
-                  </a:cubicBezTo>
-                  <a:lnTo>
-                    <a:pt x="4313" y="17604"/>
-                  </a:lnTo>
-                  <a:cubicBezTo>
-                    <a:pt x="4428" y="17744"/>
-                    <a:pt x="4587" y="17809"/>
-                    <a:pt x="4745" y="17809"/>
-                  </a:cubicBezTo>
-                  <a:cubicBezTo>
-                    <a:pt x="4985" y="17809"/>
-                    <a:pt x="5222" y="17659"/>
-                    <a:pt x="5294" y="17390"/>
-                  </a:cubicBezTo>
-                  <a:lnTo>
-                    <a:pt x="10037" y="0"/>
-                  </a:lnTo>
-                  <a:close/>
-                </a:path>
-              </a:pathLst>
-            </a:custGeom>
-            <a:grpFill/>
-            <a:ln>
-              <a:noFill/>
-            </a:ln>
-          </p:spPr>
-          <p:txBody>
-            <a:bodyPr spcFirstLastPara="1" wrap="square" lIns="91425" tIns="91425" rIns="91425" bIns="91425" anchor="ctr" anchorCtr="0">
-              <a:noAutofit/>
-            </a:bodyPr>
-            <a:lstStyle/>
-            <a:p>
-              <a:pPr marL="0" lvl="0" indent="0" algn="l" rtl="0">
-                <a:spcBef>
-                  <a:spcPts val="0"/>
-                </a:spcBef>
-                <a:spcAft>
-                  <a:spcPts val="0"/>
-                </a:spcAft>
-                <a:buNone/>
-              </a:pPr>
-              <a:endParaRPr>
-                <a:solidFill>
-                  <a:srgbClr val="435D74"/>
-                </a:solidFill>
-              </a:endParaRPr>
-            </a:p>
-          </p:txBody>
-        </p:sp>
-        <p:sp>
-          <p:nvSpPr>
-            <p:cNvPr id="11" name="Google Shape;5501;p73">
-              <a:extLst>
-                <a:ext uri="{FF2B5EF4-FFF2-40B4-BE49-F238E27FC236}">
-                  <a16:creationId xmlns:a16="http://schemas.microsoft.com/office/drawing/2014/main" id="{A558FA3E-F502-491B-89C5-B5328D9E1B26}"/>
-                </a:ext>
-              </a:extLst>
-            </p:cNvPr>
-            <p:cNvSpPr/>
-            <p:nvPr/>
-          </p:nvSpPr>
-          <p:spPr>
-            <a:xfrm>
-              <a:off x="3993575" y="1542825"/>
-              <a:ext cx="245025" cy="242525"/>
-            </a:xfrm>
-            <a:custGeom>
-              <a:avLst/>
-              <a:gdLst/>
-              <a:ahLst/>
-              <a:cxnLst/>
-              <a:rect l="l" t="t" r="r" b="b"/>
-              <a:pathLst>
-                <a:path w="9801" h="9701" extrusionOk="0">
-                  <a:moveTo>
-                    <a:pt x="9800" y="0"/>
-                  </a:moveTo>
-                  <a:lnTo>
-                    <a:pt x="646" y="7399"/>
-                  </a:lnTo>
-                  <a:lnTo>
-                    <a:pt x="125" y="8955"/>
-                  </a:lnTo>
-                  <a:cubicBezTo>
-                    <a:pt x="1" y="9338"/>
-                    <a:pt x="298" y="9700"/>
-                    <a:pt x="659" y="9700"/>
-                  </a:cubicBezTo>
-                  <a:cubicBezTo>
-                    <a:pt x="719" y="9700"/>
-                    <a:pt x="780" y="9690"/>
-                    <a:pt x="842" y="9669"/>
-                  </a:cubicBezTo>
-                  <a:lnTo>
-                    <a:pt x="2398" y="9151"/>
-                  </a:lnTo>
-                  <a:lnTo>
-                    <a:pt x="9800" y="0"/>
-                  </a:lnTo>
-                  <a:close/>
-                </a:path>
-              </a:pathLst>
-            </a:custGeom>
-            <a:grpFill/>
-            <a:ln>
-              <a:noFill/>
-            </a:ln>
-          </p:spPr>
-          <p:txBody>
-            <a:bodyPr spcFirstLastPara="1" wrap="square" lIns="91425" tIns="91425" rIns="91425" bIns="91425" anchor="ctr" anchorCtr="0">
-              <a:noAutofit/>
-            </a:bodyPr>
-            <a:lstStyle/>
-            <a:p>
-              <a:pPr marL="0" lvl="0" indent="0" algn="l" rtl="0">
-                <a:spcBef>
-                  <a:spcPts val="0"/>
-                </a:spcBef>
-                <a:spcAft>
-                  <a:spcPts val="0"/>
-                </a:spcAft>
-                <a:buNone/>
-              </a:pPr>
-              <a:endParaRPr>
-                <a:solidFill>
-                  <a:srgbClr val="435D74"/>
-                </a:solidFill>
-              </a:endParaRPr>
-            </a:p>
-          </p:txBody>
-        </p:sp>
-      </p:grpSp>
-    </p:spTree>
-    <p:extLst>
-      <p:ext uri="{BB962C8B-B14F-4D97-AF65-F5344CB8AC3E}">
-        <p14:creationId xmlns:p14="http://schemas.microsoft.com/office/powerpoint/2010/main" val="2810156253"/>
-      </p:ext>
-    </p:extLst>
-  </p:cSld>
-  <p:clrMapOvr>
-    <a:masterClrMapping/>
-  </p:clrMapOvr>
-</p:sld>
-</file>
-
-<file path=ppt/slides/slide4.xml><?xml version="1.0" encoding="utf-8"?>
-<p:sld xmlns:a="http://schemas.openxmlformats.org/drawingml/2006/main" xmlns:r="http://schemas.openxmlformats.org/officeDocument/2006/relationships" xmlns:p="http://schemas.openxmlformats.org/presentationml/2006/main">
-  <p:cSld>
-    <p:spTree>
-      <p:nvGrpSpPr>
-        <p:cNvPr id="1" name=""/>
-        <p:cNvGrpSpPr/>
-        <p:nvPr/>
-      </p:nvGrpSpPr>
-      <p:grpSpPr>
-        <a:xfrm>
-          <a:off x="0" y="0"/>
-          <a:ext cx="0" cy="0"/>
-          <a:chOff x="0" y="0"/>
-          <a:chExt cx="0" cy="0"/>
-        </a:xfrm>
-      </p:grpSpPr>
       <p:sp>
         <p:nvSpPr>
           <p:cNvPr id="2" name="Título 1">
@@ -15845,7 +16284,7 @@
                 <a:cs typeface="Open Sans" panose="020B0604020202020204" charset="0"/>
                 <a:sym typeface="Lato"/>
               </a:rPr>
-              <a:t>Cálculo de estadísticas de riesgo retorno calculado igual que en el archivo </a:t>
+              <a:t>Cálculo de estadísticas de riesgo retorno replicando el archivo </a:t>
             </a:r>
             <a:r>
               <a:rPr lang="en-US" dirty="0">
@@ -15895,7 +16334,7 @@
                 <a:cs typeface="Open Sans" panose="020B0604020202020204" charset="0"/>
                 <a:sym typeface="Lato"/>
               </a:rPr>
-              <a:t>Análisis y comparación de estadísticas para identificar la mejor estrategia igual que en el archivo </a:t>
+              <a:t>Análisis y comparación de estadísticas para identificar la mejor estrategia replicando el archivo </a:t>
             </a:r>
             <a:r>
               <a:rPr lang="en-US" dirty="0">
@@ -15935,93 +16374,6 @@
               <a:cs typeface="Open Sans" panose="020B0604020202020204" charset="0"/>
               <a:sym typeface="Lato"/>
             </a:endParaRPr>
-          </a:p>
-          <a:p>
-            <a:pPr marL="457200" lvl="2" indent="-342900">
-              <a:lnSpc>
-                <a:spcPct val="100000"/>
-              </a:lnSpc>
-              <a:spcBef>
-                <a:spcPts val="0"/>
-              </a:spcBef>
-              <a:buClr>
-                <a:srgbClr val="677480"/>
-              </a:buClr>
-              <a:buSzPts val="1100"/>
-              <a:defRPr/>
-            </a:pPr>
-            <a:r>
-              <a:rPr lang="en-US" b="1" dirty="0" err="1">
-                <a:solidFill>
-                  <a:srgbClr val="677480"/>
-                </a:solidFill>
-                <a:latin typeface="Montserrat Medium" panose="020B0604020202020204" charset="0"/>
-                <a:ea typeface="Open Sans" panose="020B0604020202020204" charset="0"/>
-                <a:cs typeface="Open Sans" panose="020B0604020202020204" charset="0"/>
-                <a:sym typeface="Lato"/>
-              </a:rPr>
-              <a:t>Backtest</a:t>
-            </a:r>
-            <a:r>
-              <a:rPr lang="en-US" b="1" dirty="0">
-                <a:solidFill>
-                  <a:srgbClr val="677480"/>
-                </a:solidFill>
-                <a:latin typeface="Montserrat Medium" panose="020B0604020202020204" charset="0"/>
-                <a:ea typeface="Open Sans" panose="020B0604020202020204" charset="0"/>
-                <a:cs typeface="Open Sans" panose="020B0604020202020204" charset="0"/>
-                <a:sym typeface="Lato"/>
-              </a:rPr>
-              <a:t> de </a:t>
-            </a:r>
-            <a:r>
-              <a:rPr lang="en-US" b="1" dirty="0" err="1">
-                <a:solidFill>
-                  <a:srgbClr val="677480"/>
-                </a:solidFill>
-                <a:latin typeface="Montserrat Medium" panose="020B0604020202020204" charset="0"/>
-                <a:ea typeface="Open Sans" panose="020B0604020202020204" charset="0"/>
-                <a:cs typeface="Open Sans" panose="020B0604020202020204" charset="0"/>
-                <a:sym typeface="Lato"/>
-              </a:rPr>
-              <a:t>estrategias</a:t>
-            </a:r>
-            <a:r>
-              <a:rPr lang="en-US" b="1" dirty="0">
-                <a:solidFill>
-                  <a:srgbClr val="677480"/>
-                </a:solidFill>
-                <a:latin typeface="Montserrat Medium" panose="020B0604020202020204" charset="0"/>
-                <a:ea typeface="Open Sans" panose="020B0604020202020204" charset="0"/>
-                <a:cs typeface="Open Sans" panose="020B0604020202020204" charset="0"/>
-                <a:sym typeface="Lato"/>
-              </a:rPr>
-              <a:t> </a:t>
-            </a:r>
-            <a:r>
-              <a:rPr lang="en-US" b="1" dirty="0" err="1">
-                <a:solidFill>
-                  <a:srgbClr val="677480"/>
-                </a:solidFill>
-                <a:latin typeface="Montserrat Medium" panose="020B0604020202020204" charset="0"/>
-                <a:ea typeface="Open Sans" panose="020B0604020202020204" charset="0"/>
-                <a:cs typeface="Open Sans" panose="020B0604020202020204" charset="0"/>
-                <a:sym typeface="Lato"/>
-              </a:rPr>
-              <a:t>actuales</a:t>
-            </a:r>
-            <a:r>
-              <a:rPr lang="en-US" b="1" dirty="0">
-                <a:solidFill>
-                  <a:srgbClr val="677480"/>
-                </a:solidFill>
-                <a:latin typeface="Montserrat Medium" panose="020B0604020202020204" charset="0"/>
-                <a:ea typeface="Open Sans" panose="020B0604020202020204" charset="0"/>
-                <a:cs typeface="Open Sans" panose="020B0604020202020204" charset="0"/>
-                <a:sym typeface="Lato"/>
-              </a:rPr>
-              <a:t> </a:t>
-            </a:r>
           </a:p>
           <a:p>
             <a:pPr marL="914400" lvl="3" indent="-342900">
@@ -16290,7 +16642,7 @@
 </p:sld>
 </file>
 
-<file path=ppt/slides/slide5.xml><?xml version="1.0" encoding="utf-8"?>
+<file path=ppt/slides/slide4.xml><?xml version="1.0" encoding="utf-8"?>
 <p:sld xmlns:a="http://schemas.openxmlformats.org/drawingml/2006/main" xmlns:r="http://schemas.openxmlformats.org/officeDocument/2006/relationships" xmlns:p="http://schemas.openxmlformats.org/presentationml/2006/main">
   <p:cSld>
     <p:spTree>
@@ -16554,43 +16906,8 @@
                   <a:cs typeface="Open Sans" panose="020B0604020202020204" charset="0"/>
                   <a:sym typeface="Lato"/>
                 </a:rPr>
-                <a:t>Cálculo de medidas de riesgo/retorno.</a:t>
+                <a:t>Registro diario de los criterios aplicados a las decisiones de inversión</a:t>
               </a:r>
-            </a:p>
-            <a:p>
-              <a:pPr marL="169863" indent="-169863">
-                <a:lnSpc>
-                  <a:spcPct val="115000"/>
-                </a:lnSpc>
-                <a:buClr>
-                  <a:srgbClr val="677480"/>
-                </a:buClr>
-                <a:buSzPts val="1100"/>
-                <a:buFont typeface="Arial" panose="020B0604020202020204" pitchFamily="34" charset="0"/>
-                <a:buChar char="•"/>
-                <a:defRPr/>
-              </a:pPr>
-              <a:r>
-                <a:rPr lang="es-CO" sz="1600" dirty="0">
-                  <a:solidFill>
-                    <a:srgbClr val="677480"/>
-                  </a:solidFill>
-                  <a:latin typeface="Montserrat Medium" panose="020B0604020202020204" charset="0"/>
-                  <a:ea typeface="Open Sans" panose="020B0604020202020204" charset="0"/>
-                  <a:cs typeface="Open Sans" panose="020B0604020202020204" charset="0"/>
-                  <a:sym typeface="Lato"/>
-                </a:rPr>
-                <a:t>Registro diario de los criterios aplicados a las decisiones de inversión.</a:t>
-              </a:r>
-              <a:endParaRPr lang="es-CO" sz="1200" dirty="0">
-                <a:solidFill>
-                  <a:srgbClr val="677480"/>
-                </a:solidFill>
-                <a:latin typeface="Montserrat Medium" panose="020B0604020202020204" charset="0"/>
-                <a:ea typeface="Open Sans" panose="020B0604020202020204" charset="0"/>
-                <a:cs typeface="Open Sans" panose="020B0604020202020204" charset="0"/>
-                <a:sym typeface="Lato"/>
-              </a:endParaRPr>
             </a:p>
             <a:p>
               <a:pPr marL="169863" lvl="0" indent="-169863">
@@ -16615,7 +16932,52 @@
                   <a:cs typeface="Open Sans" panose="020B0604020202020204" charset="0"/>
                   <a:sym typeface="Lato"/>
                 </a:rPr>
-                <a:t>Identificación de mejor estrategia.</a:t>
+                <a:t>Cálculo de medidas de riesgo/retorno.</a:t>
+              </a:r>
+            </a:p>
+            <a:p>
+              <a:pPr>
+                <a:lnSpc>
+                  <a:spcPct val="115000"/>
+                </a:lnSpc>
+                <a:buClr>
+                  <a:srgbClr val="677480"/>
+                </a:buClr>
+                <a:buSzPts val="1100"/>
+                <a:defRPr/>
+              </a:pPr>
+              <a:endParaRPr lang="es-CO" sz="1200" dirty="0">
+                <a:solidFill>
+                  <a:srgbClr val="677480"/>
+                </a:solidFill>
+                <a:latin typeface="Montserrat Medium" panose="020B0604020202020204" charset="0"/>
+                <a:ea typeface="Open Sans" panose="020B0604020202020204" charset="0"/>
+                <a:cs typeface="Open Sans" panose="020B0604020202020204" charset="0"/>
+                <a:sym typeface="Lato"/>
+              </a:endParaRPr>
+            </a:p>
+            <a:p>
+              <a:pPr lvl="0">
+                <a:lnSpc>
+                  <a:spcPct val="115000"/>
+                </a:lnSpc>
+                <a:buClr>
+                  <a:srgbClr val="677480"/>
+                </a:buClr>
+                <a:buSzPts val="1100"/>
+                <a:defRPr/>
+              </a:pPr>
+              <a:r>
+                <a:rPr lang="es-CO" sz="1600" dirty="0">
+                  <a:solidFill>
+                    <a:srgbClr val="677480"/>
+                  </a:solidFill>
+                  <a:latin typeface="Montserrat Medium" panose="020B0604020202020204" charset="0"/>
+                  <a:ea typeface="Open Sans" panose="020B0604020202020204" charset="0"/>
+                  <a:cs typeface="Open Sans" panose="020B0604020202020204" charset="0"/>
+                  <a:sym typeface="Lato"/>
+                </a:rPr>
+                <a:t>Identificación de la mejor estrategia.</a:t>
               </a:r>
             </a:p>
           </p:txBody>
@@ -16762,10 +17124,12 @@
             </a:bodyPr>
             <a:lstStyle/>
             <a:p>
-              <a:pPr>
+              <a:pPr marL="342900" indent="-342900">
                 <a:lnSpc>
                   <a:spcPct val="115000"/>
                 </a:lnSpc>
+                <a:buFont typeface="+mj-lt"/>
+                <a:buAutoNum type="arabicPeriod"/>
                 <a:defRPr/>
               </a:pPr>
               <a:r>
@@ -16778,7 +17142,29 @@
                   <a:cs typeface="Open Sans" panose="020B0604020202020204" charset="0"/>
                   <a:sym typeface="Lato"/>
                 </a:rPr>
-                <a:t>Algoritmo para cálculo de señal y serie histórica </a:t>
+                <a:t>Algoritmo para cálculo de señal.</a:t>
+              </a:r>
+            </a:p>
+            <a:p>
+              <a:pPr marL="342900" indent="-342900">
+                <a:lnSpc>
+                  <a:spcPct val="115000"/>
+                </a:lnSpc>
+                <a:buFont typeface="+mj-lt"/>
+                <a:buAutoNum type="arabicPeriod"/>
+                <a:defRPr/>
+              </a:pPr>
+              <a:r>
+                <a:rPr lang="es-CO" sz="1600" dirty="0">
+                  <a:solidFill>
+                    <a:srgbClr val="677480"/>
+                  </a:solidFill>
+                  <a:latin typeface="Montserrat Medium" panose="020B0604020202020204" charset="0"/>
+                  <a:ea typeface="Open Sans" panose="020B0604020202020204" charset="0"/>
+                  <a:cs typeface="Open Sans" panose="020B0604020202020204" charset="0"/>
+                  <a:sym typeface="Lato"/>
+                </a:rPr>
+                <a:t>Serie histórica </a:t>
               </a:r>
               <a:r>
                 <a:rPr lang="es-CO" sz="1600" dirty="0" err="1">
@@ -16974,8 +17360,8 @@
           </p:nvSpPr>
           <p:spPr>
             <a:xfrm>
-              <a:off x="3478949" y="2057126"/>
-              <a:ext cx="2236200" cy="4295242"/>
+              <a:off x="3253564" y="2057126"/>
+              <a:ext cx="2647506" cy="4295242"/>
             </a:xfrm>
             <a:prstGeom prst="rect">
               <a:avLst/>
@@ -17011,7 +17397,31 @@
                   <a:cs typeface="Open Sans" panose="020B0604020202020204" charset="0"/>
                   <a:sym typeface="Lato"/>
                 </a:rPr>
-                <a:t>Construcción de los 81 portafolios que siguen el algoritmo de órdenes de acuerdo a la estrategia definida por </a:t>
+                <a:t>Construcción de los 81 portafolios (9 fractales </a:t>
+              </a:r>
+              <a:r>
+                <a:rPr lang="es-CO" sz="1600" dirty="0" err="1">
+                  <a:solidFill>
+                    <a:srgbClr val="677480"/>
+                  </a:solidFill>
+                  <a:latin typeface="Montserrat Medium" panose="020B0604020202020204" charset="0"/>
+                  <a:ea typeface="Open Sans" panose="020B0604020202020204" charset="0"/>
+                  <a:cs typeface="Open Sans" panose="020B0604020202020204" charset="0"/>
+                  <a:sym typeface="Lato"/>
+                </a:rPr>
+                <a:t>intradiarios</a:t>
+              </a:r>
+              <a:r>
+                <a:rPr lang="es-CO" sz="1600" dirty="0">
+                  <a:solidFill>
+                    <a:srgbClr val="677480"/>
+                  </a:solidFill>
+                  <a:latin typeface="Montserrat Medium" panose="020B0604020202020204" charset="0"/>
+                  <a:ea typeface="Open Sans" panose="020B0604020202020204" charset="0"/>
+                  <a:cs typeface="Open Sans" panose="020B0604020202020204" charset="0"/>
+                  <a:sym typeface="Lato"/>
+                </a:rPr>
+                <a:t> combinados con 9 diarios) que siguen el algoritmo de órdenes de acuerdo a la estrategia definida por </a:t>
               </a:r>
               <a:r>
                 <a:rPr lang="es-CO" sz="1600" dirty="0" err="1">
@@ -17115,7 +17525,7 @@
 </p:sld>
 </file>
 
-<file path=ppt/slides/slide6.xml><?xml version="1.0" encoding="utf-8"?>
+<file path=ppt/slides/slide5.xml><?xml version="1.0" encoding="utf-8"?>
 <p:sld xmlns:a="http://schemas.openxmlformats.org/drawingml/2006/main" xmlns:r="http://schemas.openxmlformats.org/officeDocument/2006/relationships" xmlns:p="http://schemas.openxmlformats.org/presentationml/2006/main">
   <p:cSld>
     <p:spTree>
@@ -17265,8 +17675,8 @@
         </p:nvSpPr>
         <p:spPr>
           <a:xfrm>
-            <a:off x="7725680" y="3272430"/>
-            <a:ext cx="822900" cy="393600"/>
+            <a:off x="7725679" y="3272430"/>
+            <a:ext cx="914219" cy="393600"/>
           </a:xfrm>
           <a:prstGeom prst="homePlate">
             <a:avLst>
@@ -18378,7 +18788,7 @@
                 <a:cs typeface="Lato"/>
                 <a:sym typeface="Lato"/>
               </a:rPr>
-              <a:t> de precio y de tabla de fractales a evaluar</a:t>
+              <a:t> de precio y de la tabla de fractales a evaluar</a:t>
             </a:r>
             <a:endParaRPr kumimoji="0" lang="es-CO" sz="900" b="0" i="0" u="none" strike="noStrike" kern="0" cap="none" spc="0" normalizeH="0" baseline="0" noProof="0" dirty="0">
               <a:ln>
@@ -18414,7 +18824,7 @@
         </p:nvCxnSpPr>
         <p:spPr>
           <a:xfrm rot="10800000">
-            <a:off x="2208393" y="2798411"/>
+            <a:off x="2346618" y="2798411"/>
             <a:ext cx="0" cy="498600"/>
           </a:xfrm>
           <a:prstGeom prst="straightConnector1">
@@ -18666,8 +19076,8 @@
         </p:nvSpPr>
         <p:spPr>
           <a:xfrm>
-            <a:off x="5300611" y="2243680"/>
-            <a:ext cx="619740" cy="533400"/>
+            <a:off x="4792822" y="2180321"/>
+            <a:ext cx="1656830" cy="596759"/>
           </a:xfrm>
           <a:prstGeom prst="rect">
             <a:avLst/>
@@ -18683,11 +19093,11 @@
           </a:bodyPr>
           <a:lstStyle/>
           <a:p>
-            <a:pPr lvl="0">
+            <a:pPr>
               <a:defRPr/>
             </a:pPr>
             <a:r>
-              <a:rPr lang="es-CO" sz="900">
+              <a:rPr lang="es-CO" sz="900" dirty="0">
                 <a:solidFill>
                   <a:schemeClr val="tx1"/>
                 </a:solidFill>
@@ -18696,23 +19106,8 @@
                 <a:cs typeface="Lato"/>
                 <a:sym typeface="Lato"/>
               </a:rPr>
-              <a:t>Cálculo de posiciones finales y valoración del portafolio.</a:t>
+              <a:t>Registro de apertura y cierre de posiciones, identificando precio de apertura PA y cierre PC.</a:t>
             </a:r>
-            <a:endParaRPr kumimoji="0" lang="es-CO" sz="900" b="0" i="0" u="none" strike="noStrike" kern="0" cap="none" spc="0" normalizeH="0" baseline="0">
-              <a:ln>
-                <a:noFill/>
-              </a:ln>
-              <a:solidFill>
-                <a:schemeClr val="tx1"/>
-              </a:solidFill>
-              <a:effectLst/>
-              <a:uLnTx/>
-              <a:uFillTx/>
-              <a:latin typeface="Montserrat Medium" panose="020B0604020202020204" charset="0"/>
-              <a:ea typeface="Lato"/>
-              <a:cs typeface="Lato"/>
-              <a:sym typeface="Lato"/>
-            </a:endParaRPr>
           </a:p>
         </p:txBody>
       </p:sp>
@@ -19238,8 +19633,53 @@
                 <a:cs typeface="Lato"/>
                 <a:sym typeface="Lato"/>
               </a:rPr>
-              <a:t>Registro de apertura y cierre de posiciones, identificando precio de apertura y cierre</a:t>
+              <a:t>Cálculo de utilidad por </a:t>
             </a:r>
+            <a:r>
+              <a:rPr kumimoji="0" lang="es-CO" sz="900" b="0" i="0" u="none" strike="noStrike" kern="0" cap="none" spc="0" normalizeH="0" baseline="0" noProof="0" dirty="0" err="1">
+                <a:ln>
+                  <a:noFill/>
+                </a:ln>
+                <a:solidFill>
+                  <a:schemeClr val="tx1"/>
+                </a:solidFill>
+                <a:effectLst/>
+                <a:uLnTx/>
+                <a:uFillTx/>
+                <a:latin typeface="Montserrat Medium" panose="020B0604020202020204" charset="0"/>
+                <a:ea typeface="Lato"/>
+                <a:cs typeface="Lato"/>
+                <a:sym typeface="Lato"/>
+              </a:rPr>
+              <a:t>trade</a:t>
+            </a:r>
+            <a:r>
+              <a:rPr lang="es-CO" sz="900" dirty="0">
+                <a:solidFill>
+                  <a:schemeClr val="tx1"/>
+                </a:solidFill>
+                <a:latin typeface="Montserrat Medium" panose="020B0604020202020204" charset="0"/>
+                <a:ea typeface="Lato"/>
+                <a:cs typeface="Lato"/>
+                <a:sym typeface="Lato"/>
+              </a:rPr>
+              <a:t>: PC - PA</a:t>
+            </a:r>
+            <a:endParaRPr kumimoji="0" lang="es-CO" sz="900" b="0" i="0" u="none" strike="noStrike" kern="0" cap="none" spc="0" normalizeH="0" baseline="0" noProof="0" dirty="0">
+              <a:ln>
+                <a:noFill/>
+              </a:ln>
+              <a:solidFill>
+                <a:schemeClr val="tx1"/>
+              </a:solidFill>
+              <a:effectLst/>
+              <a:uLnTx/>
+              <a:uFillTx/>
+              <a:latin typeface="Montserrat Medium" panose="020B0604020202020204" charset="0"/>
+              <a:ea typeface="Lato"/>
+              <a:cs typeface="Lato"/>
+              <a:sym typeface="Lato"/>
+            </a:endParaRPr>
           </a:p>
         </p:txBody>
       </p:sp>
@@ -19997,7 +20437,7 @@
 </p:sld>
 </file>
 
-<file path=ppt/slides/slide7.xml><?xml version="1.0" encoding="utf-8"?>
+<file path=ppt/slides/slide6.xml><?xml version="1.0" encoding="utf-8"?>
 <p:sld xmlns:a="http://schemas.openxmlformats.org/drawingml/2006/main" xmlns:r="http://schemas.openxmlformats.org/officeDocument/2006/relationships" xmlns:p="http://schemas.openxmlformats.org/presentationml/2006/main">
   <p:cSld>
     <p:spTree>
@@ -20125,7 +20565,7 @@
 </p:sld>
 </file>
 
-<file path=ppt/slides/slide8.xml><?xml version="1.0" encoding="utf-8"?>
+<file path=ppt/slides/slide7.xml><?xml version="1.0" encoding="utf-8"?>
 <p:sld xmlns:a="http://schemas.openxmlformats.org/drawingml/2006/main" xmlns:r="http://schemas.openxmlformats.org/officeDocument/2006/relationships" xmlns:p="http://schemas.openxmlformats.org/presentationml/2006/main">
   <p:cSld>
     <p:spTree>
@@ -21119,7 +21559,7 @@
           <p:nvPr>
             <p:extLst>
               <p:ext uri="{D42A27DB-BD31-4B8C-83A1-F6EECF244321}">
-                <p14:modId xmlns:p14="http://schemas.microsoft.com/office/powerpoint/2010/main" val="3747802450"/>
+                <p14:modId xmlns:p14="http://schemas.microsoft.com/office/powerpoint/2010/main" val="840939437"/>
               </p:ext>
             </p:extLst>
           </p:nvPr>
@@ -21525,12 +21965,18 @@
                       <a:pPr algn="ctr"/>
                       <a:r>
                         <a:rPr lang="es-MX" sz="900" noProof="0" dirty="0">
+                          <a:solidFill>
+                            <a:srgbClr val="FF5D5D"/>
+                          </a:solidFill>
                           <a:latin typeface="Montserrat Medium" panose="020B0604020202020204" charset="0"/>
                         </a:rPr>
                         <a:t>F</a:t>
                       </a:r>
                       <a:r>
                         <a:rPr lang="es-CO" sz="900" noProof="0" dirty="0">
+                          <a:solidFill>
+                            <a:srgbClr val="FF5D5D"/>
+                          </a:solidFill>
                           <a:latin typeface="Montserrat Medium" panose="020B0604020202020204" charset="0"/>
                         </a:rPr>
                         <a:t>DX</a:t>
@@ -21547,12 +21993,18 @@
                       <a:pPr algn="ctr"/>
                       <a:r>
                         <a:rPr lang="es-MX" sz="900" noProof="0" dirty="0">
+                          <a:solidFill>
+                            <a:srgbClr val="FF5D5D"/>
+                          </a:solidFill>
                           <a:latin typeface="Montserrat Medium" panose="020B0604020202020204" charset="0"/>
                         </a:rPr>
                         <a:t>F</a:t>
                       </a:r>
                       <a:r>
                         <a:rPr lang="es-CO" sz="900" noProof="0" dirty="0">
+                          <a:solidFill>
+                            <a:srgbClr val="FF5D5D"/>
+                          </a:solidFill>
                           <a:latin typeface="Montserrat Medium" panose="020B0604020202020204" charset="0"/>
                         </a:rPr>
                         <a:t>DX</a:t>
@@ -21617,12 +22069,18 @@
                       <a:pPr algn="ctr"/>
                       <a:r>
                         <a:rPr lang="es-MX" sz="900" noProof="0" dirty="0">
+                          <a:solidFill>
+                            <a:srgbClr val="FF5D5D"/>
+                          </a:solidFill>
                           <a:latin typeface="Montserrat Medium" panose="020B0604020202020204" charset="0"/>
                         </a:rPr>
                         <a:t>F</a:t>
                       </a:r>
                       <a:r>
                         <a:rPr lang="es-CO" sz="900" noProof="0" dirty="0">
+                          <a:solidFill>
+                            <a:srgbClr val="FF5D5D"/>
+                          </a:solidFill>
                           <a:latin typeface="Montserrat Medium" panose="020B0604020202020204" charset="0"/>
                         </a:rPr>
                         <a:t>DX</a:t>
@@ -21639,12 +22097,18 @@
                       <a:pPr algn="ctr"/>
                       <a:r>
                         <a:rPr lang="es-MX" sz="900" noProof="0" dirty="0">
+                          <a:solidFill>
+                            <a:srgbClr val="FF5D5D"/>
+                          </a:solidFill>
                           <a:latin typeface="Montserrat Medium" panose="020B0604020202020204" charset="0"/>
                         </a:rPr>
                         <a:t>F</a:t>
                       </a:r>
                       <a:r>
                         <a:rPr lang="es-CO" sz="900" noProof="0" dirty="0">
+                          <a:solidFill>
+                            <a:srgbClr val="FF5D5D"/>
+                          </a:solidFill>
                           <a:latin typeface="Montserrat Medium" panose="020B0604020202020204" charset="0"/>
                         </a:rPr>
                         <a:t>DX</a:t>
@@ -24071,7 +24535,7 @@
 </p:sld>
 </file>
 
-<file path=ppt/slides/slide9.xml><?xml version="1.0" encoding="utf-8"?>
+<file path=ppt/slides/slide8.xml><?xml version="1.0" encoding="utf-8"?>
 <p:sld xmlns:a="http://schemas.openxmlformats.org/drawingml/2006/main" xmlns:r="http://schemas.openxmlformats.org/officeDocument/2006/relationships" xmlns:p="http://schemas.openxmlformats.org/presentationml/2006/main">
   <p:cSld>
     <p:spTree>
@@ -24282,23 +24746,31 @@
                 <a:defRPr/>
               </a:pPr>
               <a:r>
-                <a:rPr kumimoji="0" lang="es-CO" sz="1600" b="0" i="0" u="none" strike="noStrike" kern="0" cap="none" spc="0" normalizeH="0" baseline="0" noProof="0" dirty="0">
-                  <a:ln>
-                    <a:noFill/>
-                  </a:ln>
+                <a:rPr lang="es-CO" sz="1600" dirty="0">
                   <a:solidFill>
                     <a:srgbClr val="677480"/>
                   </a:solidFill>
-                  <a:effectLst/>
-                  <a:uLnTx/>
-                  <a:uFillTx/>
                   <a:latin typeface="Montserrat Medium" panose="020B0604020202020204" charset="0"/>
                   <a:ea typeface="Open Sans" panose="020B0604020202020204" charset="0"/>
                   <a:cs typeface="Open Sans" panose="020B0604020202020204" charset="0"/>
                   <a:sym typeface="Lato"/>
                 </a:rPr>
-                <a:t>Base de datos de las 81 estrategias con</a:t>
+                <a:t>Base de datos de las 81 estrategias con:</a:t>
               </a:r>
+            </a:p>
+            <a:p>
+              <a:pPr marL="169863" lvl="0" indent="-169863">
+                <a:lnSpc>
+                  <a:spcPct val="115000"/>
+                </a:lnSpc>
+                <a:buClr>
+                  <a:srgbClr val="677480"/>
+                </a:buClr>
+                <a:buSzPts val="1100"/>
+                <a:buFont typeface="Arial" panose="020B0604020202020204" pitchFamily="34" charset="0"/>
+                <a:buChar char="•"/>
+                <a:defRPr/>
+              </a:pPr>
               <a:r>
                 <a:rPr lang="es-CO" sz="1600" dirty="0">
                   <a:solidFill>
@@ -24309,7 +24781,7 @@
                   <a:cs typeface="Open Sans" panose="020B0604020202020204" charset="0"/>
                   <a:sym typeface="Lato"/>
                 </a:rPr>
-                <a:t>:</a:t>
+                <a:t>Registro diario de los criterios aplicados a las decisiones de inversión</a:t>
               </a:r>
             </a:p>
             <a:p>
@@ -24339,7 +24811,7 @@
               </a:r>
             </a:p>
             <a:p>
-              <a:pPr marL="169863" indent="-169863">
+              <a:pPr>
                 <a:lnSpc>
                   <a:spcPct val="115000"/>
                 </a:lnSpc>
@@ -24347,8 +24819,27 @@
                   <a:srgbClr val="677480"/>
                 </a:buClr>
                 <a:buSzPts val="1100"/>
-                <a:buFont typeface="Arial" panose="020B0604020202020204" pitchFamily="34" charset="0"/>
-                <a:buChar char="•"/>
+                <a:defRPr/>
+              </a:pPr>
+              <a:endParaRPr lang="es-CO" sz="1200" dirty="0">
+                <a:solidFill>
+                  <a:srgbClr val="677480"/>
+                </a:solidFill>
+                <a:latin typeface="Montserrat Medium" panose="020B0604020202020204" charset="0"/>
+                <a:ea typeface="Open Sans" panose="020B0604020202020204" charset="0"/>
+                <a:cs typeface="Open Sans" panose="020B0604020202020204" charset="0"/>
+                <a:sym typeface="Lato"/>
+              </a:endParaRPr>
+            </a:p>
+            <a:p>
+              <a:pPr lvl="0">
+                <a:lnSpc>
+                  <a:spcPct val="115000"/>
+                </a:lnSpc>
+                <a:buClr>
+                  <a:srgbClr val="677480"/>
+                </a:buClr>
+                <a:buSzPts val="1100"/>
                 <a:defRPr/>
               </a:pPr>
               <a:r>
@@ -24361,42 +24852,7 @@
                   <a:cs typeface="Open Sans" panose="020B0604020202020204" charset="0"/>
                   <a:sym typeface="Lato"/>
                 </a:rPr>
-                <a:t>Registro diario de los criterios aplicados a las decisiones de inversión.</a:t>
-              </a:r>
-              <a:endParaRPr lang="es-CO" sz="1200" dirty="0">
-                <a:solidFill>
-                  <a:srgbClr val="677480"/>
-                </a:solidFill>
-                <a:latin typeface="Montserrat Medium" panose="020B0604020202020204" charset="0"/>
-                <a:ea typeface="Open Sans" panose="020B0604020202020204" charset="0"/>
-                <a:cs typeface="Open Sans" panose="020B0604020202020204" charset="0"/>
-                <a:sym typeface="Lato"/>
-              </a:endParaRPr>
-            </a:p>
-            <a:p>
-              <a:pPr marL="169863" lvl="0" indent="-169863">
-                <a:lnSpc>
-                  <a:spcPct val="115000"/>
-                </a:lnSpc>
-                <a:buClr>
-                  <a:srgbClr val="677480"/>
-                </a:buClr>
-                <a:buSzPts val="1100"/>
-                <a:buFont typeface="Arial" panose="020B0604020202020204" pitchFamily="34" charset="0"/>
-                <a:buChar char="•"/>
-                <a:defRPr/>
-              </a:pPr>
-              <a:r>
-                <a:rPr lang="es-CO" sz="1600" dirty="0">
-                  <a:solidFill>
-                    <a:srgbClr val="677480"/>
-                  </a:solidFill>
-                  <a:latin typeface="Montserrat Medium" panose="020B0604020202020204" charset="0"/>
-                  <a:ea typeface="Open Sans" panose="020B0604020202020204" charset="0"/>
-                  <a:cs typeface="Open Sans" panose="020B0604020202020204" charset="0"/>
-                  <a:sym typeface="Lato"/>
-                </a:rPr>
-                <a:t>Identificación de mejor estrategia.</a:t>
+                <a:t>Identificación de la mejor estrategia</a:t>
               </a:r>
             </a:p>
           </p:txBody>
@@ -24907,6 +25363,99 @@
     <p:extLst>
       <p:ext uri="{BB962C8B-B14F-4D97-AF65-F5344CB8AC3E}">
         <p14:creationId xmlns:p14="http://schemas.microsoft.com/office/powerpoint/2010/main" val="4124150016"/>
+      </p:ext>
+    </p:extLst>
+  </p:cSld>
+  <p:clrMapOvr>
+    <a:masterClrMapping/>
+  </p:clrMapOvr>
+</p:sld>
+</file>
+
+<file path=ppt/slides/slide9.xml><?xml version="1.0" encoding="utf-8"?>
+<p:sld xmlns:a="http://schemas.openxmlformats.org/drawingml/2006/main" xmlns:r="http://schemas.openxmlformats.org/officeDocument/2006/relationships" xmlns:p="http://schemas.openxmlformats.org/presentationml/2006/main">
+  <p:cSld>
+    <p:spTree>
+      <p:nvGrpSpPr>
+        <p:cNvPr id="1" name=""/>
+        <p:cNvGrpSpPr/>
+        <p:nvPr/>
+      </p:nvGrpSpPr>
+      <p:grpSpPr>
+        <a:xfrm>
+          <a:off x="0" y="0"/>
+          <a:ext cx="0" cy="0"/>
+          <a:chOff x="0" y="0"/>
+          <a:chExt cx="0" cy="0"/>
+        </a:xfrm>
+      </p:grpSpPr>
+      <p:sp>
+        <p:nvSpPr>
+          <p:cNvPr id="2" name="Título 1">
+            <a:extLst>
+              <a:ext uri="{FF2B5EF4-FFF2-40B4-BE49-F238E27FC236}">
+                <a16:creationId xmlns:a16="http://schemas.microsoft.com/office/drawing/2014/main" id="{EC13EAE9-3A3A-4699-9106-F701E4EAB889}"/>
+              </a:ext>
+            </a:extLst>
+          </p:cNvPr>
+          <p:cNvSpPr>
+            <a:spLocks noGrp="1"/>
+          </p:cNvSpPr>
+          <p:nvPr>
+            <p:ph type="title"/>
+          </p:nvPr>
+        </p:nvSpPr>
+        <p:spPr>
+          <a:xfrm>
+            <a:off x="713224" y="539500"/>
+            <a:ext cx="6867789" cy="521100"/>
+          </a:xfrm>
+        </p:spPr>
+        <p:txBody>
+          <a:bodyPr/>
+          <a:lstStyle/>
+          <a:p>
+            <a:r>
+              <a:rPr lang="es-CO" dirty="0"/>
+              <a:t>ECH: la estrategia óptima es I2R8</a:t>
+            </a:r>
+          </a:p>
+        </p:txBody>
+      </p:sp>
+      <p:pic>
+        <p:nvPicPr>
+          <p:cNvPr id="13" name="Imagen 12">
+            <a:extLst>
+              <a:ext uri="{FF2B5EF4-FFF2-40B4-BE49-F238E27FC236}">
+                <a16:creationId xmlns:a16="http://schemas.microsoft.com/office/drawing/2014/main" id="{115C7377-1210-4D42-8668-ED0EB1172092}"/>
+              </a:ext>
+            </a:extLst>
+          </p:cNvPr>
+          <p:cNvPicPr>
+            <a:picLocks noChangeAspect="1"/>
+          </p:cNvPicPr>
+          <p:nvPr/>
+        </p:nvPicPr>
+        <p:blipFill>
+          <a:blip r:embed="rId2"/>
+          <a:stretch>
+            <a:fillRect/>
+          </a:stretch>
+        </p:blipFill>
+        <p:spPr>
+          <a:xfrm>
+            <a:off x="0" y="1060600"/>
+            <a:ext cx="9144000" cy="3692623"/>
+          </a:xfrm>
+          <a:prstGeom prst="rect">
+            <a:avLst/>
+          </a:prstGeom>
+        </p:spPr>
+      </p:pic>
+    </p:spTree>
+    <p:extLst>
+      <p:ext uri="{BB962C8B-B14F-4D97-AF65-F5344CB8AC3E}">
+        <p14:creationId xmlns:p14="http://schemas.microsoft.com/office/powerpoint/2010/main" val="803151583"/>
       </p:ext>
     </p:extLst>
   </p:cSld>
